--- a/MQTT/presentation/Particle-Rendering.pptx
+++ b/MQTT/presentation/Particle-Rendering.pptx
@@ -10,6 +10,7 @@
     <p:sldId id="256" r:id="rId5"/>
     <p:sldId id="257" r:id="rId6"/>
     <p:sldId id="258" r:id="rId7"/>
+    <p:sldId id="259" r:id="rId8"/>
   </p:sldIdLst>
   <p:sldSz cx="10080625" cy="5670550"/>
   <p:notesSz cx="7559675" cy="10691813"/>
@@ -40,7 +41,7 @@
             <a:spLocks noGrp="1"/>
           </p:cNvSpPr>
           <p:nvPr>
-            <p:ph type="ftr" idx="2"/>
+            <p:ph type="ftr" idx="1"/>
           </p:nvPr>
         </p:nvSpPr>
         <p:spPr/>
@@ -60,7 +61,27 @@
             <a:spLocks noGrp="1"/>
           </p:cNvSpPr>
           <p:nvPr>
-            <p:ph type="dt" idx="1"/>
+            <p:ph type="sldNum" idx="2"/>
+          </p:nvPr>
+        </p:nvSpPr>
+        <p:spPr/>
+        <p:txBody>
+          <a:bodyPr/>
+          <a:p>
+            <a:fld id="{1EF84C89-6C52-4225-8381-4BDE779F0FE5}" type="slidenum">
+              <a:t>&lt;#&gt;</a:t>
+            </a:fld>
+          </a:p>
+        </p:txBody>
+      </p:sp>
+      <p:sp>
+        <p:nvSpPr>
+          <p:cNvPr id="4" name="PlaceHolder 3"/>
+          <p:cNvSpPr>
+            <a:spLocks noGrp="1"/>
+          </p:cNvSpPr>
+          <p:nvPr>
+            <p:ph type="dt" idx="3"/>
           </p:nvPr>
         </p:nvSpPr>
         <p:spPr/>
@@ -98,7 +119,7 @@
       </p:grpSpPr>
       <p:sp>
         <p:nvSpPr>
-          <p:cNvPr id="29" name="PlaceHolder 1"/>
+          <p:cNvPr id="28" name="PlaceHolder 1"/>
           <p:cNvSpPr>
             <a:spLocks noGrp="1"/>
           </p:cNvSpPr>
@@ -109,36 +130,36 @@
         <p:spPr>
           <a:xfrm>
             <a:off x="2700000" y="1485000"/>
-            <a:ext cx="4680000" cy="1620000"/>
-          </a:xfrm>
-          <a:prstGeom prst="rect">
-            <a:avLst/>
-          </a:prstGeom>
-          <a:noFill/>
-          <a:ln w="0">
-            <a:noFill/>
-          </a:ln>
-        </p:spPr>
-        <p:txBody>
-          <a:bodyPr lIns="0" rIns="0" tIns="0" bIns="0" anchor="ctr" anchorCtr="1">
+            <a:ext cx="4679640" cy="1619640"/>
+          </a:xfrm>
+          <a:prstGeom prst="rect">
+            <a:avLst/>
+          </a:prstGeom>
+          <a:noFill/>
+          <a:ln w="0">
+            <a:noFill/>
+          </a:ln>
+        </p:spPr>
+        <p:txBody>
+          <a:bodyPr lIns="0" rIns="0" tIns="0" bIns="0" anchor="ctr">
             <a:noAutofit/>
           </a:bodyPr>
           <a:p>
             <a:pPr indent="0" algn="ctr">
               <a:buNone/>
             </a:pPr>
-            <a:endParaRPr b="1" lang="en-ID" sz="2700" spc="-1" strike="noStrike">
-              <a:solidFill>
-                <a:srgbClr val="2c3e50"/>
-              </a:solidFill>
-              <a:latin typeface="Source Sans Pro Black"/>
-            </a:endParaRPr>
-          </a:p>
-        </p:txBody>
-      </p:sp>
-      <p:sp>
-        <p:nvSpPr>
-          <p:cNvPr id="30" name="PlaceHolder 2"/>
+            <a:endParaRPr b="0" lang="en-ID" sz="4400" spc="-1" strike="noStrike">
+              <a:solidFill>
+                <a:srgbClr val="000000"/>
+              </a:solidFill>
+              <a:latin typeface="Arial"/>
+            </a:endParaRPr>
+          </a:p>
+        </p:txBody>
+      </p:sp>
+      <p:sp>
+        <p:nvSpPr>
+          <p:cNvPr id="29" name="PlaceHolder 2"/>
           <p:cNvSpPr>
             <a:spLocks noGrp="1"/>
           </p:cNvSpPr>
@@ -149,7 +170,7 @@
         <p:spPr>
           <a:xfrm>
             <a:off x="3420000" y="3240000"/>
-            <a:ext cx="6300000" cy="772560"/>
+            <a:ext cx="6299640" cy="772560"/>
           </a:xfrm>
           <a:prstGeom prst="rect">
             <a:avLst/>
@@ -165,23 +186,23 @@
           </a:bodyPr>
           <a:p>
             <a:pPr indent="0">
-              <a:spcAft>
-                <a:spcPts val="655"/>
-              </a:spcAft>
-              <a:buNone/>
-            </a:pPr>
-            <a:endParaRPr b="0" lang="en-ID" sz="1500" spc="-1" strike="noStrike">
-              <a:solidFill>
-                <a:srgbClr val="ffffff"/>
-              </a:solidFill>
-              <a:latin typeface="Source Sans Pro"/>
-            </a:endParaRPr>
-          </a:p>
-        </p:txBody>
-      </p:sp>
-      <p:sp>
-        <p:nvSpPr>
-          <p:cNvPr id="31" name="PlaceHolder 3"/>
+              <a:spcBef>
+                <a:spcPts val="1417"/>
+              </a:spcBef>
+              <a:buNone/>
+            </a:pPr>
+            <a:endParaRPr b="0" lang="en-ID" sz="3200" spc="-1" strike="noStrike">
+              <a:solidFill>
+                <a:srgbClr val="000000"/>
+              </a:solidFill>
+              <a:latin typeface="Arial"/>
+            </a:endParaRPr>
+          </a:p>
+        </p:txBody>
+      </p:sp>
+      <p:sp>
+        <p:nvSpPr>
+          <p:cNvPr id="30" name="PlaceHolder 3"/>
           <p:cNvSpPr>
             <a:spLocks noGrp="1"/>
           </p:cNvSpPr>
@@ -192,7 +213,7 @@
         <p:spPr>
           <a:xfrm>
             <a:off x="3420000" y="4086360"/>
-            <a:ext cx="6300000" cy="772560"/>
+            <a:ext cx="6299640" cy="772560"/>
           </a:xfrm>
           <a:prstGeom prst="rect">
             <a:avLst/>
@@ -208,16 +229,16 @@
           </a:bodyPr>
           <a:p>
             <a:pPr indent="0">
-              <a:spcAft>
-                <a:spcPts val="655"/>
-              </a:spcAft>
-              <a:buNone/>
-            </a:pPr>
-            <a:endParaRPr b="0" lang="en-ID" sz="1500" spc="-1" strike="noStrike">
-              <a:solidFill>
-                <a:srgbClr val="ffffff"/>
-              </a:solidFill>
-              <a:latin typeface="Source Sans Pro"/>
+              <a:spcBef>
+                <a:spcPts val="1417"/>
+              </a:spcBef>
+              <a:buNone/>
+            </a:pPr>
+            <a:endParaRPr b="0" lang="en-ID" sz="3200" spc="-1" strike="noStrike">
+              <a:solidFill>
+                <a:srgbClr val="000000"/>
+              </a:solidFill>
+              <a:latin typeface="Arial"/>
             </a:endParaRPr>
           </a:p>
         </p:txBody>
@@ -229,7 +250,7 @@
             <a:spLocks noGrp="1"/>
           </p:cNvSpPr>
           <p:nvPr>
-            <p:ph type="ftr" idx="2"/>
+            <p:ph type="ftr" idx="1"/>
           </p:nvPr>
         </p:nvSpPr>
         <p:spPr/>
@@ -249,7 +270,27 @@
             <a:spLocks noGrp="1"/>
           </p:cNvSpPr>
           <p:nvPr>
-            <p:ph type="dt" idx="1"/>
+            <p:ph type="sldNum" idx="2"/>
+          </p:nvPr>
+        </p:nvSpPr>
+        <p:spPr/>
+        <p:txBody>
+          <a:bodyPr/>
+          <a:p>
+            <a:fld id="{6359504D-B3BC-466A-A39D-891FA4C14552}" type="slidenum">
+              <a:t>&lt;#&gt;</a:t>
+            </a:fld>
+          </a:p>
+        </p:txBody>
+      </p:sp>
+      <p:sp>
+        <p:nvSpPr>
+          <p:cNvPr id="7" name="PlaceHolder 6"/>
+          <p:cNvSpPr>
+            <a:spLocks noGrp="1"/>
+          </p:cNvSpPr>
+          <p:nvPr>
+            <p:ph type="dt" idx="3"/>
           </p:nvPr>
         </p:nvSpPr>
         <p:spPr/>
@@ -287,7 +328,7 @@
       </p:grpSpPr>
       <p:sp>
         <p:nvSpPr>
-          <p:cNvPr id="32" name="PlaceHolder 1"/>
+          <p:cNvPr id="31" name="PlaceHolder 1"/>
           <p:cNvSpPr>
             <a:spLocks noGrp="1"/>
           </p:cNvSpPr>
@@ -298,36 +339,36 @@
         <p:spPr>
           <a:xfrm>
             <a:off x="2700000" y="1485000"/>
-            <a:ext cx="4680000" cy="1620000"/>
-          </a:xfrm>
-          <a:prstGeom prst="rect">
-            <a:avLst/>
-          </a:prstGeom>
-          <a:noFill/>
-          <a:ln w="0">
-            <a:noFill/>
-          </a:ln>
-        </p:spPr>
-        <p:txBody>
-          <a:bodyPr lIns="0" rIns="0" tIns="0" bIns="0" anchor="ctr" anchorCtr="1">
+            <a:ext cx="4679640" cy="1619640"/>
+          </a:xfrm>
+          <a:prstGeom prst="rect">
+            <a:avLst/>
+          </a:prstGeom>
+          <a:noFill/>
+          <a:ln w="0">
+            <a:noFill/>
+          </a:ln>
+        </p:spPr>
+        <p:txBody>
+          <a:bodyPr lIns="0" rIns="0" tIns="0" bIns="0" anchor="ctr">
             <a:noAutofit/>
           </a:bodyPr>
           <a:p>
             <a:pPr indent="0" algn="ctr">
               <a:buNone/>
             </a:pPr>
-            <a:endParaRPr b="1" lang="en-ID" sz="2700" spc="-1" strike="noStrike">
-              <a:solidFill>
-                <a:srgbClr val="2c3e50"/>
-              </a:solidFill>
-              <a:latin typeface="Source Sans Pro Black"/>
-            </a:endParaRPr>
-          </a:p>
-        </p:txBody>
-      </p:sp>
-      <p:sp>
-        <p:nvSpPr>
-          <p:cNvPr id="33" name="PlaceHolder 2"/>
+            <a:endParaRPr b="0" lang="en-ID" sz="4400" spc="-1" strike="noStrike">
+              <a:solidFill>
+                <a:srgbClr val="000000"/>
+              </a:solidFill>
+              <a:latin typeface="Arial"/>
+            </a:endParaRPr>
+          </a:p>
+        </p:txBody>
+      </p:sp>
+      <p:sp>
+        <p:nvSpPr>
+          <p:cNvPr id="32" name="PlaceHolder 2"/>
           <p:cNvSpPr>
             <a:spLocks noGrp="1"/>
           </p:cNvSpPr>
@@ -350,27 +391,27 @@
         </p:spPr>
         <p:txBody>
           <a:bodyPr lIns="0" rIns="0" tIns="0" bIns="0" anchor="t">
-            <a:normAutofit/>
+            <a:normAutofit fontScale="93740" lnSpcReduction="10000"/>
           </a:bodyPr>
           <a:p>
             <a:pPr indent="0">
-              <a:spcAft>
-                <a:spcPts val="655"/>
-              </a:spcAft>
-              <a:buNone/>
-            </a:pPr>
-            <a:endParaRPr b="0" lang="en-ID" sz="1500" spc="-1" strike="noStrike">
-              <a:solidFill>
-                <a:srgbClr val="ffffff"/>
-              </a:solidFill>
-              <a:latin typeface="Source Sans Pro"/>
-            </a:endParaRPr>
-          </a:p>
-        </p:txBody>
-      </p:sp>
-      <p:sp>
-        <p:nvSpPr>
-          <p:cNvPr id="34" name="PlaceHolder 3"/>
+              <a:spcBef>
+                <a:spcPts val="1417"/>
+              </a:spcBef>
+              <a:buNone/>
+            </a:pPr>
+            <a:endParaRPr b="0" lang="en-ID" sz="3200" spc="-1" strike="noStrike">
+              <a:solidFill>
+                <a:srgbClr val="000000"/>
+              </a:solidFill>
+              <a:latin typeface="Arial"/>
+            </a:endParaRPr>
+          </a:p>
+        </p:txBody>
+      </p:sp>
+      <p:sp>
+        <p:nvSpPr>
+          <p:cNvPr id="33" name="PlaceHolder 3"/>
           <p:cNvSpPr>
             <a:spLocks noGrp="1"/>
           </p:cNvSpPr>
@@ -393,27 +434,27 @@
         </p:spPr>
         <p:txBody>
           <a:bodyPr lIns="0" rIns="0" tIns="0" bIns="0" anchor="t">
-            <a:normAutofit/>
+            <a:normAutofit fontScale="93740" lnSpcReduction="10000"/>
           </a:bodyPr>
           <a:p>
             <a:pPr indent="0">
-              <a:spcAft>
-                <a:spcPts val="655"/>
-              </a:spcAft>
-              <a:buNone/>
-            </a:pPr>
-            <a:endParaRPr b="0" lang="en-ID" sz="1500" spc="-1" strike="noStrike">
-              <a:solidFill>
-                <a:srgbClr val="ffffff"/>
-              </a:solidFill>
-              <a:latin typeface="Source Sans Pro"/>
-            </a:endParaRPr>
-          </a:p>
-        </p:txBody>
-      </p:sp>
-      <p:sp>
-        <p:nvSpPr>
-          <p:cNvPr id="35" name="PlaceHolder 4"/>
+              <a:spcBef>
+                <a:spcPts val="1417"/>
+              </a:spcBef>
+              <a:buNone/>
+            </a:pPr>
+            <a:endParaRPr b="0" lang="en-ID" sz="3200" spc="-1" strike="noStrike">
+              <a:solidFill>
+                <a:srgbClr val="000000"/>
+              </a:solidFill>
+              <a:latin typeface="Arial"/>
+            </a:endParaRPr>
+          </a:p>
+        </p:txBody>
+      </p:sp>
+      <p:sp>
+        <p:nvSpPr>
+          <p:cNvPr id="34" name="PlaceHolder 4"/>
           <p:cNvSpPr>
             <a:spLocks noGrp="1"/>
           </p:cNvSpPr>
@@ -436,27 +477,27 @@
         </p:spPr>
         <p:txBody>
           <a:bodyPr lIns="0" rIns="0" tIns="0" bIns="0" anchor="t">
-            <a:normAutofit/>
+            <a:normAutofit fontScale="93740" lnSpcReduction="10000"/>
           </a:bodyPr>
           <a:p>
             <a:pPr indent="0">
-              <a:spcAft>
-                <a:spcPts val="655"/>
-              </a:spcAft>
-              <a:buNone/>
-            </a:pPr>
-            <a:endParaRPr b="0" lang="en-ID" sz="1500" spc="-1" strike="noStrike">
-              <a:solidFill>
-                <a:srgbClr val="ffffff"/>
-              </a:solidFill>
-              <a:latin typeface="Source Sans Pro"/>
-            </a:endParaRPr>
-          </a:p>
-        </p:txBody>
-      </p:sp>
-      <p:sp>
-        <p:nvSpPr>
-          <p:cNvPr id="36" name="PlaceHolder 5"/>
+              <a:spcBef>
+                <a:spcPts val="1417"/>
+              </a:spcBef>
+              <a:buNone/>
+            </a:pPr>
+            <a:endParaRPr b="0" lang="en-ID" sz="3200" spc="-1" strike="noStrike">
+              <a:solidFill>
+                <a:srgbClr val="000000"/>
+              </a:solidFill>
+              <a:latin typeface="Arial"/>
+            </a:endParaRPr>
+          </a:p>
+        </p:txBody>
+      </p:sp>
+      <p:sp>
+        <p:nvSpPr>
+          <p:cNvPr id="35" name="PlaceHolder 5"/>
           <p:cNvSpPr>
             <a:spLocks noGrp="1"/>
           </p:cNvSpPr>
@@ -479,20 +520,20 @@
         </p:spPr>
         <p:txBody>
           <a:bodyPr lIns="0" rIns="0" tIns="0" bIns="0" anchor="t">
-            <a:normAutofit/>
+            <a:normAutofit fontScale="93740" lnSpcReduction="10000"/>
           </a:bodyPr>
           <a:p>
             <a:pPr indent="0">
-              <a:spcAft>
-                <a:spcPts val="655"/>
-              </a:spcAft>
-              <a:buNone/>
-            </a:pPr>
-            <a:endParaRPr b="0" lang="en-ID" sz="1500" spc="-1" strike="noStrike">
-              <a:solidFill>
-                <a:srgbClr val="ffffff"/>
-              </a:solidFill>
-              <a:latin typeface="Source Sans Pro"/>
+              <a:spcBef>
+                <a:spcPts val="1417"/>
+              </a:spcBef>
+              <a:buNone/>
+            </a:pPr>
+            <a:endParaRPr b="0" lang="en-ID" sz="3200" spc="-1" strike="noStrike">
+              <a:solidFill>
+                <a:srgbClr val="000000"/>
+              </a:solidFill>
+              <a:latin typeface="Arial"/>
             </a:endParaRPr>
           </a:p>
         </p:txBody>
@@ -504,7 +545,7 @@
             <a:spLocks noGrp="1"/>
           </p:cNvSpPr>
           <p:nvPr>
-            <p:ph type="ftr" idx="2"/>
+            <p:ph type="ftr" idx="1"/>
           </p:nvPr>
         </p:nvSpPr>
         <p:spPr/>
@@ -524,7 +565,27 @@
             <a:spLocks noGrp="1"/>
           </p:cNvSpPr>
           <p:nvPr>
-            <p:ph type="dt" idx="1"/>
+            <p:ph type="sldNum" idx="2"/>
+          </p:nvPr>
+        </p:nvSpPr>
+        <p:spPr/>
+        <p:txBody>
+          <a:bodyPr/>
+          <a:p>
+            <a:fld id="{65C288CA-307F-4851-AF4A-FC5EB960B77A}" type="slidenum">
+              <a:t>&lt;#&gt;</a:t>
+            </a:fld>
+          </a:p>
+        </p:txBody>
+      </p:sp>
+      <p:sp>
+        <p:nvSpPr>
+          <p:cNvPr id="9" name="PlaceHolder 8"/>
+          <p:cNvSpPr>
+            <a:spLocks noGrp="1"/>
+          </p:cNvSpPr>
+          <p:nvPr>
+            <p:ph type="dt" idx="3"/>
           </p:nvPr>
         </p:nvSpPr>
         <p:spPr/>
@@ -562,7 +623,7 @@
       </p:grpSpPr>
       <p:sp>
         <p:nvSpPr>
-          <p:cNvPr id="37" name="PlaceHolder 1"/>
+          <p:cNvPr id="36" name="PlaceHolder 1"/>
           <p:cNvSpPr>
             <a:spLocks noGrp="1"/>
           </p:cNvSpPr>
@@ -573,36 +634,36 @@
         <p:spPr>
           <a:xfrm>
             <a:off x="2700000" y="1485000"/>
-            <a:ext cx="4680000" cy="1620000"/>
-          </a:xfrm>
-          <a:prstGeom prst="rect">
-            <a:avLst/>
-          </a:prstGeom>
-          <a:noFill/>
-          <a:ln w="0">
-            <a:noFill/>
-          </a:ln>
-        </p:spPr>
-        <p:txBody>
-          <a:bodyPr lIns="0" rIns="0" tIns="0" bIns="0" anchor="ctr" anchorCtr="1">
+            <a:ext cx="4679640" cy="1619640"/>
+          </a:xfrm>
+          <a:prstGeom prst="rect">
+            <a:avLst/>
+          </a:prstGeom>
+          <a:noFill/>
+          <a:ln w="0">
+            <a:noFill/>
+          </a:ln>
+        </p:spPr>
+        <p:txBody>
+          <a:bodyPr lIns="0" rIns="0" tIns="0" bIns="0" anchor="ctr">
             <a:noAutofit/>
           </a:bodyPr>
           <a:p>
             <a:pPr indent="0" algn="ctr">
               <a:buNone/>
             </a:pPr>
-            <a:endParaRPr b="1" lang="en-ID" sz="2700" spc="-1" strike="noStrike">
-              <a:solidFill>
-                <a:srgbClr val="2c3e50"/>
-              </a:solidFill>
-              <a:latin typeface="Source Sans Pro Black"/>
-            </a:endParaRPr>
-          </a:p>
-        </p:txBody>
-      </p:sp>
-      <p:sp>
-        <p:nvSpPr>
-          <p:cNvPr id="38" name="PlaceHolder 2"/>
+            <a:endParaRPr b="0" lang="en-ID" sz="4400" spc="-1" strike="noStrike">
+              <a:solidFill>
+                <a:srgbClr val="000000"/>
+              </a:solidFill>
+              <a:latin typeface="Arial"/>
+            </a:endParaRPr>
+          </a:p>
+        </p:txBody>
+      </p:sp>
+      <p:sp>
+        <p:nvSpPr>
+          <p:cNvPr id="37" name="PlaceHolder 2"/>
           <p:cNvSpPr>
             <a:spLocks noGrp="1"/>
           </p:cNvSpPr>
@@ -625,27 +686,27 @@
         </p:spPr>
         <p:txBody>
           <a:bodyPr lIns="0" rIns="0" tIns="0" bIns="0" anchor="t">
-            <a:normAutofit/>
+            <a:normAutofit fontScale="84366"/>
           </a:bodyPr>
           <a:p>
             <a:pPr indent="0">
-              <a:spcAft>
-                <a:spcPts val="655"/>
-              </a:spcAft>
-              <a:buNone/>
-            </a:pPr>
-            <a:endParaRPr b="0" lang="en-ID" sz="1500" spc="-1" strike="noStrike">
-              <a:solidFill>
-                <a:srgbClr val="ffffff"/>
-              </a:solidFill>
-              <a:latin typeface="Source Sans Pro"/>
-            </a:endParaRPr>
-          </a:p>
-        </p:txBody>
-      </p:sp>
-      <p:sp>
-        <p:nvSpPr>
-          <p:cNvPr id="39" name="PlaceHolder 3"/>
+              <a:spcBef>
+                <a:spcPts val="1417"/>
+              </a:spcBef>
+              <a:buNone/>
+            </a:pPr>
+            <a:endParaRPr b="0" lang="en-ID" sz="3200" spc="-1" strike="noStrike">
+              <a:solidFill>
+                <a:srgbClr val="000000"/>
+              </a:solidFill>
+              <a:latin typeface="Arial"/>
+            </a:endParaRPr>
+          </a:p>
+        </p:txBody>
+      </p:sp>
+      <p:sp>
+        <p:nvSpPr>
+          <p:cNvPr id="38" name="PlaceHolder 3"/>
           <p:cNvSpPr>
             <a:spLocks noGrp="1"/>
           </p:cNvSpPr>
@@ -668,27 +729,27 @@
         </p:spPr>
         <p:txBody>
           <a:bodyPr lIns="0" rIns="0" tIns="0" bIns="0" anchor="t">
-            <a:normAutofit/>
+            <a:normAutofit fontScale="84366"/>
           </a:bodyPr>
           <a:p>
             <a:pPr indent="0">
-              <a:spcAft>
-                <a:spcPts val="655"/>
-              </a:spcAft>
-              <a:buNone/>
-            </a:pPr>
-            <a:endParaRPr b="0" lang="en-ID" sz="1500" spc="-1" strike="noStrike">
-              <a:solidFill>
-                <a:srgbClr val="ffffff"/>
-              </a:solidFill>
-              <a:latin typeface="Source Sans Pro"/>
-            </a:endParaRPr>
-          </a:p>
-        </p:txBody>
-      </p:sp>
-      <p:sp>
-        <p:nvSpPr>
-          <p:cNvPr id="40" name="PlaceHolder 4"/>
+              <a:spcBef>
+                <a:spcPts val="1417"/>
+              </a:spcBef>
+              <a:buNone/>
+            </a:pPr>
+            <a:endParaRPr b="0" lang="en-ID" sz="3200" spc="-1" strike="noStrike">
+              <a:solidFill>
+                <a:srgbClr val="000000"/>
+              </a:solidFill>
+              <a:latin typeface="Arial"/>
+            </a:endParaRPr>
+          </a:p>
+        </p:txBody>
+      </p:sp>
+      <p:sp>
+        <p:nvSpPr>
+          <p:cNvPr id="39" name="PlaceHolder 4"/>
           <p:cNvSpPr>
             <a:spLocks noGrp="1"/>
           </p:cNvSpPr>
@@ -711,27 +772,27 @@
         </p:spPr>
         <p:txBody>
           <a:bodyPr lIns="0" rIns="0" tIns="0" bIns="0" anchor="t">
-            <a:normAutofit/>
+            <a:normAutofit fontScale="84366"/>
           </a:bodyPr>
           <a:p>
             <a:pPr indent="0">
-              <a:spcAft>
-                <a:spcPts val="655"/>
-              </a:spcAft>
-              <a:buNone/>
-            </a:pPr>
-            <a:endParaRPr b="0" lang="en-ID" sz="1500" spc="-1" strike="noStrike">
-              <a:solidFill>
-                <a:srgbClr val="ffffff"/>
-              </a:solidFill>
-              <a:latin typeface="Source Sans Pro"/>
-            </a:endParaRPr>
-          </a:p>
-        </p:txBody>
-      </p:sp>
-      <p:sp>
-        <p:nvSpPr>
-          <p:cNvPr id="41" name="PlaceHolder 5"/>
+              <a:spcBef>
+                <a:spcPts val="1417"/>
+              </a:spcBef>
+              <a:buNone/>
+            </a:pPr>
+            <a:endParaRPr b="0" lang="en-ID" sz="3200" spc="-1" strike="noStrike">
+              <a:solidFill>
+                <a:srgbClr val="000000"/>
+              </a:solidFill>
+              <a:latin typeface="Arial"/>
+            </a:endParaRPr>
+          </a:p>
+        </p:txBody>
+      </p:sp>
+      <p:sp>
+        <p:nvSpPr>
+          <p:cNvPr id="40" name="PlaceHolder 5"/>
           <p:cNvSpPr>
             <a:spLocks noGrp="1"/>
           </p:cNvSpPr>
@@ -754,27 +815,27 @@
         </p:spPr>
         <p:txBody>
           <a:bodyPr lIns="0" rIns="0" tIns="0" bIns="0" anchor="t">
-            <a:normAutofit/>
+            <a:normAutofit fontScale="84366"/>
           </a:bodyPr>
           <a:p>
             <a:pPr indent="0">
-              <a:spcAft>
-                <a:spcPts val="655"/>
-              </a:spcAft>
-              <a:buNone/>
-            </a:pPr>
-            <a:endParaRPr b="0" lang="en-ID" sz="1500" spc="-1" strike="noStrike">
-              <a:solidFill>
-                <a:srgbClr val="ffffff"/>
-              </a:solidFill>
-              <a:latin typeface="Source Sans Pro"/>
-            </a:endParaRPr>
-          </a:p>
-        </p:txBody>
-      </p:sp>
-      <p:sp>
-        <p:nvSpPr>
-          <p:cNvPr id="42" name="PlaceHolder 6"/>
+              <a:spcBef>
+                <a:spcPts val="1417"/>
+              </a:spcBef>
+              <a:buNone/>
+            </a:pPr>
+            <a:endParaRPr b="0" lang="en-ID" sz="3200" spc="-1" strike="noStrike">
+              <a:solidFill>
+                <a:srgbClr val="000000"/>
+              </a:solidFill>
+              <a:latin typeface="Arial"/>
+            </a:endParaRPr>
+          </a:p>
+        </p:txBody>
+      </p:sp>
+      <p:sp>
+        <p:nvSpPr>
+          <p:cNvPr id="41" name="PlaceHolder 6"/>
           <p:cNvSpPr>
             <a:spLocks noGrp="1"/>
           </p:cNvSpPr>
@@ -797,27 +858,27 @@
         </p:spPr>
         <p:txBody>
           <a:bodyPr lIns="0" rIns="0" tIns="0" bIns="0" anchor="t">
-            <a:normAutofit/>
+            <a:normAutofit fontScale="84366"/>
           </a:bodyPr>
           <a:p>
             <a:pPr indent="0">
-              <a:spcAft>
-                <a:spcPts val="655"/>
-              </a:spcAft>
-              <a:buNone/>
-            </a:pPr>
-            <a:endParaRPr b="0" lang="en-ID" sz="1500" spc="-1" strike="noStrike">
-              <a:solidFill>
-                <a:srgbClr val="ffffff"/>
-              </a:solidFill>
-              <a:latin typeface="Source Sans Pro"/>
-            </a:endParaRPr>
-          </a:p>
-        </p:txBody>
-      </p:sp>
-      <p:sp>
-        <p:nvSpPr>
-          <p:cNvPr id="43" name="PlaceHolder 7"/>
+              <a:spcBef>
+                <a:spcPts val="1417"/>
+              </a:spcBef>
+              <a:buNone/>
+            </a:pPr>
+            <a:endParaRPr b="0" lang="en-ID" sz="3200" spc="-1" strike="noStrike">
+              <a:solidFill>
+                <a:srgbClr val="000000"/>
+              </a:solidFill>
+              <a:latin typeface="Arial"/>
+            </a:endParaRPr>
+          </a:p>
+        </p:txBody>
+      </p:sp>
+      <p:sp>
+        <p:nvSpPr>
+          <p:cNvPr id="42" name="PlaceHolder 7"/>
           <p:cNvSpPr>
             <a:spLocks noGrp="1"/>
           </p:cNvSpPr>
@@ -840,20 +901,20 @@
         </p:spPr>
         <p:txBody>
           <a:bodyPr lIns="0" rIns="0" tIns="0" bIns="0" anchor="t">
-            <a:normAutofit/>
+            <a:normAutofit fontScale="84366"/>
           </a:bodyPr>
           <a:p>
             <a:pPr indent="0">
-              <a:spcAft>
-                <a:spcPts val="655"/>
-              </a:spcAft>
-              <a:buNone/>
-            </a:pPr>
-            <a:endParaRPr b="0" lang="en-ID" sz="1500" spc="-1" strike="noStrike">
-              <a:solidFill>
-                <a:srgbClr val="ffffff"/>
-              </a:solidFill>
-              <a:latin typeface="Source Sans Pro"/>
+              <a:spcBef>
+                <a:spcPts val="1417"/>
+              </a:spcBef>
+              <a:buNone/>
+            </a:pPr>
+            <a:endParaRPr b="0" lang="en-ID" sz="3200" spc="-1" strike="noStrike">
+              <a:solidFill>
+                <a:srgbClr val="000000"/>
+              </a:solidFill>
+              <a:latin typeface="Arial"/>
             </a:endParaRPr>
           </a:p>
         </p:txBody>
@@ -865,7 +926,7 @@
             <a:spLocks noGrp="1"/>
           </p:cNvSpPr>
           <p:nvPr>
-            <p:ph type="ftr" idx="2"/>
+            <p:ph type="ftr" idx="1"/>
           </p:nvPr>
         </p:nvSpPr>
         <p:spPr/>
@@ -885,7 +946,27 @@
             <a:spLocks noGrp="1"/>
           </p:cNvSpPr>
           <p:nvPr>
-            <p:ph type="dt" idx="1"/>
+            <p:ph type="sldNum" idx="2"/>
+          </p:nvPr>
+        </p:nvSpPr>
+        <p:spPr/>
+        <p:txBody>
+          <a:bodyPr/>
+          <a:p>
+            <a:fld id="{A74C6787-E30C-40EB-BC89-F125E3A3651F}" type="slidenum">
+              <a:t>&lt;#&gt;</a:t>
+            </a:fld>
+          </a:p>
+        </p:txBody>
+      </p:sp>
+      <p:sp>
+        <p:nvSpPr>
+          <p:cNvPr id="11" name="PlaceHolder 10"/>
+          <p:cNvSpPr>
+            <a:spLocks noGrp="1"/>
+          </p:cNvSpPr>
+          <p:nvPr>
+            <p:ph type="dt" idx="3"/>
           </p:nvPr>
         </p:nvSpPr>
         <p:spPr/>
@@ -948,27 +1029,7 @@
             <a:spLocks noGrp="1"/>
           </p:cNvSpPr>
           <p:nvPr>
-            <p:ph type="sldNum" idx="5"/>
-          </p:nvPr>
-        </p:nvSpPr>
-        <p:spPr/>
-        <p:txBody>
-          <a:bodyPr/>
-          <a:p>
-            <a:fld id="{A6E4AD52-87ED-4968-8AC0-9D81E85493BF}" type="slidenum">
-              <a:t>&lt;#&gt;</a:t>
-            </a:fld>
-          </a:p>
-        </p:txBody>
-      </p:sp>
-      <p:sp>
-        <p:nvSpPr>
-          <p:cNvPr id="4" name="PlaceHolder 3"/>
-          <p:cNvSpPr>
-            <a:spLocks noGrp="1"/>
-          </p:cNvSpPr>
-          <p:nvPr>
-            <p:ph type="dt" idx="3"/>
+            <p:ph type="dt" idx="5"/>
           </p:nvPr>
         </p:nvSpPr>
         <p:spPr/>
@@ -1017,47 +1078,7 @@
         <p:spPr>
           <a:xfrm>
             <a:off x="2700000" y="1485000"/>
-            <a:ext cx="4680000" cy="1620000"/>
-          </a:xfrm>
-          <a:prstGeom prst="rect">
-            <a:avLst/>
-          </a:prstGeom>
-          <a:noFill/>
-          <a:ln w="0">
-            <a:noFill/>
-          </a:ln>
-        </p:spPr>
-        <p:txBody>
-          <a:bodyPr lIns="0" rIns="0" tIns="0" bIns="0" anchor="ctr" anchorCtr="1">
-            <a:noAutofit/>
-          </a:bodyPr>
-          <a:p>
-            <a:pPr indent="0" algn="ctr">
-              <a:buNone/>
-            </a:pPr>
-            <a:endParaRPr b="1" lang="en-ID" sz="2700" spc="-1" strike="noStrike">
-              <a:solidFill>
-                <a:srgbClr val="2c3e50"/>
-              </a:solidFill>
-              <a:latin typeface="Source Sans Pro Black"/>
-            </a:endParaRPr>
-          </a:p>
-        </p:txBody>
-      </p:sp>
-      <p:sp>
-        <p:nvSpPr>
-          <p:cNvPr id="52" name="PlaceHolder 2"/>
-          <p:cNvSpPr>
-            <a:spLocks noGrp="1"/>
-          </p:cNvSpPr>
-          <p:nvPr>
-            <p:ph type="subTitle"/>
-          </p:nvPr>
-        </p:nvSpPr>
-        <p:spPr>
-          <a:xfrm>
-            <a:off x="3420000" y="3240000"/>
-            <a:ext cx="6300000" cy="1620000"/>
+            <a:ext cx="4679640" cy="1619640"/>
           </a:xfrm>
           <a:prstGeom prst="rect">
             <a:avLst/>
@@ -1075,11 +1096,51 @@
             <a:pPr indent="0" algn="ctr">
               <a:buNone/>
             </a:pPr>
-            <a:endParaRPr b="0" lang="en-ID" sz="2200" spc="-1" strike="noStrike">
-              <a:solidFill>
-                <a:srgbClr val="ffffff"/>
-              </a:solidFill>
-              <a:latin typeface="Source Sans Pro"/>
+            <a:endParaRPr b="0" lang="en-ID" sz="4400" spc="-1" strike="noStrike">
+              <a:solidFill>
+                <a:srgbClr val="000000"/>
+              </a:solidFill>
+              <a:latin typeface="Arial"/>
+            </a:endParaRPr>
+          </a:p>
+        </p:txBody>
+      </p:sp>
+      <p:sp>
+        <p:nvSpPr>
+          <p:cNvPr id="52" name="PlaceHolder 2"/>
+          <p:cNvSpPr>
+            <a:spLocks noGrp="1"/>
+          </p:cNvSpPr>
+          <p:nvPr>
+            <p:ph type="subTitle"/>
+          </p:nvPr>
+        </p:nvSpPr>
+        <p:spPr>
+          <a:xfrm>
+            <a:off x="3420000" y="3240000"/>
+            <a:ext cx="6299640" cy="1619640"/>
+          </a:xfrm>
+          <a:prstGeom prst="rect">
+            <a:avLst/>
+          </a:prstGeom>
+          <a:noFill/>
+          <a:ln w="0">
+            <a:noFill/>
+          </a:ln>
+        </p:spPr>
+        <p:txBody>
+          <a:bodyPr lIns="0" rIns="0" tIns="0" bIns="0" anchor="ctr">
+            <a:noAutofit/>
+          </a:bodyPr>
+          <a:p>
+            <a:pPr indent="0" algn="ctr">
+              <a:buNone/>
+            </a:pPr>
+            <a:endParaRPr b="0" lang="en-ID" sz="3200" spc="-1" strike="noStrike">
+              <a:solidFill>
+                <a:srgbClr val="000000"/>
+              </a:solidFill>
+              <a:latin typeface="Arial"/>
             </a:endParaRPr>
           </a:p>
         </p:txBody>
@@ -1111,27 +1172,7 @@
             <a:spLocks noGrp="1"/>
           </p:cNvSpPr>
           <p:nvPr>
-            <p:ph type="sldNum" idx="5"/>
-          </p:nvPr>
-        </p:nvSpPr>
-        <p:spPr/>
-        <p:txBody>
-          <a:bodyPr/>
-          <a:p>
-            <a:fld id="{4AE626CB-4E8B-484A-9E80-0D95269ED50E}" type="slidenum">
-              <a:t>&lt;#&gt;</a:t>
-            </a:fld>
-          </a:p>
-        </p:txBody>
-      </p:sp>
-      <p:sp>
-        <p:nvSpPr>
-          <p:cNvPr id="6" name="PlaceHolder 5"/>
-          <p:cNvSpPr>
-            <a:spLocks noGrp="1"/>
-          </p:cNvSpPr>
-          <p:nvPr>
-            <p:ph type="dt" idx="3"/>
+            <p:ph type="dt" idx="5"/>
           </p:nvPr>
         </p:nvSpPr>
         <p:spPr/>
@@ -1180,29 +1221,29 @@
         <p:spPr>
           <a:xfrm>
             <a:off x="2700000" y="1485000"/>
-            <a:ext cx="4680000" cy="1620000"/>
-          </a:xfrm>
-          <a:prstGeom prst="rect">
-            <a:avLst/>
-          </a:prstGeom>
-          <a:noFill/>
-          <a:ln w="0">
-            <a:noFill/>
-          </a:ln>
-        </p:spPr>
-        <p:txBody>
-          <a:bodyPr lIns="0" rIns="0" tIns="0" bIns="0" anchor="ctr" anchorCtr="1">
+            <a:ext cx="4679640" cy="1619640"/>
+          </a:xfrm>
+          <a:prstGeom prst="rect">
+            <a:avLst/>
+          </a:prstGeom>
+          <a:noFill/>
+          <a:ln w="0">
+            <a:noFill/>
+          </a:ln>
+        </p:spPr>
+        <p:txBody>
+          <a:bodyPr lIns="0" rIns="0" tIns="0" bIns="0" anchor="ctr">
             <a:noAutofit/>
           </a:bodyPr>
           <a:p>
             <a:pPr indent="0" algn="ctr">
               <a:buNone/>
             </a:pPr>
-            <a:endParaRPr b="1" lang="en-ID" sz="2700" spc="-1" strike="noStrike">
-              <a:solidFill>
-                <a:srgbClr val="2c3e50"/>
-              </a:solidFill>
-              <a:latin typeface="Source Sans Pro Black"/>
+            <a:endParaRPr b="0" lang="en-ID" sz="4400" spc="-1" strike="noStrike">
+              <a:solidFill>
+                <a:srgbClr val="000000"/>
+              </a:solidFill>
+              <a:latin typeface="Arial"/>
             </a:endParaRPr>
           </a:p>
         </p:txBody>
@@ -1220,7 +1261,7 @@
         <p:spPr>
           <a:xfrm>
             <a:off x="3420000" y="3240000"/>
-            <a:ext cx="6300000" cy="1620000"/>
+            <a:ext cx="6299640" cy="1619640"/>
           </a:xfrm>
           <a:prstGeom prst="rect">
             <a:avLst/>
@@ -1236,16 +1277,16 @@
           </a:bodyPr>
           <a:p>
             <a:pPr indent="0">
-              <a:spcAft>
-                <a:spcPts val="655"/>
-              </a:spcAft>
-              <a:buNone/>
-            </a:pPr>
-            <a:endParaRPr b="0" lang="en-ID" sz="1500" spc="-1" strike="noStrike">
-              <a:solidFill>
-                <a:srgbClr val="ffffff"/>
-              </a:solidFill>
-              <a:latin typeface="Source Sans Pro"/>
+              <a:spcBef>
+                <a:spcPts val="1417"/>
+              </a:spcBef>
+              <a:buNone/>
+            </a:pPr>
+            <a:endParaRPr b="0" lang="en-ID" sz="3200" spc="-1" strike="noStrike">
+              <a:solidFill>
+                <a:srgbClr val="000000"/>
+              </a:solidFill>
+              <a:latin typeface="Arial"/>
             </a:endParaRPr>
           </a:p>
         </p:txBody>
@@ -1277,27 +1318,7 @@
             <a:spLocks noGrp="1"/>
           </p:cNvSpPr>
           <p:nvPr>
-            <p:ph type="sldNum" idx="5"/>
-          </p:nvPr>
-        </p:nvSpPr>
-        <p:spPr/>
-        <p:txBody>
-          <a:bodyPr/>
-          <a:p>
-            <a:fld id="{58D8A48D-1497-4E62-A403-B72CED9BC2C3}" type="slidenum">
-              <a:t>&lt;#&gt;</a:t>
-            </a:fld>
-          </a:p>
-        </p:txBody>
-      </p:sp>
-      <p:sp>
-        <p:nvSpPr>
-          <p:cNvPr id="6" name="PlaceHolder 5"/>
-          <p:cNvSpPr>
-            <a:spLocks noGrp="1"/>
-          </p:cNvSpPr>
-          <p:nvPr>
-            <p:ph type="dt" idx="3"/>
+            <p:ph type="dt" idx="5"/>
           </p:nvPr>
         </p:nvSpPr>
         <p:spPr/>
@@ -1346,29 +1367,29 @@
         <p:spPr>
           <a:xfrm>
             <a:off x="2700000" y="1485000"/>
-            <a:ext cx="4680000" cy="1620000"/>
-          </a:xfrm>
-          <a:prstGeom prst="rect">
-            <a:avLst/>
-          </a:prstGeom>
-          <a:noFill/>
-          <a:ln w="0">
-            <a:noFill/>
-          </a:ln>
-        </p:spPr>
-        <p:txBody>
-          <a:bodyPr lIns="0" rIns="0" tIns="0" bIns="0" anchor="ctr" anchorCtr="1">
+            <a:ext cx="4679640" cy="1619640"/>
+          </a:xfrm>
+          <a:prstGeom prst="rect">
+            <a:avLst/>
+          </a:prstGeom>
+          <a:noFill/>
+          <a:ln w="0">
+            <a:noFill/>
+          </a:ln>
+        </p:spPr>
+        <p:txBody>
+          <a:bodyPr lIns="0" rIns="0" tIns="0" bIns="0" anchor="ctr">
             <a:noAutofit/>
           </a:bodyPr>
           <a:p>
             <a:pPr indent="0" algn="ctr">
               <a:buNone/>
             </a:pPr>
-            <a:endParaRPr b="1" lang="en-ID" sz="2700" spc="-1" strike="noStrike">
-              <a:solidFill>
-                <a:srgbClr val="2c3e50"/>
-              </a:solidFill>
-              <a:latin typeface="Source Sans Pro Black"/>
+            <a:endParaRPr b="0" lang="en-ID" sz="4400" spc="-1" strike="noStrike">
+              <a:solidFill>
+                <a:srgbClr val="000000"/>
+              </a:solidFill>
+              <a:latin typeface="Arial"/>
             </a:endParaRPr>
           </a:p>
         </p:txBody>
@@ -1386,7 +1407,7 @@
         <p:spPr>
           <a:xfrm>
             <a:off x="3420000" y="3240000"/>
-            <a:ext cx="3074040" cy="1620000"/>
+            <a:ext cx="3074040" cy="1619640"/>
           </a:xfrm>
           <a:prstGeom prst="rect">
             <a:avLst/>
@@ -1402,16 +1423,16 @@
           </a:bodyPr>
           <a:p>
             <a:pPr indent="0">
-              <a:spcAft>
-                <a:spcPts val="655"/>
-              </a:spcAft>
-              <a:buNone/>
-            </a:pPr>
-            <a:endParaRPr b="0" lang="en-ID" sz="1500" spc="-1" strike="noStrike">
-              <a:solidFill>
-                <a:srgbClr val="ffffff"/>
-              </a:solidFill>
-              <a:latin typeface="Source Sans Pro"/>
+              <a:spcBef>
+                <a:spcPts val="1417"/>
+              </a:spcBef>
+              <a:buNone/>
+            </a:pPr>
+            <a:endParaRPr b="0" lang="en-ID" sz="3200" spc="-1" strike="noStrike">
+              <a:solidFill>
+                <a:srgbClr val="000000"/>
+              </a:solidFill>
+              <a:latin typeface="Arial"/>
             </a:endParaRPr>
           </a:p>
         </p:txBody>
@@ -1429,7 +1450,7 @@
         <p:spPr>
           <a:xfrm>
             <a:off x="6648120" y="3240000"/>
-            <a:ext cx="3074040" cy="1620000"/>
+            <a:ext cx="3074040" cy="1619640"/>
           </a:xfrm>
           <a:prstGeom prst="rect">
             <a:avLst/>
@@ -1445,16 +1466,16 @@
           </a:bodyPr>
           <a:p>
             <a:pPr indent="0">
-              <a:spcAft>
-                <a:spcPts val="655"/>
-              </a:spcAft>
-              <a:buNone/>
-            </a:pPr>
-            <a:endParaRPr b="0" lang="en-ID" sz="1500" spc="-1" strike="noStrike">
-              <a:solidFill>
-                <a:srgbClr val="ffffff"/>
-              </a:solidFill>
-              <a:latin typeface="Source Sans Pro"/>
+              <a:spcBef>
+                <a:spcPts val="1417"/>
+              </a:spcBef>
+              <a:buNone/>
+            </a:pPr>
+            <a:endParaRPr b="0" lang="en-ID" sz="3200" spc="-1" strike="noStrike">
+              <a:solidFill>
+                <a:srgbClr val="000000"/>
+              </a:solidFill>
+              <a:latin typeface="Arial"/>
             </a:endParaRPr>
           </a:p>
         </p:txBody>
@@ -1486,27 +1507,7 @@
             <a:spLocks noGrp="1"/>
           </p:cNvSpPr>
           <p:nvPr>
-            <p:ph type="sldNum" idx="5"/>
-          </p:nvPr>
-        </p:nvSpPr>
-        <p:spPr/>
-        <p:txBody>
-          <a:bodyPr/>
-          <a:p>
-            <a:fld id="{F2F6F9C0-FCFF-4D09-90A9-9BFFE1831002}" type="slidenum">
-              <a:t>&lt;#&gt;</a:t>
-            </a:fld>
-          </a:p>
-        </p:txBody>
-      </p:sp>
-      <p:sp>
-        <p:nvSpPr>
-          <p:cNvPr id="7" name="PlaceHolder 6"/>
-          <p:cNvSpPr>
-            <a:spLocks noGrp="1"/>
-          </p:cNvSpPr>
-          <p:nvPr>
-            <p:ph type="dt" idx="3"/>
+            <p:ph type="dt" idx="5"/>
           </p:nvPr>
         </p:nvSpPr>
         <p:spPr/>
@@ -1555,29 +1556,29 @@
         <p:spPr>
           <a:xfrm>
             <a:off x="2700000" y="1485000"/>
-            <a:ext cx="4680000" cy="1620000"/>
-          </a:xfrm>
-          <a:prstGeom prst="rect">
-            <a:avLst/>
-          </a:prstGeom>
-          <a:noFill/>
-          <a:ln w="0">
-            <a:noFill/>
-          </a:ln>
-        </p:spPr>
-        <p:txBody>
-          <a:bodyPr lIns="0" rIns="0" tIns="0" bIns="0" anchor="ctr" anchorCtr="1">
+            <a:ext cx="4679640" cy="1619640"/>
+          </a:xfrm>
+          <a:prstGeom prst="rect">
+            <a:avLst/>
+          </a:prstGeom>
+          <a:noFill/>
+          <a:ln w="0">
+            <a:noFill/>
+          </a:ln>
+        </p:spPr>
+        <p:txBody>
+          <a:bodyPr lIns="0" rIns="0" tIns="0" bIns="0" anchor="ctr">
             <a:noAutofit/>
           </a:bodyPr>
           <a:p>
             <a:pPr indent="0" algn="ctr">
               <a:buNone/>
             </a:pPr>
-            <a:endParaRPr b="1" lang="en-ID" sz="2700" spc="-1" strike="noStrike">
-              <a:solidFill>
-                <a:srgbClr val="2c3e50"/>
-              </a:solidFill>
-              <a:latin typeface="Source Sans Pro Black"/>
+            <a:endParaRPr b="0" lang="en-ID" sz="4400" spc="-1" strike="noStrike">
+              <a:solidFill>
+                <a:srgbClr val="000000"/>
+              </a:solidFill>
+              <a:latin typeface="Arial"/>
             </a:endParaRPr>
           </a:p>
         </p:txBody>
@@ -1609,27 +1610,7 @@
             <a:spLocks noGrp="1"/>
           </p:cNvSpPr>
           <p:nvPr>
-            <p:ph type="sldNum" idx="5"/>
-          </p:nvPr>
-        </p:nvSpPr>
-        <p:spPr/>
-        <p:txBody>
-          <a:bodyPr/>
-          <a:p>
-            <a:fld id="{27A258D5-95F7-425F-9EC6-14ED33F2E2D0}" type="slidenum">
-              <a:t>&lt;#&gt;</a:t>
-            </a:fld>
-          </a:p>
-        </p:txBody>
-      </p:sp>
-      <p:sp>
-        <p:nvSpPr>
-          <p:cNvPr id="5" name="PlaceHolder 4"/>
-          <p:cNvSpPr>
-            <a:spLocks noGrp="1"/>
-          </p:cNvSpPr>
-          <p:nvPr>
-            <p:ph type="dt" idx="3"/>
+            <p:ph type="dt" idx="5"/>
           </p:nvPr>
         </p:nvSpPr>
         <p:spPr/>
@@ -1678,7 +1659,7 @@
         <p:spPr>
           <a:xfrm>
             <a:off x="2700000" y="1485000"/>
-            <a:ext cx="4680000" cy="7510680"/>
+            <a:ext cx="4679640" cy="7508880"/>
           </a:xfrm>
           <a:prstGeom prst="rect">
             <a:avLst/>
@@ -1694,11 +1675,11 @@
           </a:bodyPr>
           <a:p>
             <a:pPr algn="ctr"/>
-            <a:endParaRPr b="0" lang="en-ID" sz="2200" spc="-1" strike="noStrike">
-              <a:solidFill>
-                <a:srgbClr val="ffffff"/>
-              </a:solidFill>
-              <a:latin typeface="Source Sans Pro"/>
+            <a:endParaRPr b="0" lang="en-ID" sz="3200" spc="-1" strike="noStrike">
+              <a:solidFill>
+                <a:srgbClr val="000000"/>
+              </a:solidFill>
+              <a:latin typeface="Arial"/>
             </a:endParaRPr>
           </a:p>
         </p:txBody>
@@ -1730,27 +1711,7 @@
             <a:spLocks noGrp="1"/>
           </p:cNvSpPr>
           <p:nvPr>
-            <p:ph type="sldNum" idx="5"/>
-          </p:nvPr>
-        </p:nvSpPr>
-        <p:spPr/>
-        <p:txBody>
-          <a:bodyPr/>
-          <a:p>
-            <a:fld id="{C61D8ADC-8A05-41B7-8B2C-D8BD77B834A8}" type="slidenum">
-              <a:t>&lt;#&gt;</a:t>
-            </a:fld>
-          </a:p>
-        </p:txBody>
-      </p:sp>
-      <p:sp>
-        <p:nvSpPr>
-          <p:cNvPr id="5" name="PlaceHolder 4"/>
-          <p:cNvSpPr>
-            <a:spLocks noGrp="1"/>
-          </p:cNvSpPr>
-          <p:nvPr>
-            <p:ph type="dt" idx="3"/>
+            <p:ph type="dt" idx="5"/>
           </p:nvPr>
         </p:nvSpPr>
         <p:spPr/>
@@ -1799,29 +1760,29 @@
         <p:spPr>
           <a:xfrm>
             <a:off x="2700000" y="1485000"/>
-            <a:ext cx="4680000" cy="1620000"/>
-          </a:xfrm>
-          <a:prstGeom prst="rect">
-            <a:avLst/>
-          </a:prstGeom>
-          <a:noFill/>
-          <a:ln w="0">
-            <a:noFill/>
-          </a:ln>
-        </p:spPr>
-        <p:txBody>
-          <a:bodyPr lIns="0" rIns="0" tIns="0" bIns="0" anchor="ctr" anchorCtr="1">
+            <a:ext cx="4679640" cy="1619640"/>
+          </a:xfrm>
+          <a:prstGeom prst="rect">
+            <a:avLst/>
+          </a:prstGeom>
+          <a:noFill/>
+          <a:ln w="0">
+            <a:noFill/>
+          </a:ln>
+        </p:spPr>
+        <p:txBody>
+          <a:bodyPr lIns="0" rIns="0" tIns="0" bIns="0" anchor="ctr">
             <a:noAutofit/>
           </a:bodyPr>
           <a:p>
             <a:pPr indent="0" algn="ctr">
               <a:buNone/>
             </a:pPr>
-            <a:endParaRPr b="1" lang="en-ID" sz="2700" spc="-1" strike="noStrike">
-              <a:solidFill>
-                <a:srgbClr val="2c3e50"/>
-              </a:solidFill>
-              <a:latin typeface="Source Sans Pro Black"/>
+            <a:endParaRPr b="0" lang="en-ID" sz="4400" spc="-1" strike="noStrike">
+              <a:solidFill>
+                <a:srgbClr val="000000"/>
+              </a:solidFill>
+              <a:latin typeface="Arial"/>
             </a:endParaRPr>
           </a:p>
         </p:txBody>
@@ -1851,20 +1812,20 @@
         </p:spPr>
         <p:txBody>
           <a:bodyPr lIns="0" rIns="0" tIns="0" bIns="0" anchor="t">
-            <a:normAutofit/>
+            <a:normAutofit fontScale="93740" lnSpcReduction="10000"/>
           </a:bodyPr>
           <a:p>
             <a:pPr indent="0">
-              <a:spcAft>
-                <a:spcPts val="655"/>
-              </a:spcAft>
-              <a:buNone/>
-            </a:pPr>
-            <a:endParaRPr b="0" lang="en-ID" sz="1500" spc="-1" strike="noStrike">
-              <a:solidFill>
-                <a:srgbClr val="ffffff"/>
-              </a:solidFill>
-              <a:latin typeface="Source Sans Pro"/>
+              <a:spcBef>
+                <a:spcPts val="1417"/>
+              </a:spcBef>
+              <a:buNone/>
+            </a:pPr>
+            <a:endParaRPr b="0" lang="en-ID" sz="3200" spc="-1" strike="noStrike">
+              <a:solidFill>
+                <a:srgbClr val="000000"/>
+              </a:solidFill>
+              <a:latin typeface="Arial"/>
             </a:endParaRPr>
           </a:p>
         </p:txBody>
@@ -1882,7 +1843,7 @@
         <p:spPr>
           <a:xfrm>
             <a:off x="6648120" y="3240000"/>
-            <a:ext cx="3074040" cy="1620000"/>
+            <a:ext cx="3074040" cy="1619640"/>
           </a:xfrm>
           <a:prstGeom prst="rect">
             <a:avLst/>
@@ -1898,16 +1859,16 @@
           </a:bodyPr>
           <a:p>
             <a:pPr indent="0">
-              <a:spcAft>
-                <a:spcPts val="655"/>
-              </a:spcAft>
-              <a:buNone/>
-            </a:pPr>
-            <a:endParaRPr b="0" lang="en-ID" sz="1500" spc="-1" strike="noStrike">
-              <a:solidFill>
-                <a:srgbClr val="ffffff"/>
-              </a:solidFill>
-              <a:latin typeface="Source Sans Pro"/>
+              <a:spcBef>
+                <a:spcPts val="1417"/>
+              </a:spcBef>
+              <a:buNone/>
+            </a:pPr>
+            <a:endParaRPr b="0" lang="en-ID" sz="3200" spc="-1" strike="noStrike">
+              <a:solidFill>
+                <a:srgbClr val="000000"/>
+              </a:solidFill>
+              <a:latin typeface="Arial"/>
             </a:endParaRPr>
           </a:p>
         </p:txBody>
@@ -1937,20 +1898,20 @@
         </p:spPr>
         <p:txBody>
           <a:bodyPr lIns="0" rIns="0" tIns="0" bIns="0" anchor="t">
-            <a:normAutofit/>
+            <a:normAutofit fontScale="93740" lnSpcReduction="10000"/>
           </a:bodyPr>
           <a:p>
             <a:pPr indent="0">
-              <a:spcAft>
-                <a:spcPts val="655"/>
-              </a:spcAft>
-              <a:buNone/>
-            </a:pPr>
-            <a:endParaRPr b="0" lang="en-ID" sz="1500" spc="-1" strike="noStrike">
-              <a:solidFill>
-                <a:srgbClr val="ffffff"/>
-              </a:solidFill>
-              <a:latin typeface="Source Sans Pro"/>
+              <a:spcBef>
+                <a:spcPts val="1417"/>
+              </a:spcBef>
+              <a:buNone/>
+            </a:pPr>
+            <a:endParaRPr b="0" lang="en-ID" sz="3200" spc="-1" strike="noStrike">
+              <a:solidFill>
+                <a:srgbClr val="000000"/>
+              </a:solidFill>
+              <a:latin typeface="Arial"/>
             </a:endParaRPr>
           </a:p>
         </p:txBody>
@@ -1982,27 +1943,7 @@
             <a:spLocks noGrp="1"/>
           </p:cNvSpPr>
           <p:nvPr>
-            <p:ph type="sldNum" idx="5"/>
-          </p:nvPr>
-        </p:nvSpPr>
-        <p:spPr/>
-        <p:txBody>
-          <a:bodyPr/>
-          <a:p>
-            <a:fld id="{334BCC9C-434F-44D5-A417-A82EC1C8CDD9}" type="slidenum">
-              <a:t>&lt;#&gt;</a:t>
-            </a:fld>
-          </a:p>
-        </p:txBody>
-      </p:sp>
-      <p:sp>
-        <p:nvSpPr>
-          <p:cNvPr id="8" name="PlaceHolder 7"/>
-          <p:cNvSpPr>
-            <a:spLocks noGrp="1"/>
-          </p:cNvSpPr>
-          <p:nvPr>
-            <p:ph type="dt" idx="3"/>
+            <p:ph type="dt" idx="5"/>
           </p:nvPr>
         </p:nvSpPr>
         <p:spPr/>
@@ -2040,7 +1981,7 @@
       </p:grpSpPr>
       <p:sp>
         <p:nvSpPr>
-          <p:cNvPr id="8" name="PlaceHolder 1"/>
+          <p:cNvPr id="7" name="PlaceHolder 1"/>
           <p:cNvSpPr>
             <a:spLocks noGrp="1"/>
           </p:cNvSpPr>
@@ -2051,47 +1992,7 @@
         <p:spPr>
           <a:xfrm>
             <a:off x="2700000" y="1485000"/>
-            <a:ext cx="4680000" cy="1620000"/>
-          </a:xfrm>
-          <a:prstGeom prst="rect">
-            <a:avLst/>
-          </a:prstGeom>
-          <a:noFill/>
-          <a:ln w="0">
-            <a:noFill/>
-          </a:ln>
-        </p:spPr>
-        <p:txBody>
-          <a:bodyPr lIns="0" rIns="0" tIns="0" bIns="0" anchor="ctr" anchorCtr="1">
-            <a:noAutofit/>
-          </a:bodyPr>
-          <a:p>
-            <a:pPr indent="0" algn="ctr">
-              <a:buNone/>
-            </a:pPr>
-            <a:endParaRPr b="1" lang="en-ID" sz="2700" spc="-1" strike="noStrike">
-              <a:solidFill>
-                <a:srgbClr val="2c3e50"/>
-              </a:solidFill>
-              <a:latin typeface="Source Sans Pro Black"/>
-            </a:endParaRPr>
-          </a:p>
-        </p:txBody>
-      </p:sp>
-      <p:sp>
-        <p:nvSpPr>
-          <p:cNvPr id="9" name="PlaceHolder 2"/>
-          <p:cNvSpPr>
-            <a:spLocks noGrp="1"/>
-          </p:cNvSpPr>
-          <p:nvPr>
-            <p:ph type="subTitle"/>
-          </p:nvPr>
-        </p:nvSpPr>
-        <p:spPr>
-          <a:xfrm>
-            <a:off x="3420000" y="3240000"/>
-            <a:ext cx="6300000" cy="1620000"/>
+            <a:ext cx="4679640" cy="1619640"/>
           </a:xfrm>
           <a:prstGeom prst="rect">
             <a:avLst/>
@@ -2109,11 +2010,51 @@
             <a:pPr indent="0" algn="ctr">
               <a:buNone/>
             </a:pPr>
-            <a:endParaRPr b="0" lang="en-ID" sz="2200" spc="-1" strike="noStrike">
-              <a:solidFill>
-                <a:srgbClr val="ffffff"/>
-              </a:solidFill>
-              <a:latin typeface="Source Sans Pro"/>
+            <a:endParaRPr b="0" lang="en-ID" sz="4400" spc="-1" strike="noStrike">
+              <a:solidFill>
+                <a:srgbClr val="000000"/>
+              </a:solidFill>
+              <a:latin typeface="Arial"/>
+            </a:endParaRPr>
+          </a:p>
+        </p:txBody>
+      </p:sp>
+      <p:sp>
+        <p:nvSpPr>
+          <p:cNvPr id="8" name="PlaceHolder 2"/>
+          <p:cNvSpPr>
+            <a:spLocks noGrp="1"/>
+          </p:cNvSpPr>
+          <p:nvPr>
+            <p:ph type="subTitle"/>
+          </p:nvPr>
+        </p:nvSpPr>
+        <p:spPr>
+          <a:xfrm>
+            <a:off x="3420000" y="3240000"/>
+            <a:ext cx="6299640" cy="1619640"/>
+          </a:xfrm>
+          <a:prstGeom prst="rect">
+            <a:avLst/>
+          </a:prstGeom>
+          <a:noFill/>
+          <a:ln w="0">
+            <a:noFill/>
+          </a:ln>
+        </p:spPr>
+        <p:txBody>
+          <a:bodyPr lIns="0" rIns="0" tIns="0" bIns="0" anchor="ctr">
+            <a:noAutofit/>
+          </a:bodyPr>
+          <a:p>
+            <a:pPr indent="0" algn="ctr">
+              <a:buNone/>
+            </a:pPr>
+            <a:endParaRPr b="0" lang="en-ID" sz="3200" spc="-1" strike="noStrike">
+              <a:solidFill>
+                <a:srgbClr val="000000"/>
+              </a:solidFill>
+              <a:latin typeface="Arial"/>
             </a:endParaRPr>
           </a:p>
         </p:txBody>
@@ -2125,7 +2066,7 @@
             <a:spLocks noGrp="1"/>
           </p:cNvSpPr>
           <p:nvPr>
-            <p:ph type="ftr" idx="2"/>
+            <p:ph type="ftr" idx="1"/>
           </p:nvPr>
         </p:nvSpPr>
         <p:spPr/>
@@ -2145,7 +2086,27 @@
             <a:spLocks noGrp="1"/>
           </p:cNvSpPr>
           <p:nvPr>
-            <p:ph type="dt" idx="1"/>
+            <p:ph type="sldNum" idx="2"/>
+          </p:nvPr>
+        </p:nvSpPr>
+        <p:spPr/>
+        <p:txBody>
+          <a:bodyPr/>
+          <a:p>
+            <a:fld id="{F2C0AA1D-5158-4126-A3C8-79F78A4EA001}" type="slidenum">
+              <a:t>&lt;#&gt;</a:t>
+            </a:fld>
+          </a:p>
+        </p:txBody>
+      </p:sp>
+      <p:sp>
+        <p:nvSpPr>
+          <p:cNvPr id="6" name="PlaceHolder 5"/>
+          <p:cNvSpPr>
+            <a:spLocks noGrp="1"/>
+          </p:cNvSpPr>
+          <p:nvPr>
+            <p:ph type="dt" idx="3"/>
           </p:nvPr>
         </p:nvSpPr>
         <p:spPr/>
@@ -2194,29 +2155,29 @@
         <p:spPr>
           <a:xfrm>
             <a:off x="2700000" y="1485000"/>
-            <a:ext cx="4680000" cy="1620000"/>
-          </a:xfrm>
-          <a:prstGeom prst="rect">
-            <a:avLst/>
-          </a:prstGeom>
-          <a:noFill/>
-          <a:ln w="0">
-            <a:noFill/>
-          </a:ln>
-        </p:spPr>
-        <p:txBody>
-          <a:bodyPr lIns="0" rIns="0" tIns="0" bIns="0" anchor="ctr" anchorCtr="1">
+            <a:ext cx="4679640" cy="1619640"/>
+          </a:xfrm>
+          <a:prstGeom prst="rect">
+            <a:avLst/>
+          </a:prstGeom>
+          <a:noFill/>
+          <a:ln w="0">
+            <a:noFill/>
+          </a:ln>
+        </p:spPr>
+        <p:txBody>
+          <a:bodyPr lIns="0" rIns="0" tIns="0" bIns="0" anchor="ctr">
             <a:noAutofit/>
           </a:bodyPr>
           <a:p>
             <a:pPr indent="0" algn="ctr">
               <a:buNone/>
             </a:pPr>
-            <a:endParaRPr b="1" lang="en-ID" sz="2700" spc="-1" strike="noStrike">
-              <a:solidFill>
-                <a:srgbClr val="2c3e50"/>
-              </a:solidFill>
-              <a:latin typeface="Source Sans Pro Black"/>
+            <a:endParaRPr b="0" lang="en-ID" sz="4400" spc="-1" strike="noStrike">
+              <a:solidFill>
+                <a:srgbClr val="000000"/>
+              </a:solidFill>
+              <a:latin typeface="Arial"/>
             </a:endParaRPr>
           </a:p>
         </p:txBody>
@@ -2234,7 +2195,7 @@
         <p:spPr>
           <a:xfrm>
             <a:off x="3420000" y="3240000"/>
-            <a:ext cx="3074040" cy="1620000"/>
+            <a:ext cx="3074040" cy="1619640"/>
           </a:xfrm>
           <a:prstGeom prst="rect">
             <a:avLst/>
@@ -2250,16 +2211,16 @@
           </a:bodyPr>
           <a:p>
             <a:pPr indent="0">
-              <a:spcAft>
-                <a:spcPts val="655"/>
-              </a:spcAft>
-              <a:buNone/>
-            </a:pPr>
-            <a:endParaRPr b="0" lang="en-ID" sz="1500" spc="-1" strike="noStrike">
-              <a:solidFill>
-                <a:srgbClr val="ffffff"/>
-              </a:solidFill>
-              <a:latin typeface="Source Sans Pro"/>
+              <a:spcBef>
+                <a:spcPts val="1417"/>
+              </a:spcBef>
+              <a:buNone/>
+            </a:pPr>
+            <a:endParaRPr b="0" lang="en-ID" sz="3200" spc="-1" strike="noStrike">
+              <a:solidFill>
+                <a:srgbClr val="000000"/>
+              </a:solidFill>
+              <a:latin typeface="Arial"/>
             </a:endParaRPr>
           </a:p>
         </p:txBody>
@@ -2289,20 +2250,20 @@
         </p:spPr>
         <p:txBody>
           <a:bodyPr lIns="0" rIns="0" tIns="0" bIns="0" anchor="t">
-            <a:normAutofit/>
+            <a:normAutofit fontScale="93740" lnSpcReduction="10000"/>
           </a:bodyPr>
           <a:p>
             <a:pPr indent="0">
-              <a:spcAft>
-                <a:spcPts val="655"/>
-              </a:spcAft>
-              <a:buNone/>
-            </a:pPr>
-            <a:endParaRPr b="0" lang="en-ID" sz="1500" spc="-1" strike="noStrike">
-              <a:solidFill>
-                <a:srgbClr val="ffffff"/>
-              </a:solidFill>
-              <a:latin typeface="Source Sans Pro"/>
+              <a:spcBef>
+                <a:spcPts val="1417"/>
+              </a:spcBef>
+              <a:buNone/>
+            </a:pPr>
+            <a:endParaRPr b="0" lang="en-ID" sz="3200" spc="-1" strike="noStrike">
+              <a:solidFill>
+                <a:srgbClr val="000000"/>
+              </a:solidFill>
+              <a:latin typeface="Arial"/>
             </a:endParaRPr>
           </a:p>
         </p:txBody>
@@ -2332,20 +2293,20 @@
         </p:spPr>
         <p:txBody>
           <a:bodyPr lIns="0" rIns="0" tIns="0" bIns="0" anchor="t">
-            <a:normAutofit/>
+            <a:normAutofit fontScale="93740" lnSpcReduction="10000"/>
           </a:bodyPr>
           <a:p>
             <a:pPr indent="0">
-              <a:spcAft>
-                <a:spcPts val="655"/>
-              </a:spcAft>
-              <a:buNone/>
-            </a:pPr>
-            <a:endParaRPr b="0" lang="en-ID" sz="1500" spc="-1" strike="noStrike">
-              <a:solidFill>
-                <a:srgbClr val="ffffff"/>
-              </a:solidFill>
-              <a:latin typeface="Source Sans Pro"/>
+              <a:spcBef>
+                <a:spcPts val="1417"/>
+              </a:spcBef>
+              <a:buNone/>
+            </a:pPr>
+            <a:endParaRPr b="0" lang="en-ID" sz="3200" spc="-1" strike="noStrike">
+              <a:solidFill>
+                <a:srgbClr val="000000"/>
+              </a:solidFill>
+              <a:latin typeface="Arial"/>
             </a:endParaRPr>
           </a:p>
         </p:txBody>
@@ -2377,27 +2338,7 @@
             <a:spLocks noGrp="1"/>
           </p:cNvSpPr>
           <p:nvPr>
-            <p:ph type="sldNum" idx="5"/>
-          </p:nvPr>
-        </p:nvSpPr>
-        <p:spPr/>
-        <p:txBody>
-          <a:bodyPr/>
-          <a:p>
-            <a:fld id="{976BE650-8E7B-412C-955D-5C096A24AF26}" type="slidenum">
-              <a:t>&lt;#&gt;</a:t>
-            </a:fld>
-          </a:p>
-        </p:txBody>
-      </p:sp>
-      <p:sp>
-        <p:nvSpPr>
-          <p:cNvPr id="8" name="PlaceHolder 7"/>
-          <p:cNvSpPr>
-            <a:spLocks noGrp="1"/>
-          </p:cNvSpPr>
-          <p:nvPr>
-            <p:ph type="dt" idx="3"/>
+            <p:ph type="dt" idx="5"/>
           </p:nvPr>
         </p:nvSpPr>
         <p:spPr/>
@@ -2446,29 +2387,29 @@
         <p:spPr>
           <a:xfrm>
             <a:off x="2700000" y="1485000"/>
-            <a:ext cx="4680000" cy="1620000"/>
-          </a:xfrm>
-          <a:prstGeom prst="rect">
-            <a:avLst/>
-          </a:prstGeom>
-          <a:noFill/>
-          <a:ln w="0">
-            <a:noFill/>
-          </a:ln>
-        </p:spPr>
-        <p:txBody>
-          <a:bodyPr lIns="0" rIns="0" tIns="0" bIns="0" anchor="ctr" anchorCtr="1">
+            <a:ext cx="4679640" cy="1619640"/>
+          </a:xfrm>
+          <a:prstGeom prst="rect">
+            <a:avLst/>
+          </a:prstGeom>
+          <a:noFill/>
+          <a:ln w="0">
+            <a:noFill/>
+          </a:ln>
+        </p:spPr>
+        <p:txBody>
+          <a:bodyPr lIns="0" rIns="0" tIns="0" bIns="0" anchor="ctr">
             <a:noAutofit/>
           </a:bodyPr>
           <a:p>
             <a:pPr indent="0" algn="ctr">
               <a:buNone/>
             </a:pPr>
-            <a:endParaRPr b="1" lang="en-ID" sz="2700" spc="-1" strike="noStrike">
-              <a:solidFill>
-                <a:srgbClr val="2c3e50"/>
-              </a:solidFill>
-              <a:latin typeface="Source Sans Pro Black"/>
+            <a:endParaRPr b="0" lang="en-ID" sz="4400" spc="-1" strike="noStrike">
+              <a:solidFill>
+                <a:srgbClr val="000000"/>
+              </a:solidFill>
+              <a:latin typeface="Arial"/>
             </a:endParaRPr>
           </a:p>
         </p:txBody>
@@ -2498,20 +2439,20 @@
         </p:spPr>
         <p:txBody>
           <a:bodyPr lIns="0" rIns="0" tIns="0" bIns="0" anchor="t">
-            <a:normAutofit/>
+            <a:normAutofit fontScale="93740" lnSpcReduction="10000"/>
           </a:bodyPr>
           <a:p>
             <a:pPr indent="0">
-              <a:spcAft>
-                <a:spcPts val="655"/>
-              </a:spcAft>
-              <a:buNone/>
-            </a:pPr>
-            <a:endParaRPr b="0" lang="en-ID" sz="1500" spc="-1" strike="noStrike">
-              <a:solidFill>
-                <a:srgbClr val="ffffff"/>
-              </a:solidFill>
-              <a:latin typeface="Source Sans Pro"/>
+              <a:spcBef>
+                <a:spcPts val="1417"/>
+              </a:spcBef>
+              <a:buNone/>
+            </a:pPr>
+            <a:endParaRPr b="0" lang="en-ID" sz="3200" spc="-1" strike="noStrike">
+              <a:solidFill>
+                <a:srgbClr val="000000"/>
+              </a:solidFill>
+              <a:latin typeface="Arial"/>
             </a:endParaRPr>
           </a:p>
         </p:txBody>
@@ -2541,20 +2482,20 @@
         </p:spPr>
         <p:txBody>
           <a:bodyPr lIns="0" rIns="0" tIns="0" bIns="0" anchor="t">
-            <a:normAutofit/>
+            <a:normAutofit fontScale="93740" lnSpcReduction="10000"/>
           </a:bodyPr>
           <a:p>
             <a:pPr indent="0">
-              <a:spcAft>
-                <a:spcPts val="655"/>
-              </a:spcAft>
-              <a:buNone/>
-            </a:pPr>
-            <a:endParaRPr b="0" lang="en-ID" sz="1500" spc="-1" strike="noStrike">
-              <a:solidFill>
-                <a:srgbClr val="ffffff"/>
-              </a:solidFill>
-              <a:latin typeface="Source Sans Pro"/>
+              <a:spcBef>
+                <a:spcPts val="1417"/>
+              </a:spcBef>
+              <a:buNone/>
+            </a:pPr>
+            <a:endParaRPr b="0" lang="en-ID" sz="3200" spc="-1" strike="noStrike">
+              <a:solidFill>
+                <a:srgbClr val="000000"/>
+              </a:solidFill>
+              <a:latin typeface="Arial"/>
             </a:endParaRPr>
           </a:p>
         </p:txBody>
@@ -2572,7 +2513,7 @@
         <p:spPr>
           <a:xfrm>
             <a:off x="3420000" y="4086360"/>
-            <a:ext cx="6300000" cy="772560"/>
+            <a:ext cx="6299640" cy="772560"/>
           </a:xfrm>
           <a:prstGeom prst="rect">
             <a:avLst/>
@@ -2588,16 +2529,16 @@
           </a:bodyPr>
           <a:p>
             <a:pPr indent="0">
-              <a:spcAft>
-                <a:spcPts val="655"/>
-              </a:spcAft>
-              <a:buNone/>
-            </a:pPr>
-            <a:endParaRPr b="0" lang="en-ID" sz="1500" spc="-1" strike="noStrike">
-              <a:solidFill>
-                <a:srgbClr val="ffffff"/>
-              </a:solidFill>
-              <a:latin typeface="Source Sans Pro"/>
+              <a:spcBef>
+                <a:spcPts val="1417"/>
+              </a:spcBef>
+              <a:buNone/>
+            </a:pPr>
+            <a:endParaRPr b="0" lang="en-ID" sz="3200" spc="-1" strike="noStrike">
+              <a:solidFill>
+                <a:srgbClr val="000000"/>
+              </a:solidFill>
+              <a:latin typeface="Arial"/>
             </a:endParaRPr>
           </a:p>
         </p:txBody>
@@ -2629,27 +2570,7 @@
             <a:spLocks noGrp="1"/>
           </p:cNvSpPr>
           <p:nvPr>
-            <p:ph type="sldNum" idx="5"/>
-          </p:nvPr>
-        </p:nvSpPr>
-        <p:spPr/>
-        <p:txBody>
-          <a:bodyPr/>
-          <a:p>
-            <a:fld id="{BEAB0844-5D4B-4E20-9AD3-92D30C738703}" type="slidenum">
-              <a:t>&lt;#&gt;</a:t>
-            </a:fld>
-          </a:p>
-        </p:txBody>
-      </p:sp>
-      <p:sp>
-        <p:nvSpPr>
-          <p:cNvPr id="8" name="PlaceHolder 7"/>
-          <p:cNvSpPr>
-            <a:spLocks noGrp="1"/>
-          </p:cNvSpPr>
-          <p:nvPr>
-            <p:ph type="dt" idx="3"/>
+            <p:ph type="dt" idx="5"/>
           </p:nvPr>
         </p:nvSpPr>
         <p:spPr/>
@@ -2698,29 +2619,29 @@
         <p:spPr>
           <a:xfrm>
             <a:off x="2700000" y="1485000"/>
-            <a:ext cx="4680000" cy="1620000"/>
-          </a:xfrm>
-          <a:prstGeom prst="rect">
-            <a:avLst/>
-          </a:prstGeom>
-          <a:noFill/>
-          <a:ln w="0">
-            <a:noFill/>
-          </a:ln>
-        </p:spPr>
-        <p:txBody>
-          <a:bodyPr lIns="0" rIns="0" tIns="0" bIns="0" anchor="ctr" anchorCtr="1">
+            <a:ext cx="4679640" cy="1619640"/>
+          </a:xfrm>
+          <a:prstGeom prst="rect">
+            <a:avLst/>
+          </a:prstGeom>
+          <a:noFill/>
+          <a:ln w="0">
+            <a:noFill/>
+          </a:ln>
+        </p:spPr>
+        <p:txBody>
+          <a:bodyPr lIns="0" rIns="0" tIns="0" bIns="0" anchor="ctr">
             <a:noAutofit/>
           </a:bodyPr>
           <a:p>
             <a:pPr indent="0" algn="ctr">
               <a:buNone/>
             </a:pPr>
-            <a:endParaRPr b="1" lang="en-ID" sz="2700" spc="-1" strike="noStrike">
-              <a:solidFill>
-                <a:srgbClr val="2c3e50"/>
-              </a:solidFill>
-              <a:latin typeface="Source Sans Pro Black"/>
+            <a:endParaRPr b="0" lang="en-ID" sz="4400" spc="-1" strike="noStrike">
+              <a:solidFill>
+                <a:srgbClr val="000000"/>
+              </a:solidFill>
+              <a:latin typeface="Arial"/>
             </a:endParaRPr>
           </a:p>
         </p:txBody>
@@ -2738,7 +2659,7 @@
         <p:spPr>
           <a:xfrm>
             <a:off x="3420000" y="3240000"/>
-            <a:ext cx="6300000" cy="772560"/>
+            <a:ext cx="6299640" cy="772560"/>
           </a:xfrm>
           <a:prstGeom prst="rect">
             <a:avLst/>
@@ -2754,16 +2675,16 @@
           </a:bodyPr>
           <a:p>
             <a:pPr indent="0">
-              <a:spcAft>
-                <a:spcPts val="655"/>
-              </a:spcAft>
-              <a:buNone/>
-            </a:pPr>
-            <a:endParaRPr b="0" lang="en-ID" sz="1500" spc="-1" strike="noStrike">
-              <a:solidFill>
-                <a:srgbClr val="ffffff"/>
-              </a:solidFill>
-              <a:latin typeface="Source Sans Pro"/>
+              <a:spcBef>
+                <a:spcPts val="1417"/>
+              </a:spcBef>
+              <a:buNone/>
+            </a:pPr>
+            <a:endParaRPr b="0" lang="en-ID" sz="3200" spc="-1" strike="noStrike">
+              <a:solidFill>
+                <a:srgbClr val="000000"/>
+              </a:solidFill>
+              <a:latin typeface="Arial"/>
             </a:endParaRPr>
           </a:p>
         </p:txBody>
@@ -2781,7 +2702,7 @@
         <p:spPr>
           <a:xfrm>
             <a:off x="3420000" y="4086360"/>
-            <a:ext cx="6300000" cy="772560"/>
+            <a:ext cx="6299640" cy="772560"/>
           </a:xfrm>
           <a:prstGeom prst="rect">
             <a:avLst/>
@@ -2797,16 +2718,16 @@
           </a:bodyPr>
           <a:p>
             <a:pPr indent="0">
-              <a:spcAft>
-                <a:spcPts val="655"/>
-              </a:spcAft>
-              <a:buNone/>
-            </a:pPr>
-            <a:endParaRPr b="0" lang="en-ID" sz="1500" spc="-1" strike="noStrike">
-              <a:solidFill>
-                <a:srgbClr val="ffffff"/>
-              </a:solidFill>
-              <a:latin typeface="Source Sans Pro"/>
+              <a:spcBef>
+                <a:spcPts val="1417"/>
+              </a:spcBef>
+              <a:buNone/>
+            </a:pPr>
+            <a:endParaRPr b="0" lang="en-ID" sz="3200" spc="-1" strike="noStrike">
+              <a:solidFill>
+                <a:srgbClr val="000000"/>
+              </a:solidFill>
+              <a:latin typeface="Arial"/>
             </a:endParaRPr>
           </a:p>
         </p:txBody>
@@ -2838,27 +2759,7 @@
             <a:spLocks noGrp="1"/>
           </p:cNvSpPr>
           <p:nvPr>
-            <p:ph type="sldNum" idx="5"/>
-          </p:nvPr>
-        </p:nvSpPr>
-        <p:spPr/>
-        <p:txBody>
-          <a:bodyPr/>
-          <a:p>
-            <a:fld id="{F9D547CD-3137-47B3-9BE2-DAFF43E79783}" type="slidenum">
-              <a:t>&lt;#&gt;</a:t>
-            </a:fld>
-          </a:p>
-        </p:txBody>
-      </p:sp>
-      <p:sp>
-        <p:nvSpPr>
-          <p:cNvPr id="7" name="PlaceHolder 6"/>
-          <p:cNvSpPr>
-            <a:spLocks noGrp="1"/>
-          </p:cNvSpPr>
-          <p:nvPr>
-            <p:ph type="dt" idx="3"/>
+            <p:ph type="dt" idx="5"/>
           </p:nvPr>
         </p:nvSpPr>
         <p:spPr/>
@@ -2907,29 +2808,29 @@
         <p:spPr>
           <a:xfrm>
             <a:off x="2700000" y="1485000"/>
-            <a:ext cx="4680000" cy="1620000"/>
-          </a:xfrm>
-          <a:prstGeom prst="rect">
-            <a:avLst/>
-          </a:prstGeom>
-          <a:noFill/>
-          <a:ln w="0">
-            <a:noFill/>
-          </a:ln>
-        </p:spPr>
-        <p:txBody>
-          <a:bodyPr lIns="0" rIns="0" tIns="0" bIns="0" anchor="ctr" anchorCtr="1">
+            <a:ext cx="4679640" cy="1619640"/>
+          </a:xfrm>
+          <a:prstGeom prst="rect">
+            <a:avLst/>
+          </a:prstGeom>
+          <a:noFill/>
+          <a:ln w="0">
+            <a:noFill/>
+          </a:ln>
+        </p:spPr>
+        <p:txBody>
+          <a:bodyPr lIns="0" rIns="0" tIns="0" bIns="0" anchor="ctr">
             <a:noAutofit/>
           </a:bodyPr>
           <a:p>
             <a:pPr indent="0" algn="ctr">
               <a:buNone/>
             </a:pPr>
-            <a:endParaRPr b="1" lang="en-ID" sz="2700" spc="-1" strike="noStrike">
-              <a:solidFill>
-                <a:srgbClr val="2c3e50"/>
-              </a:solidFill>
-              <a:latin typeface="Source Sans Pro Black"/>
+            <a:endParaRPr b="0" lang="en-ID" sz="4400" spc="-1" strike="noStrike">
+              <a:solidFill>
+                <a:srgbClr val="000000"/>
+              </a:solidFill>
+              <a:latin typeface="Arial"/>
             </a:endParaRPr>
           </a:p>
         </p:txBody>
@@ -2959,20 +2860,20 @@
         </p:spPr>
         <p:txBody>
           <a:bodyPr lIns="0" rIns="0" tIns="0" bIns="0" anchor="t">
-            <a:normAutofit/>
+            <a:normAutofit fontScale="93740" lnSpcReduction="10000"/>
           </a:bodyPr>
           <a:p>
             <a:pPr indent="0">
-              <a:spcAft>
-                <a:spcPts val="655"/>
-              </a:spcAft>
-              <a:buNone/>
-            </a:pPr>
-            <a:endParaRPr b="0" lang="en-ID" sz="1500" spc="-1" strike="noStrike">
-              <a:solidFill>
-                <a:srgbClr val="ffffff"/>
-              </a:solidFill>
-              <a:latin typeface="Source Sans Pro"/>
+              <a:spcBef>
+                <a:spcPts val="1417"/>
+              </a:spcBef>
+              <a:buNone/>
+            </a:pPr>
+            <a:endParaRPr b="0" lang="en-ID" sz="3200" spc="-1" strike="noStrike">
+              <a:solidFill>
+                <a:srgbClr val="000000"/>
+              </a:solidFill>
+              <a:latin typeface="Arial"/>
             </a:endParaRPr>
           </a:p>
         </p:txBody>
@@ -3002,20 +2903,20 @@
         </p:spPr>
         <p:txBody>
           <a:bodyPr lIns="0" rIns="0" tIns="0" bIns="0" anchor="t">
-            <a:normAutofit/>
+            <a:normAutofit fontScale="93740" lnSpcReduction="10000"/>
           </a:bodyPr>
           <a:p>
             <a:pPr indent="0">
-              <a:spcAft>
-                <a:spcPts val="655"/>
-              </a:spcAft>
-              <a:buNone/>
-            </a:pPr>
-            <a:endParaRPr b="0" lang="en-ID" sz="1500" spc="-1" strike="noStrike">
-              <a:solidFill>
-                <a:srgbClr val="ffffff"/>
-              </a:solidFill>
-              <a:latin typeface="Source Sans Pro"/>
+              <a:spcBef>
+                <a:spcPts val="1417"/>
+              </a:spcBef>
+              <a:buNone/>
+            </a:pPr>
+            <a:endParaRPr b="0" lang="en-ID" sz="3200" spc="-1" strike="noStrike">
+              <a:solidFill>
+                <a:srgbClr val="000000"/>
+              </a:solidFill>
+              <a:latin typeface="Arial"/>
             </a:endParaRPr>
           </a:p>
         </p:txBody>
@@ -3045,20 +2946,20 @@
         </p:spPr>
         <p:txBody>
           <a:bodyPr lIns="0" rIns="0" tIns="0" bIns="0" anchor="t">
-            <a:normAutofit/>
+            <a:normAutofit fontScale="93740" lnSpcReduction="10000"/>
           </a:bodyPr>
           <a:p>
             <a:pPr indent="0">
-              <a:spcAft>
-                <a:spcPts val="655"/>
-              </a:spcAft>
-              <a:buNone/>
-            </a:pPr>
-            <a:endParaRPr b="0" lang="en-ID" sz="1500" spc="-1" strike="noStrike">
-              <a:solidFill>
-                <a:srgbClr val="ffffff"/>
-              </a:solidFill>
-              <a:latin typeface="Source Sans Pro"/>
+              <a:spcBef>
+                <a:spcPts val="1417"/>
+              </a:spcBef>
+              <a:buNone/>
+            </a:pPr>
+            <a:endParaRPr b="0" lang="en-ID" sz="3200" spc="-1" strike="noStrike">
+              <a:solidFill>
+                <a:srgbClr val="000000"/>
+              </a:solidFill>
+              <a:latin typeface="Arial"/>
             </a:endParaRPr>
           </a:p>
         </p:txBody>
@@ -3088,20 +2989,20 @@
         </p:spPr>
         <p:txBody>
           <a:bodyPr lIns="0" rIns="0" tIns="0" bIns="0" anchor="t">
-            <a:normAutofit/>
+            <a:normAutofit fontScale="93740" lnSpcReduction="10000"/>
           </a:bodyPr>
           <a:p>
             <a:pPr indent="0">
-              <a:spcAft>
-                <a:spcPts val="655"/>
-              </a:spcAft>
-              <a:buNone/>
-            </a:pPr>
-            <a:endParaRPr b="0" lang="en-ID" sz="1500" spc="-1" strike="noStrike">
-              <a:solidFill>
-                <a:srgbClr val="ffffff"/>
-              </a:solidFill>
-              <a:latin typeface="Source Sans Pro"/>
+              <a:spcBef>
+                <a:spcPts val="1417"/>
+              </a:spcBef>
+              <a:buNone/>
+            </a:pPr>
+            <a:endParaRPr b="0" lang="en-ID" sz="3200" spc="-1" strike="noStrike">
+              <a:solidFill>
+                <a:srgbClr val="000000"/>
+              </a:solidFill>
+              <a:latin typeface="Arial"/>
             </a:endParaRPr>
           </a:p>
         </p:txBody>
@@ -3133,27 +3034,7 @@
             <a:spLocks noGrp="1"/>
           </p:cNvSpPr>
           <p:nvPr>
-            <p:ph type="sldNum" idx="5"/>
-          </p:nvPr>
-        </p:nvSpPr>
-        <p:spPr/>
-        <p:txBody>
-          <a:bodyPr/>
-          <a:p>
-            <a:fld id="{621A08DB-08B5-4D28-8B7E-604DD676C325}" type="slidenum">
-              <a:t>&lt;#&gt;</a:t>
-            </a:fld>
-          </a:p>
-        </p:txBody>
-      </p:sp>
-      <p:sp>
-        <p:nvSpPr>
-          <p:cNvPr id="9" name="PlaceHolder 8"/>
-          <p:cNvSpPr>
-            <a:spLocks noGrp="1"/>
-          </p:cNvSpPr>
-          <p:nvPr>
-            <p:ph type="dt" idx="3"/>
+            <p:ph type="dt" idx="5"/>
           </p:nvPr>
         </p:nvSpPr>
         <p:spPr/>
@@ -3202,29 +3083,29 @@
         <p:spPr>
           <a:xfrm>
             <a:off x="2700000" y="1485000"/>
-            <a:ext cx="4680000" cy="1620000"/>
-          </a:xfrm>
-          <a:prstGeom prst="rect">
-            <a:avLst/>
-          </a:prstGeom>
-          <a:noFill/>
-          <a:ln w="0">
-            <a:noFill/>
-          </a:ln>
-        </p:spPr>
-        <p:txBody>
-          <a:bodyPr lIns="0" rIns="0" tIns="0" bIns="0" anchor="ctr" anchorCtr="1">
+            <a:ext cx="4679640" cy="1619640"/>
+          </a:xfrm>
+          <a:prstGeom prst="rect">
+            <a:avLst/>
+          </a:prstGeom>
+          <a:noFill/>
+          <a:ln w="0">
+            <a:noFill/>
+          </a:ln>
+        </p:spPr>
+        <p:txBody>
+          <a:bodyPr lIns="0" rIns="0" tIns="0" bIns="0" anchor="ctr">
             <a:noAutofit/>
           </a:bodyPr>
           <a:p>
             <a:pPr indent="0" algn="ctr">
               <a:buNone/>
             </a:pPr>
-            <a:endParaRPr b="1" lang="en-ID" sz="2700" spc="-1" strike="noStrike">
-              <a:solidFill>
-                <a:srgbClr val="2c3e50"/>
-              </a:solidFill>
-              <a:latin typeface="Source Sans Pro Black"/>
+            <a:endParaRPr b="0" lang="en-ID" sz="4400" spc="-1" strike="noStrike">
+              <a:solidFill>
+                <a:srgbClr val="000000"/>
+              </a:solidFill>
+              <a:latin typeface="Arial"/>
             </a:endParaRPr>
           </a:p>
         </p:txBody>
@@ -3254,20 +3135,20 @@
         </p:spPr>
         <p:txBody>
           <a:bodyPr lIns="0" rIns="0" tIns="0" bIns="0" anchor="t">
-            <a:normAutofit/>
+            <a:normAutofit fontScale="84366"/>
           </a:bodyPr>
           <a:p>
             <a:pPr indent="0">
-              <a:spcAft>
-                <a:spcPts val="655"/>
-              </a:spcAft>
-              <a:buNone/>
-            </a:pPr>
-            <a:endParaRPr b="0" lang="en-ID" sz="1500" spc="-1" strike="noStrike">
-              <a:solidFill>
-                <a:srgbClr val="ffffff"/>
-              </a:solidFill>
-              <a:latin typeface="Source Sans Pro"/>
+              <a:spcBef>
+                <a:spcPts val="1417"/>
+              </a:spcBef>
+              <a:buNone/>
+            </a:pPr>
+            <a:endParaRPr b="0" lang="en-ID" sz="3200" spc="-1" strike="noStrike">
+              <a:solidFill>
+                <a:srgbClr val="000000"/>
+              </a:solidFill>
+              <a:latin typeface="Arial"/>
             </a:endParaRPr>
           </a:p>
         </p:txBody>
@@ -3297,20 +3178,20 @@
         </p:spPr>
         <p:txBody>
           <a:bodyPr lIns="0" rIns="0" tIns="0" bIns="0" anchor="t">
-            <a:normAutofit/>
+            <a:normAutofit fontScale="84366"/>
           </a:bodyPr>
           <a:p>
             <a:pPr indent="0">
-              <a:spcAft>
-                <a:spcPts val="655"/>
-              </a:spcAft>
-              <a:buNone/>
-            </a:pPr>
-            <a:endParaRPr b="0" lang="en-ID" sz="1500" spc="-1" strike="noStrike">
-              <a:solidFill>
-                <a:srgbClr val="ffffff"/>
-              </a:solidFill>
-              <a:latin typeface="Source Sans Pro"/>
+              <a:spcBef>
+                <a:spcPts val="1417"/>
+              </a:spcBef>
+              <a:buNone/>
+            </a:pPr>
+            <a:endParaRPr b="0" lang="en-ID" sz="3200" spc="-1" strike="noStrike">
+              <a:solidFill>
+                <a:srgbClr val="000000"/>
+              </a:solidFill>
+              <a:latin typeface="Arial"/>
             </a:endParaRPr>
           </a:p>
         </p:txBody>
@@ -3340,20 +3221,20 @@
         </p:spPr>
         <p:txBody>
           <a:bodyPr lIns="0" rIns="0" tIns="0" bIns="0" anchor="t">
-            <a:normAutofit/>
+            <a:normAutofit fontScale="84366"/>
           </a:bodyPr>
           <a:p>
             <a:pPr indent="0">
-              <a:spcAft>
-                <a:spcPts val="655"/>
-              </a:spcAft>
-              <a:buNone/>
-            </a:pPr>
-            <a:endParaRPr b="0" lang="en-ID" sz="1500" spc="-1" strike="noStrike">
-              <a:solidFill>
-                <a:srgbClr val="ffffff"/>
-              </a:solidFill>
-              <a:latin typeface="Source Sans Pro"/>
+              <a:spcBef>
+                <a:spcPts val="1417"/>
+              </a:spcBef>
+              <a:buNone/>
+            </a:pPr>
+            <a:endParaRPr b="0" lang="en-ID" sz="3200" spc="-1" strike="noStrike">
+              <a:solidFill>
+                <a:srgbClr val="000000"/>
+              </a:solidFill>
+              <a:latin typeface="Arial"/>
             </a:endParaRPr>
           </a:p>
         </p:txBody>
@@ -3383,20 +3264,20 @@
         </p:spPr>
         <p:txBody>
           <a:bodyPr lIns="0" rIns="0" tIns="0" bIns="0" anchor="t">
-            <a:normAutofit/>
+            <a:normAutofit fontScale="84366"/>
           </a:bodyPr>
           <a:p>
             <a:pPr indent="0">
-              <a:spcAft>
-                <a:spcPts val="655"/>
-              </a:spcAft>
-              <a:buNone/>
-            </a:pPr>
-            <a:endParaRPr b="0" lang="en-ID" sz="1500" spc="-1" strike="noStrike">
-              <a:solidFill>
-                <a:srgbClr val="ffffff"/>
-              </a:solidFill>
-              <a:latin typeface="Source Sans Pro"/>
+              <a:spcBef>
+                <a:spcPts val="1417"/>
+              </a:spcBef>
+              <a:buNone/>
+            </a:pPr>
+            <a:endParaRPr b="0" lang="en-ID" sz="3200" spc="-1" strike="noStrike">
+              <a:solidFill>
+                <a:srgbClr val="000000"/>
+              </a:solidFill>
+              <a:latin typeface="Arial"/>
             </a:endParaRPr>
           </a:p>
         </p:txBody>
@@ -3426,20 +3307,20 @@
         </p:spPr>
         <p:txBody>
           <a:bodyPr lIns="0" rIns="0" tIns="0" bIns="0" anchor="t">
-            <a:normAutofit/>
+            <a:normAutofit fontScale="84366"/>
           </a:bodyPr>
           <a:p>
             <a:pPr indent="0">
-              <a:spcAft>
-                <a:spcPts val="655"/>
-              </a:spcAft>
-              <a:buNone/>
-            </a:pPr>
-            <a:endParaRPr b="0" lang="en-ID" sz="1500" spc="-1" strike="noStrike">
-              <a:solidFill>
-                <a:srgbClr val="ffffff"/>
-              </a:solidFill>
-              <a:latin typeface="Source Sans Pro"/>
+              <a:spcBef>
+                <a:spcPts val="1417"/>
+              </a:spcBef>
+              <a:buNone/>
+            </a:pPr>
+            <a:endParaRPr b="0" lang="en-ID" sz="3200" spc="-1" strike="noStrike">
+              <a:solidFill>
+                <a:srgbClr val="000000"/>
+              </a:solidFill>
+              <a:latin typeface="Arial"/>
             </a:endParaRPr>
           </a:p>
         </p:txBody>
@@ -3469,20 +3350,20 @@
         </p:spPr>
         <p:txBody>
           <a:bodyPr lIns="0" rIns="0" tIns="0" bIns="0" anchor="t">
-            <a:normAutofit/>
+            <a:normAutofit fontScale="84366"/>
           </a:bodyPr>
           <a:p>
             <a:pPr indent="0">
-              <a:spcAft>
-                <a:spcPts val="655"/>
-              </a:spcAft>
-              <a:buNone/>
-            </a:pPr>
-            <a:endParaRPr b="0" lang="en-ID" sz="1500" spc="-1" strike="noStrike">
-              <a:solidFill>
-                <a:srgbClr val="ffffff"/>
-              </a:solidFill>
-              <a:latin typeface="Source Sans Pro"/>
+              <a:spcBef>
+                <a:spcPts val="1417"/>
+              </a:spcBef>
+              <a:buNone/>
+            </a:pPr>
+            <a:endParaRPr b="0" lang="en-ID" sz="3200" spc="-1" strike="noStrike">
+              <a:solidFill>
+                <a:srgbClr val="000000"/>
+              </a:solidFill>
+              <a:latin typeface="Arial"/>
             </a:endParaRPr>
           </a:p>
         </p:txBody>
@@ -3514,27 +3395,7 @@
             <a:spLocks noGrp="1"/>
           </p:cNvSpPr>
           <p:nvPr>
-            <p:ph type="sldNum" idx="5"/>
-          </p:nvPr>
-        </p:nvSpPr>
-        <p:spPr/>
-        <p:txBody>
-          <a:bodyPr/>
-          <a:p>
-            <a:fld id="{76417337-7993-4885-BD3D-C29155822692}" type="slidenum">
-              <a:t>&lt;#&gt;</a:t>
-            </a:fld>
-          </a:p>
-        </p:txBody>
-      </p:sp>
-      <p:sp>
-        <p:nvSpPr>
-          <p:cNvPr id="11" name="PlaceHolder 10"/>
-          <p:cNvSpPr>
-            <a:spLocks noGrp="1"/>
-          </p:cNvSpPr>
-          <p:nvPr>
-            <p:ph type="dt" idx="3"/>
+            <p:ph type="dt" idx="5"/>
           </p:nvPr>
         </p:nvSpPr>
         <p:spPr/>
@@ -3577,7 +3438,7 @@
             <a:spLocks noGrp="1"/>
           </p:cNvSpPr>
           <p:nvPr>
-            <p:ph type="ftr" idx="7"/>
+            <p:ph type="ftr" idx="6"/>
           </p:nvPr>
         </p:nvSpPr>
         <p:spPr/>
@@ -3597,14 +3458,14 @@
             <a:spLocks noGrp="1"/>
           </p:cNvSpPr>
           <p:nvPr>
-            <p:ph type="sldNum" idx="8"/>
+            <p:ph type="sldNum" idx="7"/>
           </p:nvPr>
         </p:nvSpPr>
         <p:spPr/>
         <p:txBody>
           <a:bodyPr/>
           <a:p>
-            <a:fld id="{5FD227C1-85F4-443A-A7A0-DB6E44BC0A00}" type="slidenum">
+            <a:fld id="{41F8185A-C333-4C80-B70C-216F007A79DB}" type="slidenum">
               <a:t>&lt;#&gt;</a:t>
             </a:fld>
           </a:p>
@@ -3617,7 +3478,7 @@
             <a:spLocks noGrp="1"/>
           </p:cNvSpPr>
           <p:nvPr>
-            <p:ph type="dt" idx="6"/>
+            <p:ph type="dt" idx="8"/>
           </p:nvPr>
         </p:nvSpPr>
         <p:spPr/>
@@ -3666,47 +3527,7 @@
         <p:spPr>
           <a:xfrm>
             <a:off x="2700000" y="1485000"/>
-            <a:ext cx="4680000" cy="1620000"/>
-          </a:xfrm>
-          <a:prstGeom prst="rect">
-            <a:avLst/>
-          </a:prstGeom>
-          <a:noFill/>
-          <a:ln w="0">
-            <a:noFill/>
-          </a:ln>
-        </p:spPr>
-        <p:txBody>
-          <a:bodyPr lIns="0" rIns="0" tIns="0" bIns="0" anchor="ctr" anchorCtr="1">
-            <a:noAutofit/>
-          </a:bodyPr>
-          <a:p>
-            <a:pPr indent="0" algn="ctr">
-              <a:buNone/>
-            </a:pPr>
-            <a:endParaRPr b="1" lang="en-ID" sz="2700" spc="-1" strike="noStrike">
-              <a:solidFill>
-                <a:srgbClr val="2c3e50"/>
-              </a:solidFill>
-              <a:latin typeface="Source Sans Pro Black"/>
-            </a:endParaRPr>
-          </a:p>
-        </p:txBody>
-      </p:sp>
-      <p:sp>
-        <p:nvSpPr>
-          <p:cNvPr id="95" name="PlaceHolder 2"/>
-          <p:cNvSpPr>
-            <a:spLocks noGrp="1"/>
-          </p:cNvSpPr>
-          <p:nvPr>
-            <p:ph type="subTitle"/>
-          </p:nvPr>
-        </p:nvSpPr>
-        <p:spPr>
-          <a:xfrm>
-            <a:off x="3420000" y="3240000"/>
-            <a:ext cx="6300000" cy="1620000"/>
+            <a:ext cx="4679640" cy="1619640"/>
           </a:xfrm>
           <a:prstGeom prst="rect">
             <a:avLst/>
@@ -3724,11 +3545,51 @@
             <a:pPr indent="0" algn="ctr">
               <a:buNone/>
             </a:pPr>
-            <a:endParaRPr b="0" lang="en-ID" sz="2200" spc="-1" strike="noStrike">
-              <a:solidFill>
-                <a:srgbClr val="ffffff"/>
-              </a:solidFill>
-              <a:latin typeface="Source Sans Pro"/>
+            <a:endParaRPr b="0" lang="en-ID" sz="4400" spc="-1" strike="noStrike">
+              <a:solidFill>
+                <a:srgbClr val="000000"/>
+              </a:solidFill>
+              <a:latin typeface="Arial"/>
+            </a:endParaRPr>
+          </a:p>
+        </p:txBody>
+      </p:sp>
+      <p:sp>
+        <p:nvSpPr>
+          <p:cNvPr id="95" name="PlaceHolder 2"/>
+          <p:cNvSpPr>
+            <a:spLocks noGrp="1"/>
+          </p:cNvSpPr>
+          <p:nvPr>
+            <p:ph type="subTitle"/>
+          </p:nvPr>
+        </p:nvSpPr>
+        <p:spPr>
+          <a:xfrm>
+            <a:off x="3420000" y="3240000"/>
+            <a:ext cx="6299640" cy="1619640"/>
+          </a:xfrm>
+          <a:prstGeom prst="rect">
+            <a:avLst/>
+          </a:prstGeom>
+          <a:noFill/>
+          <a:ln w="0">
+            <a:noFill/>
+          </a:ln>
+        </p:spPr>
+        <p:txBody>
+          <a:bodyPr lIns="0" rIns="0" tIns="0" bIns="0" anchor="ctr">
+            <a:noAutofit/>
+          </a:bodyPr>
+          <a:p>
+            <a:pPr indent="0" algn="ctr">
+              <a:buNone/>
+            </a:pPr>
+            <a:endParaRPr b="0" lang="en-ID" sz="3200" spc="-1" strike="noStrike">
+              <a:solidFill>
+                <a:srgbClr val="000000"/>
+              </a:solidFill>
+              <a:latin typeface="Arial"/>
             </a:endParaRPr>
           </a:p>
         </p:txBody>
@@ -3740,7 +3601,7 @@
             <a:spLocks noGrp="1"/>
           </p:cNvSpPr>
           <p:nvPr>
-            <p:ph type="ftr" idx="7"/>
+            <p:ph type="ftr" idx="6"/>
           </p:nvPr>
         </p:nvSpPr>
         <p:spPr/>
@@ -3760,14 +3621,14 @@
             <a:spLocks noGrp="1"/>
           </p:cNvSpPr>
           <p:nvPr>
-            <p:ph type="sldNum" idx="8"/>
+            <p:ph type="sldNum" idx="7"/>
           </p:nvPr>
         </p:nvSpPr>
         <p:spPr/>
         <p:txBody>
           <a:bodyPr/>
           <a:p>
-            <a:fld id="{0B64A440-D635-4E65-A7E0-AB9E6ADFEB05}" type="slidenum">
+            <a:fld id="{2F2C09B8-D408-41AC-B088-A8DBF3C8CB5B}" type="slidenum">
               <a:t>&lt;#&gt;</a:t>
             </a:fld>
           </a:p>
@@ -3780,7 +3641,7 @@
             <a:spLocks noGrp="1"/>
           </p:cNvSpPr>
           <p:nvPr>
-            <p:ph type="dt" idx="6"/>
+            <p:ph type="dt" idx="8"/>
           </p:nvPr>
         </p:nvSpPr>
         <p:spPr/>
@@ -3829,29 +3690,29 @@
         <p:spPr>
           <a:xfrm>
             <a:off x="2700000" y="1485000"/>
-            <a:ext cx="4680000" cy="1620000"/>
-          </a:xfrm>
-          <a:prstGeom prst="rect">
-            <a:avLst/>
-          </a:prstGeom>
-          <a:noFill/>
-          <a:ln w="0">
-            <a:noFill/>
-          </a:ln>
-        </p:spPr>
-        <p:txBody>
-          <a:bodyPr lIns="0" rIns="0" tIns="0" bIns="0" anchor="ctr" anchorCtr="1">
+            <a:ext cx="4679640" cy="1619640"/>
+          </a:xfrm>
+          <a:prstGeom prst="rect">
+            <a:avLst/>
+          </a:prstGeom>
+          <a:noFill/>
+          <a:ln w="0">
+            <a:noFill/>
+          </a:ln>
+        </p:spPr>
+        <p:txBody>
+          <a:bodyPr lIns="0" rIns="0" tIns="0" bIns="0" anchor="ctr">
             <a:noAutofit/>
           </a:bodyPr>
           <a:p>
             <a:pPr indent="0" algn="ctr">
               <a:buNone/>
             </a:pPr>
-            <a:endParaRPr b="1" lang="en-ID" sz="2700" spc="-1" strike="noStrike">
-              <a:solidFill>
-                <a:srgbClr val="2c3e50"/>
-              </a:solidFill>
-              <a:latin typeface="Source Sans Pro Black"/>
+            <a:endParaRPr b="0" lang="en-ID" sz="4400" spc="-1" strike="noStrike">
+              <a:solidFill>
+                <a:srgbClr val="000000"/>
+              </a:solidFill>
+              <a:latin typeface="Arial"/>
             </a:endParaRPr>
           </a:p>
         </p:txBody>
@@ -3869,7 +3730,7 @@
         <p:spPr>
           <a:xfrm>
             <a:off x="3420000" y="3240000"/>
-            <a:ext cx="6300000" cy="1620000"/>
+            <a:ext cx="6299640" cy="1619640"/>
           </a:xfrm>
           <a:prstGeom prst="rect">
             <a:avLst/>
@@ -3885,16 +3746,16 @@
           </a:bodyPr>
           <a:p>
             <a:pPr indent="0">
-              <a:spcAft>
-                <a:spcPts val="655"/>
-              </a:spcAft>
-              <a:buNone/>
-            </a:pPr>
-            <a:endParaRPr b="0" lang="en-ID" sz="1500" spc="-1" strike="noStrike">
-              <a:solidFill>
-                <a:srgbClr val="ffffff"/>
-              </a:solidFill>
-              <a:latin typeface="Source Sans Pro"/>
+              <a:spcBef>
+                <a:spcPts val="1417"/>
+              </a:spcBef>
+              <a:buNone/>
+            </a:pPr>
+            <a:endParaRPr b="0" lang="en-ID" sz="3200" spc="-1" strike="noStrike">
+              <a:solidFill>
+                <a:srgbClr val="000000"/>
+              </a:solidFill>
+              <a:latin typeface="Arial"/>
             </a:endParaRPr>
           </a:p>
         </p:txBody>
@@ -3906,7 +3767,7 @@
             <a:spLocks noGrp="1"/>
           </p:cNvSpPr>
           <p:nvPr>
-            <p:ph type="ftr" idx="7"/>
+            <p:ph type="ftr" idx="6"/>
           </p:nvPr>
         </p:nvSpPr>
         <p:spPr/>
@@ -3926,14 +3787,14 @@
             <a:spLocks noGrp="1"/>
           </p:cNvSpPr>
           <p:nvPr>
-            <p:ph type="sldNum" idx="8"/>
+            <p:ph type="sldNum" idx="7"/>
           </p:nvPr>
         </p:nvSpPr>
         <p:spPr/>
         <p:txBody>
           <a:bodyPr/>
           <a:p>
-            <a:fld id="{BBDBF973-D9E4-49A1-ACC9-DEF0592787E5}" type="slidenum">
+            <a:fld id="{A9DE4DEF-D5C9-4BB3-AB8F-224C2A556660}" type="slidenum">
               <a:t>&lt;#&gt;</a:t>
             </a:fld>
           </a:p>
@@ -3946,7 +3807,7 @@
             <a:spLocks noGrp="1"/>
           </p:cNvSpPr>
           <p:nvPr>
-            <p:ph type="dt" idx="6"/>
+            <p:ph type="dt" idx="8"/>
           </p:nvPr>
         </p:nvSpPr>
         <p:spPr/>
@@ -3995,29 +3856,29 @@
         <p:spPr>
           <a:xfrm>
             <a:off x="2700000" y="1485000"/>
-            <a:ext cx="4680000" cy="1620000"/>
-          </a:xfrm>
-          <a:prstGeom prst="rect">
-            <a:avLst/>
-          </a:prstGeom>
-          <a:noFill/>
-          <a:ln w="0">
-            <a:noFill/>
-          </a:ln>
-        </p:spPr>
-        <p:txBody>
-          <a:bodyPr lIns="0" rIns="0" tIns="0" bIns="0" anchor="ctr" anchorCtr="1">
+            <a:ext cx="4679640" cy="1619640"/>
+          </a:xfrm>
+          <a:prstGeom prst="rect">
+            <a:avLst/>
+          </a:prstGeom>
+          <a:noFill/>
+          <a:ln w="0">
+            <a:noFill/>
+          </a:ln>
+        </p:spPr>
+        <p:txBody>
+          <a:bodyPr lIns="0" rIns="0" tIns="0" bIns="0" anchor="ctr">
             <a:noAutofit/>
           </a:bodyPr>
           <a:p>
             <a:pPr indent="0" algn="ctr">
               <a:buNone/>
             </a:pPr>
-            <a:endParaRPr b="1" lang="en-ID" sz="2700" spc="-1" strike="noStrike">
-              <a:solidFill>
-                <a:srgbClr val="2c3e50"/>
-              </a:solidFill>
-              <a:latin typeface="Source Sans Pro Black"/>
+            <a:endParaRPr b="0" lang="en-ID" sz="4400" spc="-1" strike="noStrike">
+              <a:solidFill>
+                <a:srgbClr val="000000"/>
+              </a:solidFill>
+              <a:latin typeface="Arial"/>
             </a:endParaRPr>
           </a:p>
         </p:txBody>
@@ -4035,7 +3896,7 @@
         <p:spPr>
           <a:xfrm>
             <a:off x="3420000" y="3240000"/>
-            <a:ext cx="3074040" cy="1620000"/>
+            <a:ext cx="3074040" cy="1619640"/>
           </a:xfrm>
           <a:prstGeom prst="rect">
             <a:avLst/>
@@ -4051,16 +3912,16 @@
           </a:bodyPr>
           <a:p>
             <a:pPr indent="0">
-              <a:spcAft>
-                <a:spcPts val="655"/>
-              </a:spcAft>
-              <a:buNone/>
-            </a:pPr>
-            <a:endParaRPr b="0" lang="en-ID" sz="1500" spc="-1" strike="noStrike">
-              <a:solidFill>
-                <a:srgbClr val="ffffff"/>
-              </a:solidFill>
-              <a:latin typeface="Source Sans Pro"/>
+              <a:spcBef>
+                <a:spcPts val="1417"/>
+              </a:spcBef>
+              <a:buNone/>
+            </a:pPr>
+            <a:endParaRPr b="0" lang="en-ID" sz="3200" spc="-1" strike="noStrike">
+              <a:solidFill>
+                <a:srgbClr val="000000"/>
+              </a:solidFill>
+              <a:latin typeface="Arial"/>
             </a:endParaRPr>
           </a:p>
         </p:txBody>
@@ -4078,7 +3939,7 @@
         <p:spPr>
           <a:xfrm>
             <a:off x="6648120" y="3240000"/>
-            <a:ext cx="3074040" cy="1620000"/>
+            <a:ext cx="3074040" cy="1619640"/>
           </a:xfrm>
           <a:prstGeom prst="rect">
             <a:avLst/>
@@ -4094,16 +3955,16 @@
           </a:bodyPr>
           <a:p>
             <a:pPr indent="0">
-              <a:spcAft>
-                <a:spcPts val="655"/>
-              </a:spcAft>
-              <a:buNone/>
-            </a:pPr>
-            <a:endParaRPr b="0" lang="en-ID" sz="1500" spc="-1" strike="noStrike">
-              <a:solidFill>
-                <a:srgbClr val="ffffff"/>
-              </a:solidFill>
-              <a:latin typeface="Source Sans Pro"/>
+              <a:spcBef>
+                <a:spcPts val="1417"/>
+              </a:spcBef>
+              <a:buNone/>
+            </a:pPr>
+            <a:endParaRPr b="0" lang="en-ID" sz="3200" spc="-1" strike="noStrike">
+              <a:solidFill>
+                <a:srgbClr val="000000"/>
+              </a:solidFill>
+              <a:latin typeface="Arial"/>
             </a:endParaRPr>
           </a:p>
         </p:txBody>
@@ -4115,7 +3976,7 @@
             <a:spLocks noGrp="1"/>
           </p:cNvSpPr>
           <p:nvPr>
-            <p:ph type="ftr" idx="7"/>
+            <p:ph type="ftr" idx="6"/>
           </p:nvPr>
         </p:nvSpPr>
         <p:spPr/>
@@ -4135,14 +3996,14 @@
             <a:spLocks noGrp="1"/>
           </p:cNvSpPr>
           <p:nvPr>
-            <p:ph type="sldNum" idx="8"/>
+            <p:ph type="sldNum" idx="7"/>
           </p:nvPr>
         </p:nvSpPr>
         <p:spPr/>
         <p:txBody>
           <a:bodyPr/>
           <a:p>
-            <a:fld id="{939A3C3D-ADAB-4DEA-BDEE-098F40B7524C}" type="slidenum">
+            <a:fld id="{2A7BC4EA-F343-4396-BF03-A23AA99CD989}" type="slidenum">
               <a:t>&lt;#&gt;</a:t>
             </a:fld>
           </a:p>
@@ -4155,7 +4016,7 @@
             <a:spLocks noGrp="1"/>
           </p:cNvSpPr>
           <p:nvPr>
-            <p:ph type="dt" idx="6"/>
+            <p:ph type="dt" idx="8"/>
           </p:nvPr>
         </p:nvSpPr>
         <p:spPr/>
@@ -4204,29 +4065,29 @@
         <p:spPr>
           <a:xfrm>
             <a:off x="2700000" y="1485000"/>
-            <a:ext cx="4680000" cy="1620000"/>
-          </a:xfrm>
-          <a:prstGeom prst="rect">
-            <a:avLst/>
-          </a:prstGeom>
-          <a:noFill/>
-          <a:ln w="0">
-            <a:noFill/>
-          </a:ln>
-        </p:spPr>
-        <p:txBody>
-          <a:bodyPr lIns="0" rIns="0" tIns="0" bIns="0" anchor="ctr" anchorCtr="1">
+            <a:ext cx="4679640" cy="1619640"/>
+          </a:xfrm>
+          <a:prstGeom prst="rect">
+            <a:avLst/>
+          </a:prstGeom>
+          <a:noFill/>
+          <a:ln w="0">
+            <a:noFill/>
+          </a:ln>
+        </p:spPr>
+        <p:txBody>
+          <a:bodyPr lIns="0" rIns="0" tIns="0" bIns="0" anchor="ctr">
             <a:noAutofit/>
           </a:bodyPr>
           <a:p>
             <a:pPr indent="0" algn="ctr">
               <a:buNone/>
             </a:pPr>
-            <a:endParaRPr b="1" lang="en-ID" sz="2700" spc="-1" strike="noStrike">
-              <a:solidFill>
-                <a:srgbClr val="2c3e50"/>
-              </a:solidFill>
-              <a:latin typeface="Source Sans Pro Black"/>
+            <a:endParaRPr b="0" lang="en-ID" sz="4400" spc="-1" strike="noStrike">
+              <a:solidFill>
+                <a:srgbClr val="000000"/>
+              </a:solidFill>
+              <a:latin typeface="Arial"/>
             </a:endParaRPr>
           </a:p>
         </p:txBody>
@@ -4238,7 +4099,7 @@
             <a:spLocks noGrp="1"/>
           </p:cNvSpPr>
           <p:nvPr>
-            <p:ph type="ftr" idx="7"/>
+            <p:ph type="ftr" idx="6"/>
           </p:nvPr>
         </p:nvSpPr>
         <p:spPr/>
@@ -4258,14 +4119,14 @@
             <a:spLocks noGrp="1"/>
           </p:cNvSpPr>
           <p:nvPr>
-            <p:ph type="sldNum" idx="8"/>
+            <p:ph type="sldNum" idx="7"/>
           </p:nvPr>
         </p:nvSpPr>
         <p:spPr/>
         <p:txBody>
           <a:bodyPr/>
           <a:p>
-            <a:fld id="{997AFFA6-5C4E-4DD5-A8C1-3F035FC29BFD}" type="slidenum">
+            <a:fld id="{DC155B30-5E93-499F-A14C-646F928D820D}" type="slidenum">
               <a:t>&lt;#&gt;</a:t>
             </a:fld>
           </a:p>
@@ -4278,7 +4139,7 @@
             <a:spLocks noGrp="1"/>
           </p:cNvSpPr>
           <p:nvPr>
-            <p:ph type="dt" idx="6"/>
+            <p:ph type="dt" idx="8"/>
           </p:nvPr>
         </p:nvSpPr>
         <p:spPr/>
@@ -4316,7 +4177,7 @@
       </p:grpSpPr>
       <p:sp>
         <p:nvSpPr>
-          <p:cNvPr id="10" name="PlaceHolder 1"/>
+          <p:cNvPr id="9" name="PlaceHolder 1"/>
           <p:cNvSpPr>
             <a:spLocks noGrp="1"/>
           </p:cNvSpPr>
@@ -4327,36 +4188,36 @@
         <p:spPr>
           <a:xfrm>
             <a:off x="2700000" y="1485000"/>
-            <a:ext cx="4680000" cy="1620000"/>
-          </a:xfrm>
-          <a:prstGeom prst="rect">
-            <a:avLst/>
-          </a:prstGeom>
-          <a:noFill/>
-          <a:ln w="0">
-            <a:noFill/>
-          </a:ln>
-        </p:spPr>
-        <p:txBody>
-          <a:bodyPr lIns="0" rIns="0" tIns="0" bIns="0" anchor="ctr" anchorCtr="1">
+            <a:ext cx="4679640" cy="1619640"/>
+          </a:xfrm>
+          <a:prstGeom prst="rect">
+            <a:avLst/>
+          </a:prstGeom>
+          <a:noFill/>
+          <a:ln w="0">
+            <a:noFill/>
+          </a:ln>
+        </p:spPr>
+        <p:txBody>
+          <a:bodyPr lIns="0" rIns="0" tIns="0" bIns="0" anchor="ctr">
             <a:noAutofit/>
           </a:bodyPr>
           <a:p>
             <a:pPr indent="0" algn="ctr">
               <a:buNone/>
             </a:pPr>
-            <a:endParaRPr b="1" lang="en-ID" sz="2700" spc="-1" strike="noStrike">
-              <a:solidFill>
-                <a:srgbClr val="2c3e50"/>
-              </a:solidFill>
-              <a:latin typeface="Source Sans Pro Black"/>
-            </a:endParaRPr>
-          </a:p>
-        </p:txBody>
-      </p:sp>
-      <p:sp>
-        <p:nvSpPr>
-          <p:cNvPr id="11" name="PlaceHolder 2"/>
+            <a:endParaRPr b="0" lang="en-ID" sz="4400" spc="-1" strike="noStrike">
+              <a:solidFill>
+                <a:srgbClr val="000000"/>
+              </a:solidFill>
+              <a:latin typeface="Arial"/>
+            </a:endParaRPr>
+          </a:p>
+        </p:txBody>
+      </p:sp>
+      <p:sp>
+        <p:nvSpPr>
+          <p:cNvPr id="10" name="PlaceHolder 2"/>
           <p:cNvSpPr>
             <a:spLocks noGrp="1"/>
           </p:cNvSpPr>
@@ -4367,7 +4228,7 @@
         <p:spPr>
           <a:xfrm>
             <a:off x="3420000" y="3240000"/>
-            <a:ext cx="6300000" cy="1620000"/>
+            <a:ext cx="6299640" cy="1619640"/>
           </a:xfrm>
           <a:prstGeom prst="rect">
             <a:avLst/>
@@ -4383,16 +4244,16 @@
           </a:bodyPr>
           <a:p>
             <a:pPr indent="0">
-              <a:spcAft>
-                <a:spcPts val="655"/>
-              </a:spcAft>
-              <a:buNone/>
-            </a:pPr>
-            <a:endParaRPr b="0" lang="en-ID" sz="1500" spc="-1" strike="noStrike">
-              <a:solidFill>
-                <a:srgbClr val="ffffff"/>
-              </a:solidFill>
-              <a:latin typeface="Source Sans Pro"/>
+              <a:spcBef>
+                <a:spcPts val="1417"/>
+              </a:spcBef>
+              <a:buNone/>
+            </a:pPr>
+            <a:endParaRPr b="0" lang="en-ID" sz="3200" spc="-1" strike="noStrike">
+              <a:solidFill>
+                <a:srgbClr val="000000"/>
+              </a:solidFill>
+              <a:latin typeface="Arial"/>
             </a:endParaRPr>
           </a:p>
         </p:txBody>
@@ -4404,7 +4265,7 @@
             <a:spLocks noGrp="1"/>
           </p:cNvSpPr>
           <p:nvPr>
-            <p:ph type="ftr" idx="2"/>
+            <p:ph type="ftr" idx="1"/>
           </p:nvPr>
         </p:nvSpPr>
         <p:spPr/>
@@ -4424,7 +4285,27 @@
             <a:spLocks noGrp="1"/>
           </p:cNvSpPr>
           <p:nvPr>
-            <p:ph type="dt" idx="1"/>
+            <p:ph type="sldNum" idx="2"/>
+          </p:nvPr>
+        </p:nvSpPr>
+        <p:spPr/>
+        <p:txBody>
+          <a:bodyPr/>
+          <a:p>
+            <a:fld id="{DD4B2533-A4FE-4419-A7E6-FF9CC357AF1E}" type="slidenum">
+              <a:t>&lt;#&gt;</a:t>
+            </a:fld>
+          </a:p>
+        </p:txBody>
+      </p:sp>
+      <p:sp>
+        <p:nvSpPr>
+          <p:cNvPr id="6" name="PlaceHolder 5"/>
+          <p:cNvSpPr>
+            <a:spLocks noGrp="1"/>
+          </p:cNvSpPr>
+          <p:nvPr>
+            <p:ph type="dt" idx="3"/>
           </p:nvPr>
         </p:nvSpPr>
         <p:spPr/>
@@ -4473,7 +4354,7 @@
         <p:spPr>
           <a:xfrm>
             <a:off x="2700000" y="1485000"/>
-            <a:ext cx="4680000" cy="7510680"/>
+            <a:ext cx="4679640" cy="7508880"/>
           </a:xfrm>
           <a:prstGeom prst="rect">
             <a:avLst/>
@@ -4489,11 +4370,11 @@
           </a:bodyPr>
           <a:p>
             <a:pPr algn="ctr"/>
-            <a:endParaRPr b="0" lang="en-ID" sz="2200" spc="-1" strike="noStrike">
-              <a:solidFill>
-                <a:srgbClr val="ffffff"/>
-              </a:solidFill>
-              <a:latin typeface="Source Sans Pro"/>
+            <a:endParaRPr b="0" lang="en-ID" sz="3200" spc="-1" strike="noStrike">
+              <a:solidFill>
+                <a:srgbClr val="000000"/>
+              </a:solidFill>
+              <a:latin typeface="Arial"/>
             </a:endParaRPr>
           </a:p>
         </p:txBody>
@@ -4505,7 +4386,7 @@
             <a:spLocks noGrp="1"/>
           </p:cNvSpPr>
           <p:nvPr>
-            <p:ph type="ftr" idx="7"/>
+            <p:ph type="ftr" idx="6"/>
           </p:nvPr>
         </p:nvSpPr>
         <p:spPr/>
@@ -4525,14 +4406,14 @@
             <a:spLocks noGrp="1"/>
           </p:cNvSpPr>
           <p:nvPr>
-            <p:ph type="sldNum" idx="8"/>
+            <p:ph type="sldNum" idx="7"/>
           </p:nvPr>
         </p:nvSpPr>
         <p:spPr/>
         <p:txBody>
           <a:bodyPr/>
           <a:p>
-            <a:fld id="{D3C6E686-0148-41EB-A006-B93070EEADC2}" type="slidenum">
+            <a:fld id="{68CB90D7-8767-4FF0-9771-AE2FA5BA0C74}" type="slidenum">
               <a:t>&lt;#&gt;</a:t>
             </a:fld>
           </a:p>
@@ -4545,7 +4426,7 @@
             <a:spLocks noGrp="1"/>
           </p:cNvSpPr>
           <p:nvPr>
-            <p:ph type="dt" idx="6"/>
+            <p:ph type="dt" idx="8"/>
           </p:nvPr>
         </p:nvSpPr>
         <p:spPr/>
@@ -4594,29 +4475,29 @@
         <p:spPr>
           <a:xfrm>
             <a:off x="2700000" y="1485000"/>
-            <a:ext cx="4680000" cy="1620000"/>
-          </a:xfrm>
-          <a:prstGeom prst="rect">
-            <a:avLst/>
-          </a:prstGeom>
-          <a:noFill/>
-          <a:ln w="0">
-            <a:noFill/>
-          </a:ln>
-        </p:spPr>
-        <p:txBody>
-          <a:bodyPr lIns="0" rIns="0" tIns="0" bIns="0" anchor="ctr" anchorCtr="1">
+            <a:ext cx="4679640" cy="1619640"/>
+          </a:xfrm>
+          <a:prstGeom prst="rect">
+            <a:avLst/>
+          </a:prstGeom>
+          <a:noFill/>
+          <a:ln w="0">
+            <a:noFill/>
+          </a:ln>
+        </p:spPr>
+        <p:txBody>
+          <a:bodyPr lIns="0" rIns="0" tIns="0" bIns="0" anchor="ctr">
             <a:noAutofit/>
           </a:bodyPr>
           <a:p>
             <a:pPr indent="0" algn="ctr">
               <a:buNone/>
             </a:pPr>
-            <a:endParaRPr b="1" lang="en-ID" sz="2700" spc="-1" strike="noStrike">
-              <a:solidFill>
-                <a:srgbClr val="2c3e50"/>
-              </a:solidFill>
-              <a:latin typeface="Source Sans Pro Black"/>
+            <a:endParaRPr b="0" lang="en-ID" sz="4400" spc="-1" strike="noStrike">
+              <a:solidFill>
+                <a:srgbClr val="000000"/>
+              </a:solidFill>
+              <a:latin typeface="Arial"/>
             </a:endParaRPr>
           </a:p>
         </p:txBody>
@@ -4646,20 +4527,20 @@
         </p:spPr>
         <p:txBody>
           <a:bodyPr lIns="0" rIns="0" tIns="0" bIns="0" anchor="t">
-            <a:normAutofit/>
+            <a:normAutofit fontScale="93740" lnSpcReduction="10000"/>
           </a:bodyPr>
           <a:p>
             <a:pPr indent="0">
-              <a:spcAft>
-                <a:spcPts val="655"/>
-              </a:spcAft>
-              <a:buNone/>
-            </a:pPr>
-            <a:endParaRPr b="0" lang="en-ID" sz="1500" spc="-1" strike="noStrike">
-              <a:solidFill>
-                <a:srgbClr val="ffffff"/>
-              </a:solidFill>
-              <a:latin typeface="Source Sans Pro"/>
+              <a:spcBef>
+                <a:spcPts val="1417"/>
+              </a:spcBef>
+              <a:buNone/>
+            </a:pPr>
+            <a:endParaRPr b="0" lang="en-ID" sz="3200" spc="-1" strike="noStrike">
+              <a:solidFill>
+                <a:srgbClr val="000000"/>
+              </a:solidFill>
+              <a:latin typeface="Arial"/>
             </a:endParaRPr>
           </a:p>
         </p:txBody>
@@ -4677,7 +4558,7 @@
         <p:spPr>
           <a:xfrm>
             <a:off x="6648120" y="3240000"/>
-            <a:ext cx="3074040" cy="1620000"/>
+            <a:ext cx="3074040" cy="1619640"/>
           </a:xfrm>
           <a:prstGeom prst="rect">
             <a:avLst/>
@@ -4693,16 +4574,16 @@
           </a:bodyPr>
           <a:p>
             <a:pPr indent="0">
-              <a:spcAft>
-                <a:spcPts val="655"/>
-              </a:spcAft>
-              <a:buNone/>
-            </a:pPr>
-            <a:endParaRPr b="0" lang="en-ID" sz="1500" spc="-1" strike="noStrike">
-              <a:solidFill>
-                <a:srgbClr val="ffffff"/>
-              </a:solidFill>
-              <a:latin typeface="Source Sans Pro"/>
+              <a:spcBef>
+                <a:spcPts val="1417"/>
+              </a:spcBef>
+              <a:buNone/>
+            </a:pPr>
+            <a:endParaRPr b="0" lang="en-ID" sz="3200" spc="-1" strike="noStrike">
+              <a:solidFill>
+                <a:srgbClr val="000000"/>
+              </a:solidFill>
+              <a:latin typeface="Arial"/>
             </a:endParaRPr>
           </a:p>
         </p:txBody>
@@ -4732,20 +4613,20 @@
         </p:spPr>
         <p:txBody>
           <a:bodyPr lIns="0" rIns="0" tIns="0" bIns="0" anchor="t">
-            <a:normAutofit/>
+            <a:normAutofit fontScale="93740" lnSpcReduction="10000"/>
           </a:bodyPr>
           <a:p>
             <a:pPr indent="0">
-              <a:spcAft>
-                <a:spcPts val="655"/>
-              </a:spcAft>
-              <a:buNone/>
-            </a:pPr>
-            <a:endParaRPr b="0" lang="en-ID" sz="1500" spc="-1" strike="noStrike">
-              <a:solidFill>
-                <a:srgbClr val="ffffff"/>
-              </a:solidFill>
-              <a:latin typeface="Source Sans Pro"/>
+              <a:spcBef>
+                <a:spcPts val="1417"/>
+              </a:spcBef>
+              <a:buNone/>
+            </a:pPr>
+            <a:endParaRPr b="0" lang="en-ID" sz="3200" spc="-1" strike="noStrike">
+              <a:solidFill>
+                <a:srgbClr val="000000"/>
+              </a:solidFill>
+              <a:latin typeface="Arial"/>
             </a:endParaRPr>
           </a:p>
         </p:txBody>
@@ -4757,7 +4638,7 @@
             <a:spLocks noGrp="1"/>
           </p:cNvSpPr>
           <p:nvPr>
-            <p:ph type="ftr" idx="7"/>
+            <p:ph type="ftr" idx="6"/>
           </p:nvPr>
         </p:nvSpPr>
         <p:spPr/>
@@ -4777,14 +4658,14 @@
             <a:spLocks noGrp="1"/>
           </p:cNvSpPr>
           <p:nvPr>
-            <p:ph type="sldNum" idx="8"/>
+            <p:ph type="sldNum" idx="7"/>
           </p:nvPr>
         </p:nvSpPr>
         <p:spPr/>
         <p:txBody>
           <a:bodyPr/>
           <a:p>
-            <a:fld id="{34D2A0B1-553C-4473-890B-0AC59933DE56}" type="slidenum">
+            <a:fld id="{DC8E4AE5-3C4F-4A45-A267-006DE10454BA}" type="slidenum">
               <a:t>&lt;#&gt;</a:t>
             </a:fld>
           </a:p>
@@ -4797,7 +4678,7 @@
             <a:spLocks noGrp="1"/>
           </p:cNvSpPr>
           <p:nvPr>
-            <p:ph type="dt" idx="6"/>
+            <p:ph type="dt" idx="8"/>
           </p:nvPr>
         </p:nvSpPr>
         <p:spPr/>
@@ -4846,29 +4727,29 @@
         <p:spPr>
           <a:xfrm>
             <a:off x="2700000" y="1485000"/>
-            <a:ext cx="4680000" cy="1620000"/>
-          </a:xfrm>
-          <a:prstGeom prst="rect">
-            <a:avLst/>
-          </a:prstGeom>
-          <a:noFill/>
-          <a:ln w="0">
-            <a:noFill/>
-          </a:ln>
-        </p:spPr>
-        <p:txBody>
-          <a:bodyPr lIns="0" rIns="0" tIns="0" bIns="0" anchor="ctr" anchorCtr="1">
+            <a:ext cx="4679640" cy="1619640"/>
+          </a:xfrm>
+          <a:prstGeom prst="rect">
+            <a:avLst/>
+          </a:prstGeom>
+          <a:noFill/>
+          <a:ln w="0">
+            <a:noFill/>
+          </a:ln>
+        </p:spPr>
+        <p:txBody>
+          <a:bodyPr lIns="0" rIns="0" tIns="0" bIns="0" anchor="ctr">
             <a:noAutofit/>
           </a:bodyPr>
           <a:p>
             <a:pPr indent="0" algn="ctr">
               <a:buNone/>
             </a:pPr>
-            <a:endParaRPr b="1" lang="en-ID" sz="2700" spc="-1" strike="noStrike">
-              <a:solidFill>
-                <a:srgbClr val="2c3e50"/>
-              </a:solidFill>
-              <a:latin typeface="Source Sans Pro Black"/>
+            <a:endParaRPr b="0" lang="en-ID" sz="4400" spc="-1" strike="noStrike">
+              <a:solidFill>
+                <a:srgbClr val="000000"/>
+              </a:solidFill>
+              <a:latin typeface="Arial"/>
             </a:endParaRPr>
           </a:p>
         </p:txBody>
@@ -4886,7 +4767,7 @@
         <p:spPr>
           <a:xfrm>
             <a:off x="3420000" y="3240000"/>
-            <a:ext cx="3074040" cy="1620000"/>
+            <a:ext cx="3074040" cy="1619640"/>
           </a:xfrm>
           <a:prstGeom prst="rect">
             <a:avLst/>
@@ -4902,16 +4783,16 @@
           </a:bodyPr>
           <a:p>
             <a:pPr indent="0">
-              <a:spcAft>
-                <a:spcPts val="655"/>
-              </a:spcAft>
-              <a:buNone/>
-            </a:pPr>
-            <a:endParaRPr b="0" lang="en-ID" sz="1500" spc="-1" strike="noStrike">
-              <a:solidFill>
-                <a:srgbClr val="ffffff"/>
-              </a:solidFill>
-              <a:latin typeface="Source Sans Pro"/>
+              <a:spcBef>
+                <a:spcPts val="1417"/>
+              </a:spcBef>
+              <a:buNone/>
+            </a:pPr>
+            <a:endParaRPr b="0" lang="en-ID" sz="3200" spc="-1" strike="noStrike">
+              <a:solidFill>
+                <a:srgbClr val="000000"/>
+              </a:solidFill>
+              <a:latin typeface="Arial"/>
             </a:endParaRPr>
           </a:p>
         </p:txBody>
@@ -4941,20 +4822,20 @@
         </p:spPr>
         <p:txBody>
           <a:bodyPr lIns="0" rIns="0" tIns="0" bIns="0" anchor="t">
-            <a:normAutofit/>
+            <a:normAutofit fontScale="93740" lnSpcReduction="10000"/>
           </a:bodyPr>
           <a:p>
             <a:pPr indent="0">
-              <a:spcAft>
-                <a:spcPts val="655"/>
-              </a:spcAft>
-              <a:buNone/>
-            </a:pPr>
-            <a:endParaRPr b="0" lang="en-ID" sz="1500" spc="-1" strike="noStrike">
-              <a:solidFill>
-                <a:srgbClr val="ffffff"/>
-              </a:solidFill>
-              <a:latin typeface="Source Sans Pro"/>
+              <a:spcBef>
+                <a:spcPts val="1417"/>
+              </a:spcBef>
+              <a:buNone/>
+            </a:pPr>
+            <a:endParaRPr b="0" lang="en-ID" sz="3200" spc="-1" strike="noStrike">
+              <a:solidFill>
+                <a:srgbClr val="000000"/>
+              </a:solidFill>
+              <a:latin typeface="Arial"/>
             </a:endParaRPr>
           </a:p>
         </p:txBody>
@@ -4984,20 +4865,20 @@
         </p:spPr>
         <p:txBody>
           <a:bodyPr lIns="0" rIns="0" tIns="0" bIns="0" anchor="t">
-            <a:normAutofit/>
+            <a:normAutofit fontScale="93740" lnSpcReduction="10000"/>
           </a:bodyPr>
           <a:p>
             <a:pPr indent="0">
-              <a:spcAft>
-                <a:spcPts val="655"/>
-              </a:spcAft>
-              <a:buNone/>
-            </a:pPr>
-            <a:endParaRPr b="0" lang="en-ID" sz="1500" spc="-1" strike="noStrike">
-              <a:solidFill>
-                <a:srgbClr val="ffffff"/>
-              </a:solidFill>
-              <a:latin typeface="Source Sans Pro"/>
+              <a:spcBef>
+                <a:spcPts val="1417"/>
+              </a:spcBef>
+              <a:buNone/>
+            </a:pPr>
+            <a:endParaRPr b="0" lang="en-ID" sz="3200" spc="-1" strike="noStrike">
+              <a:solidFill>
+                <a:srgbClr val="000000"/>
+              </a:solidFill>
+              <a:latin typeface="Arial"/>
             </a:endParaRPr>
           </a:p>
         </p:txBody>
@@ -5009,7 +4890,7 @@
             <a:spLocks noGrp="1"/>
           </p:cNvSpPr>
           <p:nvPr>
-            <p:ph type="ftr" idx="7"/>
+            <p:ph type="ftr" idx="6"/>
           </p:nvPr>
         </p:nvSpPr>
         <p:spPr/>
@@ -5029,14 +4910,14 @@
             <a:spLocks noGrp="1"/>
           </p:cNvSpPr>
           <p:nvPr>
-            <p:ph type="sldNum" idx="8"/>
+            <p:ph type="sldNum" idx="7"/>
           </p:nvPr>
         </p:nvSpPr>
         <p:spPr/>
         <p:txBody>
           <a:bodyPr/>
           <a:p>
-            <a:fld id="{0FEFC05D-737F-46B4-AD2E-306C82E85F59}" type="slidenum">
+            <a:fld id="{2DDD7B50-71D2-4505-B1D9-5B206E89E209}" type="slidenum">
               <a:t>&lt;#&gt;</a:t>
             </a:fld>
           </a:p>
@@ -5049,7 +4930,7 @@
             <a:spLocks noGrp="1"/>
           </p:cNvSpPr>
           <p:nvPr>
-            <p:ph type="dt" idx="6"/>
+            <p:ph type="dt" idx="8"/>
           </p:nvPr>
         </p:nvSpPr>
         <p:spPr/>
@@ -5098,29 +4979,29 @@
         <p:spPr>
           <a:xfrm>
             <a:off x="2700000" y="1485000"/>
-            <a:ext cx="4680000" cy="1620000"/>
-          </a:xfrm>
-          <a:prstGeom prst="rect">
-            <a:avLst/>
-          </a:prstGeom>
-          <a:noFill/>
-          <a:ln w="0">
-            <a:noFill/>
-          </a:ln>
-        </p:spPr>
-        <p:txBody>
-          <a:bodyPr lIns="0" rIns="0" tIns="0" bIns="0" anchor="ctr" anchorCtr="1">
+            <a:ext cx="4679640" cy="1619640"/>
+          </a:xfrm>
+          <a:prstGeom prst="rect">
+            <a:avLst/>
+          </a:prstGeom>
+          <a:noFill/>
+          <a:ln w="0">
+            <a:noFill/>
+          </a:ln>
+        </p:spPr>
+        <p:txBody>
+          <a:bodyPr lIns="0" rIns="0" tIns="0" bIns="0" anchor="ctr">
             <a:noAutofit/>
           </a:bodyPr>
           <a:p>
             <a:pPr indent="0" algn="ctr">
               <a:buNone/>
             </a:pPr>
-            <a:endParaRPr b="1" lang="en-ID" sz="2700" spc="-1" strike="noStrike">
-              <a:solidFill>
-                <a:srgbClr val="2c3e50"/>
-              </a:solidFill>
-              <a:latin typeface="Source Sans Pro Black"/>
+            <a:endParaRPr b="0" lang="en-ID" sz="4400" spc="-1" strike="noStrike">
+              <a:solidFill>
+                <a:srgbClr val="000000"/>
+              </a:solidFill>
+              <a:latin typeface="Arial"/>
             </a:endParaRPr>
           </a:p>
         </p:txBody>
@@ -5150,20 +5031,20 @@
         </p:spPr>
         <p:txBody>
           <a:bodyPr lIns="0" rIns="0" tIns="0" bIns="0" anchor="t">
-            <a:normAutofit/>
+            <a:normAutofit fontScale="93740" lnSpcReduction="10000"/>
           </a:bodyPr>
           <a:p>
             <a:pPr indent="0">
-              <a:spcAft>
-                <a:spcPts val="655"/>
-              </a:spcAft>
-              <a:buNone/>
-            </a:pPr>
-            <a:endParaRPr b="0" lang="en-ID" sz="1500" spc="-1" strike="noStrike">
-              <a:solidFill>
-                <a:srgbClr val="ffffff"/>
-              </a:solidFill>
-              <a:latin typeface="Source Sans Pro"/>
+              <a:spcBef>
+                <a:spcPts val="1417"/>
+              </a:spcBef>
+              <a:buNone/>
+            </a:pPr>
+            <a:endParaRPr b="0" lang="en-ID" sz="3200" spc="-1" strike="noStrike">
+              <a:solidFill>
+                <a:srgbClr val="000000"/>
+              </a:solidFill>
+              <a:latin typeface="Arial"/>
             </a:endParaRPr>
           </a:p>
         </p:txBody>
@@ -5193,20 +5074,20 @@
         </p:spPr>
         <p:txBody>
           <a:bodyPr lIns="0" rIns="0" tIns="0" bIns="0" anchor="t">
-            <a:normAutofit/>
+            <a:normAutofit fontScale="93740" lnSpcReduction="10000"/>
           </a:bodyPr>
           <a:p>
             <a:pPr indent="0">
-              <a:spcAft>
-                <a:spcPts val="655"/>
-              </a:spcAft>
-              <a:buNone/>
-            </a:pPr>
-            <a:endParaRPr b="0" lang="en-ID" sz="1500" spc="-1" strike="noStrike">
-              <a:solidFill>
-                <a:srgbClr val="ffffff"/>
-              </a:solidFill>
-              <a:latin typeface="Source Sans Pro"/>
+              <a:spcBef>
+                <a:spcPts val="1417"/>
+              </a:spcBef>
+              <a:buNone/>
+            </a:pPr>
+            <a:endParaRPr b="0" lang="en-ID" sz="3200" spc="-1" strike="noStrike">
+              <a:solidFill>
+                <a:srgbClr val="000000"/>
+              </a:solidFill>
+              <a:latin typeface="Arial"/>
             </a:endParaRPr>
           </a:p>
         </p:txBody>
@@ -5224,7 +5105,7 @@
         <p:spPr>
           <a:xfrm>
             <a:off x="3420000" y="4086360"/>
-            <a:ext cx="6300000" cy="772560"/>
+            <a:ext cx="6299640" cy="772560"/>
           </a:xfrm>
           <a:prstGeom prst="rect">
             <a:avLst/>
@@ -5240,16 +5121,16 @@
           </a:bodyPr>
           <a:p>
             <a:pPr indent="0">
-              <a:spcAft>
-                <a:spcPts val="655"/>
-              </a:spcAft>
-              <a:buNone/>
-            </a:pPr>
-            <a:endParaRPr b="0" lang="en-ID" sz="1500" spc="-1" strike="noStrike">
-              <a:solidFill>
-                <a:srgbClr val="ffffff"/>
-              </a:solidFill>
-              <a:latin typeface="Source Sans Pro"/>
+              <a:spcBef>
+                <a:spcPts val="1417"/>
+              </a:spcBef>
+              <a:buNone/>
+            </a:pPr>
+            <a:endParaRPr b="0" lang="en-ID" sz="3200" spc="-1" strike="noStrike">
+              <a:solidFill>
+                <a:srgbClr val="000000"/>
+              </a:solidFill>
+              <a:latin typeface="Arial"/>
             </a:endParaRPr>
           </a:p>
         </p:txBody>
@@ -5261,7 +5142,7 @@
             <a:spLocks noGrp="1"/>
           </p:cNvSpPr>
           <p:nvPr>
-            <p:ph type="ftr" idx="7"/>
+            <p:ph type="ftr" idx="6"/>
           </p:nvPr>
         </p:nvSpPr>
         <p:spPr/>
@@ -5281,14 +5162,14 @@
             <a:spLocks noGrp="1"/>
           </p:cNvSpPr>
           <p:nvPr>
-            <p:ph type="sldNum" idx="8"/>
+            <p:ph type="sldNum" idx="7"/>
           </p:nvPr>
         </p:nvSpPr>
         <p:spPr/>
         <p:txBody>
           <a:bodyPr/>
           <a:p>
-            <a:fld id="{4A000681-3F2B-4BD6-B941-F1EA6783806B}" type="slidenum">
+            <a:fld id="{EB6F56B4-B5DD-4212-BB2B-D6C47EA8F4F8}" type="slidenum">
               <a:t>&lt;#&gt;</a:t>
             </a:fld>
           </a:p>
@@ -5301,7 +5182,7 @@
             <a:spLocks noGrp="1"/>
           </p:cNvSpPr>
           <p:nvPr>
-            <p:ph type="dt" idx="6"/>
+            <p:ph type="dt" idx="8"/>
           </p:nvPr>
         </p:nvSpPr>
         <p:spPr/>
@@ -5350,29 +5231,29 @@
         <p:spPr>
           <a:xfrm>
             <a:off x="2700000" y="1485000"/>
-            <a:ext cx="4680000" cy="1620000"/>
-          </a:xfrm>
-          <a:prstGeom prst="rect">
-            <a:avLst/>
-          </a:prstGeom>
-          <a:noFill/>
-          <a:ln w="0">
-            <a:noFill/>
-          </a:ln>
-        </p:spPr>
-        <p:txBody>
-          <a:bodyPr lIns="0" rIns="0" tIns="0" bIns="0" anchor="ctr" anchorCtr="1">
+            <a:ext cx="4679640" cy="1619640"/>
+          </a:xfrm>
+          <a:prstGeom prst="rect">
+            <a:avLst/>
+          </a:prstGeom>
+          <a:noFill/>
+          <a:ln w="0">
+            <a:noFill/>
+          </a:ln>
+        </p:spPr>
+        <p:txBody>
+          <a:bodyPr lIns="0" rIns="0" tIns="0" bIns="0" anchor="ctr">
             <a:noAutofit/>
           </a:bodyPr>
           <a:p>
             <a:pPr indent="0" algn="ctr">
               <a:buNone/>
             </a:pPr>
-            <a:endParaRPr b="1" lang="en-ID" sz="2700" spc="-1" strike="noStrike">
-              <a:solidFill>
-                <a:srgbClr val="2c3e50"/>
-              </a:solidFill>
-              <a:latin typeface="Source Sans Pro Black"/>
+            <a:endParaRPr b="0" lang="en-ID" sz="4400" spc="-1" strike="noStrike">
+              <a:solidFill>
+                <a:srgbClr val="000000"/>
+              </a:solidFill>
+              <a:latin typeface="Arial"/>
             </a:endParaRPr>
           </a:p>
         </p:txBody>
@@ -5390,7 +5271,7 @@
         <p:spPr>
           <a:xfrm>
             <a:off x="3420000" y="3240000"/>
-            <a:ext cx="6300000" cy="772560"/>
+            <a:ext cx="6299640" cy="772560"/>
           </a:xfrm>
           <a:prstGeom prst="rect">
             <a:avLst/>
@@ -5406,16 +5287,16 @@
           </a:bodyPr>
           <a:p>
             <a:pPr indent="0">
-              <a:spcAft>
-                <a:spcPts val="655"/>
-              </a:spcAft>
-              <a:buNone/>
-            </a:pPr>
-            <a:endParaRPr b="0" lang="en-ID" sz="1500" spc="-1" strike="noStrike">
-              <a:solidFill>
-                <a:srgbClr val="ffffff"/>
-              </a:solidFill>
-              <a:latin typeface="Source Sans Pro"/>
+              <a:spcBef>
+                <a:spcPts val="1417"/>
+              </a:spcBef>
+              <a:buNone/>
+            </a:pPr>
+            <a:endParaRPr b="0" lang="en-ID" sz="3200" spc="-1" strike="noStrike">
+              <a:solidFill>
+                <a:srgbClr val="000000"/>
+              </a:solidFill>
+              <a:latin typeface="Arial"/>
             </a:endParaRPr>
           </a:p>
         </p:txBody>
@@ -5433,7 +5314,7 @@
         <p:spPr>
           <a:xfrm>
             <a:off x="3420000" y="4086360"/>
-            <a:ext cx="6300000" cy="772560"/>
+            <a:ext cx="6299640" cy="772560"/>
           </a:xfrm>
           <a:prstGeom prst="rect">
             <a:avLst/>
@@ -5449,16 +5330,16 @@
           </a:bodyPr>
           <a:p>
             <a:pPr indent="0">
-              <a:spcAft>
-                <a:spcPts val="655"/>
-              </a:spcAft>
-              <a:buNone/>
-            </a:pPr>
-            <a:endParaRPr b="0" lang="en-ID" sz="1500" spc="-1" strike="noStrike">
-              <a:solidFill>
-                <a:srgbClr val="ffffff"/>
-              </a:solidFill>
-              <a:latin typeface="Source Sans Pro"/>
+              <a:spcBef>
+                <a:spcPts val="1417"/>
+              </a:spcBef>
+              <a:buNone/>
+            </a:pPr>
+            <a:endParaRPr b="0" lang="en-ID" sz="3200" spc="-1" strike="noStrike">
+              <a:solidFill>
+                <a:srgbClr val="000000"/>
+              </a:solidFill>
+              <a:latin typeface="Arial"/>
             </a:endParaRPr>
           </a:p>
         </p:txBody>
@@ -5470,7 +5351,7 @@
             <a:spLocks noGrp="1"/>
           </p:cNvSpPr>
           <p:nvPr>
-            <p:ph type="ftr" idx="7"/>
+            <p:ph type="ftr" idx="6"/>
           </p:nvPr>
         </p:nvSpPr>
         <p:spPr/>
@@ -5490,14 +5371,14 @@
             <a:spLocks noGrp="1"/>
           </p:cNvSpPr>
           <p:nvPr>
-            <p:ph type="sldNum" idx="8"/>
+            <p:ph type="sldNum" idx="7"/>
           </p:nvPr>
         </p:nvSpPr>
         <p:spPr/>
         <p:txBody>
           <a:bodyPr/>
           <a:p>
-            <a:fld id="{7DB2AB74-9BAF-4085-8644-8E66881588DD}" type="slidenum">
+            <a:fld id="{0B4C5D04-F6C2-4044-9FB8-5C8C9F1ABA96}" type="slidenum">
               <a:t>&lt;#&gt;</a:t>
             </a:fld>
           </a:p>
@@ -5510,7 +5391,7 @@
             <a:spLocks noGrp="1"/>
           </p:cNvSpPr>
           <p:nvPr>
-            <p:ph type="dt" idx="6"/>
+            <p:ph type="dt" idx="8"/>
           </p:nvPr>
         </p:nvSpPr>
         <p:spPr/>
@@ -5559,29 +5440,29 @@
         <p:spPr>
           <a:xfrm>
             <a:off x="2700000" y="1485000"/>
-            <a:ext cx="4680000" cy="1620000"/>
-          </a:xfrm>
-          <a:prstGeom prst="rect">
-            <a:avLst/>
-          </a:prstGeom>
-          <a:noFill/>
-          <a:ln w="0">
-            <a:noFill/>
-          </a:ln>
-        </p:spPr>
-        <p:txBody>
-          <a:bodyPr lIns="0" rIns="0" tIns="0" bIns="0" anchor="ctr" anchorCtr="1">
+            <a:ext cx="4679640" cy="1619640"/>
+          </a:xfrm>
+          <a:prstGeom prst="rect">
+            <a:avLst/>
+          </a:prstGeom>
+          <a:noFill/>
+          <a:ln w="0">
+            <a:noFill/>
+          </a:ln>
+        </p:spPr>
+        <p:txBody>
+          <a:bodyPr lIns="0" rIns="0" tIns="0" bIns="0" anchor="ctr">
             <a:noAutofit/>
           </a:bodyPr>
           <a:p>
             <a:pPr indent="0" algn="ctr">
               <a:buNone/>
             </a:pPr>
-            <a:endParaRPr b="1" lang="en-ID" sz="2700" spc="-1" strike="noStrike">
-              <a:solidFill>
-                <a:srgbClr val="2c3e50"/>
-              </a:solidFill>
-              <a:latin typeface="Source Sans Pro Black"/>
+            <a:endParaRPr b="0" lang="en-ID" sz="4400" spc="-1" strike="noStrike">
+              <a:solidFill>
+                <a:srgbClr val="000000"/>
+              </a:solidFill>
+              <a:latin typeface="Arial"/>
             </a:endParaRPr>
           </a:p>
         </p:txBody>
@@ -5611,20 +5492,20 @@
         </p:spPr>
         <p:txBody>
           <a:bodyPr lIns="0" rIns="0" tIns="0" bIns="0" anchor="t">
-            <a:normAutofit/>
+            <a:normAutofit fontScale="93740" lnSpcReduction="10000"/>
           </a:bodyPr>
           <a:p>
             <a:pPr indent="0">
-              <a:spcAft>
-                <a:spcPts val="655"/>
-              </a:spcAft>
-              <a:buNone/>
-            </a:pPr>
-            <a:endParaRPr b="0" lang="en-ID" sz="1500" spc="-1" strike="noStrike">
-              <a:solidFill>
-                <a:srgbClr val="ffffff"/>
-              </a:solidFill>
-              <a:latin typeface="Source Sans Pro"/>
+              <a:spcBef>
+                <a:spcPts val="1417"/>
+              </a:spcBef>
+              <a:buNone/>
+            </a:pPr>
+            <a:endParaRPr b="0" lang="en-ID" sz="3200" spc="-1" strike="noStrike">
+              <a:solidFill>
+                <a:srgbClr val="000000"/>
+              </a:solidFill>
+              <a:latin typeface="Arial"/>
             </a:endParaRPr>
           </a:p>
         </p:txBody>
@@ -5654,20 +5535,20 @@
         </p:spPr>
         <p:txBody>
           <a:bodyPr lIns="0" rIns="0" tIns="0" bIns="0" anchor="t">
-            <a:normAutofit/>
+            <a:normAutofit fontScale="93740" lnSpcReduction="10000"/>
           </a:bodyPr>
           <a:p>
             <a:pPr indent="0">
-              <a:spcAft>
-                <a:spcPts val="655"/>
-              </a:spcAft>
-              <a:buNone/>
-            </a:pPr>
-            <a:endParaRPr b="0" lang="en-ID" sz="1500" spc="-1" strike="noStrike">
-              <a:solidFill>
-                <a:srgbClr val="ffffff"/>
-              </a:solidFill>
-              <a:latin typeface="Source Sans Pro"/>
+              <a:spcBef>
+                <a:spcPts val="1417"/>
+              </a:spcBef>
+              <a:buNone/>
+            </a:pPr>
+            <a:endParaRPr b="0" lang="en-ID" sz="3200" spc="-1" strike="noStrike">
+              <a:solidFill>
+                <a:srgbClr val="000000"/>
+              </a:solidFill>
+              <a:latin typeface="Arial"/>
             </a:endParaRPr>
           </a:p>
         </p:txBody>
@@ -5697,20 +5578,20 @@
         </p:spPr>
         <p:txBody>
           <a:bodyPr lIns="0" rIns="0" tIns="0" bIns="0" anchor="t">
-            <a:normAutofit/>
+            <a:normAutofit fontScale="93740" lnSpcReduction="10000"/>
           </a:bodyPr>
           <a:p>
             <a:pPr indent="0">
-              <a:spcAft>
-                <a:spcPts val="655"/>
-              </a:spcAft>
-              <a:buNone/>
-            </a:pPr>
-            <a:endParaRPr b="0" lang="en-ID" sz="1500" spc="-1" strike="noStrike">
-              <a:solidFill>
-                <a:srgbClr val="ffffff"/>
-              </a:solidFill>
-              <a:latin typeface="Source Sans Pro"/>
+              <a:spcBef>
+                <a:spcPts val="1417"/>
+              </a:spcBef>
+              <a:buNone/>
+            </a:pPr>
+            <a:endParaRPr b="0" lang="en-ID" sz="3200" spc="-1" strike="noStrike">
+              <a:solidFill>
+                <a:srgbClr val="000000"/>
+              </a:solidFill>
+              <a:latin typeface="Arial"/>
             </a:endParaRPr>
           </a:p>
         </p:txBody>
@@ -5740,20 +5621,20 @@
         </p:spPr>
         <p:txBody>
           <a:bodyPr lIns="0" rIns="0" tIns="0" bIns="0" anchor="t">
-            <a:normAutofit/>
+            <a:normAutofit fontScale="93740" lnSpcReduction="10000"/>
           </a:bodyPr>
           <a:p>
             <a:pPr indent="0">
-              <a:spcAft>
-                <a:spcPts val="655"/>
-              </a:spcAft>
-              <a:buNone/>
-            </a:pPr>
-            <a:endParaRPr b="0" lang="en-ID" sz="1500" spc="-1" strike="noStrike">
-              <a:solidFill>
-                <a:srgbClr val="ffffff"/>
-              </a:solidFill>
-              <a:latin typeface="Source Sans Pro"/>
+              <a:spcBef>
+                <a:spcPts val="1417"/>
+              </a:spcBef>
+              <a:buNone/>
+            </a:pPr>
+            <a:endParaRPr b="0" lang="en-ID" sz="3200" spc="-1" strike="noStrike">
+              <a:solidFill>
+                <a:srgbClr val="000000"/>
+              </a:solidFill>
+              <a:latin typeface="Arial"/>
             </a:endParaRPr>
           </a:p>
         </p:txBody>
@@ -5765,7 +5646,7 @@
             <a:spLocks noGrp="1"/>
           </p:cNvSpPr>
           <p:nvPr>
-            <p:ph type="ftr" idx="7"/>
+            <p:ph type="ftr" idx="6"/>
           </p:nvPr>
         </p:nvSpPr>
         <p:spPr/>
@@ -5785,14 +5666,14 @@
             <a:spLocks noGrp="1"/>
           </p:cNvSpPr>
           <p:nvPr>
-            <p:ph type="sldNum" idx="8"/>
+            <p:ph type="sldNum" idx="7"/>
           </p:nvPr>
         </p:nvSpPr>
         <p:spPr/>
         <p:txBody>
           <a:bodyPr/>
           <a:p>
-            <a:fld id="{7111DF4E-D613-4D8C-AED9-E4C793A4914C}" type="slidenum">
+            <a:fld id="{3D7F923E-AD37-4FAE-9E09-299C91D9577C}" type="slidenum">
               <a:t>&lt;#&gt;</a:t>
             </a:fld>
           </a:p>
@@ -5805,7 +5686,7 @@
             <a:spLocks noGrp="1"/>
           </p:cNvSpPr>
           <p:nvPr>
-            <p:ph type="dt" idx="6"/>
+            <p:ph type="dt" idx="8"/>
           </p:nvPr>
         </p:nvSpPr>
         <p:spPr/>
@@ -5854,29 +5735,29 @@
         <p:spPr>
           <a:xfrm>
             <a:off x="2700000" y="1485000"/>
-            <a:ext cx="4680000" cy="1620000"/>
-          </a:xfrm>
-          <a:prstGeom prst="rect">
-            <a:avLst/>
-          </a:prstGeom>
-          <a:noFill/>
-          <a:ln w="0">
-            <a:noFill/>
-          </a:ln>
-        </p:spPr>
-        <p:txBody>
-          <a:bodyPr lIns="0" rIns="0" tIns="0" bIns="0" anchor="ctr" anchorCtr="1">
+            <a:ext cx="4679640" cy="1619640"/>
+          </a:xfrm>
+          <a:prstGeom prst="rect">
+            <a:avLst/>
+          </a:prstGeom>
+          <a:noFill/>
+          <a:ln w="0">
+            <a:noFill/>
+          </a:ln>
+        </p:spPr>
+        <p:txBody>
+          <a:bodyPr lIns="0" rIns="0" tIns="0" bIns="0" anchor="ctr">
             <a:noAutofit/>
           </a:bodyPr>
           <a:p>
             <a:pPr indent="0" algn="ctr">
               <a:buNone/>
             </a:pPr>
-            <a:endParaRPr b="1" lang="en-ID" sz="2700" spc="-1" strike="noStrike">
-              <a:solidFill>
-                <a:srgbClr val="2c3e50"/>
-              </a:solidFill>
-              <a:latin typeface="Source Sans Pro Black"/>
+            <a:endParaRPr b="0" lang="en-ID" sz="4400" spc="-1" strike="noStrike">
+              <a:solidFill>
+                <a:srgbClr val="000000"/>
+              </a:solidFill>
+              <a:latin typeface="Arial"/>
             </a:endParaRPr>
           </a:p>
         </p:txBody>
@@ -5906,20 +5787,20 @@
         </p:spPr>
         <p:txBody>
           <a:bodyPr lIns="0" rIns="0" tIns="0" bIns="0" anchor="t">
-            <a:normAutofit/>
+            <a:normAutofit fontScale="84366"/>
           </a:bodyPr>
           <a:p>
             <a:pPr indent="0">
-              <a:spcAft>
-                <a:spcPts val="655"/>
-              </a:spcAft>
-              <a:buNone/>
-            </a:pPr>
-            <a:endParaRPr b="0" lang="en-ID" sz="1500" spc="-1" strike="noStrike">
-              <a:solidFill>
-                <a:srgbClr val="ffffff"/>
-              </a:solidFill>
-              <a:latin typeface="Source Sans Pro"/>
+              <a:spcBef>
+                <a:spcPts val="1417"/>
+              </a:spcBef>
+              <a:buNone/>
+            </a:pPr>
+            <a:endParaRPr b="0" lang="en-ID" sz="3200" spc="-1" strike="noStrike">
+              <a:solidFill>
+                <a:srgbClr val="000000"/>
+              </a:solidFill>
+              <a:latin typeface="Arial"/>
             </a:endParaRPr>
           </a:p>
         </p:txBody>
@@ -5949,20 +5830,20 @@
         </p:spPr>
         <p:txBody>
           <a:bodyPr lIns="0" rIns="0" tIns="0" bIns="0" anchor="t">
-            <a:normAutofit/>
+            <a:normAutofit fontScale="84366"/>
           </a:bodyPr>
           <a:p>
             <a:pPr indent="0">
-              <a:spcAft>
-                <a:spcPts val="655"/>
-              </a:spcAft>
-              <a:buNone/>
-            </a:pPr>
-            <a:endParaRPr b="0" lang="en-ID" sz="1500" spc="-1" strike="noStrike">
-              <a:solidFill>
-                <a:srgbClr val="ffffff"/>
-              </a:solidFill>
-              <a:latin typeface="Source Sans Pro"/>
+              <a:spcBef>
+                <a:spcPts val="1417"/>
+              </a:spcBef>
+              <a:buNone/>
+            </a:pPr>
+            <a:endParaRPr b="0" lang="en-ID" sz="3200" spc="-1" strike="noStrike">
+              <a:solidFill>
+                <a:srgbClr val="000000"/>
+              </a:solidFill>
+              <a:latin typeface="Arial"/>
             </a:endParaRPr>
           </a:p>
         </p:txBody>
@@ -5992,20 +5873,20 @@
         </p:spPr>
         <p:txBody>
           <a:bodyPr lIns="0" rIns="0" tIns="0" bIns="0" anchor="t">
-            <a:normAutofit/>
+            <a:normAutofit fontScale="84366"/>
           </a:bodyPr>
           <a:p>
             <a:pPr indent="0">
-              <a:spcAft>
-                <a:spcPts val="655"/>
-              </a:spcAft>
-              <a:buNone/>
-            </a:pPr>
-            <a:endParaRPr b="0" lang="en-ID" sz="1500" spc="-1" strike="noStrike">
-              <a:solidFill>
-                <a:srgbClr val="ffffff"/>
-              </a:solidFill>
-              <a:latin typeface="Source Sans Pro"/>
+              <a:spcBef>
+                <a:spcPts val="1417"/>
+              </a:spcBef>
+              <a:buNone/>
+            </a:pPr>
+            <a:endParaRPr b="0" lang="en-ID" sz="3200" spc="-1" strike="noStrike">
+              <a:solidFill>
+                <a:srgbClr val="000000"/>
+              </a:solidFill>
+              <a:latin typeface="Arial"/>
             </a:endParaRPr>
           </a:p>
         </p:txBody>
@@ -6035,20 +5916,20 @@
         </p:spPr>
         <p:txBody>
           <a:bodyPr lIns="0" rIns="0" tIns="0" bIns="0" anchor="t">
-            <a:normAutofit/>
+            <a:normAutofit fontScale="84366"/>
           </a:bodyPr>
           <a:p>
             <a:pPr indent="0">
-              <a:spcAft>
-                <a:spcPts val="655"/>
-              </a:spcAft>
-              <a:buNone/>
-            </a:pPr>
-            <a:endParaRPr b="0" lang="en-ID" sz="1500" spc="-1" strike="noStrike">
-              <a:solidFill>
-                <a:srgbClr val="ffffff"/>
-              </a:solidFill>
-              <a:latin typeface="Source Sans Pro"/>
+              <a:spcBef>
+                <a:spcPts val="1417"/>
+              </a:spcBef>
+              <a:buNone/>
+            </a:pPr>
+            <a:endParaRPr b="0" lang="en-ID" sz="3200" spc="-1" strike="noStrike">
+              <a:solidFill>
+                <a:srgbClr val="000000"/>
+              </a:solidFill>
+              <a:latin typeface="Arial"/>
             </a:endParaRPr>
           </a:p>
         </p:txBody>
@@ -6078,20 +5959,20 @@
         </p:spPr>
         <p:txBody>
           <a:bodyPr lIns="0" rIns="0" tIns="0" bIns="0" anchor="t">
-            <a:normAutofit/>
+            <a:normAutofit fontScale="84366"/>
           </a:bodyPr>
           <a:p>
             <a:pPr indent="0">
-              <a:spcAft>
-                <a:spcPts val="655"/>
-              </a:spcAft>
-              <a:buNone/>
-            </a:pPr>
-            <a:endParaRPr b="0" lang="en-ID" sz="1500" spc="-1" strike="noStrike">
-              <a:solidFill>
-                <a:srgbClr val="ffffff"/>
-              </a:solidFill>
-              <a:latin typeface="Source Sans Pro"/>
+              <a:spcBef>
+                <a:spcPts val="1417"/>
+              </a:spcBef>
+              <a:buNone/>
+            </a:pPr>
+            <a:endParaRPr b="0" lang="en-ID" sz="3200" spc="-1" strike="noStrike">
+              <a:solidFill>
+                <a:srgbClr val="000000"/>
+              </a:solidFill>
+              <a:latin typeface="Arial"/>
             </a:endParaRPr>
           </a:p>
         </p:txBody>
@@ -6121,20 +6002,20 @@
         </p:spPr>
         <p:txBody>
           <a:bodyPr lIns="0" rIns="0" tIns="0" bIns="0" anchor="t">
-            <a:normAutofit/>
+            <a:normAutofit fontScale="84366"/>
           </a:bodyPr>
           <a:p>
             <a:pPr indent="0">
-              <a:spcAft>
-                <a:spcPts val="655"/>
-              </a:spcAft>
-              <a:buNone/>
-            </a:pPr>
-            <a:endParaRPr b="0" lang="en-ID" sz="1500" spc="-1" strike="noStrike">
-              <a:solidFill>
-                <a:srgbClr val="ffffff"/>
-              </a:solidFill>
-              <a:latin typeface="Source Sans Pro"/>
+              <a:spcBef>
+                <a:spcPts val="1417"/>
+              </a:spcBef>
+              <a:buNone/>
+            </a:pPr>
+            <a:endParaRPr b="0" lang="en-ID" sz="3200" spc="-1" strike="noStrike">
+              <a:solidFill>
+                <a:srgbClr val="000000"/>
+              </a:solidFill>
+              <a:latin typeface="Arial"/>
             </a:endParaRPr>
           </a:p>
         </p:txBody>
@@ -6146,7 +6027,7 @@
             <a:spLocks noGrp="1"/>
           </p:cNvSpPr>
           <p:nvPr>
-            <p:ph type="ftr" idx="7"/>
+            <p:ph type="ftr" idx="6"/>
           </p:nvPr>
         </p:nvSpPr>
         <p:spPr/>
@@ -6166,14 +6047,14 @@
             <a:spLocks noGrp="1"/>
           </p:cNvSpPr>
           <p:nvPr>
-            <p:ph type="sldNum" idx="8"/>
+            <p:ph type="sldNum" idx="7"/>
           </p:nvPr>
         </p:nvSpPr>
         <p:spPr/>
         <p:txBody>
           <a:bodyPr/>
           <a:p>
-            <a:fld id="{890EB8B6-C3FD-4A05-B7F4-3C9AC024A5AF}" type="slidenum">
+            <a:fld id="{644213C4-DA07-4086-938A-F98B44C17812}" type="slidenum">
               <a:t>&lt;#&gt;</a:t>
             </a:fld>
           </a:p>
@@ -6186,7 +6067,7 @@
             <a:spLocks noGrp="1"/>
           </p:cNvSpPr>
           <p:nvPr>
-            <p:ph type="dt" idx="6"/>
+            <p:ph type="dt" idx="8"/>
           </p:nvPr>
         </p:nvSpPr>
         <p:spPr/>
@@ -6224,7 +6105,7 @@
       </p:grpSpPr>
       <p:sp>
         <p:nvSpPr>
-          <p:cNvPr id="12" name="PlaceHolder 1"/>
+          <p:cNvPr id="11" name="PlaceHolder 1"/>
           <p:cNvSpPr>
             <a:spLocks noGrp="1"/>
           </p:cNvSpPr>
@@ -6235,36 +6116,36 @@
         <p:spPr>
           <a:xfrm>
             <a:off x="2700000" y="1485000"/>
-            <a:ext cx="4680000" cy="1620000"/>
-          </a:xfrm>
-          <a:prstGeom prst="rect">
-            <a:avLst/>
-          </a:prstGeom>
-          <a:noFill/>
-          <a:ln w="0">
-            <a:noFill/>
-          </a:ln>
-        </p:spPr>
-        <p:txBody>
-          <a:bodyPr lIns="0" rIns="0" tIns="0" bIns="0" anchor="ctr" anchorCtr="1">
+            <a:ext cx="4679640" cy="1619640"/>
+          </a:xfrm>
+          <a:prstGeom prst="rect">
+            <a:avLst/>
+          </a:prstGeom>
+          <a:noFill/>
+          <a:ln w="0">
+            <a:noFill/>
+          </a:ln>
+        </p:spPr>
+        <p:txBody>
+          <a:bodyPr lIns="0" rIns="0" tIns="0" bIns="0" anchor="ctr">
             <a:noAutofit/>
           </a:bodyPr>
           <a:p>
             <a:pPr indent="0" algn="ctr">
               <a:buNone/>
             </a:pPr>
-            <a:endParaRPr b="1" lang="en-ID" sz="2700" spc="-1" strike="noStrike">
-              <a:solidFill>
-                <a:srgbClr val="2c3e50"/>
-              </a:solidFill>
-              <a:latin typeface="Source Sans Pro Black"/>
-            </a:endParaRPr>
-          </a:p>
-        </p:txBody>
-      </p:sp>
-      <p:sp>
-        <p:nvSpPr>
-          <p:cNvPr id="13" name="PlaceHolder 2"/>
+            <a:endParaRPr b="0" lang="en-ID" sz="4400" spc="-1" strike="noStrike">
+              <a:solidFill>
+                <a:srgbClr val="000000"/>
+              </a:solidFill>
+              <a:latin typeface="Arial"/>
+            </a:endParaRPr>
+          </a:p>
+        </p:txBody>
+      </p:sp>
+      <p:sp>
+        <p:nvSpPr>
+          <p:cNvPr id="12" name="PlaceHolder 2"/>
           <p:cNvSpPr>
             <a:spLocks noGrp="1"/>
           </p:cNvSpPr>
@@ -6275,7 +6156,7 @@
         <p:spPr>
           <a:xfrm>
             <a:off x="3420000" y="3240000"/>
-            <a:ext cx="3074040" cy="1620000"/>
+            <a:ext cx="3074040" cy="1619640"/>
           </a:xfrm>
           <a:prstGeom prst="rect">
             <a:avLst/>
@@ -6291,23 +6172,23 @@
           </a:bodyPr>
           <a:p>
             <a:pPr indent="0">
-              <a:spcAft>
-                <a:spcPts val="655"/>
-              </a:spcAft>
-              <a:buNone/>
-            </a:pPr>
-            <a:endParaRPr b="0" lang="en-ID" sz="1500" spc="-1" strike="noStrike">
-              <a:solidFill>
-                <a:srgbClr val="ffffff"/>
-              </a:solidFill>
-              <a:latin typeface="Source Sans Pro"/>
-            </a:endParaRPr>
-          </a:p>
-        </p:txBody>
-      </p:sp>
-      <p:sp>
-        <p:nvSpPr>
-          <p:cNvPr id="14" name="PlaceHolder 3"/>
+              <a:spcBef>
+                <a:spcPts val="1417"/>
+              </a:spcBef>
+              <a:buNone/>
+            </a:pPr>
+            <a:endParaRPr b="0" lang="en-ID" sz="3200" spc="-1" strike="noStrike">
+              <a:solidFill>
+                <a:srgbClr val="000000"/>
+              </a:solidFill>
+              <a:latin typeface="Arial"/>
+            </a:endParaRPr>
+          </a:p>
+        </p:txBody>
+      </p:sp>
+      <p:sp>
+        <p:nvSpPr>
+          <p:cNvPr id="13" name="PlaceHolder 3"/>
           <p:cNvSpPr>
             <a:spLocks noGrp="1"/>
           </p:cNvSpPr>
@@ -6318,7 +6199,7 @@
         <p:spPr>
           <a:xfrm>
             <a:off x="6648120" y="3240000"/>
-            <a:ext cx="3074040" cy="1620000"/>
+            <a:ext cx="3074040" cy="1619640"/>
           </a:xfrm>
           <a:prstGeom prst="rect">
             <a:avLst/>
@@ -6334,16 +6215,16 @@
           </a:bodyPr>
           <a:p>
             <a:pPr indent="0">
-              <a:spcAft>
-                <a:spcPts val="655"/>
-              </a:spcAft>
-              <a:buNone/>
-            </a:pPr>
-            <a:endParaRPr b="0" lang="en-ID" sz="1500" spc="-1" strike="noStrike">
-              <a:solidFill>
-                <a:srgbClr val="ffffff"/>
-              </a:solidFill>
-              <a:latin typeface="Source Sans Pro"/>
+              <a:spcBef>
+                <a:spcPts val="1417"/>
+              </a:spcBef>
+              <a:buNone/>
+            </a:pPr>
+            <a:endParaRPr b="0" lang="en-ID" sz="3200" spc="-1" strike="noStrike">
+              <a:solidFill>
+                <a:srgbClr val="000000"/>
+              </a:solidFill>
+              <a:latin typeface="Arial"/>
             </a:endParaRPr>
           </a:p>
         </p:txBody>
@@ -6355,7 +6236,7 @@
             <a:spLocks noGrp="1"/>
           </p:cNvSpPr>
           <p:nvPr>
-            <p:ph type="ftr" idx="2"/>
+            <p:ph type="ftr" idx="1"/>
           </p:nvPr>
         </p:nvSpPr>
         <p:spPr/>
@@ -6375,7 +6256,27 @@
             <a:spLocks noGrp="1"/>
           </p:cNvSpPr>
           <p:nvPr>
-            <p:ph type="dt" idx="1"/>
+            <p:ph type="sldNum" idx="2"/>
+          </p:nvPr>
+        </p:nvSpPr>
+        <p:spPr/>
+        <p:txBody>
+          <a:bodyPr/>
+          <a:p>
+            <a:fld id="{4C1E8CE8-2B63-4F3D-A0A7-7B458A026ADA}" type="slidenum">
+              <a:t>&lt;#&gt;</a:t>
+            </a:fld>
+          </a:p>
+        </p:txBody>
+      </p:sp>
+      <p:sp>
+        <p:nvSpPr>
+          <p:cNvPr id="7" name="PlaceHolder 6"/>
+          <p:cNvSpPr>
+            <a:spLocks noGrp="1"/>
+          </p:cNvSpPr>
+          <p:nvPr>
+            <p:ph type="dt" idx="3"/>
           </p:nvPr>
         </p:nvSpPr>
         <p:spPr/>
@@ -6413,7 +6314,7 @@
       </p:grpSpPr>
       <p:sp>
         <p:nvSpPr>
-          <p:cNvPr id="15" name="PlaceHolder 1"/>
+          <p:cNvPr id="14" name="PlaceHolder 1"/>
           <p:cNvSpPr>
             <a:spLocks noGrp="1"/>
           </p:cNvSpPr>
@@ -6424,29 +6325,29 @@
         <p:spPr>
           <a:xfrm>
             <a:off x="2700000" y="1485000"/>
-            <a:ext cx="4680000" cy="1620000"/>
-          </a:xfrm>
-          <a:prstGeom prst="rect">
-            <a:avLst/>
-          </a:prstGeom>
-          <a:noFill/>
-          <a:ln w="0">
-            <a:noFill/>
-          </a:ln>
-        </p:spPr>
-        <p:txBody>
-          <a:bodyPr lIns="0" rIns="0" tIns="0" bIns="0" anchor="ctr" anchorCtr="1">
+            <a:ext cx="4679640" cy="1619640"/>
+          </a:xfrm>
+          <a:prstGeom prst="rect">
+            <a:avLst/>
+          </a:prstGeom>
+          <a:noFill/>
+          <a:ln w="0">
+            <a:noFill/>
+          </a:ln>
+        </p:spPr>
+        <p:txBody>
+          <a:bodyPr lIns="0" rIns="0" tIns="0" bIns="0" anchor="ctr">
             <a:noAutofit/>
           </a:bodyPr>
           <a:p>
             <a:pPr indent="0" algn="ctr">
               <a:buNone/>
             </a:pPr>
-            <a:endParaRPr b="1" lang="en-ID" sz="2700" spc="-1" strike="noStrike">
-              <a:solidFill>
-                <a:srgbClr val="2c3e50"/>
-              </a:solidFill>
-              <a:latin typeface="Source Sans Pro Black"/>
+            <a:endParaRPr b="0" lang="en-ID" sz="4400" spc="-1" strike="noStrike">
+              <a:solidFill>
+                <a:srgbClr val="000000"/>
+              </a:solidFill>
+              <a:latin typeface="Arial"/>
             </a:endParaRPr>
           </a:p>
         </p:txBody>
@@ -6458,7 +6359,7 @@
             <a:spLocks noGrp="1"/>
           </p:cNvSpPr>
           <p:nvPr>
-            <p:ph type="ftr" idx="2"/>
+            <p:ph type="ftr" idx="1"/>
           </p:nvPr>
         </p:nvSpPr>
         <p:spPr/>
@@ -6478,7 +6379,27 @@
             <a:spLocks noGrp="1"/>
           </p:cNvSpPr>
           <p:nvPr>
-            <p:ph type="dt" idx="1"/>
+            <p:ph type="sldNum" idx="2"/>
+          </p:nvPr>
+        </p:nvSpPr>
+        <p:spPr/>
+        <p:txBody>
+          <a:bodyPr/>
+          <a:p>
+            <a:fld id="{A1A74111-3418-499B-B2EA-D240C4DDE19B}" type="slidenum">
+              <a:t>&lt;#&gt;</a:t>
+            </a:fld>
+          </a:p>
+        </p:txBody>
+      </p:sp>
+      <p:sp>
+        <p:nvSpPr>
+          <p:cNvPr id="5" name="PlaceHolder 4"/>
+          <p:cNvSpPr>
+            <a:spLocks noGrp="1"/>
+          </p:cNvSpPr>
+          <p:nvPr>
+            <p:ph type="dt" idx="3"/>
           </p:nvPr>
         </p:nvSpPr>
         <p:spPr/>
@@ -6516,7 +6437,7 @@
       </p:grpSpPr>
       <p:sp>
         <p:nvSpPr>
-          <p:cNvPr id="16" name="PlaceHolder 1"/>
+          <p:cNvPr id="15" name="PlaceHolder 1"/>
           <p:cNvSpPr>
             <a:spLocks noGrp="1"/>
           </p:cNvSpPr>
@@ -6527,7 +6448,7 @@
         <p:spPr>
           <a:xfrm>
             <a:off x="2700000" y="1485000"/>
-            <a:ext cx="4680000" cy="7510680"/>
+            <a:ext cx="4679640" cy="7508880"/>
           </a:xfrm>
           <a:prstGeom prst="rect">
             <a:avLst/>
@@ -6543,11 +6464,11 @@
           </a:bodyPr>
           <a:p>
             <a:pPr algn="ctr"/>
-            <a:endParaRPr b="0" lang="en-ID" sz="2200" spc="-1" strike="noStrike">
-              <a:solidFill>
-                <a:srgbClr val="ffffff"/>
-              </a:solidFill>
-              <a:latin typeface="Source Sans Pro"/>
+            <a:endParaRPr b="0" lang="en-ID" sz="3200" spc="-1" strike="noStrike">
+              <a:solidFill>
+                <a:srgbClr val="000000"/>
+              </a:solidFill>
+              <a:latin typeface="Arial"/>
             </a:endParaRPr>
           </a:p>
         </p:txBody>
@@ -6559,7 +6480,7 @@
             <a:spLocks noGrp="1"/>
           </p:cNvSpPr>
           <p:nvPr>
-            <p:ph type="ftr" idx="2"/>
+            <p:ph type="ftr" idx="1"/>
           </p:nvPr>
         </p:nvSpPr>
         <p:spPr/>
@@ -6579,7 +6500,27 @@
             <a:spLocks noGrp="1"/>
           </p:cNvSpPr>
           <p:nvPr>
-            <p:ph type="dt" idx="1"/>
+            <p:ph type="sldNum" idx="2"/>
+          </p:nvPr>
+        </p:nvSpPr>
+        <p:spPr/>
+        <p:txBody>
+          <a:bodyPr/>
+          <a:p>
+            <a:fld id="{48900A7F-6EB8-4933-8B00-309AC625929E}" type="slidenum">
+              <a:t>&lt;#&gt;</a:t>
+            </a:fld>
+          </a:p>
+        </p:txBody>
+      </p:sp>
+      <p:sp>
+        <p:nvSpPr>
+          <p:cNvPr id="5" name="PlaceHolder 4"/>
+          <p:cNvSpPr>
+            <a:spLocks noGrp="1"/>
+          </p:cNvSpPr>
+          <p:nvPr>
+            <p:ph type="dt" idx="3"/>
           </p:nvPr>
         </p:nvSpPr>
         <p:spPr/>
@@ -6617,7 +6558,7 @@
       </p:grpSpPr>
       <p:sp>
         <p:nvSpPr>
-          <p:cNvPr id="17" name="PlaceHolder 1"/>
+          <p:cNvPr id="16" name="PlaceHolder 1"/>
           <p:cNvSpPr>
             <a:spLocks noGrp="1"/>
           </p:cNvSpPr>
@@ -6628,36 +6569,36 @@
         <p:spPr>
           <a:xfrm>
             <a:off x="2700000" y="1485000"/>
-            <a:ext cx="4680000" cy="1620000"/>
-          </a:xfrm>
-          <a:prstGeom prst="rect">
-            <a:avLst/>
-          </a:prstGeom>
-          <a:noFill/>
-          <a:ln w="0">
-            <a:noFill/>
-          </a:ln>
-        </p:spPr>
-        <p:txBody>
-          <a:bodyPr lIns="0" rIns="0" tIns="0" bIns="0" anchor="ctr" anchorCtr="1">
+            <a:ext cx="4679640" cy="1619640"/>
+          </a:xfrm>
+          <a:prstGeom prst="rect">
+            <a:avLst/>
+          </a:prstGeom>
+          <a:noFill/>
+          <a:ln w="0">
+            <a:noFill/>
+          </a:ln>
+        </p:spPr>
+        <p:txBody>
+          <a:bodyPr lIns="0" rIns="0" tIns="0" bIns="0" anchor="ctr">
             <a:noAutofit/>
           </a:bodyPr>
           <a:p>
             <a:pPr indent="0" algn="ctr">
               <a:buNone/>
             </a:pPr>
-            <a:endParaRPr b="1" lang="en-ID" sz="2700" spc="-1" strike="noStrike">
-              <a:solidFill>
-                <a:srgbClr val="2c3e50"/>
-              </a:solidFill>
-              <a:latin typeface="Source Sans Pro Black"/>
-            </a:endParaRPr>
-          </a:p>
-        </p:txBody>
-      </p:sp>
-      <p:sp>
-        <p:nvSpPr>
-          <p:cNvPr id="18" name="PlaceHolder 2"/>
+            <a:endParaRPr b="0" lang="en-ID" sz="4400" spc="-1" strike="noStrike">
+              <a:solidFill>
+                <a:srgbClr val="000000"/>
+              </a:solidFill>
+              <a:latin typeface="Arial"/>
+            </a:endParaRPr>
+          </a:p>
+        </p:txBody>
+      </p:sp>
+      <p:sp>
+        <p:nvSpPr>
+          <p:cNvPr id="17" name="PlaceHolder 2"/>
           <p:cNvSpPr>
             <a:spLocks noGrp="1"/>
           </p:cNvSpPr>
@@ -6680,27 +6621,27 @@
         </p:spPr>
         <p:txBody>
           <a:bodyPr lIns="0" rIns="0" tIns="0" bIns="0" anchor="t">
-            <a:normAutofit/>
+            <a:normAutofit fontScale="93740" lnSpcReduction="10000"/>
           </a:bodyPr>
           <a:p>
             <a:pPr indent="0">
-              <a:spcAft>
-                <a:spcPts val="655"/>
-              </a:spcAft>
-              <a:buNone/>
-            </a:pPr>
-            <a:endParaRPr b="0" lang="en-ID" sz="1500" spc="-1" strike="noStrike">
-              <a:solidFill>
-                <a:srgbClr val="ffffff"/>
-              </a:solidFill>
-              <a:latin typeface="Source Sans Pro"/>
-            </a:endParaRPr>
-          </a:p>
-        </p:txBody>
-      </p:sp>
-      <p:sp>
-        <p:nvSpPr>
-          <p:cNvPr id="19" name="PlaceHolder 3"/>
+              <a:spcBef>
+                <a:spcPts val="1417"/>
+              </a:spcBef>
+              <a:buNone/>
+            </a:pPr>
+            <a:endParaRPr b="0" lang="en-ID" sz="3200" spc="-1" strike="noStrike">
+              <a:solidFill>
+                <a:srgbClr val="000000"/>
+              </a:solidFill>
+              <a:latin typeface="Arial"/>
+            </a:endParaRPr>
+          </a:p>
+        </p:txBody>
+      </p:sp>
+      <p:sp>
+        <p:nvSpPr>
+          <p:cNvPr id="18" name="PlaceHolder 3"/>
           <p:cNvSpPr>
             <a:spLocks noGrp="1"/>
           </p:cNvSpPr>
@@ -6711,7 +6652,7 @@
         <p:spPr>
           <a:xfrm>
             <a:off x="6648120" y="3240000"/>
-            <a:ext cx="3074040" cy="1620000"/>
+            <a:ext cx="3074040" cy="1619640"/>
           </a:xfrm>
           <a:prstGeom prst="rect">
             <a:avLst/>
@@ -6727,23 +6668,23 @@
           </a:bodyPr>
           <a:p>
             <a:pPr indent="0">
-              <a:spcAft>
-                <a:spcPts val="655"/>
-              </a:spcAft>
-              <a:buNone/>
-            </a:pPr>
-            <a:endParaRPr b="0" lang="en-ID" sz="1500" spc="-1" strike="noStrike">
-              <a:solidFill>
-                <a:srgbClr val="ffffff"/>
-              </a:solidFill>
-              <a:latin typeface="Source Sans Pro"/>
-            </a:endParaRPr>
-          </a:p>
-        </p:txBody>
-      </p:sp>
-      <p:sp>
-        <p:nvSpPr>
-          <p:cNvPr id="20" name="PlaceHolder 4"/>
+              <a:spcBef>
+                <a:spcPts val="1417"/>
+              </a:spcBef>
+              <a:buNone/>
+            </a:pPr>
+            <a:endParaRPr b="0" lang="en-ID" sz="3200" spc="-1" strike="noStrike">
+              <a:solidFill>
+                <a:srgbClr val="000000"/>
+              </a:solidFill>
+              <a:latin typeface="Arial"/>
+            </a:endParaRPr>
+          </a:p>
+        </p:txBody>
+      </p:sp>
+      <p:sp>
+        <p:nvSpPr>
+          <p:cNvPr id="19" name="PlaceHolder 4"/>
           <p:cNvSpPr>
             <a:spLocks noGrp="1"/>
           </p:cNvSpPr>
@@ -6766,20 +6707,20 @@
         </p:spPr>
         <p:txBody>
           <a:bodyPr lIns="0" rIns="0" tIns="0" bIns="0" anchor="t">
-            <a:normAutofit/>
+            <a:normAutofit fontScale="93740" lnSpcReduction="10000"/>
           </a:bodyPr>
           <a:p>
             <a:pPr indent="0">
-              <a:spcAft>
-                <a:spcPts val="655"/>
-              </a:spcAft>
-              <a:buNone/>
-            </a:pPr>
-            <a:endParaRPr b="0" lang="en-ID" sz="1500" spc="-1" strike="noStrike">
-              <a:solidFill>
-                <a:srgbClr val="ffffff"/>
-              </a:solidFill>
-              <a:latin typeface="Source Sans Pro"/>
+              <a:spcBef>
+                <a:spcPts val="1417"/>
+              </a:spcBef>
+              <a:buNone/>
+            </a:pPr>
+            <a:endParaRPr b="0" lang="en-ID" sz="3200" spc="-1" strike="noStrike">
+              <a:solidFill>
+                <a:srgbClr val="000000"/>
+              </a:solidFill>
+              <a:latin typeface="Arial"/>
             </a:endParaRPr>
           </a:p>
         </p:txBody>
@@ -6791,7 +6732,7 @@
             <a:spLocks noGrp="1"/>
           </p:cNvSpPr>
           <p:nvPr>
-            <p:ph type="ftr" idx="2"/>
+            <p:ph type="ftr" idx="1"/>
           </p:nvPr>
         </p:nvSpPr>
         <p:spPr/>
@@ -6811,7 +6752,27 @@
             <a:spLocks noGrp="1"/>
           </p:cNvSpPr>
           <p:nvPr>
-            <p:ph type="dt" idx="1"/>
+            <p:ph type="sldNum" idx="2"/>
+          </p:nvPr>
+        </p:nvSpPr>
+        <p:spPr/>
+        <p:txBody>
+          <a:bodyPr/>
+          <a:p>
+            <a:fld id="{EF57E6B6-838A-4A26-A712-75B2BF5D6F83}" type="slidenum">
+              <a:t>&lt;#&gt;</a:t>
+            </a:fld>
+          </a:p>
+        </p:txBody>
+      </p:sp>
+      <p:sp>
+        <p:nvSpPr>
+          <p:cNvPr id="8" name="PlaceHolder 7"/>
+          <p:cNvSpPr>
+            <a:spLocks noGrp="1"/>
+          </p:cNvSpPr>
+          <p:nvPr>
+            <p:ph type="dt" idx="3"/>
           </p:nvPr>
         </p:nvSpPr>
         <p:spPr/>
@@ -6849,7 +6810,7 @@
       </p:grpSpPr>
       <p:sp>
         <p:nvSpPr>
-          <p:cNvPr id="21" name="PlaceHolder 1"/>
+          <p:cNvPr id="20" name="PlaceHolder 1"/>
           <p:cNvSpPr>
             <a:spLocks noGrp="1"/>
           </p:cNvSpPr>
@@ -6860,36 +6821,36 @@
         <p:spPr>
           <a:xfrm>
             <a:off x="2700000" y="1485000"/>
-            <a:ext cx="4680000" cy="1620000"/>
-          </a:xfrm>
-          <a:prstGeom prst="rect">
-            <a:avLst/>
-          </a:prstGeom>
-          <a:noFill/>
-          <a:ln w="0">
-            <a:noFill/>
-          </a:ln>
-        </p:spPr>
-        <p:txBody>
-          <a:bodyPr lIns="0" rIns="0" tIns="0" bIns="0" anchor="ctr" anchorCtr="1">
+            <a:ext cx="4679640" cy="1619640"/>
+          </a:xfrm>
+          <a:prstGeom prst="rect">
+            <a:avLst/>
+          </a:prstGeom>
+          <a:noFill/>
+          <a:ln w="0">
+            <a:noFill/>
+          </a:ln>
+        </p:spPr>
+        <p:txBody>
+          <a:bodyPr lIns="0" rIns="0" tIns="0" bIns="0" anchor="ctr">
             <a:noAutofit/>
           </a:bodyPr>
           <a:p>
             <a:pPr indent="0" algn="ctr">
               <a:buNone/>
             </a:pPr>
-            <a:endParaRPr b="1" lang="en-ID" sz="2700" spc="-1" strike="noStrike">
-              <a:solidFill>
-                <a:srgbClr val="2c3e50"/>
-              </a:solidFill>
-              <a:latin typeface="Source Sans Pro Black"/>
-            </a:endParaRPr>
-          </a:p>
-        </p:txBody>
-      </p:sp>
-      <p:sp>
-        <p:nvSpPr>
-          <p:cNvPr id="22" name="PlaceHolder 2"/>
+            <a:endParaRPr b="0" lang="en-ID" sz="4400" spc="-1" strike="noStrike">
+              <a:solidFill>
+                <a:srgbClr val="000000"/>
+              </a:solidFill>
+              <a:latin typeface="Arial"/>
+            </a:endParaRPr>
+          </a:p>
+        </p:txBody>
+      </p:sp>
+      <p:sp>
+        <p:nvSpPr>
+          <p:cNvPr id="21" name="PlaceHolder 2"/>
           <p:cNvSpPr>
             <a:spLocks noGrp="1"/>
           </p:cNvSpPr>
@@ -6900,7 +6861,7 @@
         <p:spPr>
           <a:xfrm>
             <a:off x="3420000" y="3240000"/>
-            <a:ext cx="3074040" cy="1620000"/>
+            <a:ext cx="3074040" cy="1619640"/>
           </a:xfrm>
           <a:prstGeom prst="rect">
             <a:avLst/>
@@ -6916,23 +6877,23 @@
           </a:bodyPr>
           <a:p>
             <a:pPr indent="0">
-              <a:spcAft>
-                <a:spcPts val="655"/>
-              </a:spcAft>
-              <a:buNone/>
-            </a:pPr>
-            <a:endParaRPr b="0" lang="en-ID" sz="1500" spc="-1" strike="noStrike">
-              <a:solidFill>
-                <a:srgbClr val="ffffff"/>
-              </a:solidFill>
-              <a:latin typeface="Source Sans Pro"/>
-            </a:endParaRPr>
-          </a:p>
-        </p:txBody>
-      </p:sp>
-      <p:sp>
-        <p:nvSpPr>
-          <p:cNvPr id="23" name="PlaceHolder 3"/>
+              <a:spcBef>
+                <a:spcPts val="1417"/>
+              </a:spcBef>
+              <a:buNone/>
+            </a:pPr>
+            <a:endParaRPr b="0" lang="en-ID" sz="3200" spc="-1" strike="noStrike">
+              <a:solidFill>
+                <a:srgbClr val="000000"/>
+              </a:solidFill>
+              <a:latin typeface="Arial"/>
+            </a:endParaRPr>
+          </a:p>
+        </p:txBody>
+      </p:sp>
+      <p:sp>
+        <p:nvSpPr>
+          <p:cNvPr id="22" name="PlaceHolder 3"/>
           <p:cNvSpPr>
             <a:spLocks noGrp="1"/>
           </p:cNvSpPr>
@@ -6955,27 +6916,27 @@
         </p:spPr>
         <p:txBody>
           <a:bodyPr lIns="0" rIns="0" tIns="0" bIns="0" anchor="t">
-            <a:normAutofit/>
+            <a:normAutofit fontScale="93740" lnSpcReduction="10000"/>
           </a:bodyPr>
           <a:p>
             <a:pPr indent="0">
-              <a:spcAft>
-                <a:spcPts val="655"/>
-              </a:spcAft>
-              <a:buNone/>
-            </a:pPr>
-            <a:endParaRPr b="0" lang="en-ID" sz="1500" spc="-1" strike="noStrike">
-              <a:solidFill>
-                <a:srgbClr val="ffffff"/>
-              </a:solidFill>
-              <a:latin typeface="Source Sans Pro"/>
-            </a:endParaRPr>
-          </a:p>
-        </p:txBody>
-      </p:sp>
-      <p:sp>
-        <p:nvSpPr>
-          <p:cNvPr id="24" name="PlaceHolder 4"/>
+              <a:spcBef>
+                <a:spcPts val="1417"/>
+              </a:spcBef>
+              <a:buNone/>
+            </a:pPr>
+            <a:endParaRPr b="0" lang="en-ID" sz="3200" spc="-1" strike="noStrike">
+              <a:solidFill>
+                <a:srgbClr val="000000"/>
+              </a:solidFill>
+              <a:latin typeface="Arial"/>
+            </a:endParaRPr>
+          </a:p>
+        </p:txBody>
+      </p:sp>
+      <p:sp>
+        <p:nvSpPr>
+          <p:cNvPr id="23" name="PlaceHolder 4"/>
           <p:cNvSpPr>
             <a:spLocks noGrp="1"/>
           </p:cNvSpPr>
@@ -6998,20 +6959,20 @@
         </p:spPr>
         <p:txBody>
           <a:bodyPr lIns="0" rIns="0" tIns="0" bIns="0" anchor="t">
-            <a:normAutofit/>
+            <a:normAutofit fontScale="93740" lnSpcReduction="10000"/>
           </a:bodyPr>
           <a:p>
             <a:pPr indent="0">
-              <a:spcAft>
-                <a:spcPts val="655"/>
-              </a:spcAft>
-              <a:buNone/>
-            </a:pPr>
-            <a:endParaRPr b="0" lang="en-ID" sz="1500" spc="-1" strike="noStrike">
-              <a:solidFill>
-                <a:srgbClr val="ffffff"/>
-              </a:solidFill>
-              <a:latin typeface="Source Sans Pro"/>
+              <a:spcBef>
+                <a:spcPts val="1417"/>
+              </a:spcBef>
+              <a:buNone/>
+            </a:pPr>
+            <a:endParaRPr b="0" lang="en-ID" sz="3200" spc="-1" strike="noStrike">
+              <a:solidFill>
+                <a:srgbClr val="000000"/>
+              </a:solidFill>
+              <a:latin typeface="Arial"/>
             </a:endParaRPr>
           </a:p>
         </p:txBody>
@@ -7023,7 +6984,7 @@
             <a:spLocks noGrp="1"/>
           </p:cNvSpPr>
           <p:nvPr>
-            <p:ph type="ftr" idx="2"/>
+            <p:ph type="ftr" idx="1"/>
           </p:nvPr>
         </p:nvSpPr>
         <p:spPr/>
@@ -7043,7 +7004,27 @@
             <a:spLocks noGrp="1"/>
           </p:cNvSpPr>
           <p:nvPr>
-            <p:ph type="dt" idx="1"/>
+            <p:ph type="sldNum" idx="2"/>
+          </p:nvPr>
+        </p:nvSpPr>
+        <p:spPr/>
+        <p:txBody>
+          <a:bodyPr/>
+          <a:p>
+            <a:fld id="{A5683752-D46E-41A4-B08F-5F2D8C689819}" type="slidenum">
+              <a:t>&lt;#&gt;</a:t>
+            </a:fld>
+          </a:p>
+        </p:txBody>
+      </p:sp>
+      <p:sp>
+        <p:nvSpPr>
+          <p:cNvPr id="8" name="PlaceHolder 7"/>
+          <p:cNvSpPr>
+            <a:spLocks noGrp="1"/>
+          </p:cNvSpPr>
+          <p:nvPr>
+            <p:ph type="dt" idx="3"/>
           </p:nvPr>
         </p:nvSpPr>
         <p:spPr/>
@@ -7081,7 +7062,7 @@
       </p:grpSpPr>
       <p:sp>
         <p:nvSpPr>
-          <p:cNvPr id="25" name="PlaceHolder 1"/>
+          <p:cNvPr id="24" name="PlaceHolder 1"/>
           <p:cNvSpPr>
             <a:spLocks noGrp="1"/>
           </p:cNvSpPr>
@@ -7092,36 +7073,36 @@
         <p:spPr>
           <a:xfrm>
             <a:off x="2700000" y="1485000"/>
-            <a:ext cx="4680000" cy="1620000"/>
-          </a:xfrm>
-          <a:prstGeom prst="rect">
-            <a:avLst/>
-          </a:prstGeom>
-          <a:noFill/>
-          <a:ln w="0">
-            <a:noFill/>
-          </a:ln>
-        </p:spPr>
-        <p:txBody>
-          <a:bodyPr lIns="0" rIns="0" tIns="0" bIns="0" anchor="ctr" anchorCtr="1">
+            <a:ext cx="4679640" cy="1619640"/>
+          </a:xfrm>
+          <a:prstGeom prst="rect">
+            <a:avLst/>
+          </a:prstGeom>
+          <a:noFill/>
+          <a:ln w="0">
+            <a:noFill/>
+          </a:ln>
+        </p:spPr>
+        <p:txBody>
+          <a:bodyPr lIns="0" rIns="0" tIns="0" bIns="0" anchor="ctr">
             <a:noAutofit/>
           </a:bodyPr>
           <a:p>
             <a:pPr indent="0" algn="ctr">
               <a:buNone/>
             </a:pPr>
-            <a:endParaRPr b="1" lang="en-ID" sz="2700" spc="-1" strike="noStrike">
-              <a:solidFill>
-                <a:srgbClr val="2c3e50"/>
-              </a:solidFill>
-              <a:latin typeface="Source Sans Pro Black"/>
-            </a:endParaRPr>
-          </a:p>
-        </p:txBody>
-      </p:sp>
-      <p:sp>
-        <p:nvSpPr>
-          <p:cNvPr id="26" name="PlaceHolder 2"/>
+            <a:endParaRPr b="0" lang="en-ID" sz="4400" spc="-1" strike="noStrike">
+              <a:solidFill>
+                <a:srgbClr val="000000"/>
+              </a:solidFill>
+              <a:latin typeface="Arial"/>
+            </a:endParaRPr>
+          </a:p>
+        </p:txBody>
+      </p:sp>
+      <p:sp>
+        <p:nvSpPr>
+          <p:cNvPr id="25" name="PlaceHolder 2"/>
           <p:cNvSpPr>
             <a:spLocks noGrp="1"/>
           </p:cNvSpPr>
@@ -7144,27 +7125,27 @@
         </p:spPr>
         <p:txBody>
           <a:bodyPr lIns="0" rIns="0" tIns="0" bIns="0" anchor="t">
-            <a:normAutofit/>
+            <a:normAutofit fontScale="93740" lnSpcReduction="10000"/>
           </a:bodyPr>
           <a:p>
             <a:pPr indent="0">
-              <a:spcAft>
-                <a:spcPts val="655"/>
-              </a:spcAft>
-              <a:buNone/>
-            </a:pPr>
-            <a:endParaRPr b="0" lang="en-ID" sz="1500" spc="-1" strike="noStrike">
-              <a:solidFill>
-                <a:srgbClr val="ffffff"/>
-              </a:solidFill>
-              <a:latin typeface="Source Sans Pro"/>
-            </a:endParaRPr>
-          </a:p>
-        </p:txBody>
-      </p:sp>
-      <p:sp>
-        <p:nvSpPr>
-          <p:cNvPr id="27" name="PlaceHolder 3"/>
+              <a:spcBef>
+                <a:spcPts val="1417"/>
+              </a:spcBef>
+              <a:buNone/>
+            </a:pPr>
+            <a:endParaRPr b="0" lang="en-ID" sz="3200" spc="-1" strike="noStrike">
+              <a:solidFill>
+                <a:srgbClr val="000000"/>
+              </a:solidFill>
+              <a:latin typeface="Arial"/>
+            </a:endParaRPr>
+          </a:p>
+        </p:txBody>
+      </p:sp>
+      <p:sp>
+        <p:nvSpPr>
+          <p:cNvPr id="26" name="PlaceHolder 3"/>
           <p:cNvSpPr>
             <a:spLocks noGrp="1"/>
           </p:cNvSpPr>
@@ -7187,27 +7168,27 @@
         </p:spPr>
         <p:txBody>
           <a:bodyPr lIns="0" rIns="0" tIns="0" bIns="0" anchor="t">
-            <a:normAutofit/>
+            <a:normAutofit fontScale="93740" lnSpcReduction="10000"/>
           </a:bodyPr>
           <a:p>
             <a:pPr indent="0">
-              <a:spcAft>
-                <a:spcPts val="655"/>
-              </a:spcAft>
-              <a:buNone/>
-            </a:pPr>
-            <a:endParaRPr b="0" lang="en-ID" sz="1500" spc="-1" strike="noStrike">
-              <a:solidFill>
-                <a:srgbClr val="ffffff"/>
-              </a:solidFill>
-              <a:latin typeface="Source Sans Pro"/>
-            </a:endParaRPr>
-          </a:p>
-        </p:txBody>
-      </p:sp>
-      <p:sp>
-        <p:nvSpPr>
-          <p:cNvPr id="28" name="PlaceHolder 4"/>
+              <a:spcBef>
+                <a:spcPts val="1417"/>
+              </a:spcBef>
+              <a:buNone/>
+            </a:pPr>
+            <a:endParaRPr b="0" lang="en-ID" sz="3200" spc="-1" strike="noStrike">
+              <a:solidFill>
+                <a:srgbClr val="000000"/>
+              </a:solidFill>
+              <a:latin typeface="Arial"/>
+            </a:endParaRPr>
+          </a:p>
+        </p:txBody>
+      </p:sp>
+      <p:sp>
+        <p:nvSpPr>
+          <p:cNvPr id="27" name="PlaceHolder 4"/>
           <p:cNvSpPr>
             <a:spLocks noGrp="1"/>
           </p:cNvSpPr>
@@ -7218,7 +7199,7 @@
         <p:spPr>
           <a:xfrm>
             <a:off x="3420000" y="4086360"/>
-            <a:ext cx="6300000" cy="772560"/>
+            <a:ext cx="6299640" cy="772560"/>
           </a:xfrm>
           <a:prstGeom prst="rect">
             <a:avLst/>
@@ -7234,16 +7215,16 @@
           </a:bodyPr>
           <a:p>
             <a:pPr indent="0">
-              <a:spcAft>
-                <a:spcPts val="655"/>
-              </a:spcAft>
-              <a:buNone/>
-            </a:pPr>
-            <a:endParaRPr b="0" lang="en-ID" sz="1500" spc="-1" strike="noStrike">
-              <a:solidFill>
-                <a:srgbClr val="ffffff"/>
-              </a:solidFill>
-              <a:latin typeface="Source Sans Pro"/>
+              <a:spcBef>
+                <a:spcPts val="1417"/>
+              </a:spcBef>
+              <a:buNone/>
+            </a:pPr>
+            <a:endParaRPr b="0" lang="en-ID" sz="3200" spc="-1" strike="noStrike">
+              <a:solidFill>
+                <a:srgbClr val="000000"/>
+              </a:solidFill>
+              <a:latin typeface="Arial"/>
             </a:endParaRPr>
           </a:p>
         </p:txBody>
@@ -7255,7 +7236,7 @@
             <a:spLocks noGrp="1"/>
           </p:cNvSpPr>
           <p:nvPr>
-            <p:ph type="ftr" idx="2"/>
+            <p:ph type="ftr" idx="1"/>
           </p:nvPr>
         </p:nvSpPr>
         <p:spPr/>
@@ -7275,7 +7256,27 @@
             <a:spLocks noGrp="1"/>
           </p:cNvSpPr>
           <p:nvPr>
-            <p:ph type="dt" idx="1"/>
+            <p:ph type="sldNum" idx="2"/>
+          </p:nvPr>
+        </p:nvSpPr>
+        <p:spPr/>
+        <p:txBody>
+          <a:bodyPr/>
+          <a:p>
+            <a:fld id="{A4E200AB-1BEC-4017-889B-F3773F74D988}" type="slidenum">
+              <a:t>&lt;#&gt;</a:t>
+            </a:fld>
+          </a:p>
+        </p:txBody>
+      </p:sp>
+      <p:sp>
+        <p:nvSpPr>
+          <p:cNvPr id="8" name="PlaceHolder 7"/>
+          <p:cNvSpPr>
+            <a:spLocks noGrp="1"/>
+          </p:cNvSpPr>
+          <p:nvPr>
+            <p:ph type="dt" idx="3"/>
           </p:nvPr>
         </p:nvSpPr>
         <p:spPr/>
@@ -7319,8 +7320,8 @@
         </p:nvSpPr>
         <p:spPr>
           <a:xfrm>
-            <a:off x="0" y="5400000"/>
-            <a:ext cx="10080000" cy="270000"/>
+            <a:off x="0" y="0"/>
+            <a:ext cx="10079640" cy="5669640"/>
           </a:xfrm>
           <a:prstGeom prst="rect">
             <a:avLst/>
@@ -7343,12 +7344,17 @@
             <a:noAutofit/>
           </a:bodyPr>
           <a:p>
-            <a:pPr algn="ctr"/>
+            <a:pPr algn="ctr">
+              <a:lnSpc>
+                <a:spcPct val="100000"/>
+              </a:lnSpc>
+            </a:pPr>
             <a:endParaRPr b="0" lang="en-ID" sz="1800" spc="-1" strike="noStrike">
               <a:solidFill>
                 <a:srgbClr val="2c3e50"/>
               </a:solidFill>
               <a:latin typeface="Source Sans Pro"/>
+              <a:ea typeface="DejaVu Sans"/>
             </a:endParaRPr>
           </a:p>
         </p:txBody>
@@ -7362,16 +7368,19 @@
         <p:spPr>
           <a:xfrm>
             <a:off x="0" y="0"/>
-            <a:ext cx="10080000" cy="1215000"/>
+            <a:ext cx="10079640" cy="3779640"/>
           </a:xfrm>
           <a:prstGeom prst="rect">
             <a:avLst/>
           </a:prstGeom>
           <a:solidFill>
-            <a:srgbClr val="2c3e50"/>
+            <a:srgbClr val="1abc9c"/>
           </a:solidFill>
           <a:ln w="10800">
-            <a:noFill/>
+            <a:solidFill>
+              <a:srgbClr val="1abc9c"/>
+            </a:solidFill>
+            <a:round/>
           </a:ln>
         </p:spPr>
         <p:style>
@@ -7385,12 +7394,17 @@
             <a:noAutofit/>
           </a:bodyPr>
           <a:p>
-            <a:pPr algn="ctr"/>
+            <a:pPr algn="ctr">
+              <a:lnSpc>
+                <a:spcPct val="100000"/>
+              </a:lnSpc>
+            </a:pPr>
             <a:endParaRPr b="0" lang="en-ID" sz="1800" spc="-1" strike="noStrike">
               <a:solidFill>
                 <a:srgbClr val="2c3e50"/>
               </a:solidFill>
               <a:latin typeface="Source Sans Pro"/>
+              <a:ea typeface="DejaVu Sans"/>
             </a:endParaRPr>
           </a:p>
         </p:txBody>
@@ -7407,19 +7421,19 @@
         </p:nvSpPr>
         <p:spPr>
           <a:xfrm>
-            <a:off x="360000" y="225720"/>
-            <a:ext cx="9360000" cy="718920"/>
-          </a:xfrm>
-          <a:prstGeom prst="rect">
-            <a:avLst/>
-          </a:prstGeom>
-          <a:noFill/>
-          <a:ln w="0">
-            <a:noFill/>
-          </a:ln>
-        </p:spPr>
-        <p:txBody>
-          <a:bodyPr lIns="0" rIns="0" tIns="0" bIns="0" anchor="ctr">
+            <a:off x="2700000" y="1485000"/>
+            <a:ext cx="4679640" cy="1619640"/>
+          </a:xfrm>
+          <a:prstGeom prst="rect">
+            <a:avLst/>
+          </a:prstGeom>
+          <a:noFill/>
+          <a:ln w="0">
+            <a:noFill/>
+          </a:ln>
+        </p:spPr>
+        <p:txBody>
+          <a:bodyPr lIns="0" rIns="0" tIns="0" bIns="0" anchor="ctr" anchorCtr="1">
             <a:noAutofit/>
           </a:bodyPr>
           <a:p>
@@ -7427,19 +7441,19 @@
               <a:buNone/>
             </a:pPr>
             <a:r>
-              <a:rPr b="1" lang="en-ID" sz="2700" spc="-1" strike="noStrike">
+              <a:rPr b="0" lang="en-ID" sz="1800" spc="-1" strike="noStrike">
                 <a:solidFill>
-                  <a:srgbClr val="ffffff"/>
+                  <a:srgbClr val="000000"/>
                 </a:solidFill>
-                <a:latin typeface="Source Sans Pro Black"/>
+                <a:latin typeface="Arial"/>
               </a:rPr>
               <a:t>Click to edit the title text format</a:t>
             </a:r>
-            <a:endParaRPr b="1" lang="en-ID" sz="2700" spc="-1" strike="noStrike">
-              <a:solidFill>
-                <a:srgbClr val="ffffff"/>
-              </a:solidFill>
-              <a:latin typeface="Source Sans Pro Black"/>
+            <a:endParaRPr b="0" lang="en-ID" sz="1800" spc="-1" strike="noStrike">
+              <a:solidFill>
+                <a:srgbClr val="000000"/>
+              </a:solidFill>
+              <a:latin typeface="Arial"/>
             </a:endParaRPr>
           </a:p>
         </p:txBody>
@@ -7451,238 +7465,13 @@
             <a:spLocks noGrp="1"/>
           </p:cNvSpPr>
           <p:nvPr>
-            <p:ph type="body"/>
-          </p:nvPr>
-        </p:nvSpPr>
-        <p:spPr>
-          <a:xfrm>
-            <a:off x="360000" y="1485000"/>
-            <a:ext cx="9360000" cy="3780000"/>
-          </a:xfrm>
-          <a:prstGeom prst="rect">
-            <a:avLst/>
-          </a:prstGeom>
-          <a:noFill/>
-          <a:ln w="0">
-            <a:noFill/>
-          </a:ln>
-        </p:spPr>
-        <p:txBody>
-          <a:bodyPr lIns="0" rIns="0" tIns="0" bIns="0" anchor="t">
-            <a:normAutofit/>
-          </a:bodyPr>
-          <a:p>
-            <a:pPr marL="432000" indent="-324000">
-              <a:spcAft>
-                <a:spcPts val="1057"/>
-              </a:spcAft>
-              <a:buClr>
-                <a:srgbClr val="2c3e50"/>
-              </a:buClr>
-              <a:buSzPct val="45000"/>
-              <a:buFont typeface="Wingdings" charset="2"/>
-              <a:buChar char=""/>
-            </a:pPr>
-            <a:r>
-              <a:rPr b="1" lang="en-ID" sz="2400" spc="-1" strike="noStrike">
-                <a:solidFill>
-                  <a:srgbClr val="2c3e50"/>
-                </a:solidFill>
-                <a:latin typeface="Source Sans Pro Semibold"/>
-              </a:rPr>
-              <a:t>Click to edit the outline text format</a:t>
-            </a:r>
-            <a:endParaRPr b="1" lang="en-ID" sz="2400" spc="-1" strike="noStrike">
-              <a:solidFill>
-                <a:srgbClr val="2c3e50"/>
-              </a:solidFill>
-              <a:latin typeface="Source Sans Pro Semibold"/>
-            </a:endParaRPr>
-          </a:p>
-          <a:p>
-            <a:pPr lvl="1" marL="864000" indent="-324000">
-              <a:spcAft>
-                <a:spcPts val="850"/>
-              </a:spcAft>
-              <a:buClr>
-                <a:srgbClr val="2c3e50"/>
-              </a:buClr>
-              <a:buSzPct val="75000"/>
-              <a:buFont typeface="Symbol" charset="2"/>
-              <a:buChar char=""/>
-            </a:pPr>
-            <a:r>
-              <a:rPr b="0" lang="en-ID" sz="2100" spc="-1" strike="noStrike">
-                <a:solidFill>
-                  <a:srgbClr val="2c3e50"/>
-                </a:solidFill>
-                <a:latin typeface="Source Sans Pro"/>
-              </a:rPr>
-              <a:t>Second Outline Level</a:t>
-            </a:r>
-            <a:endParaRPr b="0" lang="en-ID" sz="2100" spc="-1" strike="noStrike">
-              <a:solidFill>
-                <a:srgbClr val="2c3e50"/>
-              </a:solidFill>
-              <a:latin typeface="Source Sans Pro"/>
-            </a:endParaRPr>
-          </a:p>
-          <a:p>
-            <a:pPr lvl="2" marL="1296000" indent="-288000">
-              <a:spcAft>
-                <a:spcPts val="635"/>
-              </a:spcAft>
-              <a:buClr>
-                <a:srgbClr val="2c3e50"/>
-              </a:buClr>
-              <a:buSzPct val="45000"/>
-              <a:buFont typeface="Wingdings" charset="2"/>
-              <a:buChar char=""/>
-            </a:pPr>
-            <a:r>
-              <a:rPr b="0" lang="en-ID" sz="1800" spc="-1" strike="noStrike">
-                <a:solidFill>
-                  <a:srgbClr val="2c3e50"/>
-                </a:solidFill>
-                <a:latin typeface="Source Sans Pro"/>
-              </a:rPr>
-              <a:t>Third Outline Level</a:t>
-            </a:r>
-            <a:endParaRPr b="0" lang="en-ID" sz="1800" spc="-1" strike="noStrike">
-              <a:solidFill>
-                <a:srgbClr val="2c3e50"/>
-              </a:solidFill>
-              <a:latin typeface="Source Sans Pro"/>
-            </a:endParaRPr>
-          </a:p>
-          <a:p>
-            <a:pPr lvl="3" marL="1728000" indent="-216000">
-              <a:spcAft>
-                <a:spcPts val="425"/>
-              </a:spcAft>
-              <a:buClr>
-                <a:srgbClr val="2c3e50"/>
-              </a:buClr>
-              <a:buSzPct val="75000"/>
-              <a:buFont typeface="Symbol" charset="2"/>
-              <a:buChar char=""/>
-            </a:pPr>
-            <a:r>
-              <a:rPr b="0" lang="en-ID" sz="1500" spc="-1" strike="noStrike">
-                <a:solidFill>
-                  <a:srgbClr val="2c3e50"/>
-                </a:solidFill>
-                <a:latin typeface="Source Sans Pro"/>
-              </a:rPr>
-              <a:t>Fourth Outline Level</a:t>
-            </a:r>
-            <a:endParaRPr b="0" lang="en-ID" sz="1500" spc="-1" strike="noStrike">
-              <a:solidFill>
-                <a:srgbClr val="2c3e50"/>
-              </a:solidFill>
-              <a:latin typeface="Source Sans Pro"/>
-            </a:endParaRPr>
-          </a:p>
-          <a:p>
-            <a:pPr lvl="4" marL="2160000" indent="-216000">
-              <a:spcAft>
-                <a:spcPts val="213"/>
-              </a:spcAft>
-              <a:buClr>
-                <a:srgbClr val="2c3e50"/>
-              </a:buClr>
-              <a:buSzPct val="45000"/>
-              <a:buFont typeface="Wingdings" charset="2"/>
-              <a:buChar char=""/>
-            </a:pPr>
-            <a:r>
-              <a:rPr b="0" lang="en-ID" sz="1500" spc="-1" strike="noStrike">
-                <a:solidFill>
-                  <a:srgbClr val="2c3e50"/>
-                </a:solidFill>
-                <a:latin typeface="Source Sans Pro"/>
-              </a:rPr>
-              <a:t>Fifth Outline Level</a:t>
-            </a:r>
-            <a:endParaRPr b="0" lang="en-ID" sz="1500" spc="-1" strike="noStrike">
-              <a:solidFill>
-                <a:srgbClr val="2c3e50"/>
-              </a:solidFill>
-              <a:latin typeface="Source Sans Pro"/>
-            </a:endParaRPr>
-          </a:p>
-          <a:p>
-            <a:pPr lvl="5" marL="2592000" indent="-216000">
-              <a:spcAft>
-                <a:spcPts val="213"/>
-              </a:spcAft>
-              <a:buClr>
-                <a:srgbClr val="2c3e50"/>
-              </a:buClr>
-              <a:buSzPct val="45000"/>
-              <a:buFont typeface="Wingdings" charset="2"/>
-              <a:buChar char=""/>
-            </a:pPr>
-            <a:r>
-              <a:rPr b="0" lang="en-ID" sz="1500" spc="-1" strike="noStrike">
-                <a:solidFill>
-                  <a:srgbClr val="2c3e50"/>
-                </a:solidFill>
-                <a:latin typeface="Source Sans Pro"/>
-              </a:rPr>
-              <a:t>Sixth Outline Level</a:t>
-            </a:r>
-            <a:endParaRPr b="0" lang="en-ID" sz="1500" spc="-1" strike="noStrike">
-              <a:solidFill>
-                <a:srgbClr val="2c3e50"/>
-              </a:solidFill>
-              <a:latin typeface="Source Sans Pro"/>
-            </a:endParaRPr>
-          </a:p>
-          <a:p>
-            <a:pPr lvl="6" marL="3024000" indent="-216000">
-              <a:spcAft>
-                <a:spcPts val="213"/>
-              </a:spcAft>
-              <a:buClr>
-                <a:srgbClr val="2c3e50"/>
-              </a:buClr>
-              <a:buSzPct val="45000"/>
-              <a:buFont typeface="Wingdings" charset="2"/>
-              <a:buChar char=""/>
-            </a:pPr>
-            <a:r>
-              <a:rPr b="0" lang="en-ID" sz="1500" spc="-1" strike="noStrike">
-                <a:solidFill>
-                  <a:srgbClr val="2c3e50"/>
-                </a:solidFill>
-                <a:latin typeface="Source Sans Pro"/>
-              </a:rPr>
-              <a:t>Seventh Outline Level</a:t>
-            </a:r>
-            <a:endParaRPr b="0" lang="en-ID" sz="1500" spc="-1" strike="noStrike">
-              <a:solidFill>
-                <a:srgbClr val="2c3e50"/>
-              </a:solidFill>
-              <a:latin typeface="Source Sans Pro"/>
-            </a:endParaRPr>
-          </a:p>
-        </p:txBody>
-      </p:sp>
-      <p:sp>
-        <p:nvSpPr>
-          <p:cNvPr id="4" name="PlaceHolder 3"/>
-          <p:cNvSpPr>
-            <a:spLocks noGrp="1"/>
-          </p:cNvSpPr>
-          <p:nvPr>
-            <p:ph type="dt" idx="1"/>
-          </p:nvPr>
-        </p:nvSpPr>
-        <p:spPr>
-          <a:xfrm>
-            <a:off x="360000" y="5400000"/>
-            <a:ext cx="2880000" cy="270000"/>
+            <p:ph type="ftr" idx="1"/>
+          </p:nvPr>
+        </p:nvSpPr>
+        <p:spPr>
+          <a:xfrm>
+            <a:off x="3420000" y="5400000"/>
+            <a:ext cx="3239640" cy="269640"/>
           </a:xfrm>
           <a:prstGeom prst="rect">
             <a:avLst/>
@@ -7697,8 +7486,14 @@
             <a:noAutofit/>
           </a:bodyPr>
           <a:lstStyle>
-            <a:lvl1pPr indent="0">
-              <a:buNone/>
+            <a:lvl1pPr indent="0" algn="ctr">
+              <a:lnSpc>
+                <a:spcPct val="100000"/>
+              </a:lnSpc>
+              <a:buNone/>
+              <a:tabLst>
+                <a:tab algn="l" pos="0"/>
+              </a:tabLst>
               <a:defRPr b="1" lang="en-ID" sz="1800" spc="-1" strike="noStrike">
                 <a:solidFill>
                   <a:srgbClr val="ffffff"/>
@@ -7708,8 +7503,14 @@
             </a:lvl1pPr>
           </a:lstStyle>
           <a:p>
-            <a:pPr indent="0">
-              <a:buNone/>
+            <a:pPr indent="0" algn="ctr">
+              <a:lnSpc>
+                <a:spcPct val="100000"/>
+              </a:lnSpc>
+              <a:buNone/>
+              <a:tabLst>
+                <a:tab algn="l" pos="0"/>
+              </a:tabLst>
             </a:pPr>
             <a:r>
               <a:rPr b="1" lang="en-ID" sz="1800" spc="-1" strike="noStrike">
@@ -7718,31 +7519,31 @@
                 </a:solidFill>
                 <a:latin typeface="Source Sans Pro Black"/>
               </a:rPr>
-              <a:t>&lt;date/time&gt;</a:t>
-            </a:r>
-            <a:endParaRPr b="1" lang="en-ID" sz="1800" spc="-1" strike="noStrike">
-              <a:solidFill>
-                <a:srgbClr val="ffffff"/>
-              </a:solidFill>
-              <a:latin typeface="Source Sans Pro Black"/>
-            </a:endParaRPr>
-          </a:p>
-        </p:txBody>
-      </p:sp>
-      <p:sp>
-        <p:nvSpPr>
-          <p:cNvPr id="5" name="PlaceHolder 4"/>
-          <p:cNvSpPr>
-            <a:spLocks noGrp="1"/>
-          </p:cNvSpPr>
-          <p:nvPr>
-            <p:ph type="ftr" idx="2"/>
-          </p:nvPr>
-        </p:nvSpPr>
-        <p:spPr>
-          <a:xfrm>
-            <a:off x="3420000" y="5400000"/>
-            <a:ext cx="3240000" cy="270000"/>
+              <a:t>&lt;footer&gt;</a:t>
+            </a:r>
+            <a:endParaRPr b="0" lang="en-ID" sz="1800" spc="-1" strike="noStrike">
+              <a:solidFill>
+                <a:srgbClr val="000000"/>
+              </a:solidFill>
+              <a:latin typeface="Times New Roman"/>
+            </a:endParaRPr>
+          </a:p>
+        </p:txBody>
+      </p:sp>
+      <p:sp>
+        <p:nvSpPr>
+          <p:cNvPr id="4" name="PlaceHolder 3"/>
+          <p:cNvSpPr>
+            <a:spLocks noGrp="1"/>
+          </p:cNvSpPr>
+          <p:nvPr>
+            <p:ph type="sldNum" idx="2"/>
+          </p:nvPr>
+        </p:nvSpPr>
+        <p:spPr>
+          <a:xfrm>
+            <a:off x="9180000" y="5130000"/>
+            <a:ext cx="719640" cy="539640"/>
           </a:xfrm>
           <a:prstGeom prst="rect">
             <a:avLst/>
@@ -7753,12 +7554,18 @@
           </a:ln>
         </p:spPr>
         <p:txBody>
-          <a:bodyPr lIns="0" rIns="0" tIns="0" bIns="0" anchor="t">
+          <a:bodyPr lIns="0" rIns="0" tIns="0" bIns="0" anchor="ctr">
             <a:noAutofit/>
           </a:bodyPr>
           <a:lstStyle>
             <a:lvl1pPr indent="0" algn="ctr">
-              <a:buNone/>
+              <a:lnSpc>
+                <a:spcPct val="100000"/>
+              </a:lnSpc>
+              <a:buNone/>
+              <a:tabLst>
+                <a:tab algn="l" pos="0"/>
+              </a:tabLst>
               <a:defRPr b="1" lang="en-ID" sz="1800" spc="-1" strike="noStrike">
                 <a:solidFill>
                   <a:srgbClr val="ffffff"/>
@@ -7769,97 +7576,15 @@
           </a:lstStyle>
           <a:p>
             <a:pPr indent="0" algn="ctr">
-              <a:buNone/>
-            </a:pPr>
-            <a:r>
-              <a:rPr b="1" lang="en-ID" sz="1800" spc="-1" strike="noStrike">
-                <a:solidFill>
-                  <a:srgbClr val="ffffff"/>
-                </a:solidFill>
-                <a:latin typeface="Source Sans Pro Black"/>
-              </a:rPr>
-              <a:t>&lt;footer&gt;</a:t>
-            </a:r>
-            <a:endParaRPr b="1" lang="en-ID" sz="1800" spc="-1" strike="noStrike">
-              <a:solidFill>
-                <a:srgbClr val="ffffff"/>
-              </a:solidFill>
-              <a:latin typeface="Source Sans Pro Black"/>
-            </a:endParaRPr>
-          </a:p>
-        </p:txBody>
-      </p:sp>
-      <p:sp>
-        <p:nvSpPr>
-          <p:cNvPr id="6" name=""/>
-          <p:cNvSpPr/>
-          <p:nvPr/>
-        </p:nvSpPr>
-        <p:spPr>
-          <a:xfrm>
-            <a:off x="9315000" y="5175000"/>
-            <a:ext cx="450000" cy="450000"/>
-          </a:xfrm>
-          <a:prstGeom prst="ellipse">
-            <a:avLst/>
-          </a:prstGeom>
-          <a:solidFill>
-            <a:srgbClr val="1abc9c"/>
-          </a:solidFill>
-          <a:ln w="10800">
-            <a:solidFill>
-              <a:srgbClr val="1abc9c"/>
-            </a:solidFill>
-            <a:round/>
-          </a:ln>
-        </p:spPr>
-        <p:style>
-          <a:lnRef idx="0"/>
-          <a:fillRef idx="0"/>
-          <a:effectRef idx="0"/>
-          <a:fontRef idx="minor"/>
-        </p:style>
-        <p:txBody>
-          <a:bodyPr wrap="none" lIns="90000" rIns="90000" tIns="45000" bIns="45000" anchor="ctr">
-            <a:noAutofit/>
-          </a:bodyPr>
-          <a:p>
-            <a:pPr algn="ctr"/>
-            <a:endParaRPr b="0" lang="en-ID" sz="1800" spc="-1" strike="noStrike">
-              <a:solidFill>
-                <a:srgbClr val="2c3e50"/>
-              </a:solidFill>
-              <a:latin typeface="Source Sans Pro"/>
-            </a:endParaRPr>
-          </a:p>
-        </p:txBody>
-      </p:sp>
-      <p:sp>
-        <p:nvSpPr>
-          <p:cNvPr id="7" name=""/>
-          <p:cNvSpPr txBox="1"/>
-          <p:nvPr/>
-        </p:nvSpPr>
-        <p:spPr>
-          <a:xfrm>
-            <a:off x="9180000" y="5130000"/>
-            <a:ext cx="720000" cy="540000"/>
-          </a:xfrm>
-          <a:prstGeom prst="rect">
-            <a:avLst/>
-          </a:prstGeom>
-          <a:noFill/>
-          <a:ln w="72000">
-            <a:noFill/>
-          </a:ln>
-        </p:spPr>
-        <p:txBody>
-          <a:bodyPr lIns="0" rIns="0" tIns="0" bIns="0" anchor="ctr">
-            <a:noAutofit/>
-          </a:bodyPr>
-          <a:p>
-            <a:pPr algn="ctr"/>
-            <a:fld id="{509B5D99-4BFD-4D8E-94E0-909125AB9286}" type="slidenum">
+              <a:lnSpc>
+                <a:spcPct val="100000"/>
+              </a:lnSpc>
+              <a:buNone/>
+              <a:tabLst>
+                <a:tab algn="l" pos="0"/>
+              </a:tabLst>
+            </a:pPr>
+            <a:fld id="{BB6AD78B-01C7-4D6D-BE0D-0CCC1D250847}" type="slidenum">
               <a:rPr b="1" lang="en-ID" sz="1800" spc="-1" strike="noStrike">
                 <a:solidFill>
                   <a:srgbClr val="ffffff"/>
@@ -7868,11 +7593,296 @@
               </a:rPr>
               <a:t>&lt;number&gt;</a:t>
             </a:fld>
-            <a:endParaRPr b="1" lang="en-ID" sz="1800" spc="-1" strike="noStrike">
-              <a:solidFill>
-                <a:srgbClr val="ffffff"/>
-              </a:solidFill>
-              <a:latin typeface="Source Sans Pro Black"/>
+            <a:endParaRPr b="0" lang="en-ID" sz="1800" spc="-1" strike="noStrike">
+              <a:solidFill>
+                <a:srgbClr val="000000"/>
+              </a:solidFill>
+              <a:latin typeface="Times New Roman"/>
+            </a:endParaRPr>
+          </a:p>
+        </p:txBody>
+      </p:sp>
+      <p:sp>
+        <p:nvSpPr>
+          <p:cNvPr id="5" name="PlaceHolder 4"/>
+          <p:cNvSpPr>
+            <a:spLocks noGrp="1"/>
+          </p:cNvSpPr>
+          <p:nvPr>
+            <p:ph type="dt" idx="3"/>
+          </p:nvPr>
+        </p:nvSpPr>
+        <p:spPr>
+          <a:xfrm>
+            <a:off x="360000" y="5400000"/>
+            <a:ext cx="2879640" cy="269640"/>
+          </a:xfrm>
+          <a:prstGeom prst="rect">
+            <a:avLst/>
+          </a:prstGeom>
+          <a:noFill/>
+          <a:ln w="72000">
+            <a:noFill/>
+          </a:ln>
+        </p:spPr>
+        <p:txBody>
+          <a:bodyPr lIns="0" rIns="0" tIns="0" bIns="0" anchor="t">
+            <a:noAutofit/>
+          </a:bodyPr>
+          <a:lstStyle>
+            <a:lvl1pPr indent="0">
+              <a:buNone/>
+              <a:defRPr b="0" lang="en-ID" sz="1400" spc="-1" strike="noStrike">
+                <a:solidFill>
+                  <a:srgbClr val="000000"/>
+                </a:solidFill>
+                <a:latin typeface="Times New Roman"/>
+              </a:defRPr>
+            </a:lvl1pPr>
+          </a:lstStyle>
+          <a:p>
+            <a:pPr indent="0">
+              <a:buNone/>
+            </a:pPr>
+            <a:r>
+              <a:rPr b="0" lang="en-ID" sz="1400" spc="-1" strike="noStrike">
+                <a:solidFill>
+                  <a:srgbClr val="000000"/>
+                </a:solidFill>
+                <a:latin typeface="Times New Roman"/>
+              </a:rPr>
+              <a:t>&lt;date/time&gt;</a:t>
+            </a:r>
+            <a:endParaRPr b="0" lang="en-ID" sz="1400" spc="-1" strike="noStrike">
+              <a:solidFill>
+                <a:srgbClr val="000000"/>
+              </a:solidFill>
+              <a:latin typeface="Times New Roman"/>
+            </a:endParaRPr>
+          </a:p>
+        </p:txBody>
+      </p:sp>
+      <p:sp>
+        <p:nvSpPr>
+          <p:cNvPr id="6" name="PlaceHolder 5"/>
+          <p:cNvSpPr>
+            <a:spLocks noGrp="1"/>
+          </p:cNvSpPr>
+          <p:nvPr>
+            <p:ph type="body"/>
+          </p:nvPr>
+        </p:nvSpPr>
+        <p:spPr>
+          <a:xfrm>
+            <a:off x="504000" y="1326600"/>
+            <a:ext cx="9072000" cy="3288600"/>
+          </a:xfrm>
+          <a:prstGeom prst="rect">
+            <a:avLst/>
+          </a:prstGeom>
+          <a:noFill/>
+          <a:ln w="0">
+            <a:noFill/>
+          </a:ln>
+        </p:spPr>
+        <p:txBody>
+          <a:bodyPr lIns="0" rIns="0" tIns="0" bIns="0" anchor="t">
+            <a:normAutofit/>
+          </a:bodyPr>
+          <a:p>
+            <a:pPr marL="432000" indent="-324000">
+              <a:spcBef>
+                <a:spcPts val="1417"/>
+              </a:spcBef>
+              <a:buClr>
+                <a:srgbClr val="000000"/>
+              </a:buClr>
+              <a:buSzPct val="45000"/>
+              <a:buFont typeface="Wingdings" charset="2"/>
+              <a:buChar char=""/>
+            </a:pPr>
+            <a:r>
+              <a:rPr b="0" lang="en-ID" sz="3200" spc="-1" strike="noStrike">
+                <a:solidFill>
+                  <a:srgbClr val="000000"/>
+                </a:solidFill>
+                <a:latin typeface="Arial"/>
+              </a:rPr>
+              <a:t>Click to edit the outline text format</a:t>
+            </a:r>
+            <a:endParaRPr b="0" lang="en-ID" sz="3200" spc="-1" strike="noStrike">
+              <a:solidFill>
+                <a:srgbClr val="000000"/>
+              </a:solidFill>
+              <a:latin typeface="Arial"/>
+            </a:endParaRPr>
+          </a:p>
+          <a:p>
+            <a:pPr lvl="1" marL="864000" indent="-324000">
+              <a:spcBef>
+                <a:spcPts val="1134"/>
+              </a:spcBef>
+              <a:buClr>
+                <a:srgbClr val="000000"/>
+              </a:buClr>
+              <a:buSzPct val="75000"/>
+              <a:buFont typeface="Symbol" charset="2"/>
+              <a:buChar char=""/>
+            </a:pPr>
+            <a:r>
+              <a:rPr b="0" lang="en-ID" sz="2800" spc="-1" strike="noStrike">
+                <a:solidFill>
+                  <a:srgbClr val="000000"/>
+                </a:solidFill>
+                <a:latin typeface="Arial"/>
+              </a:rPr>
+              <a:t>Second Outline Level</a:t>
+            </a:r>
+            <a:endParaRPr b="0" lang="en-ID" sz="2800" spc="-1" strike="noStrike">
+              <a:solidFill>
+                <a:srgbClr val="000000"/>
+              </a:solidFill>
+              <a:latin typeface="Arial"/>
+            </a:endParaRPr>
+          </a:p>
+          <a:p>
+            <a:pPr lvl="2" marL="1296000" indent="-288000">
+              <a:spcBef>
+                <a:spcPts val="850"/>
+              </a:spcBef>
+              <a:buClr>
+                <a:srgbClr val="000000"/>
+              </a:buClr>
+              <a:buSzPct val="45000"/>
+              <a:buFont typeface="Wingdings" charset="2"/>
+              <a:buChar char=""/>
+            </a:pPr>
+            <a:r>
+              <a:rPr b="0" lang="en-ID" sz="2400" spc="-1" strike="noStrike">
+                <a:solidFill>
+                  <a:srgbClr val="000000"/>
+                </a:solidFill>
+                <a:latin typeface="Arial"/>
+              </a:rPr>
+              <a:t>Third Outline Level</a:t>
+            </a:r>
+            <a:endParaRPr b="0" lang="en-ID" sz="2400" spc="-1" strike="noStrike">
+              <a:solidFill>
+                <a:srgbClr val="000000"/>
+              </a:solidFill>
+              <a:latin typeface="Arial"/>
+            </a:endParaRPr>
+          </a:p>
+          <a:p>
+            <a:pPr lvl="3" marL="1728000" indent="-216000">
+              <a:spcBef>
+                <a:spcPts val="567"/>
+              </a:spcBef>
+              <a:buClr>
+                <a:srgbClr val="000000"/>
+              </a:buClr>
+              <a:buSzPct val="75000"/>
+              <a:buFont typeface="Symbol" charset="2"/>
+              <a:buChar char=""/>
+            </a:pPr>
+            <a:r>
+              <a:rPr b="0" lang="en-ID" sz="2000" spc="-1" strike="noStrike">
+                <a:solidFill>
+                  <a:srgbClr val="000000"/>
+                </a:solidFill>
+                <a:latin typeface="Arial"/>
+              </a:rPr>
+              <a:t>Fourth Outline Level</a:t>
+            </a:r>
+            <a:endParaRPr b="0" lang="en-ID" sz="2000" spc="-1" strike="noStrike">
+              <a:solidFill>
+                <a:srgbClr val="000000"/>
+              </a:solidFill>
+              <a:latin typeface="Arial"/>
+            </a:endParaRPr>
+          </a:p>
+          <a:p>
+            <a:pPr lvl="4" marL="2160000" indent="-216000">
+              <a:spcBef>
+                <a:spcPts val="283"/>
+              </a:spcBef>
+              <a:buClr>
+                <a:srgbClr val="000000"/>
+              </a:buClr>
+              <a:buSzPct val="45000"/>
+              <a:buFont typeface="Wingdings" charset="2"/>
+              <a:buChar char=""/>
+            </a:pPr>
+            <a:r>
+              <a:rPr b="0" lang="en-ID" sz="2000" spc="-1" strike="noStrike">
+                <a:solidFill>
+                  <a:srgbClr val="000000"/>
+                </a:solidFill>
+                <a:latin typeface="Arial"/>
+              </a:rPr>
+              <a:t>Fifth Outline Level</a:t>
+            </a:r>
+            <a:endParaRPr b="0" lang="en-ID" sz="2000" spc="-1" strike="noStrike">
+              <a:solidFill>
+                <a:srgbClr val="000000"/>
+              </a:solidFill>
+              <a:latin typeface="Arial"/>
+            </a:endParaRPr>
+          </a:p>
+          <a:p>
+            <a:pPr lvl="5" marL="2592000" indent="-216000">
+              <a:spcBef>
+                <a:spcPts val="283"/>
+              </a:spcBef>
+              <a:buClr>
+                <a:srgbClr val="000000"/>
+              </a:buClr>
+              <a:buSzPct val="45000"/>
+              <a:buFont typeface="Wingdings" charset="2"/>
+              <a:buChar char=""/>
+            </a:pPr>
+            <a:r>
+              <a:rPr b="0" lang="en-ID" sz="2000" spc="-1" strike="noStrike">
+                <a:solidFill>
+                  <a:srgbClr val="000000"/>
+                </a:solidFill>
+                <a:latin typeface="Arial"/>
+              </a:rPr>
+              <a:t>Sixth Outline Level</a:t>
+            </a:r>
+            <a:endParaRPr b="0" lang="en-ID" sz="2000" spc="-1" strike="noStrike">
+              <a:solidFill>
+                <a:srgbClr val="000000"/>
+              </a:solidFill>
+              <a:latin typeface="Arial"/>
+            </a:endParaRPr>
+          </a:p>
+          <a:p>
+            <a:pPr lvl="6" marL="3024000" indent="-216000">
+              <a:spcBef>
+                <a:spcPts val="283"/>
+              </a:spcBef>
+              <a:buClr>
+                <a:srgbClr val="000000"/>
+              </a:buClr>
+              <a:buSzPct val="45000"/>
+              <a:buFont typeface="Wingdings" charset="2"/>
+              <a:buChar char=""/>
+            </a:pPr>
+            <a:r>
+              <a:rPr b="0" lang="en-ID" sz="2000" spc="-1" strike="noStrike">
+                <a:solidFill>
+                  <a:srgbClr val="000000"/>
+                </a:solidFill>
+                <a:latin typeface="Arial"/>
+              </a:rPr>
+              <a:t>Seventh Outline Level</a:t>
+            </a:r>
+            <a:endParaRPr b="0" lang="en-ID" sz="2000" spc="-1" strike="noStrike">
+              <a:solidFill>
+                <a:srgbClr val="000000"/>
+              </a:solidFill>
+              <a:latin typeface="Arial"/>
             </a:endParaRPr>
           </a:p>
         </p:txBody>
@@ -7916,14 +7926,14 @@
       </p:grpSpPr>
       <p:sp>
         <p:nvSpPr>
-          <p:cNvPr id="44" name=""/>
+          <p:cNvPr id="43" name=""/>
           <p:cNvSpPr/>
           <p:nvPr/>
         </p:nvSpPr>
         <p:spPr>
           <a:xfrm>
-            <a:off x="0" y="0"/>
-            <a:ext cx="10080000" cy="5670000"/>
+            <a:off x="0" y="5400000"/>
+            <a:ext cx="10079640" cy="269640"/>
           </a:xfrm>
           <a:prstGeom prst="rect">
             <a:avLst/>
@@ -7946,12 +7956,64 @@
             <a:noAutofit/>
           </a:bodyPr>
           <a:p>
-            <a:pPr algn="ctr"/>
+            <a:pPr algn="ctr">
+              <a:lnSpc>
+                <a:spcPct val="100000"/>
+              </a:lnSpc>
+            </a:pPr>
             <a:endParaRPr b="0" lang="en-ID" sz="1800" spc="-1" strike="noStrike">
               <a:solidFill>
                 <a:srgbClr val="2c3e50"/>
               </a:solidFill>
               <a:latin typeface="Source Sans Pro"/>
+              <a:ea typeface="DejaVu Sans"/>
+            </a:endParaRPr>
+          </a:p>
+        </p:txBody>
+      </p:sp>
+      <p:sp>
+        <p:nvSpPr>
+          <p:cNvPr id="44" name=""/>
+          <p:cNvSpPr/>
+          <p:nvPr/>
+        </p:nvSpPr>
+        <p:spPr>
+          <a:xfrm>
+            <a:off x="0" y="0"/>
+            <a:ext cx="10079640" cy="1214640"/>
+          </a:xfrm>
+          <a:prstGeom prst="rect">
+            <a:avLst/>
+          </a:prstGeom>
+          <a:solidFill>
+            <a:srgbClr val="2c3e50"/>
+          </a:solidFill>
+          <a:ln w="10800">
+            <a:noFill/>
+          </a:ln>
+        </p:spPr>
+        <p:style>
+          <a:lnRef idx="0"/>
+          <a:fillRef idx="0"/>
+          <a:effectRef idx="0"/>
+          <a:fontRef idx="minor"/>
+        </p:style>
+        <p:txBody>
+          <a:bodyPr wrap="none" lIns="90000" rIns="90000" tIns="45000" bIns="45000" anchor="ctr">
+            <a:noAutofit/>
+          </a:bodyPr>
+          <a:p>
+            <a:pPr algn="ctr">
+              <a:lnSpc>
+                <a:spcPct val="100000"/>
+              </a:lnSpc>
+            </a:pPr>
+            <a:endParaRPr b="0" lang="en-ID" sz="1800" spc="-1" strike="noStrike">
+              <a:solidFill>
+                <a:srgbClr val="2c3e50"/>
+              </a:solidFill>
+              <a:latin typeface="Source Sans Pro"/>
+              <a:ea typeface="DejaVu Sans"/>
             </a:endParaRPr>
           </a:p>
         </p:txBody>
@@ -7964,10 +8026,10 @@
         </p:nvSpPr>
         <p:spPr>
           <a:xfrm>
-            <a:off x="0" y="0"/>
-            <a:ext cx="10080000" cy="3780000"/>
-          </a:xfrm>
-          <a:prstGeom prst="rect">
+            <a:off x="9315000" y="5175000"/>
+            <a:ext cx="449640" cy="449640"/>
+          </a:xfrm>
+          <a:prstGeom prst="ellipse">
             <a:avLst/>
           </a:prstGeom>
           <a:solidFill>
@@ -7991,71 +8053,126 @@
             <a:noAutofit/>
           </a:bodyPr>
           <a:p>
-            <a:pPr algn="ctr"/>
+            <a:pPr algn="ctr">
+              <a:lnSpc>
+                <a:spcPct val="100000"/>
+              </a:lnSpc>
+            </a:pPr>
             <a:endParaRPr b="0" lang="en-ID" sz="1800" spc="-1" strike="noStrike">
               <a:solidFill>
                 <a:srgbClr val="2c3e50"/>
               </a:solidFill>
               <a:latin typeface="Source Sans Pro"/>
-            </a:endParaRPr>
-          </a:p>
-        </p:txBody>
-      </p:sp>
-      <p:sp>
-        <p:nvSpPr>
-          <p:cNvPr id="46" name="PlaceHolder 1"/>
-          <p:cNvSpPr>
-            <a:spLocks noGrp="1"/>
-          </p:cNvSpPr>
-          <p:nvPr>
-            <p:ph type="title"/>
-          </p:nvPr>
-        </p:nvSpPr>
-        <p:spPr>
-          <a:xfrm>
-            <a:off x="360000" y="2835000"/>
-            <a:ext cx="9360000" cy="718920"/>
-          </a:xfrm>
-          <a:prstGeom prst="rect">
-            <a:avLst/>
-          </a:prstGeom>
-          <a:noFill/>
-          <a:ln w="0">
-            <a:noFill/>
-          </a:ln>
-        </p:spPr>
-        <p:txBody>
-          <a:bodyPr lIns="0" rIns="0" tIns="0" bIns="0" anchor="ctr" anchorCtr="1">
+              <a:ea typeface="DejaVu Sans"/>
+            </a:endParaRPr>
+          </a:p>
+        </p:txBody>
+      </p:sp>
+      <p:sp>
+        <p:nvSpPr>
+          <p:cNvPr id="46" name=""/>
+          <p:cNvSpPr/>
+          <p:nvPr/>
+        </p:nvSpPr>
+        <p:spPr>
+          <a:xfrm>
+            <a:off x="9180000" y="5130000"/>
+            <a:ext cx="719640" cy="539640"/>
+          </a:xfrm>
+          <a:prstGeom prst="rect">
+            <a:avLst/>
+          </a:prstGeom>
+          <a:noFill/>
+          <a:ln w="72000">
+            <a:noFill/>
+          </a:ln>
+        </p:spPr>
+        <p:style>
+          <a:lnRef idx="0"/>
+          <a:fillRef idx="0"/>
+          <a:effectRef idx="0"/>
+          <a:fontRef idx="minor"/>
+        </p:style>
+        <p:txBody>
+          <a:bodyPr lIns="0" rIns="0" tIns="0" bIns="0" anchor="ctr">
             <a:noAutofit/>
           </a:bodyPr>
           <a:p>
-            <a:pPr indent="0" algn="ctr">
+            <a:pPr algn="ctr">
               <a:lnSpc>
-                <a:spcPct val="150000"/>
+                <a:spcPct val="100000"/>
               </a:lnSpc>
-              <a:buNone/>
-            </a:pPr>
-            <a:r>
-              <a:rPr b="1" lang="en-ID" sz="2700" spc="-1" strike="noStrike">
+            </a:pPr>
+            <a:fld id="{5FEE4E27-A22A-40CF-832C-320C668E74BF}" type="slidenum">
+              <a:rPr b="1" lang="en-ID" sz="1800" spc="-1" strike="noStrike">
                 <a:solidFill>
                   <a:srgbClr val="ffffff"/>
                 </a:solidFill>
                 <a:latin typeface="Source Sans Pro Black"/>
               </a:rPr>
+              <a:t>&lt;number&gt;</a:t>
+            </a:fld>
+            <a:endParaRPr b="0" lang="en-ID" sz="1800" spc="-1" strike="noStrike">
+              <a:solidFill>
+                <a:srgbClr val="000000"/>
+              </a:solidFill>
+              <a:latin typeface="Arial"/>
+            </a:endParaRPr>
+          </a:p>
+        </p:txBody>
+      </p:sp>
+      <p:sp>
+        <p:nvSpPr>
+          <p:cNvPr id="47" name="PlaceHolder 1"/>
+          <p:cNvSpPr>
+            <a:spLocks noGrp="1"/>
+          </p:cNvSpPr>
+          <p:nvPr>
+            <p:ph type="title"/>
+          </p:nvPr>
+        </p:nvSpPr>
+        <p:spPr>
+          <a:xfrm>
+            <a:off x="2700000" y="1485000"/>
+            <a:ext cx="4679640" cy="1619640"/>
+          </a:xfrm>
+          <a:prstGeom prst="rect">
+            <a:avLst/>
+          </a:prstGeom>
+          <a:noFill/>
+          <a:ln w="0">
+            <a:noFill/>
+          </a:ln>
+        </p:spPr>
+        <p:txBody>
+          <a:bodyPr lIns="0" rIns="0" tIns="0" bIns="0" anchor="ctr" anchorCtr="1">
+            <a:noAutofit/>
+          </a:bodyPr>
+          <a:p>
+            <a:pPr indent="0">
+              <a:buNone/>
+            </a:pPr>
+            <a:r>
+              <a:rPr b="0" lang="en-ID" sz="1800" spc="-1" strike="noStrike">
+                <a:solidFill>
+                  <a:srgbClr val="000000"/>
+                </a:solidFill>
+                <a:latin typeface="Arial"/>
+              </a:rPr>
               <a:t>Click to edit the title text format</a:t>
             </a:r>
-            <a:endParaRPr b="1" lang="en-ID" sz="2700" spc="-1" strike="noStrike">
-              <a:solidFill>
-                <a:srgbClr val="ffffff"/>
-              </a:solidFill>
-              <a:latin typeface="Source Sans Pro Black"/>
-            </a:endParaRPr>
-          </a:p>
-        </p:txBody>
-      </p:sp>
-      <p:sp>
-        <p:nvSpPr>
-          <p:cNvPr id="47" name="PlaceHolder 2"/>
+            <a:endParaRPr b="0" lang="en-ID" sz="1800" spc="-1" strike="noStrike">
+              <a:solidFill>
+                <a:srgbClr val="000000"/>
+              </a:solidFill>
+              <a:latin typeface="Arial"/>
+            </a:endParaRPr>
+          </a:p>
+        </p:txBody>
+      </p:sp>
+      <p:sp>
+        <p:nvSpPr>
+          <p:cNvPr id="48" name="PlaceHolder 2"/>
           <p:cNvSpPr>
             <a:spLocks noGrp="1"/>
           </p:cNvSpPr>
@@ -8065,8 +8182,8 @@
         </p:nvSpPr>
         <p:spPr>
           <a:xfrm>
-            <a:off x="360000" y="3915000"/>
-            <a:ext cx="9360000" cy="1485000"/>
+            <a:off x="3420000" y="3240000"/>
+            <a:ext cx="6299640" cy="1619640"/>
           </a:xfrm>
           <a:prstGeom prst="rect">
             <a:avLst/>
@@ -8078,178 +8195,220 @@
         </p:spPr>
         <p:txBody>
           <a:bodyPr lIns="0" rIns="0" tIns="0" bIns="0" anchor="t">
-            <a:normAutofit fontScale="86693" lnSpcReduction="10000"/>
-          </a:bodyPr>
-          <a:p>
-            <a:pPr marL="432000" indent="0">
-              <a:spcAft>
-                <a:spcPts val="655"/>
-              </a:spcAft>
-            </a:pPr>
-            <a:r>
-              <a:rPr b="0" lang="en-ID" sz="1500" spc="-1" strike="noStrike">
+            <a:normAutofit fontScale="62222"/>
+          </a:bodyPr>
+          <a:p>
+            <a:pPr marL="432000" indent="-324000">
+              <a:spcBef>
+                <a:spcPts val="1417"/>
+              </a:spcBef>
+              <a:buClr>
+                <a:srgbClr val="000000"/>
+              </a:buClr>
+              <a:buSzPct val="45000"/>
+              <a:buFont typeface="Wingdings" charset="2"/>
+              <a:buChar char=""/>
+            </a:pPr>
+            <a:r>
+              <a:rPr b="0" lang="en-ID" sz="1800" spc="-1" strike="noStrike">
                 <a:solidFill>
-                  <a:srgbClr val="ffffff"/>
+                  <a:srgbClr val="000000"/>
                 </a:solidFill>
-                <a:latin typeface="Source Sans Pro"/>
+                <a:latin typeface="Arial"/>
               </a:rPr>
               <a:t>Click to edit the outline text format</a:t>
             </a:r>
-            <a:endParaRPr b="0" lang="en-ID" sz="1500" spc="-1" strike="noStrike">
-              <a:solidFill>
-                <a:srgbClr val="ffffff"/>
-              </a:solidFill>
-              <a:latin typeface="Source Sans Pro"/>
-            </a:endParaRPr>
-          </a:p>
-          <a:p>
-            <a:pPr lvl="1" marL="864000" indent="0">
-              <a:spcAft>
-                <a:spcPts val="850"/>
-              </a:spcAft>
-            </a:pPr>
-            <a:r>
-              <a:rPr b="0" lang="en-ID" sz="1500" spc="-1" strike="noStrike">
+            <a:endParaRPr b="0" lang="en-ID" sz="1800" spc="-1" strike="noStrike">
+              <a:solidFill>
+                <a:srgbClr val="000000"/>
+              </a:solidFill>
+              <a:latin typeface="Arial"/>
+            </a:endParaRPr>
+          </a:p>
+          <a:p>
+            <a:pPr lvl="1" marL="864000" indent="-324000">
+              <a:spcBef>
+                <a:spcPts val="1134"/>
+              </a:spcBef>
+              <a:buClr>
+                <a:srgbClr val="000000"/>
+              </a:buClr>
+              <a:buSzPct val="75000"/>
+              <a:buFont typeface="Symbol" charset="2"/>
+              <a:buChar char=""/>
+            </a:pPr>
+            <a:r>
+              <a:rPr b="0" lang="en-ID" sz="1800" spc="-1" strike="noStrike">
                 <a:solidFill>
-                  <a:srgbClr val="ffffff"/>
+                  <a:srgbClr val="000000"/>
                 </a:solidFill>
-                <a:latin typeface="Source Sans Pro"/>
+                <a:latin typeface="Arial"/>
               </a:rPr>
               <a:t>Second Outline Level</a:t>
             </a:r>
-            <a:endParaRPr b="0" lang="en-ID" sz="1500" spc="-1" strike="noStrike">
-              <a:solidFill>
-                <a:srgbClr val="ffffff"/>
-              </a:solidFill>
-              <a:latin typeface="Source Sans Pro"/>
-            </a:endParaRPr>
-          </a:p>
-          <a:p>
-            <a:pPr lvl="2" marL="1296000" indent="0">
-              <a:spcAft>
-                <a:spcPts val="635"/>
-              </a:spcAft>
-            </a:pPr>
-            <a:r>
-              <a:rPr b="0" lang="en-ID" sz="1500" spc="-1" strike="noStrike">
+            <a:endParaRPr b="0" lang="en-ID" sz="1800" spc="-1" strike="noStrike">
+              <a:solidFill>
+                <a:srgbClr val="000000"/>
+              </a:solidFill>
+              <a:latin typeface="Arial"/>
+            </a:endParaRPr>
+          </a:p>
+          <a:p>
+            <a:pPr lvl="2" marL="1296000" indent="-288000">
+              <a:spcBef>
+                <a:spcPts val="850"/>
+              </a:spcBef>
+              <a:buClr>
+                <a:srgbClr val="000000"/>
+              </a:buClr>
+              <a:buSzPct val="45000"/>
+              <a:buFont typeface="Wingdings" charset="2"/>
+              <a:buChar char=""/>
+            </a:pPr>
+            <a:r>
+              <a:rPr b="0" lang="en-ID" sz="1800" spc="-1" strike="noStrike">
                 <a:solidFill>
-                  <a:srgbClr val="ffffff"/>
+                  <a:srgbClr val="000000"/>
                 </a:solidFill>
-                <a:latin typeface="Source Sans Pro"/>
+                <a:latin typeface="Arial"/>
               </a:rPr>
               <a:t>Third Outline Level</a:t>
             </a:r>
-            <a:endParaRPr b="0" lang="en-ID" sz="1500" spc="-1" strike="noStrike">
-              <a:solidFill>
-                <a:srgbClr val="ffffff"/>
-              </a:solidFill>
-              <a:latin typeface="Source Sans Pro"/>
-            </a:endParaRPr>
-          </a:p>
-          <a:p>
-            <a:pPr lvl="3" marL="1728000" indent="0">
-              <a:spcAft>
-                <a:spcPts val="425"/>
-              </a:spcAft>
-            </a:pPr>
-            <a:r>
-              <a:rPr b="0" lang="en-ID" sz="1500" spc="-1" strike="noStrike">
+            <a:endParaRPr b="0" lang="en-ID" sz="1800" spc="-1" strike="noStrike">
+              <a:solidFill>
+                <a:srgbClr val="000000"/>
+              </a:solidFill>
+              <a:latin typeface="Arial"/>
+            </a:endParaRPr>
+          </a:p>
+          <a:p>
+            <a:pPr lvl="3" marL="1728000" indent="-216000">
+              <a:spcBef>
+                <a:spcPts val="567"/>
+              </a:spcBef>
+              <a:buClr>
+                <a:srgbClr val="000000"/>
+              </a:buClr>
+              <a:buSzPct val="75000"/>
+              <a:buFont typeface="Symbol" charset="2"/>
+              <a:buChar char=""/>
+            </a:pPr>
+            <a:r>
+              <a:rPr b="0" lang="en-ID" sz="1800" spc="-1" strike="noStrike">
                 <a:solidFill>
-                  <a:srgbClr val="ffffff"/>
+                  <a:srgbClr val="000000"/>
                 </a:solidFill>
-                <a:latin typeface="Source Sans Pro"/>
+                <a:latin typeface="Arial"/>
               </a:rPr>
               <a:t>Fourth Outline Level</a:t>
             </a:r>
-            <a:endParaRPr b="0" lang="en-ID" sz="1500" spc="-1" strike="noStrike">
-              <a:solidFill>
-                <a:srgbClr val="ffffff"/>
-              </a:solidFill>
-              <a:latin typeface="Source Sans Pro"/>
-            </a:endParaRPr>
-          </a:p>
-          <a:p>
-            <a:pPr lvl="4" marL="2160000" indent="0">
-              <a:spcAft>
-                <a:spcPts val="213"/>
-              </a:spcAft>
-            </a:pPr>
-            <a:r>
-              <a:rPr b="0" lang="en-ID" sz="1500" spc="-1" strike="noStrike">
+            <a:endParaRPr b="0" lang="en-ID" sz="1800" spc="-1" strike="noStrike">
+              <a:solidFill>
+                <a:srgbClr val="000000"/>
+              </a:solidFill>
+              <a:latin typeface="Arial"/>
+            </a:endParaRPr>
+          </a:p>
+          <a:p>
+            <a:pPr lvl="4" marL="2160000" indent="-216000">
+              <a:spcBef>
+                <a:spcPts val="283"/>
+              </a:spcBef>
+              <a:buClr>
+                <a:srgbClr val="000000"/>
+              </a:buClr>
+              <a:buSzPct val="45000"/>
+              <a:buFont typeface="Wingdings" charset="2"/>
+              <a:buChar char=""/>
+            </a:pPr>
+            <a:r>
+              <a:rPr b="0" lang="en-ID" sz="1800" spc="-1" strike="noStrike">
                 <a:solidFill>
-                  <a:srgbClr val="ffffff"/>
+                  <a:srgbClr val="000000"/>
                 </a:solidFill>
-                <a:latin typeface="Source Sans Pro"/>
+                <a:latin typeface="Arial"/>
               </a:rPr>
               <a:t>Fifth Outline Level</a:t>
             </a:r>
-            <a:endParaRPr b="0" lang="en-ID" sz="1500" spc="-1" strike="noStrike">
-              <a:solidFill>
-                <a:srgbClr val="ffffff"/>
-              </a:solidFill>
-              <a:latin typeface="Source Sans Pro"/>
-            </a:endParaRPr>
-          </a:p>
-          <a:p>
-            <a:pPr lvl="5" marL="2592000" indent="0">
-              <a:spcAft>
-                <a:spcPts val="213"/>
-              </a:spcAft>
-            </a:pPr>
-            <a:r>
-              <a:rPr b="0" lang="en-ID" sz="1500" spc="-1" strike="noStrike">
+            <a:endParaRPr b="0" lang="en-ID" sz="1800" spc="-1" strike="noStrike">
+              <a:solidFill>
+                <a:srgbClr val="000000"/>
+              </a:solidFill>
+              <a:latin typeface="Arial"/>
+            </a:endParaRPr>
+          </a:p>
+          <a:p>
+            <a:pPr lvl="5" marL="2592000" indent="-216000">
+              <a:spcBef>
+                <a:spcPts val="283"/>
+              </a:spcBef>
+              <a:buClr>
+                <a:srgbClr val="000000"/>
+              </a:buClr>
+              <a:buSzPct val="45000"/>
+              <a:buFont typeface="Wingdings" charset="2"/>
+              <a:buChar char=""/>
+            </a:pPr>
+            <a:r>
+              <a:rPr b="0" lang="en-ID" sz="1800" spc="-1" strike="noStrike">
                 <a:solidFill>
-                  <a:srgbClr val="ffffff"/>
+                  <a:srgbClr val="000000"/>
                 </a:solidFill>
-                <a:latin typeface="Source Sans Pro"/>
+                <a:latin typeface="Arial"/>
               </a:rPr>
               <a:t>Sixth Outline Level</a:t>
             </a:r>
-            <a:endParaRPr b="0" lang="en-ID" sz="1500" spc="-1" strike="noStrike">
-              <a:solidFill>
-                <a:srgbClr val="ffffff"/>
-              </a:solidFill>
-              <a:latin typeface="Source Sans Pro"/>
-            </a:endParaRPr>
-          </a:p>
-          <a:p>
-            <a:pPr lvl="6" marL="3024000" indent="0">
-              <a:spcAft>
-                <a:spcPts val="213"/>
-              </a:spcAft>
-            </a:pPr>
-            <a:r>
-              <a:rPr b="0" lang="en-ID" sz="1500" spc="-1" strike="noStrike">
+            <a:endParaRPr b="0" lang="en-ID" sz="1800" spc="-1" strike="noStrike">
+              <a:solidFill>
+                <a:srgbClr val="000000"/>
+              </a:solidFill>
+              <a:latin typeface="Arial"/>
+            </a:endParaRPr>
+          </a:p>
+          <a:p>
+            <a:pPr lvl="6" marL="3024000" indent="-216000">
+              <a:spcBef>
+                <a:spcPts val="283"/>
+              </a:spcBef>
+              <a:buClr>
+                <a:srgbClr val="000000"/>
+              </a:buClr>
+              <a:buSzPct val="45000"/>
+              <a:buFont typeface="Wingdings" charset="2"/>
+              <a:buChar char=""/>
+            </a:pPr>
+            <a:r>
+              <a:rPr b="0" lang="en-ID" sz="1800" spc="-1" strike="noStrike">
                 <a:solidFill>
-                  <a:srgbClr val="ffffff"/>
+                  <a:srgbClr val="000000"/>
                 </a:solidFill>
-                <a:latin typeface="Source Sans Pro"/>
+                <a:latin typeface="Arial"/>
               </a:rPr>
               <a:t>Seventh Outline Level</a:t>
             </a:r>
-            <a:endParaRPr b="0" lang="en-ID" sz="1500" spc="-1" strike="noStrike">
-              <a:solidFill>
-                <a:srgbClr val="ffffff"/>
-              </a:solidFill>
-              <a:latin typeface="Source Sans Pro"/>
-            </a:endParaRPr>
-          </a:p>
-        </p:txBody>
-      </p:sp>
-      <p:sp>
-        <p:nvSpPr>
-          <p:cNvPr id="48" name="PlaceHolder 3"/>
-          <p:cNvSpPr>
-            <a:spLocks noGrp="1"/>
-          </p:cNvSpPr>
-          <p:nvPr>
-            <p:ph type="dt" idx="3"/>
-          </p:nvPr>
-        </p:nvSpPr>
-        <p:spPr>
-          <a:xfrm>
-            <a:off x="360000" y="5400000"/>
-            <a:ext cx="2880000" cy="270000"/>
+            <a:endParaRPr b="0" lang="en-ID" sz="1800" spc="-1" strike="noStrike">
+              <a:solidFill>
+                <a:srgbClr val="000000"/>
+              </a:solidFill>
+              <a:latin typeface="Arial"/>
+            </a:endParaRPr>
+          </a:p>
+        </p:txBody>
+      </p:sp>
+      <p:sp>
+        <p:nvSpPr>
+          <p:cNvPr id="49" name="PlaceHolder 3"/>
+          <p:cNvSpPr>
+            <a:spLocks noGrp="1"/>
+          </p:cNvSpPr>
+          <p:nvPr>
+            <p:ph type="ftr" idx="4"/>
+          </p:nvPr>
+        </p:nvSpPr>
+        <p:spPr>
+          <a:xfrm>
+            <a:off x="3420000" y="5400000"/>
+            <a:ext cx="3239640" cy="269640"/>
           </a:xfrm>
           <a:prstGeom prst="rect">
             <a:avLst/>
@@ -8264,8 +8423,14 @@
             <a:noAutofit/>
           </a:bodyPr>
           <a:lstStyle>
-            <a:lvl1pPr indent="0">
-              <a:buNone/>
+            <a:lvl1pPr indent="0" algn="ctr">
+              <a:lnSpc>
+                <a:spcPct val="100000"/>
+              </a:lnSpc>
+              <a:buNone/>
+              <a:tabLst>
+                <a:tab algn="l" pos="0"/>
+              </a:tabLst>
               <a:defRPr b="1" lang="en-ID" sz="1800" spc="-1" strike="noStrike">
                 <a:solidFill>
                   <a:srgbClr val="ffffff"/>
@@ -8275,68 +8440,14 @@
             </a:lvl1pPr>
           </a:lstStyle>
           <a:p>
-            <a:pPr indent="0">
-              <a:buNone/>
-            </a:pPr>
-            <a:r>
-              <a:rPr b="1" lang="en-ID" sz="1800" spc="-1" strike="noStrike">
-                <a:solidFill>
-                  <a:srgbClr val="ffffff"/>
-                </a:solidFill>
-                <a:latin typeface="Source Sans Pro Black"/>
-              </a:rPr>
-              <a:t>&lt;date/time&gt;</a:t>
-            </a:r>
-            <a:endParaRPr b="1" lang="en-ID" sz="1800" spc="-1" strike="noStrike">
-              <a:solidFill>
-                <a:srgbClr val="ffffff"/>
-              </a:solidFill>
-              <a:latin typeface="Source Sans Pro Black"/>
-            </a:endParaRPr>
-          </a:p>
-        </p:txBody>
-      </p:sp>
-      <p:sp>
-        <p:nvSpPr>
-          <p:cNvPr id="49" name="PlaceHolder 4"/>
-          <p:cNvSpPr>
-            <a:spLocks noGrp="1"/>
-          </p:cNvSpPr>
-          <p:nvPr>
-            <p:ph type="ftr" idx="4"/>
-          </p:nvPr>
-        </p:nvSpPr>
-        <p:spPr>
-          <a:xfrm>
-            <a:off x="3420000" y="5400000"/>
-            <a:ext cx="3240000" cy="270000"/>
-          </a:xfrm>
-          <a:prstGeom prst="rect">
-            <a:avLst/>
-          </a:prstGeom>
-          <a:noFill/>
-          <a:ln w="72000">
-            <a:noFill/>
-          </a:ln>
-        </p:spPr>
-        <p:txBody>
-          <a:bodyPr lIns="0" rIns="0" tIns="0" bIns="0" anchor="t">
-            <a:noAutofit/>
-          </a:bodyPr>
-          <a:lstStyle>
-            <a:lvl1pPr indent="0" algn="ctr">
-              <a:buNone/>
-              <a:defRPr b="1" lang="en-ID" sz="1800" spc="-1" strike="noStrike">
-                <a:solidFill>
-                  <a:srgbClr val="ffffff"/>
-                </a:solidFill>
-                <a:latin typeface="Source Sans Pro Black"/>
-              </a:defRPr>
-            </a:lvl1pPr>
-          </a:lstStyle>
-          <a:p>
             <a:pPr indent="0" algn="ctr">
-              <a:buNone/>
+              <a:lnSpc>
+                <a:spcPct val="100000"/>
+              </a:lnSpc>
+              <a:buNone/>
+              <a:tabLst>
+                <a:tab algn="l" pos="0"/>
+              </a:tabLst>
             </a:pPr>
             <a:r>
               <a:rPr b="1" lang="en-ID" sz="1800" spc="-1" strike="noStrike">
@@ -8347,29 +8458,29 @@
               </a:rPr>
               <a:t>&lt;footer&gt;</a:t>
             </a:r>
-            <a:endParaRPr b="1" lang="en-ID" sz="1800" spc="-1" strike="noStrike">
-              <a:solidFill>
-                <a:srgbClr val="ffffff"/>
-              </a:solidFill>
-              <a:latin typeface="Source Sans Pro Black"/>
-            </a:endParaRPr>
-          </a:p>
-        </p:txBody>
-      </p:sp>
-      <p:sp>
-        <p:nvSpPr>
-          <p:cNvPr id="50" name="PlaceHolder 5"/>
-          <p:cNvSpPr>
-            <a:spLocks noGrp="1"/>
-          </p:cNvSpPr>
-          <p:nvPr>
-            <p:ph type="sldNum" idx="5"/>
-          </p:nvPr>
-        </p:nvSpPr>
-        <p:spPr>
-          <a:xfrm>
-            <a:off x="9180000" y="5130000"/>
-            <a:ext cx="720000" cy="540000"/>
+            <a:endParaRPr b="0" lang="en-ID" sz="1800" spc="-1" strike="noStrike">
+              <a:solidFill>
+                <a:srgbClr val="000000"/>
+              </a:solidFill>
+              <a:latin typeface="Times New Roman"/>
+            </a:endParaRPr>
+          </a:p>
+        </p:txBody>
+      </p:sp>
+      <p:sp>
+        <p:nvSpPr>
+          <p:cNvPr id="50" name="PlaceHolder 4"/>
+          <p:cNvSpPr>
+            <a:spLocks noGrp="1"/>
+          </p:cNvSpPr>
+          <p:nvPr>
+            <p:ph type="dt" idx="5"/>
+          </p:nvPr>
+        </p:nvSpPr>
+        <p:spPr>
+          <a:xfrm>
+            <a:off x="360000" y="5400000"/>
+            <a:ext cx="2879640" cy="269640"/>
           </a:xfrm>
           <a:prstGeom prst="rect">
             <a:avLst/>
@@ -8380,38 +8491,38 @@
           </a:ln>
         </p:spPr>
         <p:txBody>
-          <a:bodyPr lIns="0" rIns="0" tIns="0" bIns="0" anchor="ctr">
+          <a:bodyPr lIns="0" rIns="0" tIns="0" bIns="0" anchor="t">
             <a:noAutofit/>
           </a:bodyPr>
           <a:lstStyle>
-            <a:lvl1pPr indent="0" algn="ctr">
-              <a:buNone/>
-              <a:defRPr b="1" lang="en-ID" sz="1800" spc="-1" strike="noStrike">
+            <a:lvl1pPr indent="0">
+              <a:buNone/>
+              <a:defRPr b="0" lang="en-ID" sz="1400" spc="-1" strike="noStrike">
                 <a:solidFill>
-                  <a:srgbClr val="ffffff"/>
+                  <a:srgbClr val="000000"/>
                 </a:solidFill>
-                <a:latin typeface="Source Sans Pro Black"/>
+                <a:latin typeface="Times New Roman"/>
               </a:defRPr>
             </a:lvl1pPr>
           </a:lstStyle>
           <a:p>
-            <a:pPr indent="0" algn="ctr">
-              <a:buNone/>
-            </a:pPr>
-            <a:fld id="{18D40310-6ACA-495D-B9FC-7322BBA1293B}" type="slidenum">
-              <a:rPr b="1" lang="en-ID" sz="1800" spc="-1" strike="noStrike">
+            <a:pPr indent="0">
+              <a:buNone/>
+            </a:pPr>
+            <a:r>
+              <a:rPr b="0" lang="en-ID" sz="1400" spc="-1" strike="noStrike">
                 <a:solidFill>
-                  <a:srgbClr val="ffffff"/>
+                  <a:srgbClr val="000000"/>
                 </a:solidFill>
-                <a:latin typeface="Source Sans Pro Black"/>
+                <a:latin typeface="Times New Roman"/>
               </a:rPr>
-              <a:t>&lt;number&gt;</a:t>
-            </a:fld>
-            <a:endParaRPr b="1" lang="en-ID" sz="1800" spc="-1" strike="noStrike">
-              <a:solidFill>
-                <a:srgbClr val="ffffff"/>
-              </a:solidFill>
-              <a:latin typeface="Source Sans Pro Black"/>
+              <a:t>&lt;date/time&gt;</a:t>
+            </a:r>
+            <a:endParaRPr b="0" lang="en-ID" sz="1400" spc="-1" strike="noStrike">
+              <a:solidFill>
+                <a:srgbClr val="000000"/>
+              </a:solidFill>
+              <a:latin typeface="Times New Roman"/>
             </a:endParaRPr>
           </a:p>
         </p:txBody>
@@ -8462,7 +8573,7 @@
         <p:spPr>
           <a:xfrm>
             <a:off x="0" y="0"/>
-            <a:ext cx="10080000" cy="5670000"/>
+            <a:ext cx="10079640" cy="5669640"/>
           </a:xfrm>
           <a:prstGeom prst="rect">
             <a:avLst/>
@@ -8485,12 +8596,17 @@
             <a:noAutofit/>
           </a:bodyPr>
           <a:p>
-            <a:pPr algn="ctr"/>
+            <a:pPr algn="ctr">
+              <a:lnSpc>
+                <a:spcPct val="100000"/>
+              </a:lnSpc>
+            </a:pPr>
             <a:endParaRPr b="0" lang="en-ID" sz="1800" spc="-1" strike="noStrike">
               <a:solidFill>
                 <a:srgbClr val="2c3e50"/>
               </a:solidFill>
               <a:latin typeface="Source Sans Pro"/>
+              <a:ea typeface="DejaVu Sans"/>
             </a:endParaRPr>
           </a:p>
         </p:txBody>
@@ -8504,7 +8620,7 @@
         <p:spPr>
           <a:xfrm>
             <a:off x="2520000" y="1350000"/>
-            <a:ext cx="5040000" cy="1890000"/>
+            <a:ext cx="5039640" cy="1889640"/>
           </a:xfrm>
           <a:prstGeom prst="wedgeRectCallout">
             <a:avLst>
@@ -8533,12 +8649,17 @@
             <a:noAutofit/>
           </a:bodyPr>
           <a:p>
-            <a:pPr algn="ctr"/>
+            <a:pPr algn="ctr">
+              <a:lnSpc>
+                <a:spcPct val="100000"/>
+              </a:lnSpc>
+            </a:pPr>
             <a:endParaRPr b="0" lang="en-ID" sz="1800" spc="-1" strike="noStrike">
               <a:solidFill>
                 <a:srgbClr val="2c3e50"/>
               </a:solidFill>
               <a:latin typeface="Source Sans Pro"/>
+              <a:ea typeface="DejaVu Sans"/>
             </a:endParaRPr>
           </a:p>
         </p:txBody>
@@ -8556,7 +8677,7 @@
         <p:spPr>
           <a:xfrm>
             <a:off x="2700000" y="1485000"/>
-            <a:ext cx="4680000" cy="1620000"/>
+            <a:ext cx="4679640" cy="1619640"/>
           </a:xfrm>
           <a:prstGeom prst="rect">
             <a:avLst/>
@@ -8571,23 +8692,23 @@
             <a:noAutofit/>
           </a:bodyPr>
           <a:p>
-            <a:pPr indent="0" algn="ctr">
-              <a:buNone/>
-            </a:pPr>
-            <a:r>
-              <a:rPr b="1" lang="en-ID" sz="2700" spc="-1" strike="noStrike">
+            <a:pPr indent="0">
+              <a:buNone/>
+            </a:pPr>
+            <a:r>
+              <a:rPr b="0" lang="en-ID" sz="1800" spc="-1" strike="noStrike">
                 <a:solidFill>
-                  <a:srgbClr val="2c3e50"/>
+                  <a:srgbClr val="000000"/>
                 </a:solidFill>
-                <a:latin typeface="Source Sans Pro Black"/>
+                <a:latin typeface="Arial"/>
               </a:rPr>
               <a:t>Click to edit the title text format</a:t>
             </a:r>
-            <a:endParaRPr b="1" lang="en-ID" sz="2700" spc="-1" strike="noStrike">
-              <a:solidFill>
-                <a:srgbClr val="2c3e50"/>
-              </a:solidFill>
-              <a:latin typeface="Source Sans Pro Black"/>
+            <a:endParaRPr b="0" lang="en-ID" sz="1800" spc="-1" strike="noStrike">
+              <a:solidFill>
+                <a:srgbClr val="000000"/>
+              </a:solidFill>
+              <a:latin typeface="Arial"/>
             </a:endParaRPr>
           </a:p>
         </p:txBody>
@@ -8605,7 +8726,7 @@
         <p:spPr>
           <a:xfrm>
             <a:off x="3420000" y="3240000"/>
-            <a:ext cx="6300000" cy="1620000"/>
+            <a:ext cx="6299640" cy="1619640"/>
           </a:xfrm>
           <a:prstGeom prst="rect">
             <a:avLst/>
@@ -8617,160 +8738,202 @@
         </p:spPr>
         <p:txBody>
           <a:bodyPr lIns="0" rIns="0" tIns="0" bIns="0" anchor="t">
-            <a:normAutofit fontScale="80025"/>
-          </a:bodyPr>
-          <a:p>
-            <a:pPr marL="432000" indent="0">
-              <a:spcAft>
-                <a:spcPts val="655"/>
-              </a:spcAft>
-            </a:pPr>
-            <a:r>
-              <a:rPr b="0" lang="en-ID" sz="1500" spc="-1" strike="noStrike">
+            <a:normAutofit fontScale="62222"/>
+          </a:bodyPr>
+          <a:p>
+            <a:pPr marL="432000" indent="-324000">
+              <a:spcBef>
+                <a:spcPts val="1417"/>
+              </a:spcBef>
+              <a:buClr>
+                <a:srgbClr val="000000"/>
+              </a:buClr>
+              <a:buSzPct val="45000"/>
+              <a:buFont typeface="Wingdings" charset="2"/>
+              <a:buChar char=""/>
+            </a:pPr>
+            <a:r>
+              <a:rPr b="0" lang="en-ID" sz="1800" spc="-1" strike="noStrike">
                 <a:solidFill>
-                  <a:srgbClr val="ffffff"/>
+                  <a:srgbClr val="000000"/>
                 </a:solidFill>
-                <a:latin typeface="Source Sans Pro"/>
+                <a:latin typeface="Arial"/>
               </a:rPr>
               <a:t>Click to edit the outline text format</a:t>
             </a:r>
-            <a:endParaRPr b="0" lang="en-ID" sz="1500" spc="-1" strike="noStrike">
-              <a:solidFill>
-                <a:srgbClr val="ffffff"/>
-              </a:solidFill>
-              <a:latin typeface="Source Sans Pro"/>
-            </a:endParaRPr>
-          </a:p>
-          <a:p>
-            <a:pPr lvl="1" marL="864000" indent="0">
-              <a:spcAft>
-                <a:spcPts val="850"/>
-              </a:spcAft>
-            </a:pPr>
-            <a:r>
-              <a:rPr b="0" lang="en-ID" sz="1500" spc="-1" strike="noStrike">
+            <a:endParaRPr b="0" lang="en-ID" sz="1800" spc="-1" strike="noStrike">
+              <a:solidFill>
+                <a:srgbClr val="000000"/>
+              </a:solidFill>
+              <a:latin typeface="Arial"/>
+            </a:endParaRPr>
+          </a:p>
+          <a:p>
+            <a:pPr lvl="1" marL="864000" indent="-324000">
+              <a:spcBef>
+                <a:spcPts val="1134"/>
+              </a:spcBef>
+              <a:buClr>
+                <a:srgbClr val="000000"/>
+              </a:buClr>
+              <a:buSzPct val="75000"/>
+              <a:buFont typeface="Symbol" charset="2"/>
+              <a:buChar char=""/>
+            </a:pPr>
+            <a:r>
+              <a:rPr b="0" lang="en-ID" sz="1800" spc="-1" strike="noStrike">
                 <a:solidFill>
-                  <a:srgbClr val="ffffff"/>
+                  <a:srgbClr val="000000"/>
                 </a:solidFill>
-                <a:latin typeface="Source Sans Pro"/>
+                <a:latin typeface="Arial"/>
               </a:rPr>
               <a:t>Second Outline Level</a:t>
             </a:r>
-            <a:endParaRPr b="0" lang="en-ID" sz="1500" spc="-1" strike="noStrike">
-              <a:solidFill>
-                <a:srgbClr val="ffffff"/>
-              </a:solidFill>
-              <a:latin typeface="Source Sans Pro"/>
-            </a:endParaRPr>
-          </a:p>
-          <a:p>
-            <a:pPr lvl="2" marL="1296000" indent="0">
-              <a:spcAft>
-                <a:spcPts val="635"/>
-              </a:spcAft>
-            </a:pPr>
-            <a:r>
-              <a:rPr b="0" lang="en-ID" sz="1500" spc="-1" strike="noStrike">
+            <a:endParaRPr b="0" lang="en-ID" sz="1800" spc="-1" strike="noStrike">
+              <a:solidFill>
+                <a:srgbClr val="000000"/>
+              </a:solidFill>
+              <a:latin typeface="Arial"/>
+            </a:endParaRPr>
+          </a:p>
+          <a:p>
+            <a:pPr lvl="2" marL="1296000" indent="-288000">
+              <a:spcBef>
+                <a:spcPts val="850"/>
+              </a:spcBef>
+              <a:buClr>
+                <a:srgbClr val="000000"/>
+              </a:buClr>
+              <a:buSzPct val="45000"/>
+              <a:buFont typeface="Wingdings" charset="2"/>
+              <a:buChar char=""/>
+            </a:pPr>
+            <a:r>
+              <a:rPr b="0" lang="en-ID" sz="1800" spc="-1" strike="noStrike">
                 <a:solidFill>
-                  <a:srgbClr val="ffffff"/>
+                  <a:srgbClr val="000000"/>
                 </a:solidFill>
-                <a:latin typeface="Source Sans Pro"/>
+                <a:latin typeface="Arial"/>
               </a:rPr>
               <a:t>Third Outline Level</a:t>
             </a:r>
-            <a:endParaRPr b="0" lang="en-ID" sz="1500" spc="-1" strike="noStrike">
-              <a:solidFill>
-                <a:srgbClr val="ffffff"/>
-              </a:solidFill>
-              <a:latin typeface="Source Sans Pro"/>
-            </a:endParaRPr>
-          </a:p>
-          <a:p>
-            <a:pPr lvl="3" marL="1728000" indent="0">
-              <a:spcAft>
-                <a:spcPts val="425"/>
-              </a:spcAft>
-            </a:pPr>
-            <a:r>
-              <a:rPr b="0" lang="en-ID" sz="1500" spc="-1" strike="noStrike">
+            <a:endParaRPr b="0" lang="en-ID" sz="1800" spc="-1" strike="noStrike">
+              <a:solidFill>
+                <a:srgbClr val="000000"/>
+              </a:solidFill>
+              <a:latin typeface="Arial"/>
+            </a:endParaRPr>
+          </a:p>
+          <a:p>
+            <a:pPr lvl="3" marL="1728000" indent="-216000">
+              <a:spcBef>
+                <a:spcPts val="567"/>
+              </a:spcBef>
+              <a:buClr>
+                <a:srgbClr val="000000"/>
+              </a:buClr>
+              <a:buSzPct val="75000"/>
+              <a:buFont typeface="Symbol" charset="2"/>
+              <a:buChar char=""/>
+            </a:pPr>
+            <a:r>
+              <a:rPr b="0" lang="en-ID" sz="1800" spc="-1" strike="noStrike">
                 <a:solidFill>
-                  <a:srgbClr val="ffffff"/>
+                  <a:srgbClr val="000000"/>
                 </a:solidFill>
-                <a:latin typeface="Source Sans Pro"/>
+                <a:latin typeface="Arial"/>
               </a:rPr>
               <a:t>Fourth Outline Level</a:t>
             </a:r>
-            <a:endParaRPr b="0" lang="en-ID" sz="1500" spc="-1" strike="noStrike">
-              <a:solidFill>
-                <a:srgbClr val="ffffff"/>
-              </a:solidFill>
-              <a:latin typeface="Source Sans Pro"/>
-            </a:endParaRPr>
-          </a:p>
-          <a:p>
-            <a:pPr lvl="4" marL="2160000" indent="0">
-              <a:spcAft>
-                <a:spcPts val="213"/>
-              </a:spcAft>
-            </a:pPr>
-            <a:r>
-              <a:rPr b="0" lang="en-ID" sz="1500" spc="-1" strike="noStrike">
+            <a:endParaRPr b="0" lang="en-ID" sz="1800" spc="-1" strike="noStrike">
+              <a:solidFill>
+                <a:srgbClr val="000000"/>
+              </a:solidFill>
+              <a:latin typeface="Arial"/>
+            </a:endParaRPr>
+          </a:p>
+          <a:p>
+            <a:pPr lvl="4" marL="2160000" indent="-216000">
+              <a:spcBef>
+                <a:spcPts val="283"/>
+              </a:spcBef>
+              <a:buClr>
+                <a:srgbClr val="000000"/>
+              </a:buClr>
+              <a:buSzPct val="45000"/>
+              <a:buFont typeface="Wingdings" charset="2"/>
+              <a:buChar char=""/>
+            </a:pPr>
+            <a:r>
+              <a:rPr b="0" lang="en-ID" sz="1800" spc="-1" strike="noStrike">
                 <a:solidFill>
-                  <a:srgbClr val="ffffff"/>
+                  <a:srgbClr val="000000"/>
                 </a:solidFill>
-                <a:latin typeface="Source Sans Pro"/>
+                <a:latin typeface="Arial"/>
               </a:rPr>
               <a:t>Fifth Outline Level</a:t>
             </a:r>
-            <a:endParaRPr b="0" lang="en-ID" sz="1500" spc="-1" strike="noStrike">
-              <a:solidFill>
-                <a:srgbClr val="ffffff"/>
-              </a:solidFill>
-              <a:latin typeface="Source Sans Pro"/>
-            </a:endParaRPr>
-          </a:p>
-          <a:p>
-            <a:pPr lvl="5" marL="2592000" indent="0">
-              <a:spcAft>
-                <a:spcPts val="213"/>
-              </a:spcAft>
-            </a:pPr>
-            <a:r>
-              <a:rPr b="0" lang="en-ID" sz="1500" spc="-1" strike="noStrike">
+            <a:endParaRPr b="0" lang="en-ID" sz="1800" spc="-1" strike="noStrike">
+              <a:solidFill>
+                <a:srgbClr val="000000"/>
+              </a:solidFill>
+              <a:latin typeface="Arial"/>
+            </a:endParaRPr>
+          </a:p>
+          <a:p>
+            <a:pPr lvl="5" marL="2592000" indent="-216000">
+              <a:spcBef>
+                <a:spcPts val="283"/>
+              </a:spcBef>
+              <a:buClr>
+                <a:srgbClr val="000000"/>
+              </a:buClr>
+              <a:buSzPct val="45000"/>
+              <a:buFont typeface="Wingdings" charset="2"/>
+              <a:buChar char=""/>
+            </a:pPr>
+            <a:r>
+              <a:rPr b="0" lang="en-ID" sz="1800" spc="-1" strike="noStrike">
                 <a:solidFill>
-                  <a:srgbClr val="ffffff"/>
+                  <a:srgbClr val="000000"/>
                 </a:solidFill>
-                <a:latin typeface="Source Sans Pro"/>
+                <a:latin typeface="Arial"/>
               </a:rPr>
               <a:t>Sixth Outline Level</a:t>
             </a:r>
-            <a:endParaRPr b="0" lang="en-ID" sz="1500" spc="-1" strike="noStrike">
-              <a:solidFill>
-                <a:srgbClr val="ffffff"/>
-              </a:solidFill>
-              <a:latin typeface="Source Sans Pro"/>
-            </a:endParaRPr>
-          </a:p>
-          <a:p>
-            <a:pPr lvl="6" marL="3024000" indent="0">
-              <a:spcAft>
-                <a:spcPts val="213"/>
-              </a:spcAft>
-            </a:pPr>
-            <a:r>
-              <a:rPr b="0" lang="en-ID" sz="1500" spc="-1" strike="noStrike">
+            <a:endParaRPr b="0" lang="en-ID" sz="1800" spc="-1" strike="noStrike">
+              <a:solidFill>
+                <a:srgbClr val="000000"/>
+              </a:solidFill>
+              <a:latin typeface="Arial"/>
+            </a:endParaRPr>
+          </a:p>
+          <a:p>
+            <a:pPr lvl="6" marL="3024000" indent="-216000">
+              <a:spcBef>
+                <a:spcPts val="283"/>
+              </a:spcBef>
+              <a:buClr>
+                <a:srgbClr val="000000"/>
+              </a:buClr>
+              <a:buSzPct val="45000"/>
+              <a:buFont typeface="Wingdings" charset="2"/>
+              <a:buChar char=""/>
+            </a:pPr>
+            <a:r>
+              <a:rPr b="0" lang="en-ID" sz="1800" spc="-1" strike="noStrike">
                 <a:solidFill>
-                  <a:srgbClr val="ffffff"/>
+                  <a:srgbClr val="000000"/>
                 </a:solidFill>
-                <a:latin typeface="Source Sans Pro"/>
+                <a:latin typeface="Arial"/>
               </a:rPr>
               <a:t>Seventh Outline Level</a:t>
             </a:r>
-            <a:endParaRPr b="0" lang="en-ID" sz="1500" spc="-1" strike="noStrike">
-              <a:solidFill>
-                <a:srgbClr val="ffffff"/>
-              </a:solidFill>
-              <a:latin typeface="Source Sans Pro"/>
+            <a:endParaRPr b="0" lang="en-ID" sz="1800" spc="-1" strike="noStrike">
+              <a:solidFill>
+                <a:srgbClr val="000000"/>
+              </a:solidFill>
+              <a:latin typeface="Arial"/>
             </a:endParaRPr>
           </a:p>
         </p:txBody>
@@ -8782,13 +8945,13 @@
             <a:spLocks noGrp="1"/>
           </p:cNvSpPr>
           <p:nvPr>
-            <p:ph type="dt" idx="6"/>
-          </p:nvPr>
-        </p:nvSpPr>
-        <p:spPr>
-          <a:xfrm>
-            <a:off x="360000" y="5400000"/>
-            <a:ext cx="2880000" cy="270000"/>
+            <p:ph type="ftr" idx="6"/>
+          </p:nvPr>
+        </p:nvSpPr>
+        <p:spPr>
+          <a:xfrm>
+            <a:off x="3420000" y="5400000"/>
+            <a:ext cx="3239640" cy="269640"/>
           </a:xfrm>
           <a:prstGeom prst="rect">
             <a:avLst/>
@@ -8803,8 +8966,14 @@
             <a:noAutofit/>
           </a:bodyPr>
           <a:lstStyle>
-            <a:lvl1pPr indent="0">
-              <a:buNone/>
+            <a:lvl1pPr indent="0" algn="ctr">
+              <a:lnSpc>
+                <a:spcPct val="100000"/>
+              </a:lnSpc>
+              <a:buNone/>
+              <a:tabLst>
+                <a:tab algn="l" pos="0"/>
+              </a:tabLst>
               <a:defRPr b="1" lang="en-ID" sz="1800" spc="-1" strike="noStrike">
                 <a:solidFill>
                   <a:srgbClr val="ffffff"/>
@@ -8814,8 +8983,14 @@
             </a:lvl1pPr>
           </a:lstStyle>
           <a:p>
-            <a:pPr indent="0">
-              <a:buNone/>
+            <a:pPr indent="0" algn="ctr">
+              <a:lnSpc>
+                <a:spcPct val="100000"/>
+              </a:lnSpc>
+              <a:buNone/>
+              <a:tabLst>
+                <a:tab algn="l" pos="0"/>
+              </a:tabLst>
             </a:pPr>
             <a:r>
               <a:rPr b="1" lang="en-ID" sz="1800" spc="-1" strike="noStrike">
@@ -8824,13 +8999,13 @@
                 </a:solidFill>
                 <a:latin typeface="Source Sans Pro Black"/>
               </a:rPr>
-              <a:t>&lt;date/time&gt;</a:t>
-            </a:r>
-            <a:endParaRPr b="1" lang="en-ID" sz="1800" spc="-1" strike="noStrike">
-              <a:solidFill>
-                <a:srgbClr val="ffffff"/>
-              </a:solidFill>
-              <a:latin typeface="Source Sans Pro Black"/>
+              <a:t>&lt;footer&gt;</a:t>
+            </a:r>
+            <a:endParaRPr b="0" lang="en-ID" sz="1800" spc="-1" strike="noStrike">
+              <a:solidFill>
+                <a:srgbClr val="000000"/>
+              </a:solidFill>
+              <a:latin typeface="Times New Roman"/>
             </a:endParaRPr>
           </a:p>
         </p:txBody>
@@ -8842,13 +9017,13 @@
             <a:spLocks noGrp="1"/>
           </p:cNvSpPr>
           <p:nvPr>
-            <p:ph type="ftr" idx="7"/>
-          </p:nvPr>
-        </p:nvSpPr>
-        <p:spPr>
-          <a:xfrm>
-            <a:off x="3420000" y="5400000"/>
-            <a:ext cx="3240000" cy="270000"/>
+            <p:ph type="sldNum" idx="7"/>
+          </p:nvPr>
+        </p:nvSpPr>
+        <p:spPr>
+          <a:xfrm>
+            <a:off x="9180000" y="5130000"/>
+            <a:ext cx="719640" cy="539640"/>
           </a:xfrm>
           <a:prstGeom prst="rect">
             <a:avLst/>
@@ -8859,12 +9034,18 @@
           </a:ln>
         </p:spPr>
         <p:txBody>
-          <a:bodyPr lIns="0" rIns="0" tIns="0" bIns="0" anchor="t">
+          <a:bodyPr lIns="0" rIns="0" tIns="0" bIns="0" anchor="ctr">
             <a:noAutofit/>
           </a:bodyPr>
           <a:lstStyle>
             <a:lvl1pPr indent="0" algn="ctr">
-              <a:buNone/>
+              <a:lnSpc>
+                <a:spcPct val="100000"/>
+              </a:lnSpc>
+              <a:buNone/>
+              <a:tabLst>
+                <a:tab algn="l" pos="0"/>
+              </a:tabLst>
               <a:defRPr b="1" lang="en-ID" sz="1800" spc="-1" strike="noStrike">
                 <a:solidFill>
                   <a:srgbClr val="ffffff"/>
@@ -8875,69 +9056,15 @@
           </a:lstStyle>
           <a:p>
             <a:pPr indent="0" algn="ctr">
-              <a:buNone/>
-            </a:pPr>
-            <a:r>
-              <a:rPr b="1" lang="en-ID" sz="1800" spc="-1" strike="noStrike">
-                <a:solidFill>
-                  <a:srgbClr val="ffffff"/>
-                </a:solidFill>
-                <a:latin typeface="Source Sans Pro Black"/>
-              </a:rPr>
-              <a:t>&lt;footer&gt;</a:t>
-            </a:r>
-            <a:endParaRPr b="1" lang="en-ID" sz="1800" spc="-1" strike="noStrike">
-              <a:solidFill>
-                <a:srgbClr val="ffffff"/>
-              </a:solidFill>
-              <a:latin typeface="Source Sans Pro Black"/>
-            </a:endParaRPr>
-          </a:p>
-        </p:txBody>
-      </p:sp>
-      <p:sp>
-        <p:nvSpPr>
-          <p:cNvPr id="93" name="PlaceHolder 5"/>
-          <p:cNvSpPr>
-            <a:spLocks noGrp="1"/>
-          </p:cNvSpPr>
-          <p:nvPr>
-            <p:ph type="sldNum" idx="8"/>
-          </p:nvPr>
-        </p:nvSpPr>
-        <p:spPr>
-          <a:xfrm>
-            <a:off x="9180000" y="5130000"/>
-            <a:ext cx="720000" cy="540000"/>
-          </a:xfrm>
-          <a:prstGeom prst="rect">
-            <a:avLst/>
-          </a:prstGeom>
-          <a:noFill/>
-          <a:ln w="72000">
-            <a:noFill/>
-          </a:ln>
-        </p:spPr>
-        <p:txBody>
-          <a:bodyPr lIns="0" rIns="0" tIns="0" bIns="0" anchor="ctr">
-            <a:noAutofit/>
-          </a:bodyPr>
-          <a:lstStyle>
-            <a:lvl1pPr indent="0" algn="ctr">
-              <a:buNone/>
-              <a:defRPr b="1" lang="en-ID" sz="1800" spc="-1" strike="noStrike">
-                <a:solidFill>
-                  <a:srgbClr val="ffffff"/>
-                </a:solidFill>
-                <a:latin typeface="Source Sans Pro Black"/>
-              </a:defRPr>
-            </a:lvl1pPr>
-          </a:lstStyle>
-          <a:p>
-            <a:pPr indent="0" algn="ctr">
-              <a:buNone/>
-            </a:pPr>
-            <a:fld id="{09CB5005-CC22-4E6B-BAD0-60043F7EAEE7}" type="slidenum">
+              <a:lnSpc>
+                <a:spcPct val="100000"/>
+              </a:lnSpc>
+              <a:buNone/>
+              <a:tabLst>
+                <a:tab algn="l" pos="0"/>
+              </a:tabLst>
+            </a:pPr>
+            <a:fld id="{A80C62CF-DF1B-4F6C-AE3A-733E42DDA682}" type="slidenum">
               <a:rPr b="1" lang="en-ID" sz="1800" spc="-1" strike="noStrike">
                 <a:solidFill>
                   <a:srgbClr val="ffffff"/>
@@ -8946,11 +9073,71 @@
               </a:rPr>
               <a:t>&lt;number&gt;</a:t>
             </a:fld>
-            <a:endParaRPr b="1" lang="en-ID" sz="1800" spc="-1" strike="noStrike">
-              <a:solidFill>
-                <a:srgbClr val="ffffff"/>
-              </a:solidFill>
-              <a:latin typeface="Source Sans Pro Black"/>
+            <a:endParaRPr b="0" lang="en-ID" sz="1800" spc="-1" strike="noStrike">
+              <a:solidFill>
+                <a:srgbClr val="000000"/>
+              </a:solidFill>
+              <a:latin typeface="Times New Roman"/>
+            </a:endParaRPr>
+          </a:p>
+        </p:txBody>
+      </p:sp>
+      <p:sp>
+        <p:nvSpPr>
+          <p:cNvPr id="93" name="PlaceHolder 5"/>
+          <p:cNvSpPr>
+            <a:spLocks noGrp="1"/>
+          </p:cNvSpPr>
+          <p:nvPr>
+            <p:ph type="dt" idx="8"/>
+          </p:nvPr>
+        </p:nvSpPr>
+        <p:spPr>
+          <a:xfrm>
+            <a:off x="360000" y="5400000"/>
+            <a:ext cx="2879640" cy="269640"/>
+          </a:xfrm>
+          <a:prstGeom prst="rect">
+            <a:avLst/>
+          </a:prstGeom>
+          <a:noFill/>
+          <a:ln w="72000">
+            <a:noFill/>
+          </a:ln>
+        </p:spPr>
+        <p:txBody>
+          <a:bodyPr lIns="0" rIns="0" tIns="0" bIns="0" anchor="t">
+            <a:noAutofit/>
+          </a:bodyPr>
+          <a:lstStyle>
+            <a:lvl1pPr indent="0">
+              <a:buNone/>
+              <a:defRPr b="0" lang="en-ID" sz="1400" spc="-1" strike="noStrike">
+                <a:solidFill>
+                  <a:srgbClr val="000000"/>
+                </a:solidFill>
+                <a:latin typeface="Times New Roman"/>
+              </a:defRPr>
+            </a:lvl1pPr>
+          </a:lstStyle>
+          <a:p>
+            <a:pPr indent="0">
+              <a:buNone/>
+            </a:pPr>
+            <a:r>
+              <a:rPr b="0" lang="en-ID" sz="1400" spc="-1" strike="noStrike">
+                <a:solidFill>
+                  <a:srgbClr val="000000"/>
+                </a:solidFill>
+                <a:latin typeface="Times New Roman"/>
+              </a:rPr>
+              <a:t>&lt;date/time&gt;</a:t>
+            </a:r>
+            <a:endParaRPr b="0" lang="en-ID" sz="1400" spc="-1" strike="noStrike">
+              <a:solidFill>
+                <a:srgbClr val="000000"/>
+              </a:solidFill>
+              <a:latin typeface="Times New Roman"/>
             </a:endParaRPr>
           </a:p>
         </p:txBody>
@@ -9005,7 +9192,7 @@
         <p:spPr>
           <a:xfrm>
             <a:off x="360000" y="2835000"/>
-            <a:ext cx="9360000" cy="718920"/>
+            <a:ext cx="9359640" cy="718560"/>
           </a:xfrm>
           <a:prstGeom prst="rect">
             <a:avLst/>
@@ -9021,16 +9208,13 @@
           </a:bodyPr>
           <a:p>
             <a:pPr indent="0" algn="ctr">
-              <a:lnSpc>
-                <a:spcPct val="150000"/>
-              </a:lnSpc>
-              <a:buNone/>
-            </a:pPr>
-            <a:endParaRPr b="1" lang="en-ID" sz="2700" spc="-1" strike="noStrike">
-              <a:solidFill>
-                <a:srgbClr val="ffffff"/>
-              </a:solidFill>
-              <a:latin typeface="Source Sans Pro Black"/>
+              <a:buNone/>
+            </a:pPr>
+            <a:endParaRPr b="0" lang="en-ID" sz="1800" spc="-1" strike="noStrike">
+              <a:solidFill>
+                <a:srgbClr val="000000"/>
+              </a:solidFill>
+              <a:latin typeface="Arial"/>
             </a:endParaRPr>
           </a:p>
         </p:txBody>
@@ -9048,7 +9232,7 @@
         <p:spPr>
           <a:xfrm>
             <a:off x="360000" y="3915000"/>
-            <a:ext cx="9360000" cy="1485000"/>
+            <a:ext cx="9359640" cy="1484640"/>
           </a:xfrm>
           <a:prstGeom prst="rect">
             <a:avLst/>
@@ -9066,11 +9250,11 @@
             <a:pPr indent="0" algn="ctr">
               <a:buNone/>
             </a:pPr>
-            <a:endParaRPr b="0" lang="en-ID" sz="2200" spc="-1" strike="noStrike">
-              <a:solidFill>
-                <a:srgbClr val="ffffff"/>
-              </a:solidFill>
-              <a:latin typeface="Source Sans Pro"/>
+            <a:endParaRPr b="0" lang="en-ID" sz="1800" spc="-1" strike="noStrike">
+              <a:solidFill>
+                <a:srgbClr val="000000"/>
+              </a:solidFill>
+              <a:latin typeface="Arial"/>
             </a:endParaRPr>
           </a:p>
         </p:txBody>
@@ -9118,7 +9302,7 @@
         <p:spPr>
           <a:xfrm>
             <a:off x="360000" y="225720"/>
-            <a:ext cx="9360000" cy="720000"/>
+            <a:ext cx="9359640" cy="719640"/>
           </a:xfrm>
           <a:prstGeom prst="rect">
             <a:avLst/>
@@ -9134,7 +9318,13 @@
           </a:bodyPr>
           <a:p>
             <a:pPr indent="0">
-              <a:buNone/>
+              <a:lnSpc>
+                <a:spcPct val="100000"/>
+              </a:lnSpc>
+              <a:buNone/>
+              <a:tabLst>
+                <a:tab algn="l" pos="0"/>
+              </a:tabLst>
             </a:pPr>
             <a:r>
               <a:rPr b="1" lang="en-ID" sz="2700" spc="-1" strike="noStrike">
@@ -9145,11 +9335,11 @@
               </a:rPr>
               <a:t>Particle Rendering w/ Sensors</a:t>
             </a:r>
-            <a:endParaRPr b="1" lang="en-ID" sz="2700" spc="-1" strike="noStrike">
-              <a:solidFill>
-                <a:srgbClr val="ffffff"/>
-              </a:solidFill>
-              <a:latin typeface="Source Sans Pro Black"/>
+            <a:endParaRPr b="0" lang="en-ID" sz="2700" spc="-1" strike="noStrike">
+              <a:solidFill>
+                <a:srgbClr val="000000"/>
+              </a:solidFill>
+              <a:latin typeface="Arial"/>
             </a:endParaRPr>
           </a:p>
         </p:txBody>
@@ -9167,7 +9357,7 @@
         <p:spPr>
           <a:xfrm>
             <a:off x="360000" y="1485000"/>
-            <a:ext cx="9360000" cy="3780000"/>
+            <a:ext cx="9359640" cy="3779640"/>
           </a:xfrm>
           <a:prstGeom prst="rect">
             <a:avLst/>
@@ -9183,10 +9373,16 @@
           </a:bodyPr>
           <a:p>
             <a:pPr marL="432000" indent="0">
+              <a:lnSpc>
+                <a:spcPct val="100000"/>
+              </a:lnSpc>
               <a:spcAft>
                 <a:spcPts val="1057"/>
               </a:spcAft>
               <a:buNone/>
+              <a:tabLst>
+                <a:tab algn="l" pos="0"/>
+              </a:tabLst>
             </a:pPr>
             <a:r>
               <a:rPr b="1" lang="en-ID" sz="2400" spc="-1" strike="noStrike">
@@ -9197,15 +9393,18 @@
               </a:rPr>
               <a:t>Pipeline:</a:t>
             </a:r>
-            <a:endParaRPr b="1" lang="en-ID" sz="2400" spc="-1" strike="noStrike">
-              <a:solidFill>
-                <a:srgbClr val="2c3e50"/>
-              </a:solidFill>
-              <a:latin typeface="Source Sans Pro Semibold"/>
+            <a:endParaRPr b="0" lang="en-ID" sz="2400" spc="-1" strike="noStrike">
+              <a:solidFill>
+                <a:srgbClr val="000000"/>
+              </a:solidFill>
+              <a:latin typeface="Arial"/>
             </a:endParaRPr>
           </a:p>
           <a:p>
             <a:pPr marL="432000" indent="-324000">
+              <a:lnSpc>
+                <a:spcPct val="100000"/>
+              </a:lnSpc>
               <a:spcAft>
                 <a:spcPts val="1057"/>
               </a:spcAft>
@@ -9215,6 +9414,9 @@
               <a:buSzPct val="45000"/>
               <a:buFont typeface="Wingdings" charset="2"/>
               <a:buChar char=""/>
+              <a:tabLst>
+                <a:tab algn="l" pos="0"/>
+              </a:tabLst>
             </a:pPr>
             <a:r>
               <a:rPr b="0" lang="en-ID" sz="2400" spc="-1" strike="noStrike">
@@ -9225,15 +9427,18 @@
               </a:rPr>
               <a:t>Ultrasonic sensor connected to ESP8266</a:t>
             </a:r>
-            <a:endParaRPr b="1" lang="en-ID" sz="2400" spc="-1" strike="noStrike">
-              <a:solidFill>
-                <a:srgbClr val="2c3e50"/>
-              </a:solidFill>
-              <a:latin typeface="Source Sans Pro Semibold"/>
+            <a:endParaRPr b="0" lang="en-ID" sz="2400" spc="-1" strike="noStrike">
+              <a:solidFill>
+                <a:srgbClr val="000000"/>
+              </a:solidFill>
+              <a:latin typeface="Arial"/>
             </a:endParaRPr>
           </a:p>
           <a:p>
             <a:pPr marL="432000" indent="-324000">
+              <a:lnSpc>
+                <a:spcPct val="100000"/>
+              </a:lnSpc>
               <a:spcAft>
                 <a:spcPts val="1057"/>
               </a:spcAft>
@@ -9243,6 +9448,9 @@
               <a:buSzPct val="45000"/>
               <a:buFont typeface="Wingdings" charset="2"/>
               <a:buChar char=""/>
+              <a:tabLst>
+                <a:tab algn="l" pos="0"/>
+              </a:tabLst>
             </a:pPr>
             <a:r>
               <a:rPr b="0" lang="en-ID" sz="2400" spc="-1" strike="noStrike">
@@ -9253,15 +9461,18 @@
               </a:rPr>
               <a:t>ESP8266 sends data to MQTT broker</a:t>
             </a:r>
-            <a:endParaRPr b="1" lang="en-ID" sz="2400" spc="-1" strike="noStrike">
-              <a:solidFill>
-                <a:srgbClr val="2c3e50"/>
-              </a:solidFill>
-              <a:latin typeface="Source Sans Pro Semibold"/>
+            <a:endParaRPr b="0" lang="en-ID" sz="2400" spc="-1" strike="noStrike">
+              <a:solidFill>
+                <a:srgbClr val="000000"/>
+              </a:solidFill>
+              <a:latin typeface="Arial"/>
             </a:endParaRPr>
           </a:p>
           <a:p>
             <a:pPr marL="432000" indent="-324000">
+              <a:lnSpc>
+                <a:spcPct val="100000"/>
+              </a:lnSpc>
               <a:spcAft>
                 <a:spcPts val="1057"/>
               </a:spcAft>
@@ -9271,6 +9482,9 @@
               <a:buSzPct val="45000"/>
               <a:buFont typeface="Wingdings" charset="2"/>
               <a:buChar char=""/>
+              <a:tabLst>
+                <a:tab algn="l" pos="0"/>
+              </a:tabLst>
             </a:pPr>
             <a:r>
               <a:rPr b="0" lang="en-ID" sz="2400" spc="-1" strike="noStrike">
@@ -9281,15 +9495,18 @@
               </a:rPr>
               <a:t>MQTT subscriber (w/ certain Topic) receives sensor data</a:t>
             </a:r>
-            <a:endParaRPr b="1" lang="en-ID" sz="2400" spc="-1" strike="noStrike">
-              <a:solidFill>
-                <a:srgbClr val="2c3e50"/>
-              </a:solidFill>
-              <a:latin typeface="Source Sans Pro Semibold"/>
+            <a:endParaRPr b="0" lang="en-ID" sz="2400" spc="-1" strike="noStrike">
+              <a:solidFill>
+                <a:srgbClr val="000000"/>
+              </a:solidFill>
+              <a:latin typeface="Arial"/>
             </a:endParaRPr>
           </a:p>
           <a:p>
             <a:pPr marL="432000" indent="-324000">
+              <a:lnSpc>
+                <a:spcPct val="100000"/>
+              </a:lnSpc>
               <a:spcAft>
                 <a:spcPts val="1057"/>
               </a:spcAft>
@@ -9299,6 +9516,9 @@
               <a:buSzPct val="45000"/>
               <a:buFont typeface="Wingdings" charset="2"/>
               <a:buChar char=""/>
+              <a:tabLst>
+                <a:tab algn="l" pos="0"/>
+              </a:tabLst>
             </a:pPr>
             <a:r>
               <a:rPr b="0" lang="en-ID" sz="2400" spc="-1" strike="noStrike">
@@ -9309,15 +9529,18 @@
               </a:rPr>
               <a:t>Sensor data is translated into:</a:t>
             </a:r>
-            <a:endParaRPr b="1" lang="en-ID" sz="2400" spc="-1" strike="noStrike">
-              <a:solidFill>
-                <a:srgbClr val="2c3e50"/>
-              </a:solidFill>
-              <a:latin typeface="Source Sans Pro Semibold"/>
+            <a:endParaRPr b="0" lang="en-ID" sz="2400" spc="-1" strike="noStrike">
+              <a:solidFill>
+                <a:srgbClr val="000000"/>
+              </a:solidFill>
+              <a:latin typeface="Arial"/>
             </a:endParaRPr>
           </a:p>
           <a:p>
             <a:pPr lvl="1" marL="864000" indent="-324000">
+              <a:lnSpc>
+                <a:spcPct val="100000"/>
+              </a:lnSpc>
               <a:spcAft>
                 <a:spcPts val="850"/>
               </a:spcAft>
@@ -9325,8 +9548,11 @@
                 <a:srgbClr val="2c3e50"/>
               </a:buClr>
               <a:buSzPct val="75000"/>
-              <a:buFont typeface="Symbol" charset="2"/>
+              <a:buFont typeface="Symbol"/>
               <a:buChar char=""/>
+              <a:tabLst>
+                <a:tab algn="l" pos="0"/>
+              </a:tabLst>
             </a:pPr>
             <a:r>
               <a:rPr b="0" lang="en-ID" sz="2100" spc="-1" strike="noStrike">
@@ -9339,13 +9565,16 @@
             </a:r>
             <a:endParaRPr b="0" lang="en-ID" sz="2100" spc="-1" strike="noStrike">
               <a:solidFill>
-                <a:srgbClr val="2c3e50"/>
-              </a:solidFill>
-              <a:latin typeface="Source Sans Pro"/>
+                <a:srgbClr val="000000"/>
+              </a:solidFill>
+              <a:latin typeface="Arial"/>
             </a:endParaRPr>
           </a:p>
           <a:p>
             <a:pPr lvl="1" marL="864000" indent="-324000">
+              <a:lnSpc>
+                <a:spcPct val="100000"/>
+              </a:lnSpc>
               <a:spcAft>
                 <a:spcPts val="850"/>
               </a:spcAft>
@@ -9353,8 +9582,11 @@
                 <a:srgbClr val="2c3e50"/>
               </a:buClr>
               <a:buSzPct val="75000"/>
-              <a:buFont typeface="Symbol" charset="2"/>
+              <a:buFont typeface="Symbol"/>
               <a:buChar char=""/>
+              <a:tabLst>
+                <a:tab algn="l" pos="0"/>
+              </a:tabLst>
             </a:pPr>
             <a:r>
               <a:rPr b="0" lang="en-ID" sz="2100" spc="-1" strike="noStrike">
@@ -9367,9 +9599,9 @@
             </a:r>
             <a:endParaRPr b="0" lang="en-ID" sz="2100" spc="-1" strike="noStrike">
               <a:solidFill>
-                <a:srgbClr val="2c3e50"/>
-              </a:solidFill>
-              <a:latin typeface="Source Sans Pro"/>
+                <a:srgbClr val="000000"/>
+              </a:solidFill>
+              <a:latin typeface="Arial"/>
             </a:endParaRPr>
           </a:p>
         </p:txBody>
@@ -9404,9 +9636,297 @@
           <a:chExt cx="0" cy="0"/>
         </a:xfrm>
       </p:grpSpPr>
-      <p:sp>
-        <p:nvSpPr>
-          <p:cNvPr id="134" name="PlaceHolder 1"/>
+      <p:grpSp>
+        <p:nvGrpSpPr>
+          <p:cNvPr id="134" name=""/>
+          <p:cNvGrpSpPr/>
+          <p:nvPr/>
+        </p:nvGrpSpPr>
+        <p:grpSpPr>
+          <a:xfrm>
+            <a:off x="228600" y="1497960"/>
+            <a:ext cx="2032920" cy="1016640"/>
+            <a:chOff x="228600" y="1497960"/>
+            <a:chExt cx="2032920" cy="1016640"/>
+          </a:xfrm>
+        </p:grpSpPr>
+        <p:pic>
+          <p:nvPicPr>
+            <p:cNvPr id="135" name="" descr=""/>
+            <p:cNvPicPr/>
+            <p:nvPr/>
+          </p:nvPicPr>
+          <p:blipFill>
+            <a:blip r:embed="rId1"/>
+            <a:stretch/>
+          </p:blipFill>
+          <p:spPr>
+            <a:xfrm>
+              <a:off x="228600" y="1497960"/>
+              <a:ext cx="1016640" cy="1016640"/>
+            </a:xfrm>
+            <a:prstGeom prst="rect">
+              <a:avLst/>
+            </a:prstGeom>
+            <a:ln w="0">
+              <a:noFill/>
+            </a:ln>
+          </p:spPr>
+        </p:pic>
+        <p:pic>
+          <p:nvPicPr>
+            <p:cNvPr id="136" name="" descr=""/>
+            <p:cNvPicPr/>
+            <p:nvPr/>
+          </p:nvPicPr>
+          <p:blipFill>
+            <a:blip r:embed="rId2"/>
+            <a:stretch/>
+          </p:blipFill>
+          <p:spPr>
+            <a:xfrm>
+              <a:off x="1245240" y="1497960"/>
+              <a:ext cx="1016280" cy="1016640"/>
+            </a:xfrm>
+            <a:prstGeom prst="rect">
+              <a:avLst/>
+            </a:prstGeom>
+            <a:ln w="0">
+              <a:noFill/>
+            </a:ln>
+          </p:spPr>
+        </p:pic>
+        <p:sp>
+          <p:nvSpPr>
+            <p:cNvPr id="137" name=""/>
+            <p:cNvSpPr/>
+            <p:nvPr/>
+          </p:nvSpPr>
+          <p:spPr>
+            <a:xfrm>
+              <a:off x="1182960" y="2083320"/>
+              <a:ext cx="54720" cy="273960"/>
+            </a:xfrm>
+            <a:prstGeom prst="rect">
+              <a:avLst/>
+            </a:prstGeom>
+            <a:solidFill>
+              <a:srgbClr val="66cdaa"/>
+            </a:solidFill>
+            <a:ln w="0">
+              <a:solidFill>
+                <a:srgbClr val="3465a4">
+                  <a:alpha val="0"/>
+                </a:srgbClr>
+              </a:solidFill>
+            </a:ln>
+          </p:spPr>
+          <p:style>
+            <a:lnRef idx="0"/>
+            <a:fillRef idx="0"/>
+            <a:effectRef idx="0"/>
+            <a:fontRef idx="minor"/>
+          </p:style>
+          <p:txBody>
+            <a:bodyPr lIns="90000" rIns="90000" tIns="45000" bIns="45000" anchor="ctr">
+              <a:noAutofit/>
+            </a:bodyPr>
+            <a:p>
+              <a:endParaRPr b="0" lang="en-ID" sz="1800" spc="-1" strike="noStrike">
+                <a:solidFill>
+                  <a:srgbClr val="000000"/>
+                </a:solidFill>
+                <a:latin typeface="Arial"/>
+              </a:endParaRPr>
+            </a:p>
+          </p:txBody>
+        </p:sp>
+        <p:sp>
+          <p:nvSpPr>
+            <p:cNvPr id="138" name=""/>
+            <p:cNvSpPr/>
+            <p:nvPr/>
+          </p:nvSpPr>
+          <p:spPr>
+            <a:xfrm rot="5400000">
+              <a:off x="1182600" y="2083320"/>
+              <a:ext cx="55080" cy="273960"/>
+            </a:xfrm>
+            <a:prstGeom prst="rect">
+              <a:avLst/>
+            </a:prstGeom>
+            <a:solidFill>
+              <a:srgbClr val="66cdaa"/>
+            </a:solidFill>
+            <a:ln w="0">
+              <a:solidFill>
+                <a:srgbClr val="3465a4">
+                  <a:alpha val="0"/>
+                </a:srgbClr>
+              </a:solidFill>
+            </a:ln>
+          </p:spPr>
+          <p:style>
+            <a:lnRef idx="0"/>
+            <a:fillRef idx="0"/>
+            <a:effectRef idx="0"/>
+            <a:fontRef idx="minor"/>
+          </p:style>
+          <p:txBody>
+            <a:bodyPr lIns="90000" rIns="90000" tIns="45000" bIns="45000" anchor="ctr">
+              <a:noAutofit/>
+            </a:bodyPr>
+            <a:p>
+              <a:endParaRPr b="0" lang="en-ID" sz="1800" spc="-1" strike="noStrike">
+                <a:solidFill>
+                  <a:srgbClr val="000000"/>
+                </a:solidFill>
+                <a:latin typeface="Arial"/>
+              </a:endParaRPr>
+            </a:p>
+          </p:txBody>
+        </p:sp>
+      </p:grpSp>
+      <p:pic>
+        <p:nvPicPr>
+          <p:cNvPr id="139" name="" descr=""/>
+          <p:cNvPicPr/>
+          <p:nvPr/>
+        </p:nvPicPr>
+        <p:blipFill>
+          <a:blip r:embed="rId3"/>
+          <a:stretch/>
+        </p:blipFill>
+        <p:spPr>
+          <a:xfrm>
+            <a:off x="3108240" y="1371600"/>
+            <a:ext cx="1371600" cy="1371600"/>
+          </a:xfrm>
+          <a:prstGeom prst="rect">
+            <a:avLst/>
+          </a:prstGeom>
+          <a:ln w="0">
+            <a:noFill/>
+          </a:ln>
+        </p:spPr>
+      </p:pic>
+      <p:grpSp>
+        <p:nvGrpSpPr>
+          <p:cNvPr id="140" name=""/>
+          <p:cNvGrpSpPr/>
+          <p:nvPr/>
+        </p:nvGrpSpPr>
+        <p:grpSpPr>
+          <a:xfrm>
+            <a:off x="5486400" y="1371600"/>
+            <a:ext cx="1100880" cy="1431000"/>
+            <a:chOff x="5486400" y="1371600"/>
+            <a:chExt cx="1100880" cy="1431000"/>
+          </a:xfrm>
+        </p:grpSpPr>
+        <p:pic>
+          <p:nvPicPr>
+            <p:cNvPr id="141" name="" descr=""/>
+            <p:cNvPicPr/>
+            <p:nvPr/>
+          </p:nvPicPr>
+          <p:blipFill>
+            <a:blip r:embed="rId4"/>
+            <a:stretch/>
+          </p:blipFill>
+          <p:spPr>
+            <a:xfrm>
+              <a:off x="5486400" y="1701720"/>
+              <a:ext cx="1100880" cy="1100880"/>
+            </a:xfrm>
+            <a:prstGeom prst="rect">
+              <a:avLst/>
+            </a:prstGeom>
+            <a:ln w="0">
+              <a:noFill/>
+            </a:ln>
+          </p:spPr>
+        </p:pic>
+        <p:pic>
+          <p:nvPicPr>
+            <p:cNvPr id="142" name="" descr=""/>
+            <p:cNvPicPr/>
+            <p:nvPr/>
+          </p:nvPicPr>
+          <p:blipFill>
+            <a:blip r:embed="rId5"/>
+            <a:stretch/>
+          </p:blipFill>
+          <p:spPr>
+            <a:xfrm>
+              <a:off x="5610960" y="1371600"/>
+              <a:ext cx="837000" cy="454680"/>
+            </a:xfrm>
+            <a:prstGeom prst="rect">
+              <a:avLst/>
+            </a:prstGeom>
+            <a:ln w="0">
+              <a:noFill/>
+            </a:ln>
+          </p:spPr>
+        </p:pic>
+      </p:grpSp>
+      <p:pic>
+        <p:nvPicPr>
+          <p:cNvPr id="143" name="" descr=""/>
+          <p:cNvPicPr/>
+          <p:nvPr/>
+        </p:nvPicPr>
+        <p:blipFill>
+          <a:blip r:embed="rId6"/>
+          <a:stretch/>
+        </p:blipFill>
+        <p:spPr>
+          <a:xfrm>
+            <a:off x="6858000" y="1371600"/>
+            <a:ext cx="1478520" cy="1478520"/>
+          </a:xfrm>
+          <a:prstGeom prst="rect">
+            <a:avLst/>
+          </a:prstGeom>
+          <a:ln w="0">
+            <a:noFill/>
+          </a:ln>
+        </p:spPr>
+      </p:pic>
+    </p:spTree>
+  </p:cSld>
+  <mc:AlternateContent>
+    <mc:Choice Requires="p14">
+      <p:transition spd="slow" p14:dur="2000"/>
+    </mc:Choice>
+    <mc:Fallback>
+      <p:transition spd="slow"/>
+    </mc:Fallback>
+  </mc:AlternateContent>
+</p:sld>
+</file>
+
+<file path=ppt/slides/slide4.xml><?xml version="1.0" encoding="utf-8"?>
+<p:sld xmlns:a="http://schemas.openxmlformats.org/drawingml/2006/main" xmlns:p="http://schemas.openxmlformats.org/presentationml/2006/main" xmlns:r="http://schemas.openxmlformats.org/officeDocument/2006/relationships" xmlns:p14="http://schemas.microsoft.com/office/powerpoint/2010/main" xmlns:p15="http://schemas.microsoft.com/office/powerpoint/2012/main" xmlns:mc="http://schemas.openxmlformats.org/markup-compatibility/2006">
+  <p:cSld>
+    <p:spTree>
+      <p:nvGrpSpPr>
+        <p:cNvPr id="1" name=""/>
+        <p:cNvGrpSpPr/>
+        <p:nvPr/>
+      </p:nvGrpSpPr>
+      <p:grpSpPr>
+        <a:xfrm>
+          <a:off x="0" y="0"/>
+          <a:ext cx="0" cy="0"/>
+          <a:chOff x="0" y="0"/>
+          <a:chExt cx="0" cy="0"/>
+        </a:xfrm>
+      </p:grpSpPr>
+      <p:sp>
+        <p:nvSpPr>
+          <p:cNvPr id="144" name="PlaceHolder 1"/>
           <p:cNvSpPr>
             <a:spLocks noGrp="1"/>
           </p:cNvSpPr>
@@ -9417,7 +9937,7 @@
         <p:spPr>
           <a:xfrm>
             <a:off x="2700000" y="1440000"/>
-            <a:ext cx="4680000" cy="1620000"/>
+            <a:ext cx="4679640" cy="1619640"/>
           </a:xfrm>
           <a:prstGeom prst="rect">
             <a:avLst/>
@@ -9435,11 +9955,11 @@
             <a:pPr indent="0" algn="ctr">
               <a:buNone/>
             </a:pPr>
-            <a:endParaRPr b="1" lang="en-ID" sz="2700" spc="-1" strike="noStrike">
-              <a:solidFill>
-                <a:srgbClr val="2c3e50"/>
-              </a:solidFill>
-              <a:latin typeface="Source Sans Pro Black"/>
+            <a:endParaRPr b="0" lang="en-ID" sz="1800" spc="-1" strike="noStrike">
+              <a:solidFill>
+                <a:srgbClr val="000000"/>
+              </a:solidFill>
+              <a:latin typeface="Arial"/>
             </a:endParaRPr>
           </a:p>
         </p:txBody>
@@ -9451,15 +9971,15 @@
             <a:spLocks noGrp="1"/>
           </p:cNvSpPr>
           <p:nvPr>
-            <p:ph type="sldNum" idx="8"/>
+            <p:ph type="sldNum" idx="7"/>
           </p:nvPr>
         </p:nvSpPr>
         <p:spPr/>
         <p:txBody>
           <a:bodyPr/>
           <a:p>
-            <a:fld id="{A5AB9055-5504-4317-9C9D-4DCA8B6BB05D}" type="slidenum">
-              <a:t>3</a:t>
+            <a:fld id="{B1DA1E42-3AD0-4800-9D84-732BBA883B21}" type="slidenum">
+              <a:t>4</a:t>
             </a:fld>
           </a:p>
         </p:txBody>

--- a/MQTT/presentation/Particle-Rendering.pptx
+++ b/MQTT/presentation/Particle-Rendering.pptx
@@ -68,7 +68,7 @@
         <p:txBody>
           <a:bodyPr/>
           <a:p>
-            <a:fld id="{1EF84C89-6C52-4225-8381-4BDE779F0FE5}" type="slidenum">
+            <a:fld id="{FEE62B59-0C77-466A-8E82-70F1677C5433}" type="slidenum">
               <a:t>&lt;#&gt;</a:t>
             </a:fld>
           </a:p>
@@ -129,8 +129,8 @@
         </p:nvSpPr>
         <p:spPr>
           <a:xfrm>
-            <a:off x="2700000" y="1485000"/>
-            <a:ext cx="4679640" cy="1619640"/>
+            <a:off x="504000" y="226080"/>
+            <a:ext cx="9072000" cy="946440"/>
           </a:xfrm>
           <a:prstGeom prst="rect">
             <a:avLst/>
@@ -169,8 +169,8 @@
         </p:nvSpPr>
         <p:spPr>
           <a:xfrm>
-            <a:off x="3420000" y="3240000"/>
-            <a:ext cx="6299640" cy="772560"/>
+            <a:off x="504000" y="1326600"/>
+            <a:ext cx="9072000" cy="1568520"/>
           </a:xfrm>
           <a:prstGeom prst="rect">
             <a:avLst/>
@@ -212,8 +212,8 @@
         </p:nvSpPr>
         <p:spPr>
           <a:xfrm>
-            <a:off x="3420000" y="4086360"/>
-            <a:ext cx="6299640" cy="772560"/>
+            <a:off x="504000" y="3044520"/>
+            <a:ext cx="9072000" cy="1568520"/>
           </a:xfrm>
           <a:prstGeom prst="rect">
             <a:avLst/>
@@ -277,7 +277,7 @@
         <p:txBody>
           <a:bodyPr/>
           <a:p>
-            <a:fld id="{6359504D-B3BC-466A-A39D-891FA4C14552}" type="slidenum">
+            <a:fld id="{64988D29-7F86-4BB1-8538-38A7CE08CEE2}" type="slidenum">
               <a:t>&lt;#&gt;</a:t>
             </a:fld>
           </a:p>
@@ -338,8 +338,8 @@
         </p:nvSpPr>
         <p:spPr>
           <a:xfrm>
-            <a:off x="2700000" y="1485000"/>
-            <a:ext cx="4679640" cy="1619640"/>
+            <a:off x="504000" y="226080"/>
+            <a:ext cx="9072000" cy="946440"/>
           </a:xfrm>
           <a:prstGeom prst="rect">
             <a:avLst/>
@@ -378,8 +378,8 @@
         </p:nvSpPr>
         <p:spPr>
           <a:xfrm>
-            <a:off x="3420000" y="3240000"/>
-            <a:ext cx="3074040" cy="772560"/>
+            <a:off x="504000" y="1326600"/>
+            <a:ext cx="4426920" cy="1568520"/>
           </a:xfrm>
           <a:prstGeom prst="rect">
             <a:avLst/>
@@ -391,7 +391,7 @@
         </p:spPr>
         <p:txBody>
           <a:bodyPr lIns="0" rIns="0" tIns="0" bIns="0" anchor="t">
-            <a:normAutofit fontScale="93740" lnSpcReduction="10000"/>
+            <a:normAutofit/>
           </a:bodyPr>
           <a:p>
             <a:pPr indent="0">
@@ -421,8 +421,8 @@
         </p:nvSpPr>
         <p:spPr>
           <a:xfrm>
-            <a:off x="6648120" y="3240000"/>
-            <a:ext cx="3074040" cy="772560"/>
+            <a:off x="5152680" y="1326600"/>
+            <a:ext cx="4426920" cy="1568520"/>
           </a:xfrm>
           <a:prstGeom prst="rect">
             <a:avLst/>
@@ -434,7 +434,7 @@
         </p:spPr>
         <p:txBody>
           <a:bodyPr lIns="0" rIns="0" tIns="0" bIns="0" anchor="t">
-            <a:normAutofit fontScale="93740" lnSpcReduction="10000"/>
+            <a:normAutofit/>
           </a:bodyPr>
           <a:p>
             <a:pPr indent="0">
@@ -464,8 +464,8 @@
         </p:nvSpPr>
         <p:spPr>
           <a:xfrm>
-            <a:off x="3420000" y="4086360"/>
-            <a:ext cx="3074040" cy="772560"/>
+            <a:off x="504000" y="3044520"/>
+            <a:ext cx="4426920" cy="1568520"/>
           </a:xfrm>
           <a:prstGeom prst="rect">
             <a:avLst/>
@@ -477,7 +477,7 @@
         </p:spPr>
         <p:txBody>
           <a:bodyPr lIns="0" rIns="0" tIns="0" bIns="0" anchor="t">
-            <a:normAutofit fontScale="93740" lnSpcReduction="10000"/>
+            <a:normAutofit/>
           </a:bodyPr>
           <a:p>
             <a:pPr indent="0">
@@ -507,8 +507,8 @@
         </p:nvSpPr>
         <p:spPr>
           <a:xfrm>
-            <a:off x="6648120" y="4086360"/>
-            <a:ext cx="3074040" cy="772560"/>
+            <a:off x="5152680" y="3044520"/>
+            <a:ext cx="4426920" cy="1568520"/>
           </a:xfrm>
           <a:prstGeom prst="rect">
             <a:avLst/>
@@ -520,7 +520,7 @@
         </p:spPr>
         <p:txBody>
           <a:bodyPr lIns="0" rIns="0" tIns="0" bIns="0" anchor="t">
-            <a:normAutofit fontScale="93740" lnSpcReduction="10000"/>
+            <a:normAutofit/>
           </a:bodyPr>
           <a:p>
             <a:pPr indent="0">
@@ -572,7 +572,7 @@
         <p:txBody>
           <a:bodyPr/>
           <a:p>
-            <a:fld id="{65C288CA-307F-4851-AF4A-FC5EB960B77A}" type="slidenum">
+            <a:fld id="{80E5D62F-9142-4AE3-973D-D99089672D42}" type="slidenum">
               <a:t>&lt;#&gt;</a:t>
             </a:fld>
           </a:p>
@@ -633,8 +633,8 @@
         </p:nvSpPr>
         <p:spPr>
           <a:xfrm>
-            <a:off x="2700000" y="1485000"/>
-            <a:ext cx="4679640" cy="1619640"/>
+            <a:off x="504000" y="226080"/>
+            <a:ext cx="9072000" cy="946440"/>
           </a:xfrm>
           <a:prstGeom prst="rect">
             <a:avLst/>
@@ -673,8 +673,8 @@
         </p:nvSpPr>
         <p:spPr>
           <a:xfrm>
-            <a:off x="3420000" y="3240000"/>
-            <a:ext cx="2028240" cy="772560"/>
+            <a:off x="504000" y="1326600"/>
+            <a:ext cx="2921040" cy="1568520"/>
           </a:xfrm>
           <a:prstGeom prst="rect">
             <a:avLst/>
@@ -686,7 +686,7 @@
         </p:spPr>
         <p:txBody>
           <a:bodyPr lIns="0" rIns="0" tIns="0" bIns="0" anchor="t">
-            <a:normAutofit fontScale="84366"/>
+            <a:normAutofit/>
           </a:bodyPr>
           <a:p>
             <a:pPr indent="0">
@@ -716,8 +716,8 @@
         </p:nvSpPr>
         <p:spPr>
           <a:xfrm>
-            <a:off x="5550120" y="3240000"/>
-            <a:ext cx="2028240" cy="772560"/>
+            <a:off x="3571560" y="1326600"/>
+            <a:ext cx="2921040" cy="1568520"/>
           </a:xfrm>
           <a:prstGeom prst="rect">
             <a:avLst/>
@@ -729,7 +729,7 @@
         </p:spPr>
         <p:txBody>
           <a:bodyPr lIns="0" rIns="0" tIns="0" bIns="0" anchor="t">
-            <a:normAutofit fontScale="84366"/>
+            <a:normAutofit/>
           </a:bodyPr>
           <a:p>
             <a:pPr indent="0">
@@ -759,8 +759,8 @@
         </p:nvSpPr>
         <p:spPr>
           <a:xfrm>
-            <a:off x="7680240" y="3240000"/>
-            <a:ext cx="2028240" cy="772560"/>
+            <a:off x="6639120" y="1326600"/>
+            <a:ext cx="2921040" cy="1568520"/>
           </a:xfrm>
           <a:prstGeom prst="rect">
             <a:avLst/>
@@ -772,7 +772,7 @@
         </p:spPr>
         <p:txBody>
           <a:bodyPr lIns="0" rIns="0" tIns="0" bIns="0" anchor="t">
-            <a:normAutofit fontScale="84366"/>
+            <a:normAutofit/>
           </a:bodyPr>
           <a:p>
             <a:pPr indent="0">
@@ -802,8 +802,8 @@
         </p:nvSpPr>
         <p:spPr>
           <a:xfrm>
-            <a:off x="3420000" y="4086360"/>
-            <a:ext cx="2028240" cy="772560"/>
+            <a:off x="504000" y="3044520"/>
+            <a:ext cx="2921040" cy="1568520"/>
           </a:xfrm>
           <a:prstGeom prst="rect">
             <a:avLst/>
@@ -815,7 +815,7 @@
         </p:spPr>
         <p:txBody>
           <a:bodyPr lIns="0" rIns="0" tIns="0" bIns="0" anchor="t">
-            <a:normAutofit fontScale="84366"/>
+            <a:normAutofit/>
           </a:bodyPr>
           <a:p>
             <a:pPr indent="0">
@@ -845,8 +845,8 @@
         </p:nvSpPr>
         <p:spPr>
           <a:xfrm>
-            <a:off x="5550120" y="4086360"/>
-            <a:ext cx="2028240" cy="772560"/>
+            <a:off x="3571560" y="3044520"/>
+            <a:ext cx="2921040" cy="1568520"/>
           </a:xfrm>
           <a:prstGeom prst="rect">
             <a:avLst/>
@@ -858,7 +858,7 @@
         </p:spPr>
         <p:txBody>
           <a:bodyPr lIns="0" rIns="0" tIns="0" bIns="0" anchor="t">
-            <a:normAutofit fontScale="84366"/>
+            <a:normAutofit/>
           </a:bodyPr>
           <a:p>
             <a:pPr indent="0">
@@ -888,8 +888,8 @@
         </p:nvSpPr>
         <p:spPr>
           <a:xfrm>
-            <a:off x="7680240" y="4086360"/>
-            <a:ext cx="2028240" cy="772560"/>
+            <a:off x="6639120" y="3044520"/>
+            <a:ext cx="2921040" cy="1568520"/>
           </a:xfrm>
           <a:prstGeom prst="rect">
             <a:avLst/>
@@ -901,7 +901,7 @@
         </p:spPr>
         <p:txBody>
           <a:bodyPr lIns="0" rIns="0" tIns="0" bIns="0" anchor="t">
-            <a:normAutofit fontScale="84366"/>
+            <a:normAutofit/>
           </a:bodyPr>
           <a:p>
             <a:pPr indent="0">
@@ -953,7 +953,7 @@
         <p:txBody>
           <a:bodyPr/>
           <a:p>
-            <a:fld id="{A74C6787-E30C-40EB-BC89-F125E3A3651F}" type="slidenum">
+            <a:fld id="{E22EBB75-DEF2-4DA1-9401-57F7D02C080D}" type="slidenum">
               <a:t>&lt;#&gt;</a:t>
             </a:fld>
           </a:p>
@@ -1077,8 +1077,8 @@
         </p:nvSpPr>
         <p:spPr>
           <a:xfrm>
-            <a:off x="2700000" y="1485000"/>
-            <a:ext cx="4679640" cy="1619640"/>
+            <a:off x="504000" y="226080"/>
+            <a:ext cx="9072000" cy="946440"/>
           </a:xfrm>
           <a:prstGeom prst="rect">
             <a:avLst/>
@@ -1117,8 +1117,8 @@
         </p:nvSpPr>
         <p:spPr>
           <a:xfrm>
-            <a:off x="3420000" y="3240000"/>
-            <a:ext cx="6299640" cy="1619640"/>
+            <a:off x="504000" y="1326600"/>
+            <a:ext cx="9072000" cy="3288600"/>
           </a:xfrm>
           <a:prstGeom prst="rect">
             <a:avLst/>
@@ -1220,8 +1220,8 @@
         </p:nvSpPr>
         <p:spPr>
           <a:xfrm>
-            <a:off x="2700000" y="1485000"/>
-            <a:ext cx="4679640" cy="1619640"/>
+            <a:off x="504000" y="226080"/>
+            <a:ext cx="9072000" cy="946440"/>
           </a:xfrm>
           <a:prstGeom prst="rect">
             <a:avLst/>
@@ -1260,8 +1260,8 @@
         </p:nvSpPr>
         <p:spPr>
           <a:xfrm>
-            <a:off x="3420000" y="3240000"/>
-            <a:ext cx="6299640" cy="1619640"/>
+            <a:off x="504000" y="1326600"/>
+            <a:ext cx="9072000" cy="3288600"/>
           </a:xfrm>
           <a:prstGeom prst="rect">
             <a:avLst/>
@@ -1366,8 +1366,8 @@
         </p:nvSpPr>
         <p:spPr>
           <a:xfrm>
-            <a:off x="2700000" y="1485000"/>
-            <a:ext cx="4679640" cy="1619640"/>
+            <a:off x="504000" y="226080"/>
+            <a:ext cx="9072000" cy="946440"/>
           </a:xfrm>
           <a:prstGeom prst="rect">
             <a:avLst/>
@@ -1406,8 +1406,8 @@
         </p:nvSpPr>
         <p:spPr>
           <a:xfrm>
-            <a:off x="3420000" y="3240000"/>
-            <a:ext cx="3074040" cy="1619640"/>
+            <a:off x="504000" y="1326600"/>
+            <a:ext cx="4426920" cy="3288600"/>
           </a:xfrm>
           <a:prstGeom prst="rect">
             <a:avLst/>
@@ -1449,8 +1449,8 @@
         </p:nvSpPr>
         <p:spPr>
           <a:xfrm>
-            <a:off x="6648120" y="3240000"/>
-            <a:ext cx="3074040" cy="1619640"/>
+            <a:off x="5152680" y="1326600"/>
+            <a:ext cx="4426920" cy="3288600"/>
           </a:xfrm>
           <a:prstGeom prst="rect">
             <a:avLst/>
@@ -1555,8 +1555,8 @@
         </p:nvSpPr>
         <p:spPr>
           <a:xfrm>
-            <a:off x="2700000" y="1485000"/>
-            <a:ext cx="4679640" cy="1619640"/>
+            <a:off x="504000" y="226080"/>
+            <a:ext cx="9072000" cy="946440"/>
           </a:xfrm>
           <a:prstGeom prst="rect">
             <a:avLst/>
@@ -1658,8 +1658,8 @@
         </p:nvSpPr>
         <p:spPr>
           <a:xfrm>
-            <a:off x="2700000" y="1485000"/>
-            <a:ext cx="4679640" cy="7508880"/>
+            <a:off x="504000" y="226080"/>
+            <a:ext cx="9072000" cy="4388400"/>
           </a:xfrm>
           <a:prstGeom prst="rect">
             <a:avLst/>
@@ -1759,8 +1759,8 @@
         </p:nvSpPr>
         <p:spPr>
           <a:xfrm>
-            <a:off x="2700000" y="1485000"/>
-            <a:ext cx="4679640" cy="1619640"/>
+            <a:off x="504000" y="226080"/>
+            <a:ext cx="9072000" cy="946440"/>
           </a:xfrm>
           <a:prstGeom prst="rect">
             <a:avLst/>
@@ -1799,8 +1799,8 @@
         </p:nvSpPr>
         <p:spPr>
           <a:xfrm>
-            <a:off x="3420000" y="3240000"/>
-            <a:ext cx="3074040" cy="772560"/>
+            <a:off x="504000" y="1326600"/>
+            <a:ext cx="4426920" cy="1568520"/>
           </a:xfrm>
           <a:prstGeom prst="rect">
             <a:avLst/>
@@ -1812,7 +1812,7 @@
         </p:spPr>
         <p:txBody>
           <a:bodyPr lIns="0" rIns="0" tIns="0" bIns="0" anchor="t">
-            <a:normAutofit fontScale="93740" lnSpcReduction="10000"/>
+            <a:normAutofit/>
           </a:bodyPr>
           <a:p>
             <a:pPr indent="0">
@@ -1842,8 +1842,8 @@
         </p:nvSpPr>
         <p:spPr>
           <a:xfrm>
-            <a:off x="6648120" y="3240000"/>
-            <a:ext cx="3074040" cy="1619640"/>
+            <a:off x="5152680" y="1326600"/>
+            <a:ext cx="4426920" cy="3288600"/>
           </a:xfrm>
           <a:prstGeom prst="rect">
             <a:avLst/>
@@ -1885,8 +1885,8 @@
         </p:nvSpPr>
         <p:spPr>
           <a:xfrm>
-            <a:off x="3420000" y="4086360"/>
-            <a:ext cx="3074040" cy="772560"/>
+            <a:off x="504000" y="3044520"/>
+            <a:ext cx="4426920" cy="1568520"/>
           </a:xfrm>
           <a:prstGeom prst="rect">
             <a:avLst/>
@@ -1898,7 +1898,7 @@
         </p:spPr>
         <p:txBody>
           <a:bodyPr lIns="0" rIns="0" tIns="0" bIns="0" anchor="t">
-            <a:normAutofit fontScale="93740" lnSpcReduction="10000"/>
+            <a:normAutofit/>
           </a:bodyPr>
           <a:p>
             <a:pPr indent="0">
@@ -1991,8 +1991,8 @@
         </p:nvSpPr>
         <p:spPr>
           <a:xfrm>
-            <a:off x="2700000" y="1485000"/>
-            <a:ext cx="4679640" cy="1619640"/>
+            <a:off x="504000" y="226080"/>
+            <a:ext cx="9072000" cy="946440"/>
           </a:xfrm>
           <a:prstGeom prst="rect">
             <a:avLst/>
@@ -2031,8 +2031,8 @@
         </p:nvSpPr>
         <p:spPr>
           <a:xfrm>
-            <a:off x="3420000" y="3240000"/>
-            <a:ext cx="6299640" cy="1619640"/>
+            <a:off x="504000" y="1326600"/>
+            <a:ext cx="9072000" cy="3288600"/>
           </a:xfrm>
           <a:prstGeom prst="rect">
             <a:avLst/>
@@ -2093,7 +2093,7 @@
         <p:txBody>
           <a:bodyPr/>
           <a:p>
-            <a:fld id="{F2C0AA1D-5158-4126-A3C8-79F78A4EA001}" type="slidenum">
+            <a:fld id="{19D803B3-FAD2-4316-9BEF-7AD2D6E4C4C5}" type="slidenum">
               <a:t>&lt;#&gt;</a:t>
             </a:fld>
           </a:p>
@@ -2154,8 +2154,8 @@
         </p:nvSpPr>
         <p:spPr>
           <a:xfrm>
-            <a:off x="2700000" y="1485000"/>
-            <a:ext cx="4679640" cy="1619640"/>
+            <a:off x="504000" y="226080"/>
+            <a:ext cx="9072000" cy="946440"/>
           </a:xfrm>
           <a:prstGeom prst="rect">
             <a:avLst/>
@@ -2194,8 +2194,8 @@
         </p:nvSpPr>
         <p:spPr>
           <a:xfrm>
-            <a:off x="3420000" y="3240000"/>
-            <a:ext cx="3074040" cy="1619640"/>
+            <a:off x="504000" y="1326600"/>
+            <a:ext cx="4426920" cy="3288600"/>
           </a:xfrm>
           <a:prstGeom prst="rect">
             <a:avLst/>
@@ -2237,8 +2237,8 @@
         </p:nvSpPr>
         <p:spPr>
           <a:xfrm>
-            <a:off x="6648120" y="3240000"/>
-            <a:ext cx="3074040" cy="772560"/>
+            <a:off x="5152680" y="1326600"/>
+            <a:ext cx="4426920" cy="1568520"/>
           </a:xfrm>
           <a:prstGeom prst="rect">
             <a:avLst/>
@@ -2250,7 +2250,7 @@
         </p:spPr>
         <p:txBody>
           <a:bodyPr lIns="0" rIns="0" tIns="0" bIns="0" anchor="t">
-            <a:normAutofit fontScale="93740" lnSpcReduction="10000"/>
+            <a:normAutofit/>
           </a:bodyPr>
           <a:p>
             <a:pPr indent="0">
@@ -2280,8 +2280,8 @@
         </p:nvSpPr>
         <p:spPr>
           <a:xfrm>
-            <a:off x="6648120" y="4086360"/>
-            <a:ext cx="3074040" cy="772560"/>
+            <a:off x="5152680" y="3044520"/>
+            <a:ext cx="4426920" cy="1568520"/>
           </a:xfrm>
           <a:prstGeom prst="rect">
             <a:avLst/>
@@ -2293,7 +2293,7 @@
         </p:spPr>
         <p:txBody>
           <a:bodyPr lIns="0" rIns="0" tIns="0" bIns="0" anchor="t">
-            <a:normAutofit fontScale="93740" lnSpcReduction="10000"/>
+            <a:normAutofit/>
           </a:bodyPr>
           <a:p>
             <a:pPr indent="0">
@@ -2386,8 +2386,8 @@
         </p:nvSpPr>
         <p:spPr>
           <a:xfrm>
-            <a:off x="2700000" y="1485000"/>
-            <a:ext cx="4679640" cy="1619640"/>
+            <a:off x="504000" y="226080"/>
+            <a:ext cx="9072000" cy="946440"/>
           </a:xfrm>
           <a:prstGeom prst="rect">
             <a:avLst/>
@@ -2426,8 +2426,8 @@
         </p:nvSpPr>
         <p:spPr>
           <a:xfrm>
-            <a:off x="3420000" y="3240000"/>
-            <a:ext cx="3074040" cy="772560"/>
+            <a:off x="504000" y="1326600"/>
+            <a:ext cx="4426920" cy="1568520"/>
           </a:xfrm>
           <a:prstGeom prst="rect">
             <a:avLst/>
@@ -2439,7 +2439,7 @@
         </p:spPr>
         <p:txBody>
           <a:bodyPr lIns="0" rIns="0" tIns="0" bIns="0" anchor="t">
-            <a:normAutofit fontScale="93740" lnSpcReduction="10000"/>
+            <a:normAutofit/>
           </a:bodyPr>
           <a:p>
             <a:pPr indent="0">
@@ -2469,8 +2469,8 @@
         </p:nvSpPr>
         <p:spPr>
           <a:xfrm>
-            <a:off x="6648120" y="3240000"/>
-            <a:ext cx="3074040" cy="772560"/>
+            <a:off x="5152680" y="1326600"/>
+            <a:ext cx="4426920" cy="1568520"/>
           </a:xfrm>
           <a:prstGeom prst="rect">
             <a:avLst/>
@@ -2482,7 +2482,7 @@
         </p:spPr>
         <p:txBody>
           <a:bodyPr lIns="0" rIns="0" tIns="0" bIns="0" anchor="t">
-            <a:normAutofit fontScale="93740" lnSpcReduction="10000"/>
+            <a:normAutofit/>
           </a:bodyPr>
           <a:p>
             <a:pPr indent="0">
@@ -2512,8 +2512,8 @@
         </p:nvSpPr>
         <p:spPr>
           <a:xfrm>
-            <a:off x="3420000" y="4086360"/>
-            <a:ext cx="6299640" cy="772560"/>
+            <a:off x="504000" y="3044520"/>
+            <a:ext cx="9072000" cy="1568520"/>
           </a:xfrm>
           <a:prstGeom prst="rect">
             <a:avLst/>
@@ -2618,8 +2618,8 @@
         </p:nvSpPr>
         <p:spPr>
           <a:xfrm>
-            <a:off x="2700000" y="1485000"/>
-            <a:ext cx="4679640" cy="1619640"/>
+            <a:off x="504000" y="226080"/>
+            <a:ext cx="9072000" cy="946440"/>
           </a:xfrm>
           <a:prstGeom prst="rect">
             <a:avLst/>
@@ -2658,8 +2658,8 @@
         </p:nvSpPr>
         <p:spPr>
           <a:xfrm>
-            <a:off x="3420000" y="3240000"/>
-            <a:ext cx="6299640" cy="772560"/>
+            <a:off x="504000" y="1326600"/>
+            <a:ext cx="9072000" cy="1568520"/>
           </a:xfrm>
           <a:prstGeom prst="rect">
             <a:avLst/>
@@ -2701,8 +2701,8 @@
         </p:nvSpPr>
         <p:spPr>
           <a:xfrm>
-            <a:off x="3420000" y="4086360"/>
-            <a:ext cx="6299640" cy="772560"/>
+            <a:off x="504000" y="3044520"/>
+            <a:ext cx="9072000" cy="1568520"/>
           </a:xfrm>
           <a:prstGeom prst="rect">
             <a:avLst/>
@@ -2807,8 +2807,8 @@
         </p:nvSpPr>
         <p:spPr>
           <a:xfrm>
-            <a:off x="2700000" y="1485000"/>
-            <a:ext cx="4679640" cy="1619640"/>
+            <a:off x="504000" y="226080"/>
+            <a:ext cx="9072000" cy="946440"/>
           </a:xfrm>
           <a:prstGeom prst="rect">
             <a:avLst/>
@@ -2847,8 +2847,8 @@
         </p:nvSpPr>
         <p:spPr>
           <a:xfrm>
-            <a:off x="3420000" y="3240000"/>
-            <a:ext cx="3074040" cy="772560"/>
+            <a:off x="504000" y="1326600"/>
+            <a:ext cx="4426920" cy="1568520"/>
           </a:xfrm>
           <a:prstGeom prst="rect">
             <a:avLst/>
@@ -2860,7 +2860,7 @@
         </p:spPr>
         <p:txBody>
           <a:bodyPr lIns="0" rIns="0" tIns="0" bIns="0" anchor="t">
-            <a:normAutofit fontScale="93740" lnSpcReduction="10000"/>
+            <a:normAutofit/>
           </a:bodyPr>
           <a:p>
             <a:pPr indent="0">
@@ -2890,8 +2890,8 @@
         </p:nvSpPr>
         <p:spPr>
           <a:xfrm>
-            <a:off x="6648120" y="3240000"/>
-            <a:ext cx="3074040" cy="772560"/>
+            <a:off x="5152680" y="1326600"/>
+            <a:ext cx="4426920" cy="1568520"/>
           </a:xfrm>
           <a:prstGeom prst="rect">
             <a:avLst/>
@@ -2903,7 +2903,7 @@
         </p:spPr>
         <p:txBody>
           <a:bodyPr lIns="0" rIns="0" tIns="0" bIns="0" anchor="t">
-            <a:normAutofit fontScale="93740" lnSpcReduction="10000"/>
+            <a:normAutofit/>
           </a:bodyPr>
           <a:p>
             <a:pPr indent="0">
@@ -2933,8 +2933,8 @@
         </p:nvSpPr>
         <p:spPr>
           <a:xfrm>
-            <a:off x="3420000" y="4086360"/>
-            <a:ext cx="3074040" cy="772560"/>
+            <a:off x="504000" y="3044520"/>
+            <a:ext cx="4426920" cy="1568520"/>
           </a:xfrm>
           <a:prstGeom prst="rect">
             <a:avLst/>
@@ -2946,7 +2946,7 @@
         </p:spPr>
         <p:txBody>
           <a:bodyPr lIns="0" rIns="0" tIns="0" bIns="0" anchor="t">
-            <a:normAutofit fontScale="93740" lnSpcReduction="10000"/>
+            <a:normAutofit/>
           </a:bodyPr>
           <a:p>
             <a:pPr indent="0">
@@ -2976,8 +2976,8 @@
         </p:nvSpPr>
         <p:spPr>
           <a:xfrm>
-            <a:off x="6648120" y="4086360"/>
-            <a:ext cx="3074040" cy="772560"/>
+            <a:off x="5152680" y="3044520"/>
+            <a:ext cx="4426920" cy="1568520"/>
           </a:xfrm>
           <a:prstGeom prst="rect">
             <a:avLst/>
@@ -2989,7 +2989,7 @@
         </p:spPr>
         <p:txBody>
           <a:bodyPr lIns="0" rIns="0" tIns="0" bIns="0" anchor="t">
-            <a:normAutofit fontScale="93740" lnSpcReduction="10000"/>
+            <a:normAutofit/>
           </a:bodyPr>
           <a:p>
             <a:pPr indent="0">
@@ -3082,8 +3082,8 @@
         </p:nvSpPr>
         <p:spPr>
           <a:xfrm>
-            <a:off x="2700000" y="1485000"/>
-            <a:ext cx="4679640" cy="1619640"/>
+            <a:off x="504000" y="226080"/>
+            <a:ext cx="9072000" cy="946440"/>
           </a:xfrm>
           <a:prstGeom prst="rect">
             <a:avLst/>
@@ -3122,8 +3122,8 @@
         </p:nvSpPr>
         <p:spPr>
           <a:xfrm>
-            <a:off x="3420000" y="3240000"/>
-            <a:ext cx="2028240" cy="772560"/>
+            <a:off x="504000" y="1326600"/>
+            <a:ext cx="2921040" cy="1568520"/>
           </a:xfrm>
           <a:prstGeom prst="rect">
             <a:avLst/>
@@ -3135,7 +3135,7 @@
         </p:spPr>
         <p:txBody>
           <a:bodyPr lIns="0" rIns="0" tIns="0" bIns="0" anchor="t">
-            <a:normAutofit fontScale="84366"/>
+            <a:normAutofit/>
           </a:bodyPr>
           <a:p>
             <a:pPr indent="0">
@@ -3165,8 +3165,8 @@
         </p:nvSpPr>
         <p:spPr>
           <a:xfrm>
-            <a:off x="5550120" y="3240000"/>
-            <a:ext cx="2028240" cy="772560"/>
+            <a:off x="3571560" y="1326600"/>
+            <a:ext cx="2921040" cy="1568520"/>
           </a:xfrm>
           <a:prstGeom prst="rect">
             <a:avLst/>
@@ -3178,7 +3178,7 @@
         </p:spPr>
         <p:txBody>
           <a:bodyPr lIns="0" rIns="0" tIns="0" bIns="0" anchor="t">
-            <a:normAutofit fontScale="84366"/>
+            <a:normAutofit/>
           </a:bodyPr>
           <a:p>
             <a:pPr indent="0">
@@ -3208,8 +3208,8 @@
         </p:nvSpPr>
         <p:spPr>
           <a:xfrm>
-            <a:off x="7680240" y="3240000"/>
-            <a:ext cx="2028240" cy="772560"/>
+            <a:off x="6639120" y="1326600"/>
+            <a:ext cx="2921040" cy="1568520"/>
           </a:xfrm>
           <a:prstGeom prst="rect">
             <a:avLst/>
@@ -3221,7 +3221,7 @@
         </p:spPr>
         <p:txBody>
           <a:bodyPr lIns="0" rIns="0" tIns="0" bIns="0" anchor="t">
-            <a:normAutofit fontScale="84366"/>
+            <a:normAutofit/>
           </a:bodyPr>
           <a:p>
             <a:pPr indent="0">
@@ -3251,8 +3251,8 @@
         </p:nvSpPr>
         <p:spPr>
           <a:xfrm>
-            <a:off x="3420000" y="4086360"/>
-            <a:ext cx="2028240" cy="772560"/>
+            <a:off x="504000" y="3044520"/>
+            <a:ext cx="2921040" cy="1568520"/>
           </a:xfrm>
           <a:prstGeom prst="rect">
             <a:avLst/>
@@ -3264,7 +3264,7 @@
         </p:spPr>
         <p:txBody>
           <a:bodyPr lIns="0" rIns="0" tIns="0" bIns="0" anchor="t">
-            <a:normAutofit fontScale="84366"/>
+            <a:normAutofit/>
           </a:bodyPr>
           <a:p>
             <a:pPr indent="0">
@@ -3294,8 +3294,8 @@
         </p:nvSpPr>
         <p:spPr>
           <a:xfrm>
-            <a:off x="5550120" y="4086360"/>
-            <a:ext cx="2028240" cy="772560"/>
+            <a:off x="3571560" y="3044520"/>
+            <a:ext cx="2921040" cy="1568520"/>
           </a:xfrm>
           <a:prstGeom prst="rect">
             <a:avLst/>
@@ -3307,7 +3307,7 @@
         </p:spPr>
         <p:txBody>
           <a:bodyPr lIns="0" rIns="0" tIns="0" bIns="0" anchor="t">
-            <a:normAutofit fontScale="84366"/>
+            <a:normAutofit/>
           </a:bodyPr>
           <a:p>
             <a:pPr indent="0">
@@ -3337,8 +3337,8 @@
         </p:nvSpPr>
         <p:spPr>
           <a:xfrm>
-            <a:off x="7680240" y="4086360"/>
-            <a:ext cx="2028240" cy="772560"/>
+            <a:off x="6639120" y="3044520"/>
+            <a:ext cx="2921040" cy="1568520"/>
           </a:xfrm>
           <a:prstGeom prst="rect">
             <a:avLst/>
@@ -3350,7 +3350,7 @@
         </p:spPr>
         <p:txBody>
           <a:bodyPr lIns="0" rIns="0" tIns="0" bIns="0" anchor="t">
-            <a:normAutofit fontScale="84366"/>
+            <a:normAutofit/>
           </a:bodyPr>
           <a:p>
             <a:pPr indent="0">
@@ -3465,7 +3465,7 @@
         <p:txBody>
           <a:bodyPr/>
           <a:p>
-            <a:fld id="{41F8185A-C333-4C80-B70C-216F007A79DB}" type="slidenum">
+            <a:fld id="{75CC8817-0FBB-421B-A850-6153E705A3FC}" type="slidenum">
               <a:t>&lt;#&gt;</a:t>
             </a:fld>
           </a:p>
@@ -3526,8 +3526,8 @@
         </p:nvSpPr>
         <p:spPr>
           <a:xfrm>
-            <a:off x="2700000" y="1485000"/>
-            <a:ext cx="4679640" cy="1619640"/>
+            <a:off x="504000" y="226080"/>
+            <a:ext cx="9072000" cy="946440"/>
           </a:xfrm>
           <a:prstGeom prst="rect">
             <a:avLst/>
@@ -3566,8 +3566,8 @@
         </p:nvSpPr>
         <p:spPr>
           <a:xfrm>
-            <a:off x="3420000" y="3240000"/>
-            <a:ext cx="6299640" cy="1619640"/>
+            <a:off x="504000" y="1326600"/>
+            <a:ext cx="9072000" cy="3288600"/>
           </a:xfrm>
           <a:prstGeom prst="rect">
             <a:avLst/>
@@ -3628,7 +3628,7 @@
         <p:txBody>
           <a:bodyPr/>
           <a:p>
-            <a:fld id="{2F2C09B8-D408-41AC-B088-A8DBF3C8CB5B}" type="slidenum">
+            <a:fld id="{F5626788-CEA9-4D87-BCE9-823F19B1DF17}" type="slidenum">
               <a:t>&lt;#&gt;</a:t>
             </a:fld>
           </a:p>
@@ -3689,8 +3689,8 @@
         </p:nvSpPr>
         <p:spPr>
           <a:xfrm>
-            <a:off x="2700000" y="1485000"/>
-            <a:ext cx="4679640" cy="1619640"/>
+            <a:off x="504000" y="226080"/>
+            <a:ext cx="9072000" cy="946440"/>
           </a:xfrm>
           <a:prstGeom prst="rect">
             <a:avLst/>
@@ -3729,8 +3729,8 @@
         </p:nvSpPr>
         <p:spPr>
           <a:xfrm>
-            <a:off x="3420000" y="3240000"/>
-            <a:ext cx="6299640" cy="1619640"/>
+            <a:off x="504000" y="1326600"/>
+            <a:ext cx="9072000" cy="3288600"/>
           </a:xfrm>
           <a:prstGeom prst="rect">
             <a:avLst/>
@@ -3794,7 +3794,7 @@
         <p:txBody>
           <a:bodyPr/>
           <a:p>
-            <a:fld id="{A9DE4DEF-D5C9-4BB3-AB8F-224C2A556660}" type="slidenum">
+            <a:fld id="{AE96FB60-06AF-44F5-8536-FF177C01E333}" type="slidenum">
               <a:t>&lt;#&gt;</a:t>
             </a:fld>
           </a:p>
@@ -3855,8 +3855,8 @@
         </p:nvSpPr>
         <p:spPr>
           <a:xfrm>
-            <a:off x="2700000" y="1485000"/>
-            <a:ext cx="4679640" cy="1619640"/>
+            <a:off x="504000" y="226080"/>
+            <a:ext cx="9072000" cy="946440"/>
           </a:xfrm>
           <a:prstGeom prst="rect">
             <a:avLst/>
@@ -3895,8 +3895,8 @@
         </p:nvSpPr>
         <p:spPr>
           <a:xfrm>
-            <a:off x="3420000" y="3240000"/>
-            <a:ext cx="3074040" cy="1619640"/>
+            <a:off x="504000" y="1326600"/>
+            <a:ext cx="4426920" cy="3288600"/>
           </a:xfrm>
           <a:prstGeom prst="rect">
             <a:avLst/>
@@ -3938,8 +3938,8 @@
         </p:nvSpPr>
         <p:spPr>
           <a:xfrm>
-            <a:off x="6648120" y="3240000"/>
-            <a:ext cx="3074040" cy="1619640"/>
+            <a:off x="5152680" y="1326600"/>
+            <a:ext cx="4426920" cy="3288600"/>
           </a:xfrm>
           <a:prstGeom prst="rect">
             <a:avLst/>
@@ -4003,7 +4003,7 @@
         <p:txBody>
           <a:bodyPr/>
           <a:p>
-            <a:fld id="{2A7BC4EA-F343-4396-BF03-A23AA99CD989}" type="slidenum">
+            <a:fld id="{7BA5E015-7BF4-41FE-B4D0-11121F5EECE8}" type="slidenum">
               <a:t>&lt;#&gt;</a:t>
             </a:fld>
           </a:p>
@@ -4064,8 +4064,8 @@
         </p:nvSpPr>
         <p:spPr>
           <a:xfrm>
-            <a:off x="2700000" y="1485000"/>
-            <a:ext cx="4679640" cy="1619640"/>
+            <a:off x="504000" y="226080"/>
+            <a:ext cx="9072000" cy="946440"/>
           </a:xfrm>
           <a:prstGeom prst="rect">
             <a:avLst/>
@@ -4126,7 +4126,7 @@
         <p:txBody>
           <a:bodyPr/>
           <a:p>
-            <a:fld id="{DC155B30-5E93-499F-A14C-646F928D820D}" type="slidenum">
+            <a:fld id="{995499D1-D638-4083-A6BD-C00F2833E45B}" type="slidenum">
               <a:t>&lt;#&gt;</a:t>
             </a:fld>
           </a:p>
@@ -4187,8 +4187,8 @@
         </p:nvSpPr>
         <p:spPr>
           <a:xfrm>
-            <a:off x="2700000" y="1485000"/>
-            <a:ext cx="4679640" cy="1619640"/>
+            <a:off x="504000" y="226080"/>
+            <a:ext cx="9072000" cy="946440"/>
           </a:xfrm>
           <a:prstGeom prst="rect">
             <a:avLst/>
@@ -4227,8 +4227,8 @@
         </p:nvSpPr>
         <p:spPr>
           <a:xfrm>
-            <a:off x="3420000" y="3240000"/>
-            <a:ext cx="6299640" cy="1619640"/>
+            <a:off x="504000" y="1326600"/>
+            <a:ext cx="9072000" cy="3288600"/>
           </a:xfrm>
           <a:prstGeom prst="rect">
             <a:avLst/>
@@ -4292,7 +4292,7 @@
         <p:txBody>
           <a:bodyPr/>
           <a:p>
-            <a:fld id="{DD4B2533-A4FE-4419-A7E6-FF9CC357AF1E}" type="slidenum">
+            <a:fld id="{9AD936C9-69B4-46FA-93F4-A97D5908D2B8}" type="slidenum">
               <a:t>&lt;#&gt;</a:t>
             </a:fld>
           </a:p>
@@ -4353,8 +4353,8 @@
         </p:nvSpPr>
         <p:spPr>
           <a:xfrm>
-            <a:off x="2700000" y="1485000"/>
-            <a:ext cx="4679640" cy="7508880"/>
+            <a:off x="504000" y="226080"/>
+            <a:ext cx="9072000" cy="4388400"/>
           </a:xfrm>
           <a:prstGeom prst="rect">
             <a:avLst/>
@@ -4413,7 +4413,7 @@
         <p:txBody>
           <a:bodyPr/>
           <a:p>
-            <a:fld id="{68CB90D7-8767-4FF0-9771-AE2FA5BA0C74}" type="slidenum">
+            <a:fld id="{507FE8AF-78F1-4719-ABDE-998F3037B501}" type="slidenum">
               <a:t>&lt;#&gt;</a:t>
             </a:fld>
           </a:p>
@@ -4474,8 +4474,8 @@
         </p:nvSpPr>
         <p:spPr>
           <a:xfrm>
-            <a:off x="2700000" y="1485000"/>
-            <a:ext cx="4679640" cy="1619640"/>
+            <a:off x="504000" y="226080"/>
+            <a:ext cx="9072000" cy="946440"/>
           </a:xfrm>
           <a:prstGeom prst="rect">
             <a:avLst/>
@@ -4514,8 +4514,8 @@
         </p:nvSpPr>
         <p:spPr>
           <a:xfrm>
-            <a:off x="3420000" y="3240000"/>
-            <a:ext cx="3074040" cy="772560"/>
+            <a:off x="504000" y="1326600"/>
+            <a:ext cx="4426920" cy="1568520"/>
           </a:xfrm>
           <a:prstGeom prst="rect">
             <a:avLst/>
@@ -4527,7 +4527,7 @@
         </p:spPr>
         <p:txBody>
           <a:bodyPr lIns="0" rIns="0" tIns="0" bIns="0" anchor="t">
-            <a:normAutofit fontScale="93740" lnSpcReduction="10000"/>
+            <a:normAutofit/>
           </a:bodyPr>
           <a:p>
             <a:pPr indent="0">
@@ -4557,8 +4557,8 @@
         </p:nvSpPr>
         <p:spPr>
           <a:xfrm>
-            <a:off x="6648120" y="3240000"/>
-            <a:ext cx="3074040" cy="1619640"/>
+            <a:off x="5152680" y="1326600"/>
+            <a:ext cx="4426920" cy="3288600"/>
           </a:xfrm>
           <a:prstGeom prst="rect">
             <a:avLst/>
@@ -4600,8 +4600,8 @@
         </p:nvSpPr>
         <p:spPr>
           <a:xfrm>
-            <a:off x="3420000" y="4086360"/>
-            <a:ext cx="3074040" cy="772560"/>
+            <a:off x="504000" y="3044520"/>
+            <a:ext cx="4426920" cy="1568520"/>
           </a:xfrm>
           <a:prstGeom prst="rect">
             <a:avLst/>
@@ -4613,7 +4613,7 @@
         </p:spPr>
         <p:txBody>
           <a:bodyPr lIns="0" rIns="0" tIns="0" bIns="0" anchor="t">
-            <a:normAutofit fontScale="93740" lnSpcReduction="10000"/>
+            <a:normAutofit/>
           </a:bodyPr>
           <a:p>
             <a:pPr indent="0">
@@ -4665,7 +4665,7 @@
         <p:txBody>
           <a:bodyPr/>
           <a:p>
-            <a:fld id="{DC8E4AE5-3C4F-4A45-A267-006DE10454BA}" type="slidenum">
+            <a:fld id="{9B862B54-6B12-483B-B418-F9419299B47E}" type="slidenum">
               <a:t>&lt;#&gt;</a:t>
             </a:fld>
           </a:p>
@@ -4726,8 +4726,8 @@
         </p:nvSpPr>
         <p:spPr>
           <a:xfrm>
-            <a:off x="2700000" y="1485000"/>
-            <a:ext cx="4679640" cy="1619640"/>
+            <a:off x="504000" y="226080"/>
+            <a:ext cx="9072000" cy="946440"/>
           </a:xfrm>
           <a:prstGeom prst="rect">
             <a:avLst/>
@@ -4766,8 +4766,8 @@
         </p:nvSpPr>
         <p:spPr>
           <a:xfrm>
-            <a:off x="3420000" y="3240000"/>
-            <a:ext cx="3074040" cy="1619640"/>
+            <a:off x="504000" y="1326600"/>
+            <a:ext cx="4426920" cy="3288600"/>
           </a:xfrm>
           <a:prstGeom prst="rect">
             <a:avLst/>
@@ -4809,8 +4809,8 @@
         </p:nvSpPr>
         <p:spPr>
           <a:xfrm>
-            <a:off x="6648120" y="3240000"/>
-            <a:ext cx="3074040" cy="772560"/>
+            <a:off x="5152680" y="1326600"/>
+            <a:ext cx="4426920" cy="1568520"/>
           </a:xfrm>
           <a:prstGeom prst="rect">
             <a:avLst/>
@@ -4822,7 +4822,7 @@
         </p:spPr>
         <p:txBody>
           <a:bodyPr lIns="0" rIns="0" tIns="0" bIns="0" anchor="t">
-            <a:normAutofit fontScale="93740" lnSpcReduction="10000"/>
+            <a:normAutofit/>
           </a:bodyPr>
           <a:p>
             <a:pPr indent="0">
@@ -4852,8 +4852,8 @@
         </p:nvSpPr>
         <p:spPr>
           <a:xfrm>
-            <a:off x="6648120" y="4086360"/>
-            <a:ext cx="3074040" cy="772560"/>
+            <a:off x="5152680" y="3044520"/>
+            <a:ext cx="4426920" cy="1568520"/>
           </a:xfrm>
           <a:prstGeom prst="rect">
             <a:avLst/>
@@ -4865,7 +4865,7 @@
         </p:spPr>
         <p:txBody>
           <a:bodyPr lIns="0" rIns="0" tIns="0" bIns="0" anchor="t">
-            <a:normAutofit fontScale="93740" lnSpcReduction="10000"/>
+            <a:normAutofit/>
           </a:bodyPr>
           <a:p>
             <a:pPr indent="0">
@@ -4917,7 +4917,7 @@
         <p:txBody>
           <a:bodyPr/>
           <a:p>
-            <a:fld id="{2DDD7B50-71D2-4505-B1D9-5B206E89E209}" type="slidenum">
+            <a:fld id="{E52785A3-318A-4D3D-A3E7-6F66532E09C0}" type="slidenum">
               <a:t>&lt;#&gt;</a:t>
             </a:fld>
           </a:p>
@@ -4978,8 +4978,8 @@
         </p:nvSpPr>
         <p:spPr>
           <a:xfrm>
-            <a:off x="2700000" y="1485000"/>
-            <a:ext cx="4679640" cy="1619640"/>
+            <a:off x="504000" y="226080"/>
+            <a:ext cx="9072000" cy="946440"/>
           </a:xfrm>
           <a:prstGeom prst="rect">
             <a:avLst/>
@@ -5018,8 +5018,8 @@
         </p:nvSpPr>
         <p:spPr>
           <a:xfrm>
-            <a:off x="3420000" y="3240000"/>
-            <a:ext cx="3074040" cy="772560"/>
+            <a:off x="504000" y="1326600"/>
+            <a:ext cx="4426920" cy="1568520"/>
           </a:xfrm>
           <a:prstGeom prst="rect">
             <a:avLst/>
@@ -5031,7 +5031,7 @@
         </p:spPr>
         <p:txBody>
           <a:bodyPr lIns="0" rIns="0" tIns="0" bIns="0" anchor="t">
-            <a:normAutofit fontScale="93740" lnSpcReduction="10000"/>
+            <a:normAutofit/>
           </a:bodyPr>
           <a:p>
             <a:pPr indent="0">
@@ -5061,8 +5061,8 @@
         </p:nvSpPr>
         <p:spPr>
           <a:xfrm>
-            <a:off x="6648120" y="3240000"/>
-            <a:ext cx="3074040" cy="772560"/>
+            <a:off x="5152680" y="1326600"/>
+            <a:ext cx="4426920" cy="1568520"/>
           </a:xfrm>
           <a:prstGeom prst="rect">
             <a:avLst/>
@@ -5074,7 +5074,7 @@
         </p:spPr>
         <p:txBody>
           <a:bodyPr lIns="0" rIns="0" tIns="0" bIns="0" anchor="t">
-            <a:normAutofit fontScale="93740" lnSpcReduction="10000"/>
+            <a:normAutofit/>
           </a:bodyPr>
           <a:p>
             <a:pPr indent="0">
@@ -5104,8 +5104,8 @@
         </p:nvSpPr>
         <p:spPr>
           <a:xfrm>
-            <a:off x="3420000" y="4086360"/>
-            <a:ext cx="6299640" cy="772560"/>
+            <a:off x="504000" y="3044520"/>
+            <a:ext cx="9072000" cy="1568520"/>
           </a:xfrm>
           <a:prstGeom prst="rect">
             <a:avLst/>
@@ -5169,7 +5169,7 @@
         <p:txBody>
           <a:bodyPr/>
           <a:p>
-            <a:fld id="{EB6F56B4-B5DD-4212-BB2B-D6C47EA8F4F8}" type="slidenum">
+            <a:fld id="{C63CCF1E-C9FC-4808-819F-18F3213E2471}" type="slidenum">
               <a:t>&lt;#&gt;</a:t>
             </a:fld>
           </a:p>
@@ -5230,8 +5230,8 @@
         </p:nvSpPr>
         <p:spPr>
           <a:xfrm>
-            <a:off x="2700000" y="1485000"/>
-            <a:ext cx="4679640" cy="1619640"/>
+            <a:off x="504000" y="226080"/>
+            <a:ext cx="9072000" cy="946440"/>
           </a:xfrm>
           <a:prstGeom prst="rect">
             <a:avLst/>
@@ -5270,8 +5270,8 @@
         </p:nvSpPr>
         <p:spPr>
           <a:xfrm>
-            <a:off x="3420000" y="3240000"/>
-            <a:ext cx="6299640" cy="772560"/>
+            <a:off x="504000" y="1326600"/>
+            <a:ext cx="9072000" cy="1568520"/>
           </a:xfrm>
           <a:prstGeom prst="rect">
             <a:avLst/>
@@ -5313,8 +5313,8 @@
         </p:nvSpPr>
         <p:spPr>
           <a:xfrm>
-            <a:off x="3420000" y="4086360"/>
-            <a:ext cx="6299640" cy="772560"/>
+            <a:off x="504000" y="3044520"/>
+            <a:ext cx="9072000" cy="1568520"/>
           </a:xfrm>
           <a:prstGeom prst="rect">
             <a:avLst/>
@@ -5378,7 +5378,7 @@
         <p:txBody>
           <a:bodyPr/>
           <a:p>
-            <a:fld id="{0B4C5D04-F6C2-4044-9FB8-5C8C9F1ABA96}" type="slidenum">
+            <a:fld id="{5F502D4C-B41E-4B7D-A237-96833348F0DA}" type="slidenum">
               <a:t>&lt;#&gt;</a:t>
             </a:fld>
           </a:p>
@@ -5439,8 +5439,8 @@
         </p:nvSpPr>
         <p:spPr>
           <a:xfrm>
-            <a:off x="2700000" y="1485000"/>
-            <a:ext cx="4679640" cy="1619640"/>
+            <a:off x="504000" y="226080"/>
+            <a:ext cx="9072000" cy="946440"/>
           </a:xfrm>
           <a:prstGeom prst="rect">
             <a:avLst/>
@@ -5479,8 +5479,8 @@
         </p:nvSpPr>
         <p:spPr>
           <a:xfrm>
-            <a:off x="3420000" y="3240000"/>
-            <a:ext cx="3074040" cy="772560"/>
+            <a:off x="504000" y="1326600"/>
+            <a:ext cx="4426920" cy="1568520"/>
           </a:xfrm>
           <a:prstGeom prst="rect">
             <a:avLst/>
@@ -5492,7 +5492,7 @@
         </p:spPr>
         <p:txBody>
           <a:bodyPr lIns="0" rIns="0" tIns="0" bIns="0" anchor="t">
-            <a:normAutofit fontScale="93740" lnSpcReduction="10000"/>
+            <a:normAutofit/>
           </a:bodyPr>
           <a:p>
             <a:pPr indent="0">
@@ -5522,8 +5522,8 @@
         </p:nvSpPr>
         <p:spPr>
           <a:xfrm>
-            <a:off x="6648120" y="3240000"/>
-            <a:ext cx="3074040" cy="772560"/>
+            <a:off x="5152680" y="1326600"/>
+            <a:ext cx="4426920" cy="1568520"/>
           </a:xfrm>
           <a:prstGeom prst="rect">
             <a:avLst/>
@@ -5535,7 +5535,7 @@
         </p:spPr>
         <p:txBody>
           <a:bodyPr lIns="0" rIns="0" tIns="0" bIns="0" anchor="t">
-            <a:normAutofit fontScale="93740" lnSpcReduction="10000"/>
+            <a:normAutofit/>
           </a:bodyPr>
           <a:p>
             <a:pPr indent="0">
@@ -5565,8 +5565,8 @@
         </p:nvSpPr>
         <p:spPr>
           <a:xfrm>
-            <a:off x="3420000" y="4086360"/>
-            <a:ext cx="3074040" cy="772560"/>
+            <a:off x="504000" y="3044520"/>
+            <a:ext cx="4426920" cy="1568520"/>
           </a:xfrm>
           <a:prstGeom prst="rect">
             <a:avLst/>
@@ -5578,7 +5578,7 @@
         </p:spPr>
         <p:txBody>
           <a:bodyPr lIns="0" rIns="0" tIns="0" bIns="0" anchor="t">
-            <a:normAutofit fontScale="93740" lnSpcReduction="10000"/>
+            <a:normAutofit/>
           </a:bodyPr>
           <a:p>
             <a:pPr indent="0">
@@ -5608,8 +5608,8 @@
         </p:nvSpPr>
         <p:spPr>
           <a:xfrm>
-            <a:off x="6648120" y="4086360"/>
-            <a:ext cx="3074040" cy="772560"/>
+            <a:off x="5152680" y="3044520"/>
+            <a:ext cx="4426920" cy="1568520"/>
           </a:xfrm>
           <a:prstGeom prst="rect">
             <a:avLst/>
@@ -5621,7 +5621,7 @@
         </p:spPr>
         <p:txBody>
           <a:bodyPr lIns="0" rIns="0" tIns="0" bIns="0" anchor="t">
-            <a:normAutofit fontScale="93740" lnSpcReduction="10000"/>
+            <a:normAutofit/>
           </a:bodyPr>
           <a:p>
             <a:pPr indent="0">
@@ -5673,7 +5673,7 @@
         <p:txBody>
           <a:bodyPr/>
           <a:p>
-            <a:fld id="{3D7F923E-AD37-4FAE-9E09-299C91D9577C}" type="slidenum">
+            <a:fld id="{4AC342B1-FBAC-45D6-8CEE-B6BEB0D22F58}" type="slidenum">
               <a:t>&lt;#&gt;</a:t>
             </a:fld>
           </a:p>
@@ -5734,8 +5734,8 @@
         </p:nvSpPr>
         <p:spPr>
           <a:xfrm>
-            <a:off x="2700000" y="1485000"/>
-            <a:ext cx="4679640" cy="1619640"/>
+            <a:off x="504000" y="226080"/>
+            <a:ext cx="9072000" cy="946440"/>
           </a:xfrm>
           <a:prstGeom prst="rect">
             <a:avLst/>
@@ -5774,8 +5774,8 @@
         </p:nvSpPr>
         <p:spPr>
           <a:xfrm>
-            <a:off x="3420000" y="3240000"/>
-            <a:ext cx="2028240" cy="772560"/>
+            <a:off x="504000" y="1326600"/>
+            <a:ext cx="2921040" cy="1568520"/>
           </a:xfrm>
           <a:prstGeom prst="rect">
             <a:avLst/>
@@ -5787,7 +5787,7 @@
         </p:spPr>
         <p:txBody>
           <a:bodyPr lIns="0" rIns="0" tIns="0" bIns="0" anchor="t">
-            <a:normAutofit fontScale="84366"/>
+            <a:normAutofit/>
           </a:bodyPr>
           <a:p>
             <a:pPr indent="0">
@@ -5817,8 +5817,8 @@
         </p:nvSpPr>
         <p:spPr>
           <a:xfrm>
-            <a:off x="5550120" y="3240000"/>
-            <a:ext cx="2028240" cy="772560"/>
+            <a:off x="3571560" y="1326600"/>
+            <a:ext cx="2921040" cy="1568520"/>
           </a:xfrm>
           <a:prstGeom prst="rect">
             <a:avLst/>
@@ -5830,7 +5830,7 @@
         </p:spPr>
         <p:txBody>
           <a:bodyPr lIns="0" rIns="0" tIns="0" bIns="0" anchor="t">
-            <a:normAutofit fontScale="84366"/>
+            <a:normAutofit/>
           </a:bodyPr>
           <a:p>
             <a:pPr indent="0">
@@ -5860,8 +5860,8 @@
         </p:nvSpPr>
         <p:spPr>
           <a:xfrm>
-            <a:off x="7680240" y="3240000"/>
-            <a:ext cx="2028240" cy="772560"/>
+            <a:off x="6639120" y="1326600"/>
+            <a:ext cx="2921040" cy="1568520"/>
           </a:xfrm>
           <a:prstGeom prst="rect">
             <a:avLst/>
@@ -5873,7 +5873,7 @@
         </p:spPr>
         <p:txBody>
           <a:bodyPr lIns="0" rIns="0" tIns="0" bIns="0" anchor="t">
-            <a:normAutofit fontScale="84366"/>
+            <a:normAutofit/>
           </a:bodyPr>
           <a:p>
             <a:pPr indent="0">
@@ -5903,8 +5903,8 @@
         </p:nvSpPr>
         <p:spPr>
           <a:xfrm>
-            <a:off x="3420000" y="4086360"/>
-            <a:ext cx="2028240" cy="772560"/>
+            <a:off x="504000" y="3044520"/>
+            <a:ext cx="2921040" cy="1568520"/>
           </a:xfrm>
           <a:prstGeom prst="rect">
             <a:avLst/>
@@ -5916,7 +5916,7 @@
         </p:spPr>
         <p:txBody>
           <a:bodyPr lIns="0" rIns="0" tIns="0" bIns="0" anchor="t">
-            <a:normAutofit fontScale="84366"/>
+            <a:normAutofit/>
           </a:bodyPr>
           <a:p>
             <a:pPr indent="0">
@@ -5946,8 +5946,8 @@
         </p:nvSpPr>
         <p:spPr>
           <a:xfrm>
-            <a:off x="5550120" y="4086360"/>
-            <a:ext cx="2028240" cy="772560"/>
+            <a:off x="3571560" y="3044520"/>
+            <a:ext cx="2921040" cy="1568520"/>
           </a:xfrm>
           <a:prstGeom prst="rect">
             <a:avLst/>
@@ -5959,7 +5959,7 @@
         </p:spPr>
         <p:txBody>
           <a:bodyPr lIns="0" rIns="0" tIns="0" bIns="0" anchor="t">
-            <a:normAutofit fontScale="84366"/>
+            <a:normAutofit/>
           </a:bodyPr>
           <a:p>
             <a:pPr indent="0">
@@ -5989,8 +5989,8 @@
         </p:nvSpPr>
         <p:spPr>
           <a:xfrm>
-            <a:off x="7680240" y="4086360"/>
-            <a:ext cx="2028240" cy="772560"/>
+            <a:off x="6639120" y="3044520"/>
+            <a:ext cx="2921040" cy="1568520"/>
           </a:xfrm>
           <a:prstGeom prst="rect">
             <a:avLst/>
@@ -6002,7 +6002,7 @@
         </p:spPr>
         <p:txBody>
           <a:bodyPr lIns="0" rIns="0" tIns="0" bIns="0" anchor="t">
-            <a:normAutofit fontScale="84366"/>
+            <a:normAutofit/>
           </a:bodyPr>
           <a:p>
             <a:pPr indent="0">
@@ -6054,7 +6054,7 @@
         <p:txBody>
           <a:bodyPr/>
           <a:p>
-            <a:fld id="{644213C4-DA07-4086-938A-F98B44C17812}" type="slidenum">
+            <a:fld id="{5582FD79-94FF-4AF7-8025-ED2354D596CA}" type="slidenum">
               <a:t>&lt;#&gt;</a:t>
             </a:fld>
           </a:p>
@@ -6115,8 +6115,8 @@
         </p:nvSpPr>
         <p:spPr>
           <a:xfrm>
-            <a:off x="2700000" y="1485000"/>
-            <a:ext cx="4679640" cy="1619640"/>
+            <a:off x="504000" y="226080"/>
+            <a:ext cx="9072000" cy="946440"/>
           </a:xfrm>
           <a:prstGeom prst="rect">
             <a:avLst/>
@@ -6155,8 +6155,8 @@
         </p:nvSpPr>
         <p:spPr>
           <a:xfrm>
-            <a:off x="3420000" y="3240000"/>
-            <a:ext cx="3074040" cy="1619640"/>
+            <a:off x="504000" y="1326600"/>
+            <a:ext cx="4426920" cy="3288600"/>
           </a:xfrm>
           <a:prstGeom prst="rect">
             <a:avLst/>
@@ -6198,8 +6198,8 @@
         </p:nvSpPr>
         <p:spPr>
           <a:xfrm>
-            <a:off x="6648120" y="3240000"/>
-            <a:ext cx="3074040" cy="1619640"/>
+            <a:off x="5152680" y="1326600"/>
+            <a:ext cx="4426920" cy="3288600"/>
           </a:xfrm>
           <a:prstGeom prst="rect">
             <a:avLst/>
@@ -6263,7 +6263,7 @@
         <p:txBody>
           <a:bodyPr/>
           <a:p>
-            <a:fld id="{4C1E8CE8-2B63-4F3D-A0A7-7B458A026ADA}" type="slidenum">
+            <a:fld id="{2D70CA97-9A7D-4F3B-B2AE-73B755BF5C87}" type="slidenum">
               <a:t>&lt;#&gt;</a:t>
             </a:fld>
           </a:p>
@@ -6324,8 +6324,8 @@
         </p:nvSpPr>
         <p:spPr>
           <a:xfrm>
-            <a:off x="2700000" y="1485000"/>
-            <a:ext cx="4679640" cy="1619640"/>
+            <a:off x="504000" y="226080"/>
+            <a:ext cx="9072000" cy="946440"/>
           </a:xfrm>
           <a:prstGeom prst="rect">
             <a:avLst/>
@@ -6386,7 +6386,7 @@
         <p:txBody>
           <a:bodyPr/>
           <a:p>
-            <a:fld id="{A1A74111-3418-499B-B2EA-D240C4DDE19B}" type="slidenum">
+            <a:fld id="{00E54FB2-242D-48F1-B087-189095714065}" type="slidenum">
               <a:t>&lt;#&gt;</a:t>
             </a:fld>
           </a:p>
@@ -6447,8 +6447,8 @@
         </p:nvSpPr>
         <p:spPr>
           <a:xfrm>
-            <a:off x="2700000" y="1485000"/>
-            <a:ext cx="4679640" cy="7508880"/>
+            <a:off x="504000" y="226080"/>
+            <a:ext cx="9072000" cy="4388400"/>
           </a:xfrm>
           <a:prstGeom prst="rect">
             <a:avLst/>
@@ -6507,7 +6507,7 @@
         <p:txBody>
           <a:bodyPr/>
           <a:p>
-            <a:fld id="{48900A7F-6EB8-4933-8B00-309AC625929E}" type="slidenum">
+            <a:fld id="{67E3F3DF-81DE-431B-A83A-AF6E9F6E6791}" type="slidenum">
               <a:t>&lt;#&gt;</a:t>
             </a:fld>
           </a:p>
@@ -6568,8 +6568,8 @@
         </p:nvSpPr>
         <p:spPr>
           <a:xfrm>
-            <a:off x="2700000" y="1485000"/>
-            <a:ext cx="4679640" cy="1619640"/>
+            <a:off x="504000" y="226080"/>
+            <a:ext cx="9072000" cy="946440"/>
           </a:xfrm>
           <a:prstGeom prst="rect">
             <a:avLst/>
@@ -6608,8 +6608,8 @@
         </p:nvSpPr>
         <p:spPr>
           <a:xfrm>
-            <a:off x="3420000" y="3240000"/>
-            <a:ext cx="3074040" cy="772560"/>
+            <a:off x="504000" y="1326600"/>
+            <a:ext cx="4426920" cy="1568520"/>
           </a:xfrm>
           <a:prstGeom prst="rect">
             <a:avLst/>
@@ -6621,7 +6621,7 @@
         </p:spPr>
         <p:txBody>
           <a:bodyPr lIns="0" rIns="0" tIns="0" bIns="0" anchor="t">
-            <a:normAutofit fontScale="93740" lnSpcReduction="10000"/>
+            <a:normAutofit/>
           </a:bodyPr>
           <a:p>
             <a:pPr indent="0">
@@ -6651,8 +6651,8 @@
         </p:nvSpPr>
         <p:spPr>
           <a:xfrm>
-            <a:off x="6648120" y="3240000"/>
-            <a:ext cx="3074040" cy="1619640"/>
+            <a:off x="5152680" y="1326600"/>
+            <a:ext cx="4426920" cy="3288600"/>
           </a:xfrm>
           <a:prstGeom prst="rect">
             <a:avLst/>
@@ -6694,8 +6694,8 @@
         </p:nvSpPr>
         <p:spPr>
           <a:xfrm>
-            <a:off x="3420000" y="4086360"/>
-            <a:ext cx="3074040" cy="772560"/>
+            <a:off x="504000" y="3044520"/>
+            <a:ext cx="4426920" cy="1568520"/>
           </a:xfrm>
           <a:prstGeom prst="rect">
             <a:avLst/>
@@ -6707,7 +6707,7 @@
         </p:spPr>
         <p:txBody>
           <a:bodyPr lIns="0" rIns="0" tIns="0" bIns="0" anchor="t">
-            <a:normAutofit fontScale="93740" lnSpcReduction="10000"/>
+            <a:normAutofit/>
           </a:bodyPr>
           <a:p>
             <a:pPr indent="0">
@@ -6759,7 +6759,7 @@
         <p:txBody>
           <a:bodyPr/>
           <a:p>
-            <a:fld id="{EF57E6B6-838A-4A26-A712-75B2BF5D6F83}" type="slidenum">
+            <a:fld id="{BA7D41B3-1080-48EC-B69D-0DBB8952C6E0}" type="slidenum">
               <a:t>&lt;#&gt;</a:t>
             </a:fld>
           </a:p>
@@ -6820,8 +6820,8 @@
         </p:nvSpPr>
         <p:spPr>
           <a:xfrm>
-            <a:off x="2700000" y="1485000"/>
-            <a:ext cx="4679640" cy="1619640"/>
+            <a:off x="504000" y="226080"/>
+            <a:ext cx="9072000" cy="946440"/>
           </a:xfrm>
           <a:prstGeom prst="rect">
             <a:avLst/>
@@ -6860,8 +6860,8 @@
         </p:nvSpPr>
         <p:spPr>
           <a:xfrm>
-            <a:off x="3420000" y="3240000"/>
-            <a:ext cx="3074040" cy="1619640"/>
+            <a:off x="504000" y="1326600"/>
+            <a:ext cx="4426920" cy="3288600"/>
           </a:xfrm>
           <a:prstGeom prst="rect">
             <a:avLst/>
@@ -6903,8 +6903,8 @@
         </p:nvSpPr>
         <p:spPr>
           <a:xfrm>
-            <a:off x="6648120" y="3240000"/>
-            <a:ext cx="3074040" cy="772560"/>
+            <a:off x="5152680" y="1326600"/>
+            <a:ext cx="4426920" cy="1568520"/>
           </a:xfrm>
           <a:prstGeom prst="rect">
             <a:avLst/>
@@ -6916,7 +6916,7 @@
         </p:spPr>
         <p:txBody>
           <a:bodyPr lIns="0" rIns="0" tIns="0" bIns="0" anchor="t">
-            <a:normAutofit fontScale="93740" lnSpcReduction="10000"/>
+            <a:normAutofit/>
           </a:bodyPr>
           <a:p>
             <a:pPr indent="0">
@@ -6946,8 +6946,8 @@
         </p:nvSpPr>
         <p:spPr>
           <a:xfrm>
-            <a:off x="6648120" y="4086360"/>
-            <a:ext cx="3074040" cy="772560"/>
+            <a:off x="5152680" y="3044520"/>
+            <a:ext cx="4426920" cy="1568520"/>
           </a:xfrm>
           <a:prstGeom prst="rect">
             <a:avLst/>
@@ -6959,7 +6959,7 @@
         </p:spPr>
         <p:txBody>
           <a:bodyPr lIns="0" rIns="0" tIns="0" bIns="0" anchor="t">
-            <a:normAutofit fontScale="93740" lnSpcReduction="10000"/>
+            <a:normAutofit/>
           </a:bodyPr>
           <a:p>
             <a:pPr indent="0">
@@ -7011,7 +7011,7 @@
         <p:txBody>
           <a:bodyPr/>
           <a:p>
-            <a:fld id="{A5683752-D46E-41A4-B08F-5F2D8C689819}" type="slidenum">
+            <a:fld id="{75F4EE94-E3C6-41E1-B4FC-4B13B6BC224D}" type="slidenum">
               <a:t>&lt;#&gt;</a:t>
             </a:fld>
           </a:p>
@@ -7072,8 +7072,8 @@
         </p:nvSpPr>
         <p:spPr>
           <a:xfrm>
-            <a:off x="2700000" y="1485000"/>
-            <a:ext cx="4679640" cy="1619640"/>
+            <a:off x="504000" y="226080"/>
+            <a:ext cx="9072000" cy="946440"/>
           </a:xfrm>
           <a:prstGeom prst="rect">
             <a:avLst/>
@@ -7112,8 +7112,8 @@
         </p:nvSpPr>
         <p:spPr>
           <a:xfrm>
-            <a:off x="3420000" y="3240000"/>
-            <a:ext cx="3074040" cy="772560"/>
+            <a:off x="504000" y="1326600"/>
+            <a:ext cx="4426920" cy="1568520"/>
           </a:xfrm>
           <a:prstGeom prst="rect">
             <a:avLst/>
@@ -7125,7 +7125,7 @@
         </p:spPr>
         <p:txBody>
           <a:bodyPr lIns="0" rIns="0" tIns="0" bIns="0" anchor="t">
-            <a:normAutofit fontScale="93740" lnSpcReduction="10000"/>
+            <a:normAutofit/>
           </a:bodyPr>
           <a:p>
             <a:pPr indent="0">
@@ -7155,8 +7155,8 @@
         </p:nvSpPr>
         <p:spPr>
           <a:xfrm>
-            <a:off x="6648120" y="3240000"/>
-            <a:ext cx="3074040" cy="772560"/>
+            <a:off x="5152680" y="1326600"/>
+            <a:ext cx="4426920" cy="1568520"/>
           </a:xfrm>
           <a:prstGeom prst="rect">
             <a:avLst/>
@@ -7168,7 +7168,7 @@
         </p:spPr>
         <p:txBody>
           <a:bodyPr lIns="0" rIns="0" tIns="0" bIns="0" anchor="t">
-            <a:normAutofit fontScale="93740" lnSpcReduction="10000"/>
+            <a:normAutofit/>
           </a:bodyPr>
           <a:p>
             <a:pPr indent="0">
@@ -7198,8 +7198,8 @@
         </p:nvSpPr>
         <p:spPr>
           <a:xfrm>
-            <a:off x="3420000" y="4086360"/>
-            <a:ext cx="6299640" cy="772560"/>
+            <a:off x="504000" y="3044520"/>
+            <a:ext cx="9072000" cy="1568520"/>
           </a:xfrm>
           <a:prstGeom prst="rect">
             <a:avLst/>
@@ -7263,7 +7263,7 @@
         <p:txBody>
           <a:bodyPr/>
           <a:p>
-            <a:fld id="{A4E200AB-1BEC-4017-889B-F3773F74D988}" type="slidenum">
+            <a:fld id="{17ACF5B0-CFB8-4216-B21A-1F940D3DA353}" type="slidenum">
               <a:t>&lt;#&gt;</a:t>
             </a:fld>
           </a:p>
@@ -7321,7 +7321,7 @@
         <p:spPr>
           <a:xfrm>
             <a:off x="0" y="0"/>
-            <a:ext cx="10079640" cy="5669640"/>
+            <a:ext cx="10078920" cy="5668920"/>
           </a:xfrm>
           <a:prstGeom prst="rect">
             <a:avLst/>
@@ -7368,7 +7368,7 @@
         <p:spPr>
           <a:xfrm>
             <a:off x="0" y="0"/>
-            <a:ext cx="10079640" cy="3779640"/>
+            <a:ext cx="10078920" cy="3778920"/>
           </a:xfrm>
           <a:prstGeom prst="rect">
             <a:avLst/>
@@ -7416,62 +7416,13 @@
             <a:spLocks noGrp="1"/>
           </p:cNvSpPr>
           <p:nvPr>
-            <p:ph type="title"/>
-          </p:nvPr>
-        </p:nvSpPr>
-        <p:spPr>
-          <a:xfrm>
-            <a:off x="2700000" y="1485000"/>
-            <a:ext cx="4679640" cy="1619640"/>
-          </a:xfrm>
-          <a:prstGeom prst="rect">
-            <a:avLst/>
-          </a:prstGeom>
-          <a:noFill/>
-          <a:ln w="0">
-            <a:noFill/>
-          </a:ln>
-        </p:spPr>
-        <p:txBody>
-          <a:bodyPr lIns="0" rIns="0" tIns="0" bIns="0" anchor="ctr" anchorCtr="1">
-            <a:noAutofit/>
-          </a:bodyPr>
-          <a:p>
-            <a:pPr indent="0">
-              <a:buNone/>
-            </a:pPr>
-            <a:r>
-              <a:rPr b="0" lang="en-ID" sz="1800" spc="-1" strike="noStrike">
-                <a:solidFill>
-                  <a:srgbClr val="000000"/>
-                </a:solidFill>
-                <a:latin typeface="Arial"/>
-              </a:rPr>
-              <a:t>Click to edit the title text format</a:t>
-            </a:r>
-            <a:endParaRPr b="0" lang="en-ID" sz="1800" spc="-1" strike="noStrike">
-              <a:solidFill>
-                <a:srgbClr val="000000"/>
-              </a:solidFill>
-              <a:latin typeface="Arial"/>
-            </a:endParaRPr>
-          </a:p>
-        </p:txBody>
-      </p:sp>
-      <p:sp>
-        <p:nvSpPr>
-          <p:cNvPr id="3" name="PlaceHolder 2"/>
-          <p:cNvSpPr>
-            <a:spLocks noGrp="1"/>
-          </p:cNvSpPr>
-          <p:nvPr>
             <p:ph type="ftr" idx="1"/>
           </p:nvPr>
         </p:nvSpPr>
         <p:spPr>
           <a:xfrm>
             <a:off x="3420000" y="5400000"/>
-            <a:ext cx="3239640" cy="269640"/>
+            <a:ext cx="3238920" cy="268920"/>
           </a:xfrm>
           <a:prstGeom prst="rect">
             <a:avLst/>
@@ -7532,7 +7483,7 @@
       </p:sp>
       <p:sp>
         <p:nvSpPr>
-          <p:cNvPr id="4" name="PlaceHolder 3"/>
+          <p:cNvPr id="3" name="PlaceHolder 2"/>
           <p:cNvSpPr>
             <a:spLocks noGrp="1"/>
           </p:cNvSpPr>
@@ -7543,7 +7494,7 @@
         <p:spPr>
           <a:xfrm>
             <a:off x="9180000" y="5130000"/>
-            <a:ext cx="719640" cy="539640"/>
+            <a:ext cx="718920" cy="538920"/>
           </a:xfrm>
           <a:prstGeom prst="rect">
             <a:avLst/>
@@ -7584,7 +7535,7 @@
                 <a:tab algn="l" pos="0"/>
               </a:tabLst>
             </a:pPr>
-            <a:fld id="{BB6AD78B-01C7-4D6D-BE0D-0CCC1D250847}" type="slidenum">
+            <a:fld id="{6324DDDE-12E9-4416-8E98-F7A520D630C7}" type="slidenum">
               <a:rPr b="1" lang="en-ID" sz="1800" spc="-1" strike="noStrike">
                 <a:solidFill>
                   <a:srgbClr val="ffffff"/>
@@ -7604,7 +7555,7 @@
       </p:sp>
       <p:sp>
         <p:nvSpPr>
-          <p:cNvPr id="5" name="PlaceHolder 4"/>
+          <p:cNvPr id="4" name="PlaceHolder 3"/>
           <p:cNvSpPr>
             <a:spLocks noGrp="1"/>
           </p:cNvSpPr>
@@ -7615,7 +7566,7 @@
         <p:spPr>
           <a:xfrm>
             <a:off x="360000" y="5400000"/>
-            <a:ext cx="2879640" cy="269640"/>
+            <a:ext cx="2878920" cy="268920"/>
           </a:xfrm>
           <a:prstGeom prst="rect">
             <a:avLst/>
@@ -7658,6 +7609,55 @@
                 <a:srgbClr val="000000"/>
               </a:solidFill>
               <a:latin typeface="Times New Roman"/>
+            </a:endParaRPr>
+          </a:p>
+        </p:txBody>
+      </p:sp>
+      <p:sp>
+        <p:nvSpPr>
+          <p:cNvPr id="5" name="PlaceHolder 4"/>
+          <p:cNvSpPr>
+            <a:spLocks noGrp="1"/>
+          </p:cNvSpPr>
+          <p:nvPr>
+            <p:ph type="title"/>
+          </p:nvPr>
+        </p:nvSpPr>
+        <p:spPr>
+          <a:xfrm>
+            <a:off x="504000" y="226080"/>
+            <a:ext cx="9072000" cy="946440"/>
+          </a:xfrm>
+          <a:prstGeom prst="rect">
+            <a:avLst/>
+          </a:prstGeom>
+          <a:noFill/>
+          <a:ln w="0">
+            <a:noFill/>
+          </a:ln>
+        </p:spPr>
+        <p:txBody>
+          <a:bodyPr lIns="0" rIns="0" tIns="0" bIns="0" anchor="ctr">
+            <a:noAutofit/>
+          </a:bodyPr>
+          <a:p>
+            <a:pPr indent="0" algn="ctr">
+              <a:buNone/>
+            </a:pPr>
+            <a:r>
+              <a:rPr b="0" lang="en-ID" sz="4400" spc="-1" strike="noStrike">
+                <a:solidFill>
+                  <a:srgbClr val="000000"/>
+                </a:solidFill>
+                <a:latin typeface="Arial"/>
+              </a:rPr>
+              <a:t>Click to edit the title text format</a:t>
+            </a:r>
+            <a:endParaRPr b="0" lang="en-ID" sz="4400" spc="-1" strike="noStrike">
+              <a:solidFill>
+                <a:srgbClr val="000000"/>
+              </a:solidFill>
+              <a:latin typeface="Arial"/>
             </a:endParaRPr>
           </a:p>
         </p:txBody>
@@ -7933,7 +7933,7 @@
         <p:spPr>
           <a:xfrm>
             <a:off x="0" y="5400000"/>
-            <a:ext cx="10079640" cy="269640"/>
+            <a:ext cx="10078920" cy="268920"/>
           </a:xfrm>
           <a:prstGeom prst="rect">
             <a:avLst/>
@@ -7980,7 +7980,7 @@
         <p:spPr>
           <a:xfrm>
             <a:off x="0" y="0"/>
-            <a:ext cx="10079640" cy="1214640"/>
+            <a:ext cx="10078920" cy="1213920"/>
           </a:xfrm>
           <a:prstGeom prst="rect">
             <a:avLst/>
@@ -8027,7 +8027,7 @@
         <p:spPr>
           <a:xfrm>
             <a:off x="9315000" y="5175000"/>
-            <a:ext cx="449640" cy="449640"/>
+            <a:ext cx="448920" cy="448920"/>
           </a:xfrm>
           <a:prstGeom prst="ellipse">
             <a:avLst/>
@@ -8077,7 +8077,7 @@
         <p:spPr>
           <a:xfrm>
             <a:off x="9180000" y="5130000"/>
-            <a:ext cx="719640" cy="539640"/>
+            <a:ext cx="718920" cy="538920"/>
           </a:xfrm>
           <a:prstGeom prst="rect">
             <a:avLst/>
@@ -8103,12 +8103,13 @@
                 <a:spcPct val="100000"/>
               </a:lnSpc>
             </a:pPr>
-            <a:fld id="{5FEE4E27-A22A-40CF-832C-320C668E74BF}" type="slidenum">
+            <a:fld id="{2AFE2591-AAB3-4959-AABD-E0EBD1BDD7C4}" type="slidenum">
               <a:rPr b="1" lang="en-ID" sz="1800" spc="-1" strike="noStrike">
                 <a:solidFill>
                   <a:srgbClr val="ffffff"/>
                 </a:solidFill>
                 <a:latin typeface="Source Sans Pro Black"/>
+                <a:ea typeface="DejaVu Sans"/>
               </a:rPr>
               <a:t>&lt;number&gt;</a:t>
             </a:fld>
@@ -8128,287 +8129,13 @@
             <a:spLocks noGrp="1"/>
           </p:cNvSpPr>
           <p:nvPr>
-            <p:ph type="title"/>
-          </p:nvPr>
-        </p:nvSpPr>
-        <p:spPr>
-          <a:xfrm>
-            <a:off x="2700000" y="1485000"/>
-            <a:ext cx="4679640" cy="1619640"/>
-          </a:xfrm>
-          <a:prstGeom prst="rect">
-            <a:avLst/>
-          </a:prstGeom>
-          <a:noFill/>
-          <a:ln w="0">
-            <a:noFill/>
-          </a:ln>
-        </p:spPr>
-        <p:txBody>
-          <a:bodyPr lIns="0" rIns="0" tIns="0" bIns="0" anchor="ctr" anchorCtr="1">
-            <a:noAutofit/>
-          </a:bodyPr>
-          <a:p>
-            <a:pPr indent="0">
-              <a:buNone/>
-            </a:pPr>
-            <a:r>
-              <a:rPr b="0" lang="en-ID" sz="1800" spc="-1" strike="noStrike">
-                <a:solidFill>
-                  <a:srgbClr val="000000"/>
-                </a:solidFill>
-                <a:latin typeface="Arial"/>
-              </a:rPr>
-              <a:t>Click to edit the title text format</a:t>
-            </a:r>
-            <a:endParaRPr b="0" lang="en-ID" sz="1800" spc="-1" strike="noStrike">
-              <a:solidFill>
-                <a:srgbClr val="000000"/>
-              </a:solidFill>
-              <a:latin typeface="Arial"/>
-            </a:endParaRPr>
-          </a:p>
-        </p:txBody>
-      </p:sp>
-      <p:sp>
-        <p:nvSpPr>
-          <p:cNvPr id="48" name="PlaceHolder 2"/>
-          <p:cNvSpPr>
-            <a:spLocks noGrp="1"/>
-          </p:cNvSpPr>
-          <p:nvPr>
-            <p:ph type="body"/>
-          </p:nvPr>
-        </p:nvSpPr>
-        <p:spPr>
-          <a:xfrm>
-            <a:off x="3420000" y="3240000"/>
-            <a:ext cx="6299640" cy="1619640"/>
-          </a:xfrm>
-          <a:prstGeom prst="rect">
-            <a:avLst/>
-          </a:prstGeom>
-          <a:noFill/>
-          <a:ln w="0">
-            <a:noFill/>
-          </a:ln>
-        </p:spPr>
-        <p:txBody>
-          <a:bodyPr lIns="0" rIns="0" tIns="0" bIns="0" anchor="t">
-            <a:normAutofit fontScale="62222"/>
-          </a:bodyPr>
-          <a:p>
-            <a:pPr marL="432000" indent="-324000">
-              <a:spcBef>
-                <a:spcPts val="1417"/>
-              </a:spcBef>
-              <a:buClr>
-                <a:srgbClr val="000000"/>
-              </a:buClr>
-              <a:buSzPct val="45000"/>
-              <a:buFont typeface="Wingdings" charset="2"/>
-              <a:buChar char=""/>
-            </a:pPr>
-            <a:r>
-              <a:rPr b="0" lang="en-ID" sz="1800" spc="-1" strike="noStrike">
-                <a:solidFill>
-                  <a:srgbClr val="000000"/>
-                </a:solidFill>
-                <a:latin typeface="Arial"/>
-              </a:rPr>
-              <a:t>Click to edit the outline text format</a:t>
-            </a:r>
-            <a:endParaRPr b="0" lang="en-ID" sz="1800" spc="-1" strike="noStrike">
-              <a:solidFill>
-                <a:srgbClr val="000000"/>
-              </a:solidFill>
-              <a:latin typeface="Arial"/>
-            </a:endParaRPr>
-          </a:p>
-          <a:p>
-            <a:pPr lvl="1" marL="864000" indent="-324000">
-              <a:spcBef>
-                <a:spcPts val="1134"/>
-              </a:spcBef>
-              <a:buClr>
-                <a:srgbClr val="000000"/>
-              </a:buClr>
-              <a:buSzPct val="75000"/>
-              <a:buFont typeface="Symbol" charset="2"/>
-              <a:buChar char=""/>
-            </a:pPr>
-            <a:r>
-              <a:rPr b="0" lang="en-ID" sz="1800" spc="-1" strike="noStrike">
-                <a:solidFill>
-                  <a:srgbClr val="000000"/>
-                </a:solidFill>
-                <a:latin typeface="Arial"/>
-              </a:rPr>
-              <a:t>Second Outline Level</a:t>
-            </a:r>
-            <a:endParaRPr b="0" lang="en-ID" sz="1800" spc="-1" strike="noStrike">
-              <a:solidFill>
-                <a:srgbClr val="000000"/>
-              </a:solidFill>
-              <a:latin typeface="Arial"/>
-            </a:endParaRPr>
-          </a:p>
-          <a:p>
-            <a:pPr lvl="2" marL="1296000" indent="-288000">
-              <a:spcBef>
-                <a:spcPts val="850"/>
-              </a:spcBef>
-              <a:buClr>
-                <a:srgbClr val="000000"/>
-              </a:buClr>
-              <a:buSzPct val="45000"/>
-              <a:buFont typeface="Wingdings" charset="2"/>
-              <a:buChar char=""/>
-            </a:pPr>
-            <a:r>
-              <a:rPr b="0" lang="en-ID" sz="1800" spc="-1" strike="noStrike">
-                <a:solidFill>
-                  <a:srgbClr val="000000"/>
-                </a:solidFill>
-                <a:latin typeface="Arial"/>
-              </a:rPr>
-              <a:t>Third Outline Level</a:t>
-            </a:r>
-            <a:endParaRPr b="0" lang="en-ID" sz="1800" spc="-1" strike="noStrike">
-              <a:solidFill>
-                <a:srgbClr val="000000"/>
-              </a:solidFill>
-              <a:latin typeface="Arial"/>
-            </a:endParaRPr>
-          </a:p>
-          <a:p>
-            <a:pPr lvl="3" marL="1728000" indent="-216000">
-              <a:spcBef>
-                <a:spcPts val="567"/>
-              </a:spcBef>
-              <a:buClr>
-                <a:srgbClr val="000000"/>
-              </a:buClr>
-              <a:buSzPct val="75000"/>
-              <a:buFont typeface="Symbol" charset="2"/>
-              <a:buChar char=""/>
-            </a:pPr>
-            <a:r>
-              <a:rPr b="0" lang="en-ID" sz="1800" spc="-1" strike="noStrike">
-                <a:solidFill>
-                  <a:srgbClr val="000000"/>
-                </a:solidFill>
-                <a:latin typeface="Arial"/>
-              </a:rPr>
-              <a:t>Fourth Outline Level</a:t>
-            </a:r>
-            <a:endParaRPr b="0" lang="en-ID" sz="1800" spc="-1" strike="noStrike">
-              <a:solidFill>
-                <a:srgbClr val="000000"/>
-              </a:solidFill>
-              <a:latin typeface="Arial"/>
-            </a:endParaRPr>
-          </a:p>
-          <a:p>
-            <a:pPr lvl="4" marL="2160000" indent="-216000">
-              <a:spcBef>
-                <a:spcPts val="283"/>
-              </a:spcBef>
-              <a:buClr>
-                <a:srgbClr val="000000"/>
-              </a:buClr>
-              <a:buSzPct val="45000"/>
-              <a:buFont typeface="Wingdings" charset="2"/>
-              <a:buChar char=""/>
-            </a:pPr>
-            <a:r>
-              <a:rPr b="0" lang="en-ID" sz="1800" spc="-1" strike="noStrike">
-                <a:solidFill>
-                  <a:srgbClr val="000000"/>
-                </a:solidFill>
-                <a:latin typeface="Arial"/>
-              </a:rPr>
-              <a:t>Fifth Outline Level</a:t>
-            </a:r>
-            <a:endParaRPr b="0" lang="en-ID" sz="1800" spc="-1" strike="noStrike">
-              <a:solidFill>
-                <a:srgbClr val="000000"/>
-              </a:solidFill>
-              <a:latin typeface="Arial"/>
-            </a:endParaRPr>
-          </a:p>
-          <a:p>
-            <a:pPr lvl="5" marL="2592000" indent="-216000">
-              <a:spcBef>
-                <a:spcPts val="283"/>
-              </a:spcBef>
-              <a:buClr>
-                <a:srgbClr val="000000"/>
-              </a:buClr>
-              <a:buSzPct val="45000"/>
-              <a:buFont typeface="Wingdings" charset="2"/>
-              <a:buChar char=""/>
-            </a:pPr>
-            <a:r>
-              <a:rPr b="0" lang="en-ID" sz="1800" spc="-1" strike="noStrike">
-                <a:solidFill>
-                  <a:srgbClr val="000000"/>
-                </a:solidFill>
-                <a:latin typeface="Arial"/>
-              </a:rPr>
-              <a:t>Sixth Outline Level</a:t>
-            </a:r>
-            <a:endParaRPr b="0" lang="en-ID" sz="1800" spc="-1" strike="noStrike">
-              <a:solidFill>
-                <a:srgbClr val="000000"/>
-              </a:solidFill>
-              <a:latin typeface="Arial"/>
-            </a:endParaRPr>
-          </a:p>
-          <a:p>
-            <a:pPr lvl="6" marL="3024000" indent="-216000">
-              <a:spcBef>
-                <a:spcPts val="283"/>
-              </a:spcBef>
-              <a:buClr>
-                <a:srgbClr val="000000"/>
-              </a:buClr>
-              <a:buSzPct val="45000"/>
-              <a:buFont typeface="Wingdings" charset="2"/>
-              <a:buChar char=""/>
-            </a:pPr>
-            <a:r>
-              <a:rPr b="0" lang="en-ID" sz="1800" spc="-1" strike="noStrike">
-                <a:solidFill>
-                  <a:srgbClr val="000000"/>
-                </a:solidFill>
-                <a:latin typeface="Arial"/>
-              </a:rPr>
-              <a:t>Seventh Outline Level</a:t>
-            </a:r>
-            <a:endParaRPr b="0" lang="en-ID" sz="1800" spc="-1" strike="noStrike">
-              <a:solidFill>
-                <a:srgbClr val="000000"/>
-              </a:solidFill>
-              <a:latin typeface="Arial"/>
-            </a:endParaRPr>
-          </a:p>
-        </p:txBody>
-      </p:sp>
-      <p:sp>
-        <p:nvSpPr>
-          <p:cNvPr id="49" name="PlaceHolder 3"/>
-          <p:cNvSpPr>
-            <a:spLocks noGrp="1"/>
-          </p:cNvSpPr>
-          <p:nvPr>
             <p:ph type="ftr" idx="4"/>
           </p:nvPr>
         </p:nvSpPr>
         <p:spPr>
           <a:xfrm>
             <a:off x="3420000" y="5400000"/>
-            <a:ext cx="3239640" cy="269640"/>
+            <a:ext cx="3238920" cy="268920"/>
           </a:xfrm>
           <a:prstGeom prst="rect">
             <a:avLst/>
@@ -8469,7 +8196,7 @@
       </p:sp>
       <p:sp>
         <p:nvSpPr>
-          <p:cNvPr id="50" name="PlaceHolder 4"/>
+          <p:cNvPr id="48" name="PlaceHolder 2"/>
           <p:cNvSpPr>
             <a:spLocks noGrp="1"/>
           </p:cNvSpPr>
@@ -8480,7 +8207,7 @@
         <p:spPr>
           <a:xfrm>
             <a:off x="360000" y="5400000"/>
-            <a:ext cx="2879640" cy="269640"/>
+            <a:ext cx="2878920" cy="268920"/>
           </a:xfrm>
           <a:prstGeom prst="rect">
             <a:avLst/>
@@ -8523,6 +8250,280 @@
                 <a:srgbClr val="000000"/>
               </a:solidFill>
               <a:latin typeface="Times New Roman"/>
+            </a:endParaRPr>
+          </a:p>
+        </p:txBody>
+      </p:sp>
+      <p:sp>
+        <p:nvSpPr>
+          <p:cNvPr id="49" name="PlaceHolder 3"/>
+          <p:cNvSpPr>
+            <a:spLocks noGrp="1"/>
+          </p:cNvSpPr>
+          <p:nvPr>
+            <p:ph type="title"/>
+          </p:nvPr>
+        </p:nvSpPr>
+        <p:spPr>
+          <a:xfrm>
+            <a:off x="504000" y="226080"/>
+            <a:ext cx="9072000" cy="946440"/>
+          </a:xfrm>
+          <a:prstGeom prst="rect">
+            <a:avLst/>
+          </a:prstGeom>
+          <a:noFill/>
+          <a:ln w="0">
+            <a:noFill/>
+          </a:ln>
+        </p:spPr>
+        <p:txBody>
+          <a:bodyPr lIns="0" rIns="0" tIns="0" bIns="0" anchor="ctr">
+            <a:noAutofit/>
+          </a:bodyPr>
+          <a:p>
+            <a:pPr indent="0" algn="ctr">
+              <a:buNone/>
+            </a:pPr>
+            <a:r>
+              <a:rPr b="0" lang="en-ID" sz="4400" spc="-1" strike="noStrike">
+                <a:solidFill>
+                  <a:srgbClr val="000000"/>
+                </a:solidFill>
+                <a:latin typeface="Arial"/>
+              </a:rPr>
+              <a:t>Click to edit the title text format</a:t>
+            </a:r>
+            <a:endParaRPr b="0" lang="en-ID" sz="4400" spc="-1" strike="noStrike">
+              <a:solidFill>
+                <a:srgbClr val="000000"/>
+              </a:solidFill>
+              <a:latin typeface="Arial"/>
+            </a:endParaRPr>
+          </a:p>
+        </p:txBody>
+      </p:sp>
+      <p:sp>
+        <p:nvSpPr>
+          <p:cNvPr id="50" name="PlaceHolder 4"/>
+          <p:cNvSpPr>
+            <a:spLocks noGrp="1"/>
+          </p:cNvSpPr>
+          <p:nvPr>
+            <p:ph type="body"/>
+          </p:nvPr>
+        </p:nvSpPr>
+        <p:spPr>
+          <a:xfrm>
+            <a:off x="504000" y="1326600"/>
+            <a:ext cx="9072000" cy="3288600"/>
+          </a:xfrm>
+          <a:prstGeom prst="rect">
+            <a:avLst/>
+          </a:prstGeom>
+          <a:noFill/>
+          <a:ln w="0">
+            <a:noFill/>
+          </a:ln>
+        </p:spPr>
+        <p:txBody>
+          <a:bodyPr lIns="0" rIns="0" tIns="0" bIns="0" anchor="t">
+            <a:normAutofit/>
+          </a:bodyPr>
+          <a:p>
+            <a:pPr marL="432000" indent="-324000">
+              <a:spcBef>
+                <a:spcPts val="1417"/>
+              </a:spcBef>
+              <a:buClr>
+                <a:srgbClr val="000000"/>
+              </a:buClr>
+              <a:buSzPct val="45000"/>
+              <a:buFont typeface="Wingdings" charset="2"/>
+              <a:buChar char=""/>
+            </a:pPr>
+            <a:r>
+              <a:rPr b="0" lang="en-ID" sz="3200" spc="-1" strike="noStrike">
+                <a:solidFill>
+                  <a:srgbClr val="000000"/>
+                </a:solidFill>
+                <a:latin typeface="Arial"/>
+              </a:rPr>
+              <a:t>Click to edit the outline text format</a:t>
+            </a:r>
+            <a:endParaRPr b="0" lang="en-ID" sz="3200" spc="-1" strike="noStrike">
+              <a:solidFill>
+                <a:srgbClr val="000000"/>
+              </a:solidFill>
+              <a:latin typeface="Arial"/>
+            </a:endParaRPr>
+          </a:p>
+          <a:p>
+            <a:pPr lvl="1" marL="864000" indent="-324000">
+              <a:spcBef>
+                <a:spcPts val="1134"/>
+              </a:spcBef>
+              <a:buClr>
+                <a:srgbClr val="000000"/>
+              </a:buClr>
+              <a:buSzPct val="75000"/>
+              <a:buFont typeface="Symbol" charset="2"/>
+              <a:buChar char=""/>
+            </a:pPr>
+            <a:r>
+              <a:rPr b="0" lang="en-ID" sz="2800" spc="-1" strike="noStrike">
+                <a:solidFill>
+                  <a:srgbClr val="000000"/>
+                </a:solidFill>
+                <a:latin typeface="Arial"/>
+              </a:rPr>
+              <a:t>Second Outline Level</a:t>
+            </a:r>
+            <a:endParaRPr b="0" lang="en-ID" sz="2800" spc="-1" strike="noStrike">
+              <a:solidFill>
+                <a:srgbClr val="000000"/>
+              </a:solidFill>
+              <a:latin typeface="Arial"/>
+            </a:endParaRPr>
+          </a:p>
+          <a:p>
+            <a:pPr lvl="2" marL="1296000" indent="-288000">
+              <a:spcBef>
+                <a:spcPts val="850"/>
+              </a:spcBef>
+              <a:buClr>
+                <a:srgbClr val="000000"/>
+              </a:buClr>
+              <a:buSzPct val="45000"/>
+              <a:buFont typeface="Wingdings" charset="2"/>
+              <a:buChar char=""/>
+            </a:pPr>
+            <a:r>
+              <a:rPr b="0" lang="en-ID" sz="2400" spc="-1" strike="noStrike">
+                <a:solidFill>
+                  <a:srgbClr val="000000"/>
+                </a:solidFill>
+                <a:latin typeface="Arial"/>
+              </a:rPr>
+              <a:t>Third Outline Level</a:t>
+            </a:r>
+            <a:endParaRPr b="0" lang="en-ID" sz="2400" spc="-1" strike="noStrike">
+              <a:solidFill>
+                <a:srgbClr val="000000"/>
+              </a:solidFill>
+              <a:latin typeface="Arial"/>
+            </a:endParaRPr>
+          </a:p>
+          <a:p>
+            <a:pPr lvl="3" marL="1728000" indent="-216000">
+              <a:spcBef>
+                <a:spcPts val="567"/>
+              </a:spcBef>
+              <a:buClr>
+                <a:srgbClr val="000000"/>
+              </a:buClr>
+              <a:buSzPct val="75000"/>
+              <a:buFont typeface="Symbol" charset="2"/>
+              <a:buChar char=""/>
+            </a:pPr>
+            <a:r>
+              <a:rPr b="0" lang="en-ID" sz="2000" spc="-1" strike="noStrike">
+                <a:solidFill>
+                  <a:srgbClr val="000000"/>
+                </a:solidFill>
+                <a:latin typeface="Arial"/>
+              </a:rPr>
+              <a:t>Fourth Outline Level</a:t>
+            </a:r>
+            <a:endParaRPr b="0" lang="en-ID" sz="2000" spc="-1" strike="noStrike">
+              <a:solidFill>
+                <a:srgbClr val="000000"/>
+              </a:solidFill>
+              <a:latin typeface="Arial"/>
+            </a:endParaRPr>
+          </a:p>
+          <a:p>
+            <a:pPr lvl="4" marL="2160000" indent="-216000">
+              <a:spcBef>
+                <a:spcPts val="283"/>
+              </a:spcBef>
+              <a:buClr>
+                <a:srgbClr val="000000"/>
+              </a:buClr>
+              <a:buSzPct val="45000"/>
+              <a:buFont typeface="Wingdings" charset="2"/>
+              <a:buChar char=""/>
+            </a:pPr>
+            <a:r>
+              <a:rPr b="0" lang="en-ID" sz="2000" spc="-1" strike="noStrike">
+                <a:solidFill>
+                  <a:srgbClr val="000000"/>
+                </a:solidFill>
+                <a:latin typeface="Arial"/>
+              </a:rPr>
+              <a:t>Fifth Outline Level</a:t>
+            </a:r>
+            <a:endParaRPr b="0" lang="en-ID" sz="2000" spc="-1" strike="noStrike">
+              <a:solidFill>
+                <a:srgbClr val="000000"/>
+              </a:solidFill>
+              <a:latin typeface="Arial"/>
+            </a:endParaRPr>
+          </a:p>
+          <a:p>
+            <a:pPr lvl="5" marL="2592000" indent="-216000">
+              <a:spcBef>
+                <a:spcPts val="283"/>
+              </a:spcBef>
+              <a:buClr>
+                <a:srgbClr val="000000"/>
+              </a:buClr>
+              <a:buSzPct val="45000"/>
+              <a:buFont typeface="Wingdings" charset="2"/>
+              <a:buChar char=""/>
+            </a:pPr>
+            <a:r>
+              <a:rPr b="0" lang="en-ID" sz="2000" spc="-1" strike="noStrike">
+                <a:solidFill>
+                  <a:srgbClr val="000000"/>
+                </a:solidFill>
+                <a:latin typeface="Arial"/>
+              </a:rPr>
+              <a:t>Sixth Outline Level</a:t>
+            </a:r>
+            <a:endParaRPr b="0" lang="en-ID" sz="2000" spc="-1" strike="noStrike">
+              <a:solidFill>
+                <a:srgbClr val="000000"/>
+              </a:solidFill>
+              <a:latin typeface="Arial"/>
+            </a:endParaRPr>
+          </a:p>
+          <a:p>
+            <a:pPr lvl="6" marL="3024000" indent="-216000">
+              <a:spcBef>
+                <a:spcPts val="283"/>
+              </a:spcBef>
+              <a:buClr>
+                <a:srgbClr val="000000"/>
+              </a:buClr>
+              <a:buSzPct val="45000"/>
+              <a:buFont typeface="Wingdings" charset="2"/>
+              <a:buChar char=""/>
+            </a:pPr>
+            <a:r>
+              <a:rPr b="0" lang="en-ID" sz="2000" spc="-1" strike="noStrike">
+                <a:solidFill>
+                  <a:srgbClr val="000000"/>
+                </a:solidFill>
+                <a:latin typeface="Arial"/>
+              </a:rPr>
+              <a:t>Seventh Outline Level</a:t>
+            </a:r>
+            <a:endParaRPr b="0" lang="en-ID" sz="2000" spc="-1" strike="noStrike">
+              <a:solidFill>
+                <a:srgbClr val="000000"/>
+              </a:solidFill>
+              <a:latin typeface="Arial"/>
             </a:endParaRPr>
           </a:p>
         </p:txBody>
@@ -8573,7 +8574,7 @@
         <p:spPr>
           <a:xfrm>
             <a:off x="0" y="0"/>
-            <a:ext cx="10079640" cy="5669640"/>
+            <a:ext cx="10078920" cy="5668920"/>
           </a:xfrm>
           <a:prstGeom prst="rect">
             <a:avLst/>
@@ -8620,7 +8621,7 @@
         <p:spPr>
           <a:xfrm>
             <a:off x="2520000" y="1350000"/>
-            <a:ext cx="5039640" cy="1889640"/>
+            <a:ext cx="5038920" cy="1888920"/>
           </a:xfrm>
           <a:prstGeom prst="wedgeRectCallout">
             <a:avLst>
@@ -8671,287 +8672,13 @@
             <a:spLocks noGrp="1"/>
           </p:cNvSpPr>
           <p:nvPr>
-            <p:ph type="title"/>
-          </p:nvPr>
-        </p:nvSpPr>
-        <p:spPr>
-          <a:xfrm>
-            <a:off x="2700000" y="1485000"/>
-            <a:ext cx="4679640" cy="1619640"/>
-          </a:xfrm>
-          <a:prstGeom prst="rect">
-            <a:avLst/>
-          </a:prstGeom>
-          <a:noFill/>
-          <a:ln w="0">
-            <a:noFill/>
-          </a:ln>
-        </p:spPr>
-        <p:txBody>
-          <a:bodyPr lIns="0" rIns="0" tIns="0" bIns="0" anchor="ctr" anchorCtr="1">
-            <a:noAutofit/>
-          </a:bodyPr>
-          <a:p>
-            <a:pPr indent="0">
-              <a:buNone/>
-            </a:pPr>
-            <a:r>
-              <a:rPr b="0" lang="en-ID" sz="1800" spc="-1" strike="noStrike">
-                <a:solidFill>
-                  <a:srgbClr val="000000"/>
-                </a:solidFill>
-                <a:latin typeface="Arial"/>
-              </a:rPr>
-              <a:t>Click to edit the title text format</a:t>
-            </a:r>
-            <a:endParaRPr b="0" lang="en-ID" sz="1800" spc="-1" strike="noStrike">
-              <a:solidFill>
-                <a:srgbClr val="000000"/>
-              </a:solidFill>
-              <a:latin typeface="Arial"/>
-            </a:endParaRPr>
-          </a:p>
-        </p:txBody>
-      </p:sp>
-      <p:sp>
-        <p:nvSpPr>
-          <p:cNvPr id="90" name="PlaceHolder 2"/>
-          <p:cNvSpPr>
-            <a:spLocks noGrp="1"/>
-          </p:cNvSpPr>
-          <p:nvPr>
-            <p:ph type="body"/>
-          </p:nvPr>
-        </p:nvSpPr>
-        <p:spPr>
-          <a:xfrm>
-            <a:off x="3420000" y="3240000"/>
-            <a:ext cx="6299640" cy="1619640"/>
-          </a:xfrm>
-          <a:prstGeom prst="rect">
-            <a:avLst/>
-          </a:prstGeom>
-          <a:noFill/>
-          <a:ln w="0">
-            <a:noFill/>
-          </a:ln>
-        </p:spPr>
-        <p:txBody>
-          <a:bodyPr lIns="0" rIns="0" tIns="0" bIns="0" anchor="t">
-            <a:normAutofit fontScale="62222"/>
-          </a:bodyPr>
-          <a:p>
-            <a:pPr marL="432000" indent="-324000">
-              <a:spcBef>
-                <a:spcPts val="1417"/>
-              </a:spcBef>
-              <a:buClr>
-                <a:srgbClr val="000000"/>
-              </a:buClr>
-              <a:buSzPct val="45000"/>
-              <a:buFont typeface="Wingdings" charset="2"/>
-              <a:buChar char=""/>
-            </a:pPr>
-            <a:r>
-              <a:rPr b="0" lang="en-ID" sz="1800" spc="-1" strike="noStrike">
-                <a:solidFill>
-                  <a:srgbClr val="000000"/>
-                </a:solidFill>
-                <a:latin typeface="Arial"/>
-              </a:rPr>
-              <a:t>Click to edit the outline text format</a:t>
-            </a:r>
-            <a:endParaRPr b="0" lang="en-ID" sz="1800" spc="-1" strike="noStrike">
-              <a:solidFill>
-                <a:srgbClr val="000000"/>
-              </a:solidFill>
-              <a:latin typeface="Arial"/>
-            </a:endParaRPr>
-          </a:p>
-          <a:p>
-            <a:pPr lvl="1" marL="864000" indent="-324000">
-              <a:spcBef>
-                <a:spcPts val="1134"/>
-              </a:spcBef>
-              <a:buClr>
-                <a:srgbClr val="000000"/>
-              </a:buClr>
-              <a:buSzPct val="75000"/>
-              <a:buFont typeface="Symbol" charset="2"/>
-              <a:buChar char=""/>
-            </a:pPr>
-            <a:r>
-              <a:rPr b="0" lang="en-ID" sz="1800" spc="-1" strike="noStrike">
-                <a:solidFill>
-                  <a:srgbClr val="000000"/>
-                </a:solidFill>
-                <a:latin typeface="Arial"/>
-              </a:rPr>
-              <a:t>Second Outline Level</a:t>
-            </a:r>
-            <a:endParaRPr b="0" lang="en-ID" sz="1800" spc="-1" strike="noStrike">
-              <a:solidFill>
-                <a:srgbClr val="000000"/>
-              </a:solidFill>
-              <a:latin typeface="Arial"/>
-            </a:endParaRPr>
-          </a:p>
-          <a:p>
-            <a:pPr lvl="2" marL="1296000" indent="-288000">
-              <a:spcBef>
-                <a:spcPts val="850"/>
-              </a:spcBef>
-              <a:buClr>
-                <a:srgbClr val="000000"/>
-              </a:buClr>
-              <a:buSzPct val="45000"/>
-              <a:buFont typeface="Wingdings" charset="2"/>
-              <a:buChar char=""/>
-            </a:pPr>
-            <a:r>
-              <a:rPr b="0" lang="en-ID" sz="1800" spc="-1" strike="noStrike">
-                <a:solidFill>
-                  <a:srgbClr val="000000"/>
-                </a:solidFill>
-                <a:latin typeface="Arial"/>
-              </a:rPr>
-              <a:t>Third Outline Level</a:t>
-            </a:r>
-            <a:endParaRPr b="0" lang="en-ID" sz="1800" spc="-1" strike="noStrike">
-              <a:solidFill>
-                <a:srgbClr val="000000"/>
-              </a:solidFill>
-              <a:latin typeface="Arial"/>
-            </a:endParaRPr>
-          </a:p>
-          <a:p>
-            <a:pPr lvl="3" marL="1728000" indent="-216000">
-              <a:spcBef>
-                <a:spcPts val="567"/>
-              </a:spcBef>
-              <a:buClr>
-                <a:srgbClr val="000000"/>
-              </a:buClr>
-              <a:buSzPct val="75000"/>
-              <a:buFont typeface="Symbol" charset="2"/>
-              <a:buChar char=""/>
-            </a:pPr>
-            <a:r>
-              <a:rPr b="0" lang="en-ID" sz="1800" spc="-1" strike="noStrike">
-                <a:solidFill>
-                  <a:srgbClr val="000000"/>
-                </a:solidFill>
-                <a:latin typeface="Arial"/>
-              </a:rPr>
-              <a:t>Fourth Outline Level</a:t>
-            </a:r>
-            <a:endParaRPr b="0" lang="en-ID" sz="1800" spc="-1" strike="noStrike">
-              <a:solidFill>
-                <a:srgbClr val="000000"/>
-              </a:solidFill>
-              <a:latin typeface="Arial"/>
-            </a:endParaRPr>
-          </a:p>
-          <a:p>
-            <a:pPr lvl="4" marL="2160000" indent="-216000">
-              <a:spcBef>
-                <a:spcPts val="283"/>
-              </a:spcBef>
-              <a:buClr>
-                <a:srgbClr val="000000"/>
-              </a:buClr>
-              <a:buSzPct val="45000"/>
-              <a:buFont typeface="Wingdings" charset="2"/>
-              <a:buChar char=""/>
-            </a:pPr>
-            <a:r>
-              <a:rPr b="0" lang="en-ID" sz="1800" spc="-1" strike="noStrike">
-                <a:solidFill>
-                  <a:srgbClr val="000000"/>
-                </a:solidFill>
-                <a:latin typeface="Arial"/>
-              </a:rPr>
-              <a:t>Fifth Outline Level</a:t>
-            </a:r>
-            <a:endParaRPr b="0" lang="en-ID" sz="1800" spc="-1" strike="noStrike">
-              <a:solidFill>
-                <a:srgbClr val="000000"/>
-              </a:solidFill>
-              <a:latin typeface="Arial"/>
-            </a:endParaRPr>
-          </a:p>
-          <a:p>
-            <a:pPr lvl="5" marL="2592000" indent="-216000">
-              <a:spcBef>
-                <a:spcPts val="283"/>
-              </a:spcBef>
-              <a:buClr>
-                <a:srgbClr val="000000"/>
-              </a:buClr>
-              <a:buSzPct val="45000"/>
-              <a:buFont typeface="Wingdings" charset="2"/>
-              <a:buChar char=""/>
-            </a:pPr>
-            <a:r>
-              <a:rPr b="0" lang="en-ID" sz="1800" spc="-1" strike="noStrike">
-                <a:solidFill>
-                  <a:srgbClr val="000000"/>
-                </a:solidFill>
-                <a:latin typeface="Arial"/>
-              </a:rPr>
-              <a:t>Sixth Outline Level</a:t>
-            </a:r>
-            <a:endParaRPr b="0" lang="en-ID" sz="1800" spc="-1" strike="noStrike">
-              <a:solidFill>
-                <a:srgbClr val="000000"/>
-              </a:solidFill>
-              <a:latin typeface="Arial"/>
-            </a:endParaRPr>
-          </a:p>
-          <a:p>
-            <a:pPr lvl="6" marL="3024000" indent="-216000">
-              <a:spcBef>
-                <a:spcPts val="283"/>
-              </a:spcBef>
-              <a:buClr>
-                <a:srgbClr val="000000"/>
-              </a:buClr>
-              <a:buSzPct val="45000"/>
-              <a:buFont typeface="Wingdings" charset="2"/>
-              <a:buChar char=""/>
-            </a:pPr>
-            <a:r>
-              <a:rPr b="0" lang="en-ID" sz="1800" spc="-1" strike="noStrike">
-                <a:solidFill>
-                  <a:srgbClr val="000000"/>
-                </a:solidFill>
-                <a:latin typeface="Arial"/>
-              </a:rPr>
-              <a:t>Seventh Outline Level</a:t>
-            </a:r>
-            <a:endParaRPr b="0" lang="en-ID" sz="1800" spc="-1" strike="noStrike">
-              <a:solidFill>
-                <a:srgbClr val="000000"/>
-              </a:solidFill>
-              <a:latin typeface="Arial"/>
-            </a:endParaRPr>
-          </a:p>
-        </p:txBody>
-      </p:sp>
-      <p:sp>
-        <p:nvSpPr>
-          <p:cNvPr id="91" name="PlaceHolder 3"/>
-          <p:cNvSpPr>
-            <a:spLocks noGrp="1"/>
-          </p:cNvSpPr>
-          <p:nvPr>
             <p:ph type="ftr" idx="6"/>
           </p:nvPr>
         </p:nvSpPr>
         <p:spPr>
           <a:xfrm>
             <a:off x="3420000" y="5400000"/>
-            <a:ext cx="3239640" cy="269640"/>
+            <a:ext cx="3238920" cy="268920"/>
           </a:xfrm>
           <a:prstGeom prst="rect">
             <a:avLst/>
@@ -9012,7 +8739,7 @@
       </p:sp>
       <p:sp>
         <p:nvSpPr>
-          <p:cNvPr id="92" name="PlaceHolder 4"/>
+          <p:cNvPr id="90" name="PlaceHolder 2"/>
           <p:cNvSpPr>
             <a:spLocks noGrp="1"/>
           </p:cNvSpPr>
@@ -9023,7 +8750,7 @@
         <p:spPr>
           <a:xfrm>
             <a:off x="9180000" y="5130000"/>
-            <a:ext cx="719640" cy="539640"/>
+            <a:ext cx="718920" cy="538920"/>
           </a:xfrm>
           <a:prstGeom prst="rect">
             <a:avLst/>
@@ -9064,7 +8791,7 @@
                 <a:tab algn="l" pos="0"/>
               </a:tabLst>
             </a:pPr>
-            <a:fld id="{A80C62CF-DF1B-4F6C-AE3A-733E42DDA682}" type="slidenum">
+            <a:fld id="{64F6C28A-EBC6-430B-B187-3640A4A4C485}" type="slidenum">
               <a:rPr b="1" lang="en-ID" sz="1800" spc="-1" strike="noStrike">
                 <a:solidFill>
                   <a:srgbClr val="ffffff"/>
@@ -9084,7 +8811,7 @@
       </p:sp>
       <p:sp>
         <p:nvSpPr>
-          <p:cNvPr id="93" name="PlaceHolder 5"/>
+          <p:cNvPr id="91" name="PlaceHolder 3"/>
           <p:cNvSpPr>
             <a:spLocks noGrp="1"/>
           </p:cNvSpPr>
@@ -9095,7 +8822,7 @@
         <p:spPr>
           <a:xfrm>
             <a:off x="360000" y="5400000"/>
-            <a:ext cx="2879640" cy="269640"/>
+            <a:ext cx="2878920" cy="268920"/>
           </a:xfrm>
           <a:prstGeom prst="rect">
             <a:avLst/>
@@ -9138,6 +8865,280 @@
                 <a:srgbClr val="000000"/>
               </a:solidFill>
               <a:latin typeface="Times New Roman"/>
+            </a:endParaRPr>
+          </a:p>
+        </p:txBody>
+      </p:sp>
+      <p:sp>
+        <p:nvSpPr>
+          <p:cNvPr id="92" name="PlaceHolder 4"/>
+          <p:cNvSpPr>
+            <a:spLocks noGrp="1"/>
+          </p:cNvSpPr>
+          <p:nvPr>
+            <p:ph type="title"/>
+          </p:nvPr>
+        </p:nvSpPr>
+        <p:spPr>
+          <a:xfrm>
+            <a:off x="504000" y="226080"/>
+            <a:ext cx="9072000" cy="946440"/>
+          </a:xfrm>
+          <a:prstGeom prst="rect">
+            <a:avLst/>
+          </a:prstGeom>
+          <a:noFill/>
+          <a:ln w="0">
+            <a:noFill/>
+          </a:ln>
+        </p:spPr>
+        <p:txBody>
+          <a:bodyPr lIns="0" rIns="0" tIns="0" bIns="0" anchor="ctr">
+            <a:noAutofit/>
+          </a:bodyPr>
+          <a:p>
+            <a:pPr indent="0" algn="ctr">
+              <a:buNone/>
+            </a:pPr>
+            <a:r>
+              <a:rPr b="0" lang="en-ID" sz="4400" spc="-1" strike="noStrike">
+                <a:solidFill>
+                  <a:srgbClr val="000000"/>
+                </a:solidFill>
+                <a:latin typeface="Arial"/>
+              </a:rPr>
+              <a:t>Click to edit the title text format</a:t>
+            </a:r>
+            <a:endParaRPr b="0" lang="en-ID" sz="4400" spc="-1" strike="noStrike">
+              <a:solidFill>
+                <a:srgbClr val="000000"/>
+              </a:solidFill>
+              <a:latin typeface="Arial"/>
+            </a:endParaRPr>
+          </a:p>
+        </p:txBody>
+      </p:sp>
+      <p:sp>
+        <p:nvSpPr>
+          <p:cNvPr id="93" name="PlaceHolder 5"/>
+          <p:cNvSpPr>
+            <a:spLocks noGrp="1"/>
+          </p:cNvSpPr>
+          <p:nvPr>
+            <p:ph type="body"/>
+          </p:nvPr>
+        </p:nvSpPr>
+        <p:spPr>
+          <a:xfrm>
+            <a:off x="504000" y="1326600"/>
+            <a:ext cx="9072000" cy="3288600"/>
+          </a:xfrm>
+          <a:prstGeom prst="rect">
+            <a:avLst/>
+          </a:prstGeom>
+          <a:noFill/>
+          <a:ln w="0">
+            <a:noFill/>
+          </a:ln>
+        </p:spPr>
+        <p:txBody>
+          <a:bodyPr lIns="0" rIns="0" tIns="0" bIns="0" anchor="t">
+            <a:normAutofit/>
+          </a:bodyPr>
+          <a:p>
+            <a:pPr marL="432000" indent="-324000">
+              <a:spcBef>
+                <a:spcPts val="1417"/>
+              </a:spcBef>
+              <a:buClr>
+                <a:srgbClr val="000000"/>
+              </a:buClr>
+              <a:buSzPct val="45000"/>
+              <a:buFont typeface="Wingdings" charset="2"/>
+              <a:buChar char=""/>
+            </a:pPr>
+            <a:r>
+              <a:rPr b="0" lang="en-ID" sz="3200" spc="-1" strike="noStrike">
+                <a:solidFill>
+                  <a:srgbClr val="000000"/>
+                </a:solidFill>
+                <a:latin typeface="Arial"/>
+              </a:rPr>
+              <a:t>Click to edit the outline text format</a:t>
+            </a:r>
+            <a:endParaRPr b="0" lang="en-ID" sz="3200" spc="-1" strike="noStrike">
+              <a:solidFill>
+                <a:srgbClr val="000000"/>
+              </a:solidFill>
+              <a:latin typeface="Arial"/>
+            </a:endParaRPr>
+          </a:p>
+          <a:p>
+            <a:pPr lvl="1" marL="864000" indent="-324000">
+              <a:spcBef>
+                <a:spcPts val="1134"/>
+              </a:spcBef>
+              <a:buClr>
+                <a:srgbClr val="000000"/>
+              </a:buClr>
+              <a:buSzPct val="75000"/>
+              <a:buFont typeface="Symbol" charset="2"/>
+              <a:buChar char=""/>
+            </a:pPr>
+            <a:r>
+              <a:rPr b="0" lang="en-ID" sz="2800" spc="-1" strike="noStrike">
+                <a:solidFill>
+                  <a:srgbClr val="000000"/>
+                </a:solidFill>
+                <a:latin typeface="Arial"/>
+              </a:rPr>
+              <a:t>Second Outline Level</a:t>
+            </a:r>
+            <a:endParaRPr b="0" lang="en-ID" sz="2800" spc="-1" strike="noStrike">
+              <a:solidFill>
+                <a:srgbClr val="000000"/>
+              </a:solidFill>
+              <a:latin typeface="Arial"/>
+            </a:endParaRPr>
+          </a:p>
+          <a:p>
+            <a:pPr lvl="2" marL="1296000" indent="-288000">
+              <a:spcBef>
+                <a:spcPts val="850"/>
+              </a:spcBef>
+              <a:buClr>
+                <a:srgbClr val="000000"/>
+              </a:buClr>
+              <a:buSzPct val="45000"/>
+              <a:buFont typeface="Wingdings" charset="2"/>
+              <a:buChar char=""/>
+            </a:pPr>
+            <a:r>
+              <a:rPr b="0" lang="en-ID" sz="2400" spc="-1" strike="noStrike">
+                <a:solidFill>
+                  <a:srgbClr val="000000"/>
+                </a:solidFill>
+                <a:latin typeface="Arial"/>
+              </a:rPr>
+              <a:t>Third Outline Level</a:t>
+            </a:r>
+            <a:endParaRPr b="0" lang="en-ID" sz="2400" spc="-1" strike="noStrike">
+              <a:solidFill>
+                <a:srgbClr val="000000"/>
+              </a:solidFill>
+              <a:latin typeface="Arial"/>
+            </a:endParaRPr>
+          </a:p>
+          <a:p>
+            <a:pPr lvl="3" marL="1728000" indent="-216000">
+              <a:spcBef>
+                <a:spcPts val="567"/>
+              </a:spcBef>
+              <a:buClr>
+                <a:srgbClr val="000000"/>
+              </a:buClr>
+              <a:buSzPct val="75000"/>
+              <a:buFont typeface="Symbol" charset="2"/>
+              <a:buChar char=""/>
+            </a:pPr>
+            <a:r>
+              <a:rPr b="0" lang="en-ID" sz="2000" spc="-1" strike="noStrike">
+                <a:solidFill>
+                  <a:srgbClr val="000000"/>
+                </a:solidFill>
+                <a:latin typeface="Arial"/>
+              </a:rPr>
+              <a:t>Fourth Outline Level</a:t>
+            </a:r>
+            <a:endParaRPr b="0" lang="en-ID" sz="2000" spc="-1" strike="noStrike">
+              <a:solidFill>
+                <a:srgbClr val="000000"/>
+              </a:solidFill>
+              <a:latin typeface="Arial"/>
+            </a:endParaRPr>
+          </a:p>
+          <a:p>
+            <a:pPr lvl="4" marL="2160000" indent="-216000">
+              <a:spcBef>
+                <a:spcPts val="283"/>
+              </a:spcBef>
+              <a:buClr>
+                <a:srgbClr val="000000"/>
+              </a:buClr>
+              <a:buSzPct val="45000"/>
+              <a:buFont typeface="Wingdings" charset="2"/>
+              <a:buChar char=""/>
+            </a:pPr>
+            <a:r>
+              <a:rPr b="0" lang="en-ID" sz="2000" spc="-1" strike="noStrike">
+                <a:solidFill>
+                  <a:srgbClr val="000000"/>
+                </a:solidFill>
+                <a:latin typeface="Arial"/>
+              </a:rPr>
+              <a:t>Fifth Outline Level</a:t>
+            </a:r>
+            <a:endParaRPr b="0" lang="en-ID" sz="2000" spc="-1" strike="noStrike">
+              <a:solidFill>
+                <a:srgbClr val="000000"/>
+              </a:solidFill>
+              <a:latin typeface="Arial"/>
+            </a:endParaRPr>
+          </a:p>
+          <a:p>
+            <a:pPr lvl="5" marL="2592000" indent="-216000">
+              <a:spcBef>
+                <a:spcPts val="283"/>
+              </a:spcBef>
+              <a:buClr>
+                <a:srgbClr val="000000"/>
+              </a:buClr>
+              <a:buSzPct val="45000"/>
+              <a:buFont typeface="Wingdings" charset="2"/>
+              <a:buChar char=""/>
+            </a:pPr>
+            <a:r>
+              <a:rPr b="0" lang="en-ID" sz="2000" spc="-1" strike="noStrike">
+                <a:solidFill>
+                  <a:srgbClr val="000000"/>
+                </a:solidFill>
+                <a:latin typeface="Arial"/>
+              </a:rPr>
+              <a:t>Sixth Outline Level</a:t>
+            </a:r>
+            <a:endParaRPr b="0" lang="en-ID" sz="2000" spc="-1" strike="noStrike">
+              <a:solidFill>
+                <a:srgbClr val="000000"/>
+              </a:solidFill>
+              <a:latin typeface="Arial"/>
+            </a:endParaRPr>
+          </a:p>
+          <a:p>
+            <a:pPr lvl="6" marL="3024000" indent="-216000">
+              <a:spcBef>
+                <a:spcPts val="283"/>
+              </a:spcBef>
+              <a:buClr>
+                <a:srgbClr val="000000"/>
+              </a:buClr>
+              <a:buSzPct val="45000"/>
+              <a:buFont typeface="Wingdings" charset="2"/>
+              <a:buChar char=""/>
+            </a:pPr>
+            <a:r>
+              <a:rPr b="0" lang="en-ID" sz="2000" spc="-1" strike="noStrike">
+                <a:solidFill>
+                  <a:srgbClr val="000000"/>
+                </a:solidFill>
+                <a:latin typeface="Arial"/>
+              </a:rPr>
+              <a:t>Seventh Outline Level</a:t>
+            </a:r>
+            <a:endParaRPr b="0" lang="en-ID" sz="2000" spc="-1" strike="noStrike">
+              <a:solidFill>
+                <a:srgbClr val="000000"/>
+              </a:solidFill>
+              <a:latin typeface="Arial"/>
             </a:endParaRPr>
           </a:p>
         </p:txBody>
@@ -9192,7 +9193,7 @@
         <p:spPr>
           <a:xfrm>
             <a:off x="360000" y="2835000"/>
-            <a:ext cx="9359640" cy="718560"/>
+            <a:ext cx="9358920" cy="717840"/>
           </a:xfrm>
           <a:prstGeom prst="rect">
             <a:avLst/>
@@ -9232,7 +9233,7 @@
         <p:spPr>
           <a:xfrm>
             <a:off x="360000" y="3915000"/>
-            <a:ext cx="9359640" cy="1484640"/>
+            <a:ext cx="9358920" cy="1483920"/>
           </a:xfrm>
           <a:prstGeom prst="rect">
             <a:avLst/>
@@ -9302,7 +9303,7 @@
         <p:spPr>
           <a:xfrm>
             <a:off x="360000" y="225720"/>
-            <a:ext cx="9359640" cy="719640"/>
+            <a:ext cx="9358920" cy="718920"/>
           </a:xfrm>
           <a:prstGeom prst="rect">
             <a:avLst/>
@@ -9357,7 +9358,7 @@
         <p:spPr>
           <a:xfrm>
             <a:off x="360000" y="1485000"/>
-            <a:ext cx="9359640" cy="3779640"/>
+            <a:ext cx="9358920" cy="3778920"/>
           </a:xfrm>
           <a:prstGeom prst="rect">
             <a:avLst/>
@@ -9596,6 +9597,40 @@
                 <a:latin typeface="Source Sans Pro"/>
               </a:rPr>
               <a:t>Particle position (left to right)</a:t>
+            </a:r>
+            <a:endParaRPr b="0" lang="en-ID" sz="2100" spc="-1" strike="noStrike">
+              <a:solidFill>
+                <a:srgbClr val="000000"/>
+              </a:solidFill>
+              <a:latin typeface="Arial"/>
+            </a:endParaRPr>
+          </a:p>
+          <a:p>
+            <a:pPr lvl="1" marL="864000" indent="-324000">
+              <a:lnSpc>
+                <a:spcPct val="100000"/>
+              </a:lnSpc>
+              <a:spcAft>
+                <a:spcPts val="850"/>
+              </a:spcAft>
+              <a:buClr>
+                <a:srgbClr val="2c3e50"/>
+              </a:buClr>
+              <a:buSzPct val="75000"/>
+              <a:buFont typeface="Symbol"/>
+              <a:buChar char=""/>
+              <a:tabLst>
+                <a:tab algn="l" pos="0"/>
+              </a:tabLst>
+            </a:pPr>
+            <a:r>
+              <a:rPr b="0" lang="en-ID" sz="2100" spc="-1" strike="noStrike">
+                <a:solidFill>
+                  <a:srgbClr val="2c3e50"/>
+                </a:solidFill>
+                <a:latin typeface="Source Sans Pro"/>
+              </a:rPr>
+              <a:t>Particle color (red &lt;-&gt; blue)</a:t>
             </a:r>
             <a:endParaRPr b="0" lang="en-ID" sz="2100" spc="-1" strike="noStrike">
               <a:solidFill>
@@ -9644,10 +9679,10 @@
         </p:nvGrpSpPr>
         <p:grpSpPr>
           <a:xfrm>
-            <a:off x="228600" y="1497960"/>
-            <a:ext cx="2032920" cy="1016640"/>
-            <a:chOff x="228600" y="1497960"/>
-            <a:chExt cx="2032920" cy="1016640"/>
+            <a:off x="685800" y="2286000"/>
+            <a:ext cx="2032200" cy="1015920"/>
+            <a:chOff x="685800" y="2286000"/>
+            <a:chExt cx="2032200" cy="1015920"/>
           </a:xfrm>
         </p:grpSpPr>
         <p:pic>
@@ -9662,8 +9697,8 @@
           </p:blipFill>
           <p:spPr>
             <a:xfrm>
-              <a:off x="228600" y="1497960"/>
-              <a:ext cx="1016640" cy="1016640"/>
+              <a:off x="685800" y="2286000"/>
+              <a:ext cx="1015920" cy="1015920"/>
             </a:xfrm>
             <a:prstGeom prst="rect">
               <a:avLst/>
@@ -9685,8 +9720,8 @@
           </p:blipFill>
           <p:spPr>
             <a:xfrm>
-              <a:off x="1245240" y="1497960"/>
-              <a:ext cx="1016280" cy="1016640"/>
+              <a:off x="1702440" y="2286000"/>
+              <a:ext cx="1015560" cy="1015920"/>
             </a:xfrm>
             <a:prstGeom prst="rect">
               <a:avLst/>
@@ -9704,8 +9739,8 @@
           </p:nvSpPr>
           <p:spPr>
             <a:xfrm>
-              <a:off x="1182960" y="2083320"/>
-              <a:ext cx="54720" cy="273960"/>
+              <a:off x="1640160" y="2871360"/>
+              <a:ext cx="54000" cy="273240"/>
             </a:xfrm>
             <a:prstGeom prst="rect">
               <a:avLst/>
@@ -9732,11 +9767,17 @@
               <a:noAutofit/>
             </a:bodyPr>
             <a:p>
+              <a:pPr>
+                <a:lnSpc>
+                  <a:spcPct val="100000"/>
+                </a:lnSpc>
+              </a:pPr>
               <a:endParaRPr b="0" lang="en-ID" sz="1800" spc="-1" strike="noStrike">
                 <a:solidFill>
                   <a:srgbClr val="000000"/>
                 </a:solidFill>
                 <a:latin typeface="Arial"/>
+                <a:ea typeface="DejaVu Sans"/>
               </a:endParaRPr>
             </a:p>
           </p:txBody>
@@ -9749,8 +9790,8 @@
           </p:nvSpPr>
           <p:spPr>
             <a:xfrm rot="5400000">
-              <a:off x="1182600" y="2083320"/>
-              <a:ext cx="55080" cy="273960"/>
+              <a:off x="1640520" y="2871360"/>
+              <a:ext cx="54360" cy="273240"/>
             </a:xfrm>
             <a:prstGeom prst="rect">
               <a:avLst/>
@@ -9777,11 +9818,17 @@
               <a:noAutofit/>
             </a:bodyPr>
             <a:p>
+              <a:pPr>
+                <a:lnSpc>
+                  <a:spcPct val="100000"/>
+                </a:lnSpc>
+              </a:pPr>
               <a:endParaRPr b="0" lang="en-ID" sz="1800" spc="-1" strike="noStrike">
                 <a:solidFill>
                   <a:srgbClr val="000000"/>
                 </a:solidFill>
                 <a:latin typeface="Arial"/>
+                <a:ea typeface="DejaVu Sans"/>
               </a:endParaRPr>
             </a:p>
           </p:txBody>
@@ -9799,8 +9846,8 @@
         </p:blipFill>
         <p:spPr>
           <a:xfrm>
-            <a:off x="3108240" y="1371600"/>
-            <a:ext cx="1371600" cy="1371600"/>
+            <a:off x="3429720" y="2286000"/>
+            <a:ext cx="1370880" cy="1370880"/>
           </a:xfrm>
           <a:prstGeom prst="rect">
             <a:avLst/>
@@ -9818,10 +9865,10 @@
         </p:nvGrpSpPr>
         <p:grpSpPr>
           <a:xfrm>
-            <a:off x="5486400" y="1371600"/>
-            <a:ext cx="1100880" cy="1431000"/>
-            <a:chOff x="5486400" y="1371600"/>
-            <a:chExt cx="1100880" cy="1431000"/>
+            <a:off x="5943600" y="2057400"/>
+            <a:ext cx="1100160" cy="1430280"/>
+            <a:chOff x="5943600" y="2057400"/>
+            <a:chExt cx="1100160" cy="1430280"/>
           </a:xfrm>
         </p:grpSpPr>
         <p:pic>
@@ -9836,8 +9883,8 @@
           </p:blipFill>
           <p:spPr>
             <a:xfrm>
-              <a:off x="5486400" y="1701720"/>
-              <a:ext cx="1100880" cy="1100880"/>
+              <a:off x="5943600" y="2387520"/>
+              <a:ext cx="1100160" cy="1100160"/>
             </a:xfrm>
             <a:prstGeom prst="rect">
               <a:avLst/>
@@ -9859,8 +9906,8 @@
           </p:blipFill>
           <p:spPr>
             <a:xfrm>
-              <a:off x="5610960" y="1371600"/>
-              <a:ext cx="837000" cy="454680"/>
+              <a:off x="6068160" y="2057400"/>
+              <a:ext cx="836280" cy="453960"/>
             </a:xfrm>
             <a:prstGeom prst="rect">
               <a:avLst/>
@@ -9883,8 +9930,8 @@
         </p:blipFill>
         <p:spPr>
           <a:xfrm>
-            <a:off x="6858000" y="1371600"/>
-            <a:ext cx="1478520" cy="1478520"/>
+            <a:off x="8123400" y="2179800"/>
+            <a:ext cx="1477800" cy="1477800"/>
           </a:xfrm>
           <a:prstGeom prst="rect">
             <a:avLst/>
@@ -9894,6 +9941,178 @@
           </a:ln>
         </p:spPr>
       </p:pic>
+      <p:sp>
+        <p:nvSpPr>
+          <p:cNvPr id="144" name=""/>
+          <p:cNvSpPr txBox="1"/>
+          <p:nvPr/>
+        </p:nvSpPr>
+        <p:spPr>
+          <a:xfrm>
+            <a:off x="457200" y="3429000"/>
+            <a:ext cx="2286000" cy="261000"/>
+          </a:xfrm>
+          <a:prstGeom prst="rect">
+            <a:avLst/>
+          </a:prstGeom>
+          <a:noFill/>
+          <a:ln w="0">
+            <a:noFill/>
+          </a:ln>
+        </p:spPr>
+        <p:txBody>
+          <a:bodyPr lIns="90000" rIns="90000" tIns="45000" bIns="45000" anchor="t">
+            <a:noAutofit/>
+          </a:bodyPr>
+          <a:p>
+            <a:pPr algn="ctr"/>
+            <a:r>
+              <a:rPr b="0" lang="en-ID" sz="1200" spc="-1" strike="noStrike">
+                <a:solidFill>
+                  <a:srgbClr val="000000"/>
+                </a:solidFill>
+                <a:latin typeface="Arial"/>
+              </a:rPr>
+              <a:t>Nodemcu + ultrasonic</a:t>
+            </a:r>
+            <a:endParaRPr b="0" lang="en-ID" sz="1200" spc="-1" strike="noStrike">
+              <a:solidFill>
+                <a:srgbClr val="000000"/>
+              </a:solidFill>
+              <a:latin typeface="Arial"/>
+            </a:endParaRPr>
+          </a:p>
+        </p:txBody>
+      </p:sp>
+      <p:sp>
+        <p:nvSpPr>
+          <p:cNvPr id="145" name=""/>
+          <p:cNvSpPr txBox="1"/>
+          <p:nvPr/>
+        </p:nvSpPr>
+        <p:spPr>
+          <a:xfrm>
+            <a:off x="2971800" y="3853800"/>
+            <a:ext cx="2286000" cy="261000"/>
+          </a:xfrm>
+          <a:prstGeom prst="rect">
+            <a:avLst/>
+          </a:prstGeom>
+          <a:noFill/>
+          <a:ln w="0">
+            <a:noFill/>
+          </a:ln>
+        </p:spPr>
+        <p:txBody>
+          <a:bodyPr lIns="90000" rIns="90000" tIns="45000" bIns="45000" anchor="t">
+            <a:noAutofit/>
+          </a:bodyPr>
+          <a:p>
+            <a:pPr algn="ctr"/>
+            <a:r>
+              <a:rPr b="0" lang="en-ID" sz="1200" spc="-1" strike="noStrike">
+                <a:solidFill>
+                  <a:srgbClr val="000000"/>
+                </a:solidFill>
+                <a:latin typeface="Arial"/>
+              </a:rPr>
+              <a:t>MQTT broker</a:t>
+            </a:r>
+            <a:endParaRPr b="0" lang="en-ID" sz="1200" spc="-1" strike="noStrike">
+              <a:solidFill>
+                <a:srgbClr val="000000"/>
+              </a:solidFill>
+              <a:latin typeface="Arial"/>
+            </a:endParaRPr>
+          </a:p>
+        </p:txBody>
+      </p:sp>
+      <p:sp>
+        <p:nvSpPr>
+          <p:cNvPr id="146" name=""/>
+          <p:cNvSpPr txBox="1"/>
+          <p:nvPr/>
+        </p:nvSpPr>
+        <p:spPr>
+          <a:xfrm>
+            <a:off x="5257800" y="3657600"/>
+            <a:ext cx="2286000" cy="261000"/>
+          </a:xfrm>
+          <a:prstGeom prst="rect">
+            <a:avLst/>
+          </a:prstGeom>
+          <a:noFill/>
+          <a:ln w="0">
+            <a:noFill/>
+          </a:ln>
+        </p:spPr>
+        <p:txBody>
+          <a:bodyPr lIns="90000" rIns="90000" tIns="45000" bIns="45000" anchor="t">
+            <a:noAutofit/>
+          </a:bodyPr>
+          <a:p>
+            <a:pPr algn="ctr"/>
+            <a:r>
+              <a:rPr b="0" lang="en-ID" sz="1200" spc="-1" strike="noStrike">
+                <a:solidFill>
+                  <a:srgbClr val="000000"/>
+                </a:solidFill>
+                <a:latin typeface="Arial"/>
+              </a:rPr>
+              <a:t>MQTT subscirber + Art server</a:t>
+            </a:r>
+            <a:endParaRPr b="0" lang="en-ID" sz="1200" spc="-1" strike="noStrike">
+              <a:solidFill>
+                <a:srgbClr val="000000"/>
+              </a:solidFill>
+              <a:latin typeface="Arial"/>
+            </a:endParaRPr>
+          </a:p>
+        </p:txBody>
+      </p:sp>
+      <p:sp>
+        <p:nvSpPr>
+          <p:cNvPr id="147" name=""/>
+          <p:cNvSpPr txBox="1"/>
+          <p:nvPr/>
+        </p:nvSpPr>
+        <p:spPr>
+          <a:xfrm>
+            <a:off x="7772400" y="3657600"/>
+            <a:ext cx="2286000" cy="261000"/>
+          </a:xfrm>
+          <a:prstGeom prst="rect">
+            <a:avLst/>
+          </a:prstGeom>
+          <a:noFill/>
+          <a:ln w="0">
+            <a:noFill/>
+          </a:ln>
+        </p:spPr>
+        <p:txBody>
+          <a:bodyPr lIns="90000" rIns="90000" tIns="45000" bIns="45000" anchor="t">
+            <a:noAutofit/>
+          </a:bodyPr>
+          <a:p>
+            <a:pPr algn="ctr"/>
+            <a:r>
+              <a:rPr b="0" lang="en-ID" sz="1200" spc="-1" strike="noStrike">
+                <a:solidFill>
+                  <a:srgbClr val="000000"/>
+                </a:solidFill>
+                <a:latin typeface="Arial"/>
+              </a:rPr>
+              <a:t>Art Server -&gt; Display</a:t>
+            </a:r>
+            <a:endParaRPr b="0" lang="en-ID" sz="1200" spc="-1" strike="noStrike">
+              <a:solidFill>
+                <a:srgbClr val="000000"/>
+              </a:solidFill>
+              <a:latin typeface="Arial"/>
+            </a:endParaRPr>
+          </a:p>
+        </p:txBody>
+      </p:sp>
     </p:spTree>
   </p:cSld>
   <mc:AlternateContent>
@@ -9926,7 +10145,7 @@
       </p:grpSpPr>
       <p:sp>
         <p:nvSpPr>
-          <p:cNvPr id="144" name="PlaceHolder 1"/>
+          <p:cNvPr id="148" name="PlaceHolder 1"/>
           <p:cNvSpPr>
             <a:spLocks noGrp="1"/>
           </p:cNvSpPr>
@@ -9937,7 +10156,7 @@
         <p:spPr>
           <a:xfrm>
             <a:off x="2700000" y="1440000"/>
-            <a:ext cx="4679640" cy="1619640"/>
+            <a:ext cx="4678920" cy="1618920"/>
           </a:xfrm>
           <a:prstGeom prst="rect">
             <a:avLst/>
@@ -9978,7 +10197,7 @@
         <p:txBody>
           <a:bodyPr/>
           <a:p>
-            <a:fld id="{B1DA1E42-3AD0-4800-9D84-732BBA883B21}" type="slidenum">
+            <a:fld id="{747BEDDD-BBDC-4F32-8B11-BFB41D51CA41}" type="slidenum">
               <a:t>4</a:t>
             </a:fld>
           </a:p>
